--- a/docs/Poster_ModAH_sbasak.pptx
+++ b/docs/Poster_ModAH_sbasak.pptx
@@ -4,11 +4,14 @@
   <p:sldMasterIdLst>
     <p:sldMasterId id="2147483660" r:id="rId1"/>
   </p:sldMasterIdLst>
+  <p:notesMasterIdLst>
+    <p:notesMasterId r:id="rId3"/>
+  </p:notesMasterIdLst>
   <p:sldIdLst>
     <p:sldId id="256" r:id="rId2"/>
   </p:sldIdLst>
   <p:sldSz cx="30275213" cy="42803763"/>
-  <p:notesSz cx="6858000" cy="9144000"/>
+  <p:notesSz cx="6799263" cy="9929813"/>
   <p:defaultTextStyle>
     <a:defPPr>
       <a:defRPr lang="en-US"/>
@@ -104,7 +107,362 @@
       </a:defRPr>
     </a:lvl9pPr>
   </p:defaultTextStyle>
+  <p:extLst>
+    <p:ext uri="{EFAFB233-063F-42B5-8137-9DF3F51BA10A}">
+      <p15:sldGuideLst xmlns:p15="http://schemas.microsoft.com/office/powerpoint/2012/main"/>
+    </p:ext>
+  </p:extLst>
 </p:presentation>
+</file>
+
+<file path=ppt/notesMasters/notesMaster1.xml><?xml version="1.0" encoding="utf-8"?>
+<p:notesMaster xmlns:a="http://schemas.openxmlformats.org/drawingml/2006/main" xmlns:r="http://schemas.openxmlformats.org/officeDocument/2006/relationships" xmlns:p="http://schemas.openxmlformats.org/presentationml/2006/main">
+  <p:cSld>
+    <p:bg>
+      <p:bgRef idx="1001">
+        <a:schemeClr val="bg1"/>
+      </p:bgRef>
+    </p:bg>
+    <p:spTree>
+      <p:nvGrpSpPr>
+        <p:cNvPr id="1" name=""/>
+        <p:cNvGrpSpPr/>
+        <p:nvPr/>
+      </p:nvGrpSpPr>
+      <p:grpSpPr>
+        <a:xfrm>
+          <a:off x="0" y="0"/>
+          <a:ext cx="0" cy="0"/>
+          <a:chOff x="0" y="0"/>
+          <a:chExt cx="0" cy="0"/>
+        </a:xfrm>
+      </p:grpSpPr>
+      <p:sp>
+        <p:nvSpPr>
+          <p:cNvPr id="2" name="Espace réservé de l'en-tête 1"/>
+          <p:cNvSpPr>
+            <a:spLocks noGrp="1"/>
+          </p:cNvSpPr>
+          <p:nvPr>
+            <p:ph type="hdr" sz="quarter"/>
+          </p:nvPr>
+        </p:nvSpPr>
+        <p:spPr>
+          <a:xfrm>
+            <a:off x="0" y="0"/>
+            <a:ext cx="2946347" cy="498215"/>
+          </a:xfrm>
+          <a:prstGeom prst="rect">
+            <a:avLst/>
+          </a:prstGeom>
+        </p:spPr>
+        <p:txBody>
+          <a:bodyPr vert="horz" lIns="91440" tIns="45720" rIns="91440" bIns="45720" rtlCol="0"/>
+          <a:lstStyle>
+            <a:lvl1pPr algn="l">
+              <a:defRPr sz="1200"/>
+            </a:lvl1pPr>
+          </a:lstStyle>
+          <a:p>
+            <a:endParaRPr lang="fr-FR"/>
+          </a:p>
+        </p:txBody>
+      </p:sp>
+      <p:sp>
+        <p:nvSpPr>
+          <p:cNvPr id="3" name="Espace réservé de la date 2"/>
+          <p:cNvSpPr>
+            <a:spLocks noGrp="1"/>
+          </p:cNvSpPr>
+          <p:nvPr>
+            <p:ph type="dt" idx="1"/>
+          </p:nvPr>
+        </p:nvSpPr>
+        <p:spPr>
+          <a:xfrm>
+            <a:off x="3851342" y="0"/>
+            <a:ext cx="2946347" cy="498215"/>
+          </a:xfrm>
+          <a:prstGeom prst="rect">
+            <a:avLst/>
+          </a:prstGeom>
+        </p:spPr>
+        <p:txBody>
+          <a:bodyPr vert="horz" lIns="91440" tIns="45720" rIns="91440" bIns="45720" rtlCol="0"/>
+          <a:lstStyle>
+            <a:lvl1pPr algn="r">
+              <a:defRPr sz="1200"/>
+            </a:lvl1pPr>
+          </a:lstStyle>
+          <a:p>
+            <a:fld id="{30B2879C-E2E7-41DD-8C48-B2C9A03F15D4}" type="datetimeFigureOut">
+              <a:rPr lang="fr-FR" smtClean="0"/>
+              <a:t>31/07/2024</a:t>
+            </a:fld>
+            <a:endParaRPr lang="fr-FR"/>
+          </a:p>
+        </p:txBody>
+      </p:sp>
+      <p:sp>
+        <p:nvSpPr>
+          <p:cNvPr id="4" name="Espace réservé de l'image des diapositives 3"/>
+          <p:cNvSpPr>
+            <a:spLocks noGrp="1" noRot="1" noChangeAspect="1"/>
+          </p:cNvSpPr>
+          <p:nvPr>
+            <p:ph type="sldImg" idx="2"/>
+          </p:nvPr>
+        </p:nvSpPr>
+        <p:spPr>
+          <a:xfrm>
+            <a:off x="2214563" y="1241425"/>
+            <a:ext cx="2370137" cy="3351213"/>
+          </a:xfrm>
+          <a:prstGeom prst="rect">
+            <a:avLst/>
+          </a:prstGeom>
+          <a:noFill/>
+          <a:ln w="12700">
+            <a:solidFill>
+              <a:prstClr val="black"/>
+            </a:solidFill>
+          </a:ln>
+        </p:spPr>
+        <p:txBody>
+          <a:bodyPr vert="horz" lIns="91440" tIns="45720" rIns="91440" bIns="45720" rtlCol="0" anchor="ctr"/>
+          <a:lstStyle/>
+          <a:p>
+            <a:endParaRPr lang="fr-FR"/>
+          </a:p>
+        </p:txBody>
+      </p:sp>
+      <p:sp>
+        <p:nvSpPr>
+          <p:cNvPr id="5" name="Espace réservé des notes 4"/>
+          <p:cNvSpPr>
+            <a:spLocks noGrp="1"/>
+          </p:cNvSpPr>
+          <p:nvPr>
+            <p:ph type="body" sz="quarter" idx="3"/>
+          </p:nvPr>
+        </p:nvSpPr>
+        <p:spPr>
+          <a:xfrm>
+            <a:off x="679927" y="4778722"/>
+            <a:ext cx="5439410" cy="3909864"/>
+          </a:xfrm>
+          <a:prstGeom prst="rect">
+            <a:avLst/>
+          </a:prstGeom>
+        </p:spPr>
+        <p:txBody>
+          <a:bodyPr vert="horz" lIns="91440" tIns="45720" rIns="91440" bIns="45720" rtlCol="0"/>
+          <a:lstStyle/>
+          <a:p>
+            <a:pPr lvl="0"/>
+            <a:r>
+              <a:rPr lang="fr-FR" smtClean="0"/>
+              <a:t>Modifier les styles du texte du masque</a:t>
+            </a:r>
+          </a:p>
+          <a:p>
+            <a:pPr lvl="1"/>
+            <a:r>
+              <a:rPr lang="fr-FR" smtClean="0"/>
+              <a:t>Deuxième niveau</a:t>
+            </a:r>
+          </a:p>
+          <a:p>
+            <a:pPr lvl="2"/>
+            <a:r>
+              <a:rPr lang="fr-FR" smtClean="0"/>
+              <a:t>Troisième niveau</a:t>
+            </a:r>
+          </a:p>
+          <a:p>
+            <a:pPr lvl="3"/>
+            <a:r>
+              <a:rPr lang="fr-FR" smtClean="0"/>
+              <a:t>Quatrième niveau</a:t>
+            </a:r>
+          </a:p>
+          <a:p>
+            <a:pPr lvl="4"/>
+            <a:r>
+              <a:rPr lang="fr-FR" smtClean="0"/>
+              <a:t>Cinquième niveau</a:t>
+            </a:r>
+            <a:endParaRPr lang="fr-FR"/>
+          </a:p>
+        </p:txBody>
+      </p:sp>
+      <p:sp>
+        <p:nvSpPr>
+          <p:cNvPr id="6" name="Espace réservé du pied de page 5"/>
+          <p:cNvSpPr>
+            <a:spLocks noGrp="1"/>
+          </p:cNvSpPr>
+          <p:nvPr>
+            <p:ph type="ftr" sz="quarter" idx="4"/>
+          </p:nvPr>
+        </p:nvSpPr>
+        <p:spPr>
+          <a:xfrm>
+            <a:off x="0" y="9431600"/>
+            <a:ext cx="2946347" cy="498214"/>
+          </a:xfrm>
+          <a:prstGeom prst="rect">
+            <a:avLst/>
+          </a:prstGeom>
+        </p:spPr>
+        <p:txBody>
+          <a:bodyPr vert="horz" lIns="91440" tIns="45720" rIns="91440" bIns="45720" rtlCol="0" anchor="b"/>
+          <a:lstStyle>
+            <a:lvl1pPr algn="l">
+              <a:defRPr sz="1200"/>
+            </a:lvl1pPr>
+          </a:lstStyle>
+          <a:p>
+            <a:endParaRPr lang="fr-FR"/>
+          </a:p>
+        </p:txBody>
+      </p:sp>
+      <p:sp>
+        <p:nvSpPr>
+          <p:cNvPr id="7" name="Espace réservé du numéro de diapositive 6"/>
+          <p:cNvSpPr>
+            <a:spLocks noGrp="1"/>
+          </p:cNvSpPr>
+          <p:nvPr>
+            <p:ph type="sldNum" sz="quarter" idx="5"/>
+          </p:nvPr>
+        </p:nvSpPr>
+        <p:spPr>
+          <a:xfrm>
+            <a:off x="3851342" y="9431600"/>
+            <a:ext cx="2946347" cy="498214"/>
+          </a:xfrm>
+          <a:prstGeom prst="rect">
+            <a:avLst/>
+          </a:prstGeom>
+        </p:spPr>
+        <p:txBody>
+          <a:bodyPr vert="horz" lIns="91440" tIns="45720" rIns="91440" bIns="45720" rtlCol="0" anchor="b"/>
+          <a:lstStyle>
+            <a:lvl1pPr algn="r">
+              <a:defRPr sz="1200"/>
+            </a:lvl1pPr>
+          </a:lstStyle>
+          <a:p>
+            <a:fld id="{961FFD92-392A-4C1A-8748-FC54220BB66F}" type="slidenum">
+              <a:rPr lang="fr-FR" smtClean="0"/>
+              <a:t>‹N°›</a:t>
+            </a:fld>
+            <a:endParaRPr lang="fr-FR"/>
+          </a:p>
+        </p:txBody>
+      </p:sp>
+    </p:spTree>
+    <p:extLst>
+      <p:ext uri="{BB962C8B-B14F-4D97-AF65-F5344CB8AC3E}">
+        <p14:creationId xmlns:p14="http://schemas.microsoft.com/office/powerpoint/2010/main" val="3928683524"/>
+      </p:ext>
+    </p:extLst>
+  </p:cSld>
+  <p:clrMap bg1="lt1" tx1="dk1" bg2="lt2" tx2="dk2" accent1="accent1" accent2="accent2" accent3="accent3" accent4="accent4" accent5="accent5" accent6="accent6" hlink="hlink" folHlink="folHlink"/>
+  <p:notesStyle>
+    <a:lvl1pPr marL="0" algn="l" defTabSz="914400" rtl="0" eaLnBrk="1" latinLnBrk="0" hangingPunct="1">
+      <a:defRPr sz="1200" kern="1200">
+        <a:solidFill>
+          <a:schemeClr val="tx1"/>
+        </a:solidFill>
+        <a:latin typeface="+mn-lt"/>
+        <a:ea typeface="+mn-ea"/>
+        <a:cs typeface="+mn-cs"/>
+      </a:defRPr>
+    </a:lvl1pPr>
+    <a:lvl2pPr marL="457200" algn="l" defTabSz="914400" rtl="0" eaLnBrk="1" latinLnBrk="0" hangingPunct="1">
+      <a:defRPr sz="1200" kern="1200">
+        <a:solidFill>
+          <a:schemeClr val="tx1"/>
+        </a:solidFill>
+        <a:latin typeface="+mn-lt"/>
+        <a:ea typeface="+mn-ea"/>
+        <a:cs typeface="+mn-cs"/>
+      </a:defRPr>
+    </a:lvl2pPr>
+    <a:lvl3pPr marL="914400" algn="l" defTabSz="914400" rtl="0" eaLnBrk="1" latinLnBrk="0" hangingPunct="1">
+      <a:defRPr sz="1200" kern="1200">
+        <a:solidFill>
+          <a:schemeClr val="tx1"/>
+        </a:solidFill>
+        <a:latin typeface="+mn-lt"/>
+        <a:ea typeface="+mn-ea"/>
+        <a:cs typeface="+mn-cs"/>
+      </a:defRPr>
+    </a:lvl3pPr>
+    <a:lvl4pPr marL="1371600" algn="l" defTabSz="914400" rtl="0" eaLnBrk="1" latinLnBrk="0" hangingPunct="1">
+      <a:defRPr sz="1200" kern="1200">
+        <a:solidFill>
+          <a:schemeClr val="tx1"/>
+        </a:solidFill>
+        <a:latin typeface="+mn-lt"/>
+        <a:ea typeface="+mn-ea"/>
+        <a:cs typeface="+mn-cs"/>
+      </a:defRPr>
+    </a:lvl4pPr>
+    <a:lvl5pPr marL="1828800" algn="l" defTabSz="914400" rtl="0" eaLnBrk="1" latinLnBrk="0" hangingPunct="1">
+      <a:defRPr sz="1200" kern="1200">
+        <a:solidFill>
+          <a:schemeClr val="tx1"/>
+        </a:solidFill>
+        <a:latin typeface="+mn-lt"/>
+        <a:ea typeface="+mn-ea"/>
+        <a:cs typeface="+mn-cs"/>
+      </a:defRPr>
+    </a:lvl5pPr>
+    <a:lvl6pPr marL="2286000" algn="l" defTabSz="914400" rtl="0" eaLnBrk="1" latinLnBrk="0" hangingPunct="1">
+      <a:defRPr sz="1200" kern="1200">
+        <a:solidFill>
+          <a:schemeClr val="tx1"/>
+        </a:solidFill>
+        <a:latin typeface="+mn-lt"/>
+        <a:ea typeface="+mn-ea"/>
+        <a:cs typeface="+mn-cs"/>
+      </a:defRPr>
+    </a:lvl6pPr>
+    <a:lvl7pPr marL="2743200" algn="l" defTabSz="914400" rtl="0" eaLnBrk="1" latinLnBrk="0" hangingPunct="1">
+      <a:defRPr sz="1200" kern="1200">
+        <a:solidFill>
+          <a:schemeClr val="tx1"/>
+        </a:solidFill>
+        <a:latin typeface="+mn-lt"/>
+        <a:ea typeface="+mn-ea"/>
+        <a:cs typeface="+mn-cs"/>
+      </a:defRPr>
+    </a:lvl7pPr>
+    <a:lvl8pPr marL="3200400" algn="l" defTabSz="914400" rtl="0" eaLnBrk="1" latinLnBrk="0" hangingPunct="1">
+      <a:defRPr sz="1200" kern="1200">
+        <a:solidFill>
+          <a:schemeClr val="tx1"/>
+        </a:solidFill>
+        <a:latin typeface="+mn-lt"/>
+        <a:ea typeface="+mn-ea"/>
+        <a:cs typeface="+mn-cs"/>
+      </a:defRPr>
+    </a:lvl8pPr>
+    <a:lvl9pPr marL="3657600" algn="l" defTabSz="914400" rtl="0" eaLnBrk="1" latinLnBrk="0" hangingPunct="1">
+      <a:defRPr sz="1200" kern="1200">
+        <a:solidFill>
+          <a:schemeClr val="tx1"/>
+        </a:solidFill>
+        <a:latin typeface="+mn-lt"/>
+        <a:ea typeface="+mn-ea"/>
+        <a:cs typeface="+mn-cs"/>
+      </a:defRPr>
+    </a:lvl9pPr>
+  </p:notesStyle>
+</p:notesMaster>
 </file>
 
 <file path=ppt/slideLayouts/slideLayout1.xml><?xml version="1.0" encoding="utf-8"?>
@@ -238,7 +596,7 @@
           <a:p>
             <a:fld id="{36858CB8-11F8-4AAC-AB86-67A36E1B5295}" type="datetimeFigureOut">
               <a:rPr lang="fr-FR" smtClean="0"/>
-              <a:t>30/07/2024</a:t>
+              <a:t>31/07/2024</a:t>
             </a:fld>
             <a:endParaRPr lang="fr-FR" dirty="0"/>
           </a:p>
@@ -408,7 +766,7 @@
           <a:p>
             <a:fld id="{36858CB8-11F8-4AAC-AB86-67A36E1B5295}" type="datetimeFigureOut">
               <a:rPr lang="fr-FR" smtClean="0"/>
-              <a:t>30/07/2024</a:t>
+              <a:t>31/07/2024</a:t>
             </a:fld>
             <a:endParaRPr lang="fr-FR" dirty="0"/>
           </a:p>
@@ -588,7 +946,7 @@
           <a:p>
             <a:fld id="{36858CB8-11F8-4AAC-AB86-67A36E1B5295}" type="datetimeFigureOut">
               <a:rPr lang="fr-FR" smtClean="0"/>
-              <a:t>30/07/2024</a:t>
+              <a:t>31/07/2024</a:t>
             </a:fld>
             <a:endParaRPr lang="fr-FR" dirty="0"/>
           </a:p>
@@ -758,7 +1116,7 @@
           <a:p>
             <a:fld id="{36858CB8-11F8-4AAC-AB86-67A36E1B5295}" type="datetimeFigureOut">
               <a:rPr lang="fr-FR" smtClean="0"/>
-              <a:t>30/07/2024</a:t>
+              <a:t>31/07/2024</a:t>
             </a:fld>
             <a:endParaRPr lang="fr-FR" dirty="0"/>
           </a:p>
@@ -1002,7 +1360,7 @@
           <a:p>
             <a:fld id="{36858CB8-11F8-4AAC-AB86-67A36E1B5295}" type="datetimeFigureOut">
               <a:rPr lang="fr-FR" smtClean="0"/>
-              <a:t>30/07/2024</a:t>
+              <a:t>31/07/2024</a:t>
             </a:fld>
             <a:endParaRPr lang="fr-FR" dirty="0"/>
           </a:p>
@@ -1234,7 +1592,7 @@
           <a:p>
             <a:fld id="{36858CB8-11F8-4AAC-AB86-67A36E1B5295}" type="datetimeFigureOut">
               <a:rPr lang="fr-FR" smtClean="0"/>
-              <a:t>30/07/2024</a:t>
+              <a:t>31/07/2024</a:t>
             </a:fld>
             <a:endParaRPr lang="fr-FR" dirty="0"/>
           </a:p>
@@ -1601,7 +1959,7 @@
           <a:p>
             <a:fld id="{36858CB8-11F8-4AAC-AB86-67A36E1B5295}" type="datetimeFigureOut">
               <a:rPr lang="fr-FR" smtClean="0"/>
-              <a:t>30/07/2024</a:t>
+              <a:t>31/07/2024</a:t>
             </a:fld>
             <a:endParaRPr lang="fr-FR" dirty="0"/>
           </a:p>
@@ -1719,7 +2077,7 @@
           <a:p>
             <a:fld id="{36858CB8-11F8-4AAC-AB86-67A36E1B5295}" type="datetimeFigureOut">
               <a:rPr lang="fr-FR" smtClean="0"/>
-              <a:t>30/07/2024</a:t>
+              <a:t>31/07/2024</a:t>
             </a:fld>
             <a:endParaRPr lang="fr-FR" dirty="0"/>
           </a:p>
@@ -1814,7 +2172,7 @@
           <a:p>
             <a:fld id="{36858CB8-11F8-4AAC-AB86-67A36E1B5295}" type="datetimeFigureOut">
               <a:rPr lang="fr-FR" smtClean="0"/>
-              <a:t>30/07/2024</a:t>
+              <a:t>31/07/2024</a:t>
             </a:fld>
             <a:endParaRPr lang="fr-FR" dirty="0"/>
           </a:p>
@@ -2091,7 +2449,7 @@
           <a:p>
             <a:fld id="{36858CB8-11F8-4AAC-AB86-67A36E1B5295}" type="datetimeFigureOut">
               <a:rPr lang="fr-FR" smtClean="0"/>
-              <a:t>30/07/2024</a:t>
+              <a:t>31/07/2024</a:t>
             </a:fld>
             <a:endParaRPr lang="fr-FR" dirty="0"/>
           </a:p>
@@ -2348,7 +2706,7 @@
           <a:p>
             <a:fld id="{36858CB8-11F8-4AAC-AB86-67A36E1B5295}" type="datetimeFigureOut">
               <a:rPr lang="fr-FR" smtClean="0"/>
-              <a:t>30/07/2024</a:t>
+              <a:t>31/07/2024</a:t>
             </a:fld>
             <a:endParaRPr lang="fr-FR" dirty="0"/>
           </a:p>
@@ -2561,7 +2919,7 @@
           <a:p>
             <a:fld id="{36858CB8-11F8-4AAC-AB86-67A36E1B5295}" type="datetimeFigureOut">
               <a:rPr lang="fr-FR" smtClean="0"/>
-              <a:t>30/07/2024</a:t>
+              <a:t>31/07/2024</a:t>
             </a:fld>
             <a:endParaRPr lang="fr-FR" dirty="0"/>
           </a:p>
@@ -3192,264 +3550,13 @@
       </p:sp>
       <p:sp>
         <p:nvSpPr>
-          <p:cNvPr id="18" name="ZoneTexte 17"/>
-          <p:cNvSpPr txBox="1"/>
-          <p:nvPr/>
-        </p:nvSpPr>
-        <p:spPr>
-          <a:xfrm>
-            <a:off x="1412940" y="8079031"/>
-            <a:ext cx="15207715" cy="6186309"/>
-          </a:xfrm>
-          <a:prstGeom prst="rect">
-            <a:avLst/>
-          </a:prstGeom>
-          <a:ln>
-            <a:noFill/>
-          </a:ln>
-        </p:spPr>
-        <p:style>
-          <a:lnRef idx="2">
-            <a:schemeClr val="accent5"/>
-          </a:lnRef>
-          <a:fillRef idx="1">
-            <a:schemeClr val="lt1"/>
-          </a:fillRef>
-          <a:effectRef idx="0">
-            <a:schemeClr val="accent5"/>
-          </a:effectRef>
-          <a:fontRef idx="minor">
-            <a:schemeClr val="dk1"/>
-          </a:fontRef>
-        </p:style>
-        <p:txBody>
-          <a:bodyPr wrap="square" rtlCol="0">
-            <a:spAutoFit/>
-          </a:bodyPr>
-          <a:lstStyle/>
-          <a:p>
-            <a:pPr>
-              <a:lnSpc>
-                <a:spcPct val="150000"/>
-              </a:lnSpc>
-            </a:pPr>
-            <a:r>
-              <a:rPr lang="fr-FR" sz="3600" b="1" dirty="0" smtClean="0"/>
-              <a:t>PROJECT ENVIRE</a:t>
-            </a:r>
-          </a:p>
-          <a:p>
-            <a:pPr algn="ctr">
-              <a:lnSpc>
-                <a:spcPct val="150000"/>
-              </a:lnSpc>
-            </a:pPr>
-            <a:r>
-              <a:rPr lang="fr-FR" sz="3600" b="1" dirty="0"/>
-              <a:t>CONSORTIUM AND </a:t>
-            </a:r>
-            <a:r>
-              <a:rPr lang="fr-FR" sz="3600" b="1" dirty="0" smtClean="0"/>
-              <a:t>FUNDING</a:t>
-            </a:r>
-            <a:endParaRPr lang="en-US" sz="3600" dirty="0" smtClean="0"/>
-          </a:p>
-          <a:p>
-            <a:pPr marL="571500" indent="-571500">
-              <a:buFont typeface="Arial" panose="020B0604020202020204" pitchFamily="34" charset="0"/>
-              <a:buChar char="•"/>
-            </a:pPr>
-            <a:r>
-              <a:rPr lang="fr-FR" sz="3600" dirty="0" smtClean="0"/>
-              <a:t>Project </a:t>
-            </a:r>
-            <a:r>
-              <a:rPr lang="fr-FR" sz="3600" dirty="0"/>
-              <a:t>duration: 2022-2025</a:t>
-            </a:r>
-          </a:p>
-          <a:p>
-            <a:pPr marL="571500" indent="-571500">
-              <a:buFont typeface="Arial" panose="020B0604020202020204" pitchFamily="34" charset="0"/>
-              <a:buChar char="•"/>
-            </a:pPr>
-            <a:r>
-              <a:rPr lang="en-US" sz="3600" dirty="0"/>
-              <a:t>Germany, France, Lithuania, Poland, Tunisia</a:t>
-            </a:r>
-            <a:endParaRPr lang="fr-FR" sz="3600" dirty="0"/>
-          </a:p>
-          <a:p>
-            <a:pPr marL="571500" indent="-571500">
-              <a:buFont typeface="Arial" panose="020B0604020202020204" pitchFamily="34" charset="0"/>
-              <a:buChar char="•"/>
-            </a:pPr>
-            <a:r>
-              <a:rPr lang="en-US" sz="3600" dirty="0"/>
-              <a:t>Funded by the European Transnational Programme - </a:t>
-            </a:r>
-            <a:r>
-              <a:rPr lang="fr-FR" sz="3600" dirty="0">
-                <a:solidFill>
-                  <a:srgbClr val="FF0000"/>
-                </a:solidFill>
-              </a:rPr>
-              <a:t>JPIAMR-ACTION</a:t>
-            </a:r>
-            <a:endParaRPr lang="en-US" sz="3600" dirty="0">
-              <a:solidFill>
-                <a:srgbClr val="FF0000"/>
-              </a:solidFill>
-            </a:endParaRPr>
-          </a:p>
-          <a:p>
-            <a:pPr algn="ctr"/>
-            <a:endParaRPr lang="en-US" sz="3600" dirty="0" smtClean="0"/>
-          </a:p>
-          <a:p>
-            <a:pPr algn="ctr"/>
-            <a:r>
-              <a:rPr lang="fr-FR" sz="3600" b="1" dirty="0" smtClean="0"/>
-              <a:t>OBJECTIVES</a:t>
-            </a:r>
-          </a:p>
-          <a:p>
-            <a:pPr marL="571500" indent="-571500">
-              <a:buFont typeface="Arial" panose="020B0604020202020204" pitchFamily="34" charset="0"/>
-              <a:buChar char="•"/>
-            </a:pPr>
-            <a:r>
-              <a:rPr lang="en-US" sz="3600" dirty="0" smtClean="0"/>
-              <a:t>Reduce </a:t>
-            </a:r>
-            <a:r>
-              <a:rPr lang="en-US" sz="3600" dirty="0"/>
-              <a:t>antimicrobial-resistant (</a:t>
-            </a:r>
-            <a:r>
-              <a:rPr lang="en-US" sz="3600" dirty="0">
-                <a:solidFill>
-                  <a:srgbClr val="FF0000"/>
-                </a:solidFill>
-              </a:rPr>
-              <a:t>AMR</a:t>
-            </a:r>
-            <a:r>
-              <a:rPr lang="en-US" sz="3600" dirty="0"/>
-              <a:t>) bacteria spread from broiler chickens</a:t>
-            </a:r>
-          </a:p>
-          <a:p>
-            <a:pPr marL="571500" indent="-571500">
-              <a:buFont typeface="Arial" panose="020B0604020202020204" pitchFamily="34" charset="0"/>
-              <a:buChar char="•"/>
-            </a:pPr>
-            <a:r>
-              <a:rPr lang="en-US" sz="3600" dirty="0" smtClean="0"/>
-              <a:t>Investigate </a:t>
-            </a:r>
-            <a:r>
-              <a:rPr lang="en-US" sz="3600" dirty="0"/>
-              <a:t>the potential of various on-farm </a:t>
-            </a:r>
-            <a:r>
-              <a:rPr lang="en-US" sz="3600" dirty="0" smtClean="0">
-                <a:solidFill>
-                  <a:srgbClr val="FF0000"/>
-                </a:solidFill>
-              </a:rPr>
-              <a:t>intervention</a:t>
-            </a:r>
-            <a:r>
-              <a:rPr lang="en-US" sz="3600" dirty="0" smtClean="0"/>
-              <a:t> measures</a:t>
-            </a:r>
-            <a:endParaRPr lang="en-US" sz="3600" dirty="0"/>
-          </a:p>
-          <a:p>
-            <a:pPr marL="571500" indent="-571500">
-              <a:buFont typeface="Arial" panose="020B0604020202020204" pitchFamily="34" charset="0"/>
-              <a:buChar char="•"/>
-            </a:pPr>
-            <a:r>
-              <a:rPr lang="en-US" sz="3600" dirty="0" smtClean="0"/>
-              <a:t>Reduce transmission and human exposure to ESBL </a:t>
-            </a:r>
-            <a:r>
-              <a:rPr lang="en-US" sz="3600" i="1" dirty="0" smtClean="0"/>
-              <a:t>E. Coli</a:t>
-            </a:r>
-            <a:r>
-              <a:rPr lang="en-US" sz="3600" dirty="0" smtClean="0"/>
-              <a:t> from broiler chicken</a:t>
-            </a:r>
-            <a:endParaRPr lang="en-US" sz="3600" dirty="0"/>
-          </a:p>
-        </p:txBody>
-      </p:sp>
-      <p:sp>
-        <p:nvSpPr>
-          <p:cNvPr id="22" name="Rectangle à coins arrondis 21"/>
-          <p:cNvSpPr/>
-          <p:nvPr/>
-        </p:nvSpPr>
-        <p:spPr>
-          <a:xfrm>
-            <a:off x="1081364" y="8072300"/>
-            <a:ext cx="15803137" cy="6443413"/>
-          </a:xfrm>
-          <a:prstGeom prst="roundRect">
-            <a:avLst>
-              <a:gd name="adj" fmla="val 5309"/>
-            </a:avLst>
-          </a:prstGeom>
-          <a:solidFill>
-            <a:srgbClr val="5B9BD5">
-              <a:alpha val="0"/>
-            </a:srgbClr>
-          </a:solidFill>
-          <a:ln w="38100" cmpd="dbl">
-            <a:solidFill>
-              <a:schemeClr val="accent1">
-                <a:lumMod val="50000"/>
-              </a:schemeClr>
-            </a:solidFill>
-          </a:ln>
-        </p:spPr>
-        <p:style>
-          <a:lnRef idx="2">
-            <a:schemeClr val="accent1">
-              <a:shade val="50000"/>
-            </a:schemeClr>
-          </a:lnRef>
-          <a:fillRef idx="1">
-            <a:schemeClr val="accent1"/>
-          </a:fillRef>
-          <a:effectRef idx="0">
-            <a:schemeClr val="accent1"/>
-          </a:effectRef>
-          <a:fontRef idx="minor">
-            <a:schemeClr val="lt1"/>
-          </a:fontRef>
-        </p:style>
-        <p:txBody>
-          <a:bodyPr rtlCol="0" anchor="ctr"/>
-          <a:lstStyle/>
-          <a:p>
-            <a:pPr algn="ctr"/>
-            <a:endParaRPr lang="fr-FR"/>
-          </a:p>
-        </p:txBody>
-      </p:sp>
-      <p:sp>
-        <p:nvSpPr>
           <p:cNvPr id="23" name="ZoneTexte 22"/>
           <p:cNvSpPr txBox="1"/>
           <p:nvPr/>
         </p:nvSpPr>
         <p:spPr>
           <a:xfrm>
-            <a:off x="1081365" y="6644694"/>
+            <a:off x="1252465" y="6626994"/>
             <a:ext cx="9739423" cy="1015663"/>
           </a:xfrm>
           <a:prstGeom prst="rect">
@@ -3480,9 +3587,9 @@
         <p:grpSpPr>
           <a:xfrm>
             <a:off x="19658021" y="8079031"/>
-            <a:ext cx="9405669" cy="6740307"/>
+            <a:ext cx="9405669" cy="5909310"/>
             <a:chOff x="19897835" y="8079031"/>
-            <a:chExt cx="9405669" cy="6740307"/>
+            <a:chExt cx="9405669" cy="5909310"/>
           </a:xfrm>
         </p:grpSpPr>
         <p:sp>
@@ -3494,7 +3601,7 @@
           <p:spPr>
             <a:xfrm>
               <a:off x="19897835" y="8079031"/>
-              <a:ext cx="9405669" cy="6740307"/>
+              <a:ext cx="9405669" cy="5909310"/>
             </a:xfrm>
             <a:prstGeom prst="rect">
               <a:avLst/>
@@ -3518,66 +3625,23 @@
               </a:r>
             </a:p>
             <a:p>
-              <a:pPr algn="ctr">
-                <a:lnSpc>
-                  <a:spcPct val="150000"/>
-                </a:lnSpc>
-              </a:pPr>
-              <a:r>
-                <a:rPr lang="fr-FR" sz="3600" b="1" dirty="0" smtClean="0"/>
-                <a:t>Quantitative </a:t>
-              </a:r>
-              <a:r>
-                <a:rPr lang="fr-FR" sz="3600" b="1" dirty="0" err="1" smtClean="0"/>
-                <a:t>Risk</a:t>
-              </a:r>
-              <a:r>
-                <a:rPr lang="fr-FR" sz="3600" b="1" dirty="0" smtClean="0"/>
-                <a:t> </a:t>
-              </a:r>
-              <a:r>
-                <a:rPr lang="fr-FR" sz="3600" b="1" dirty="0" err="1" smtClean="0"/>
-                <a:t>Assessment</a:t>
-              </a:r>
-              <a:endParaRPr lang="fr-FR" sz="3600" b="1" dirty="0" smtClean="0"/>
-            </a:p>
-            <a:p>
               <a:pPr marL="571500" indent="-571500">
                 <a:buFont typeface="Arial" panose="020B0604020202020204" pitchFamily="34" charset="0"/>
                 <a:buChar char="•"/>
               </a:pPr>
               <a:r>
-                <a:rPr lang="fr-FR" sz="3600" dirty="0" err="1" smtClean="0"/>
-                <a:t>Study</a:t>
+                <a:rPr lang="fr-FR" sz="3600" dirty="0"/>
+                <a:t>Quantitative Risk </a:t>
               </a:r>
               <a:r>
                 <a:rPr lang="fr-FR" sz="3600" dirty="0" smtClean="0"/>
-                <a:t> </a:t>
-              </a:r>
-              <a:r>
-                <a:rPr lang="fr-FR" sz="3600" dirty="0" err="1" smtClean="0"/>
-                <a:t>human</a:t>
-              </a:r>
-              <a:r>
-                <a:rPr lang="fr-FR" sz="3600" dirty="0" smtClean="0"/>
-                <a:t> </a:t>
-              </a:r>
-              <a:r>
-                <a:rPr lang="en-US" sz="3600" dirty="0" smtClean="0"/>
-                <a:t>exposure</a:t>
-              </a:r>
-              <a:r>
-                <a:rPr lang="fr-FR" sz="3600" dirty="0" smtClean="0"/>
-                <a:t> </a:t>
-              </a:r>
-              <a:r>
-                <a:rPr lang="en-US" sz="3600" dirty="0" smtClean="0"/>
-                <a:t>pathways</a:t>
+                <a:t>Assessment with pathways</a:t>
               </a:r>
               <a:r>
                 <a:rPr lang="fr-FR" sz="3600" dirty="0" smtClean="0"/>
                 <a:t>:</a:t>
               </a:r>
+              <a:endParaRPr lang="fr-FR" sz="3600" dirty="0" smtClean="0"/>
             </a:p>
             <a:p>
               <a:pPr marL="571500" indent="-571500">
@@ -3661,9 +3725,9 @@
           </p:nvGrpSpPr>
           <p:grpSpPr>
             <a:xfrm>
-              <a:off x="21293942" y="10471381"/>
+              <a:off x="21358589" y="9667497"/>
               <a:ext cx="6613452" cy="2872755"/>
-              <a:chOff x="19141845" y="10628187"/>
+              <a:chOff x="19206492" y="9824303"/>
               <a:chExt cx="6613452" cy="2872755"/>
             </a:xfrm>
           </p:grpSpPr>
@@ -3675,7 +3739,7 @@
             </p:nvSpPr>
             <p:spPr>
               <a:xfrm>
-                <a:off x="19141845" y="10628187"/>
+                <a:off x="19206492" y="9824303"/>
                 <a:ext cx="6613451" cy="818255"/>
               </a:xfrm>
               <a:prstGeom prst="roundRect">
@@ -3733,7 +3797,7 @@
             </p:nvSpPr>
             <p:spPr>
               <a:xfrm>
-                <a:off x="19141845" y="11635249"/>
+                <a:off x="19206492" y="10831365"/>
                 <a:ext cx="6613451" cy="818255"/>
               </a:xfrm>
               <a:prstGeom prst="roundRect">
@@ -3791,7 +3855,7 @@
             </p:nvSpPr>
             <p:spPr>
               <a:xfrm>
-                <a:off x="19141846" y="12682687"/>
+                <a:off x="19206493" y="11878803"/>
                 <a:ext cx="6613451" cy="818255"/>
               </a:xfrm>
               <a:prstGeom prst="roundRect">
@@ -3851,8 +3915,8 @@
         </p:nvSpPr>
         <p:spPr>
           <a:xfrm>
-            <a:off x="19345532" y="8079031"/>
-            <a:ext cx="9718158" cy="6443413"/>
+            <a:off x="19445371" y="8056431"/>
+            <a:ext cx="9718158" cy="5762662"/>
           </a:xfrm>
           <a:prstGeom prst="roundRect">
             <a:avLst>
@@ -3893,7 +3957,7 @@
           <a:lstStyle/>
           <a:p>
             <a:pPr algn="ctr"/>
-            <a:endParaRPr lang="fr-FR"/>
+            <a:endParaRPr lang="fr-FR" dirty="0"/>
           </a:p>
         </p:txBody>
       </p:sp>
@@ -3905,7 +3969,7 @@
         </p:nvSpPr>
         <p:spPr>
           <a:xfrm>
-            <a:off x="17580145" y="10999385"/>
+            <a:off x="17615668" y="10443073"/>
             <a:ext cx="1382232" cy="899597"/>
           </a:xfrm>
           <a:prstGeom prst="rightArrow">
@@ -3945,8 +4009,8 @@
         </p:nvSpPr>
         <p:spPr>
           <a:xfrm>
-            <a:off x="1208954" y="14797183"/>
-            <a:ext cx="28112485" cy="9325630"/>
+            <a:off x="1252465" y="14160724"/>
+            <a:ext cx="28112485" cy="1015663"/>
           </a:xfrm>
           <a:prstGeom prst="rect">
             <a:avLst/>
@@ -3977,35 +4041,13 @@
             </a:r>
             <a:r>
               <a:rPr lang="fr-FR" sz="3600" b="1" dirty="0"/>
-              <a:t> PATHWAY</a:t>
-            </a:r>
-          </a:p>
-          <a:p>
-            <a:endParaRPr lang="fr-FR" sz="6000" b="1" dirty="0"/>
-          </a:p>
-          <a:p>
-            <a:endParaRPr lang="fr-FR" sz="6000" b="1" dirty="0"/>
-          </a:p>
-          <a:p>
-            <a:endParaRPr lang="fr-FR" sz="6000" b="1" dirty="0"/>
-          </a:p>
-          <a:p>
-            <a:endParaRPr lang="fr-FR" sz="6000" b="1" dirty="0"/>
-          </a:p>
-          <a:p>
-            <a:endParaRPr lang="fr-FR" sz="6000" b="1" dirty="0"/>
-          </a:p>
-          <a:p>
-            <a:endParaRPr lang="fr-FR" sz="6000" b="1" dirty="0"/>
-          </a:p>
-          <a:p>
-            <a:endParaRPr lang="fr-FR" sz="6000" b="1" dirty="0"/>
-          </a:p>
-          <a:p>
-            <a:endParaRPr lang="fr-FR" sz="6000" b="1" dirty="0"/>
-          </a:p>
-          <a:p>
-            <a:endParaRPr lang="fr-FR" sz="6000" b="1" dirty="0"/>
+              <a:t> </a:t>
+            </a:r>
+            <a:r>
+              <a:rPr lang="fr-FR" sz="3600" b="1" dirty="0" smtClean="0"/>
+              <a:t>PATHWAY</a:t>
+            </a:r>
+            <a:endParaRPr lang="fr-FR" sz="3600" b="1" dirty="0"/>
           </a:p>
         </p:txBody>
       </p:sp>
@@ -4017,8 +4059,8 @@
         </p:nvSpPr>
         <p:spPr>
           <a:xfrm>
-            <a:off x="1081365" y="26219763"/>
-            <a:ext cx="9739423" cy="1015663"/>
+            <a:off x="1298528" y="24729387"/>
+            <a:ext cx="21204477" cy="1015663"/>
           </a:xfrm>
           <a:prstGeom prst="rect">
             <a:avLst/>
@@ -4035,7 +4077,7 @@
               <a:rPr lang="fr-FR" sz="6000" b="1" dirty="0" smtClean="0"/>
               <a:t>RESULTS &amp; PERSPECTIVES</a:t>
             </a:r>
-            <a:endParaRPr lang="fr-FR" sz="6000" b="1" dirty="0"/>
+            <a:endParaRPr lang="fr-FR" sz="3600" b="1" dirty="0"/>
           </a:p>
         </p:txBody>
       </p:sp>
@@ -4061,8 +4103,8 @@
         </p:blipFill>
         <p:spPr>
           <a:xfrm>
-            <a:off x="9334583" y="39965788"/>
-            <a:ext cx="4819706" cy="2149328"/>
+            <a:off x="9390538" y="40240360"/>
+            <a:ext cx="4597827" cy="2050382"/>
           </a:xfrm>
           <a:prstGeom prst="rect">
             <a:avLst/>
@@ -4091,8 +4133,8 @@
         </p:blipFill>
         <p:spPr>
           <a:xfrm>
-            <a:off x="3809034" y="40153580"/>
-            <a:ext cx="4710358" cy="1773744"/>
+            <a:off x="3924706" y="40464584"/>
+            <a:ext cx="4254103" cy="1601935"/>
           </a:xfrm>
           <a:prstGeom prst="rect">
             <a:avLst/>
@@ -4121,8 +4163,8 @@
         </p:blipFill>
         <p:spPr>
           <a:xfrm>
-            <a:off x="1081364" y="39885854"/>
-            <a:ext cx="2108403" cy="2041470"/>
+            <a:off x="1238086" y="40267814"/>
+            <a:ext cx="1826302" cy="1768325"/>
           </a:xfrm>
           <a:prstGeom prst="rect">
             <a:avLst/>
@@ -4151,8 +4193,8 @@
         </p:blipFill>
         <p:spPr>
           <a:xfrm>
-            <a:off x="15137607" y="39723416"/>
-            <a:ext cx="5799867" cy="2366346"/>
+            <a:off x="15114338" y="40064734"/>
+            <a:ext cx="5393563" cy="2200574"/>
           </a:xfrm>
           <a:prstGeom prst="rect">
             <a:avLst/>
@@ -4181,7 +4223,7 @@
         </p:blipFill>
         <p:spPr>
           <a:xfrm>
-            <a:off x="27400177" y="40213862"/>
+            <a:off x="27639279" y="40355766"/>
             <a:ext cx="1663513" cy="1653180"/>
           </a:xfrm>
           <a:prstGeom prst="rect">
@@ -4197,7 +4239,7 @@
         </p:nvSpPr>
         <p:spPr>
           <a:xfrm>
-            <a:off x="21625045" y="40029426"/>
+            <a:off x="21498786" y="40305193"/>
             <a:ext cx="5398489" cy="1754326"/>
           </a:xfrm>
           <a:prstGeom prst="rect">
@@ -4240,14 +4282,14 @@
       </p:sp>
       <p:pic>
         <p:nvPicPr>
-          <p:cNvPr id="52" name="Image 51"/>
+          <p:cNvPr id="110" name="Image 109"/>
           <p:cNvPicPr>
             <a:picLocks noChangeAspect="1"/>
           </p:cNvPicPr>
           <p:nvPr/>
         </p:nvPicPr>
         <p:blipFill>
-          <a:blip r:embed="rId8">
+          <a:blip r:embed="rId8" cstate="print">
             <a:extLst>
               <a:ext uri="{28A0092B-C50C-407E-A947-70E740481C1C}">
                 <a14:useLocalDpi xmlns:a14="http://schemas.microsoft.com/office/drawing/2010/main" val="0"/>
@@ -4260,8 +4302,38 @@
         </p:blipFill>
         <p:spPr>
           <a:xfrm>
-            <a:off x="15399448" y="29897942"/>
-            <a:ext cx="12549242" cy="6643718"/>
+            <a:off x="27888439" y="9712734"/>
+            <a:ext cx="727780" cy="727780"/>
+          </a:xfrm>
+          <a:prstGeom prst="rect">
+            <a:avLst/>
+          </a:prstGeom>
+        </p:spPr>
+      </p:pic>
+      <p:pic>
+        <p:nvPicPr>
+          <p:cNvPr id="112" name="Image 111"/>
+          <p:cNvPicPr>
+            <a:picLocks noChangeAspect="1"/>
+          </p:cNvPicPr>
+          <p:nvPr/>
+        </p:nvPicPr>
+        <p:blipFill>
+          <a:blip r:embed="rId8" cstate="print">
+            <a:extLst>
+              <a:ext uri="{28A0092B-C50C-407E-A947-70E740481C1C}">
+                <a14:useLocalDpi xmlns:a14="http://schemas.microsoft.com/office/drawing/2010/main" val="0"/>
+              </a:ext>
+            </a:extLst>
+          </a:blip>
+          <a:stretch>
+            <a:fillRect/>
+          </a:stretch>
+        </p:blipFill>
+        <p:spPr>
+          <a:xfrm>
+            <a:off x="17169247" y="14235328"/>
+            <a:ext cx="727780" cy="727780"/>
           </a:xfrm>
           <a:prstGeom prst="rect">
             <a:avLst/>
@@ -4270,28 +4342,2985 @@
       </p:pic>
       <p:grpSp>
         <p:nvGrpSpPr>
-          <p:cNvPr id="56" name="Groupe 55"/>
+          <p:cNvPr id="19" name="Groupe 18"/>
           <p:cNvGrpSpPr/>
           <p:nvPr/>
         </p:nvGrpSpPr>
         <p:grpSpPr>
           <a:xfrm>
-            <a:off x="1081364" y="27669676"/>
-            <a:ext cx="13706227" cy="7393823"/>
-            <a:chOff x="1081363" y="27503140"/>
-            <a:chExt cx="13706227" cy="7393823"/>
+            <a:off x="1238086" y="15493663"/>
+            <a:ext cx="28107527" cy="8938894"/>
+            <a:chOff x="1245211" y="15407559"/>
+            <a:chExt cx="28107527" cy="8938894"/>
+          </a:xfrm>
+        </p:grpSpPr>
+        <p:sp>
+          <p:nvSpPr>
+            <p:cNvPr id="101" name="ZoneTexte 100"/>
+            <p:cNvSpPr txBox="1"/>
+            <p:nvPr/>
+          </p:nvSpPr>
+          <p:spPr>
+            <a:xfrm>
+              <a:off x="18463068" y="20634026"/>
+              <a:ext cx="4737868" cy="646331"/>
+            </a:xfrm>
+            <a:prstGeom prst="rect">
+              <a:avLst/>
+            </a:prstGeom>
+            <a:noFill/>
+          </p:spPr>
+          <p:txBody>
+            <a:bodyPr wrap="square" rtlCol="0">
+              <a:spAutoFit/>
+            </a:bodyPr>
+            <a:lstStyle/>
+            <a:p>
+              <a:r>
+                <a:rPr lang="fr-FR" sz="3600" b="1" dirty="0" smtClean="0"/>
+                <a:t>FOOD-BORNE MODULE</a:t>
+              </a:r>
+              <a:endParaRPr lang="fr-FR" sz="3600" dirty="0"/>
+            </a:p>
+          </p:txBody>
+        </p:sp>
+        <p:grpSp>
+          <p:nvGrpSpPr>
+            <p:cNvPr id="17" name="Groupe 16"/>
+            <p:cNvGrpSpPr/>
+            <p:nvPr/>
+          </p:nvGrpSpPr>
+          <p:grpSpPr>
+            <a:xfrm>
+              <a:off x="1245211" y="15407559"/>
+              <a:ext cx="28107527" cy="8938894"/>
+              <a:chOff x="1092807" y="16260635"/>
+              <a:chExt cx="28107527" cy="8938894"/>
+            </a:xfrm>
+          </p:grpSpPr>
+          <p:grpSp>
+            <p:nvGrpSpPr>
+              <p:cNvPr id="15" name="Groupe 14"/>
+              <p:cNvGrpSpPr/>
+              <p:nvPr/>
+            </p:nvGrpSpPr>
+            <p:grpSpPr>
+              <a:xfrm>
+                <a:off x="12158862" y="16292988"/>
+                <a:ext cx="17041472" cy="5009114"/>
+                <a:chOff x="12158862" y="16292988"/>
+                <a:chExt cx="17041472" cy="5009114"/>
+              </a:xfrm>
+            </p:grpSpPr>
+            <p:grpSp>
+              <p:nvGrpSpPr>
+                <p:cNvPr id="14" name="Groupe 13"/>
+                <p:cNvGrpSpPr/>
+                <p:nvPr/>
+              </p:nvGrpSpPr>
+              <p:grpSpPr>
+                <a:xfrm>
+                  <a:off x="12158862" y="16292988"/>
+                  <a:ext cx="17041472" cy="5009114"/>
+                  <a:chOff x="12158862" y="16292988"/>
+                  <a:chExt cx="17041472" cy="5009114"/>
+                </a:xfrm>
+              </p:grpSpPr>
+              <p:pic>
+                <p:nvPicPr>
+                  <p:cNvPr id="146" name="Image 145"/>
+                  <p:cNvPicPr>
+                    <a:picLocks noChangeAspect="1"/>
+                  </p:cNvPicPr>
+                  <p:nvPr/>
+                </p:nvPicPr>
+                <p:blipFill>
+                  <a:blip r:embed="rId9" cstate="print">
+                    <a:extLst>
+                      <a:ext uri="{28A0092B-C50C-407E-A947-70E740481C1C}">
+                        <a14:useLocalDpi xmlns:a14="http://schemas.microsoft.com/office/drawing/2010/main" val="0"/>
+                      </a:ext>
+                    </a:extLst>
+                  </a:blip>
+                  <a:stretch>
+                    <a:fillRect/>
+                  </a:stretch>
+                </p:blipFill>
+                <p:spPr>
+                  <a:xfrm>
+                    <a:off x="27704205" y="18015956"/>
+                    <a:ext cx="702794" cy="702794"/>
+                  </a:xfrm>
+                  <a:prstGeom prst="rect">
+                    <a:avLst/>
+                  </a:prstGeom>
+                </p:spPr>
+              </p:pic>
+              <p:pic>
+                <p:nvPicPr>
+                  <p:cNvPr id="147" name="Image 146"/>
+                  <p:cNvPicPr>
+                    <a:picLocks noChangeAspect="1"/>
+                  </p:cNvPicPr>
+                  <p:nvPr/>
+                </p:nvPicPr>
+                <p:blipFill>
+                  <a:blip r:embed="rId10" cstate="print">
+                    <a:extLst>
+                      <a:ext uri="{28A0092B-C50C-407E-A947-70E740481C1C}">
+                        <a14:useLocalDpi xmlns:a14="http://schemas.microsoft.com/office/drawing/2010/main" val="0"/>
+                      </a:ext>
+                    </a:extLst>
+                  </a:blip>
+                  <a:stretch>
+                    <a:fillRect/>
+                  </a:stretch>
+                </p:blipFill>
+                <p:spPr>
+                  <a:xfrm>
+                    <a:off x="27788127" y="18715509"/>
+                    <a:ext cx="696198" cy="696198"/>
+                  </a:xfrm>
+                  <a:prstGeom prst="rect">
+                    <a:avLst/>
+                  </a:prstGeom>
+                </p:spPr>
+              </p:pic>
+              <p:pic>
+                <p:nvPicPr>
+                  <p:cNvPr id="150" name="Image 149"/>
+                  <p:cNvPicPr>
+                    <a:picLocks noChangeAspect="1"/>
+                  </p:cNvPicPr>
+                  <p:nvPr/>
+                </p:nvPicPr>
+                <p:blipFill>
+                  <a:blip r:embed="rId9" cstate="print">
+                    <a:extLst>
+                      <a:ext uri="{28A0092B-C50C-407E-A947-70E740481C1C}">
+                        <a14:useLocalDpi xmlns:a14="http://schemas.microsoft.com/office/drawing/2010/main" val="0"/>
+                      </a:ext>
+                    </a:extLst>
+                  </a:blip>
+                  <a:stretch>
+                    <a:fillRect/>
+                  </a:stretch>
+                </p:blipFill>
+                <p:spPr>
+                  <a:xfrm>
+                    <a:off x="28244378" y="17966535"/>
+                    <a:ext cx="702794" cy="702794"/>
+                  </a:xfrm>
+                  <a:prstGeom prst="rect">
+                    <a:avLst/>
+                  </a:prstGeom>
+                </p:spPr>
+              </p:pic>
+              <p:pic>
+                <p:nvPicPr>
+                  <p:cNvPr id="152" name="Image 151"/>
+                  <p:cNvPicPr>
+                    <a:picLocks noChangeAspect="1"/>
+                  </p:cNvPicPr>
+                  <p:nvPr/>
+                </p:nvPicPr>
+                <p:blipFill>
+                  <a:blip r:embed="rId9" cstate="print">
+                    <a:extLst>
+                      <a:ext uri="{28A0092B-C50C-407E-A947-70E740481C1C}">
+                        <a14:useLocalDpi xmlns:a14="http://schemas.microsoft.com/office/drawing/2010/main" val="0"/>
+                      </a:ext>
+                    </a:extLst>
+                  </a:blip>
+                  <a:stretch>
+                    <a:fillRect/>
+                  </a:stretch>
+                </p:blipFill>
+                <p:spPr>
+                  <a:xfrm>
+                    <a:off x="28325757" y="18707321"/>
+                    <a:ext cx="702794" cy="702794"/>
+                  </a:xfrm>
+                  <a:prstGeom prst="rect">
+                    <a:avLst/>
+                  </a:prstGeom>
+                </p:spPr>
+              </p:pic>
+              <p:grpSp>
+                <p:nvGrpSpPr>
+                  <p:cNvPr id="165" name="Groupe 164"/>
+                  <p:cNvGrpSpPr/>
+                  <p:nvPr/>
+                </p:nvGrpSpPr>
+                <p:grpSpPr>
+                  <a:xfrm>
+                    <a:off x="12418489" y="17544539"/>
+                    <a:ext cx="2175638" cy="2402424"/>
+                    <a:chOff x="12440652" y="16945950"/>
+                    <a:chExt cx="2175638" cy="2402424"/>
+                  </a:xfrm>
+                </p:grpSpPr>
+                <p:grpSp>
+                  <p:nvGrpSpPr>
+                    <p:cNvPr id="157" name="Groupe 156"/>
+                    <p:cNvGrpSpPr/>
+                    <p:nvPr/>
+                  </p:nvGrpSpPr>
+                  <p:grpSpPr>
+                    <a:xfrm>
+                      <a:off x="12450262" y="16945950"/>
+                      <a:ext cx="1818173" cy="899220"/>
+                      <a:chOff x="12450262" y="16945950"/>
+                      <a:chExt cx="1818173" cy="899220"/>
+                    </a:xfrm>
+                  </p:grpSpPr>
+                  <p:pic>
+                    <p:nvPicPr>
+                      <p:cNvPr id="136" name="Image 135"/>
+                      <p:cNvPicPr>
+                        <a:picLocks noChangeAspect="1"/>
+                      </p:cNvPicPr>
+                      <p:nvPr/>
+                    </p:nvPicPr>
+                    <p:blipFill>
+                      <a:blip r:embed="rId11" cstate="print">
+                        <a:extLst>
+                          <a:ext uri="{28A0092B-C50C-407E-A947-70E740481C1C}">
+                            <a14:useLocalDpi xmlns:a14="http://schemas.microsoft.com/office/drawing/2010/main" val="0"/>
+                          </a:ext>
+                        </a:extLst>
+                      </a:blip>
+                      <a:stretch>
+                        <a:fillRect/>
+                      </a:stretch>
+                    </p:blipFill>
+                    <p:spPr>
+                      <a:xfrm>
+                        <a:off x="12595657" y="17016612"/>
+                        <a:ext cx="801193" cy="783980"/>
+                      </a:xfrm>
+                      <a:prstGeom prst="rect">
+                        <a:avLst/>
+                      </a:prstGeom>
+                    </p:spPr>
+                  </p:pic>
+                  <p:pic>
+                    <p:nvPicPr>
+                      <p:cNvPr id="140" name="Image 139"/>
+                      <p:cNvPicPr>
+                        <a:picLocks noChangeAspect="1"/>
+                      </p:cNvPicPr>
+                      <p:nvPr/>
+                    </p:nvPicPr>
+                    <p:blipFill>
+                      <a:blip r:embed="rId11" cstate="print">
+                        <a:extLst>
+                          <a:ext uri="{28A0092B-C50C-407E-A947-70E740481C1C}">
+                            <a14:useLocalDpi xmlns:a14="http://schemas.microsoft.com/office/drawing/2010/main" val="0"/>
+                          </a:ext>
+                        </a:extLst>
+                      </a:blip>
+                      <a:stretch>
+                        <a:fillRect/>
+                      </a:stretch>
+                    </p:blipFill>
+                    <p:spPr>
+                      <a:xfrm>
+                        <a:off x="13354583" y="17025109"/>
+                        <a:ext cx="801193" cy="783980"/>
+                      </a:xfrm>
+                      <a:prstGeom prst="rect">
+                        <a:avLst/>
+                      </a:prstGeom>
+                    </p:spPr>
+                  </p:pic>
+                  <p:sp>
+                    <p:nvSpPr>
+                      <p:cNvPr id="143" name="Rectangle 142"/>
+                      <p:cNvSpPr/>
+                      <p:nvPr/>
+                    </p:nvSpPr>
+                    <p:spPr>
+                      <a:xfrm>
+                        <a:off x="12450262" y="16945950"/>
+                        <a:ext cx="1818173" cy="899220"/>
+                      </a:xfrm>
+                      <a:prstGeom prst="rect">
+                        <a:avLst/>
+                      </a:prstGeom>
+                      <a:noFill/>
+                      <a:ln w="3175"/>
+                    </p:spPr>
+                    <p:style>
+                      <a:lnRef idx="2">
+                        <a:schemeClr val="accent1">
+                          <a:shade val="50000"/>
+                        </a:schemeClr>
+                      </a:lnRef>
+                      <a:fillRef idx="1">
+                        <a:schemeClr val="accent1"/>
+                      </a:fillRef>
+                      <a:effectRef idx="0">
+                        <a:schemeClr val="accent1"/>
+                      </a:effectRef>
+                      <a:fontRef idx="minor">
+                        <a:schemeClr val="lt1"/>
+                      </a:fontRef>
+                    </p:style>
+                    <p:txBody>
+                      <a:bodyPr rtlCol="0" anchor="ctr"/>
+                      <a:lstStyle/>
+                      <a:p>
+                        <a:pPr algn="ctr"/>
+                        <a:endParaRPr lang="fr-FR"/>
+                      </a:p>
+                    </p:txBody>
+                  </p:sp>
+                </p:grpSp>
+                <p:grpSp>
+                  <p:nvGrpSpPr>
+                    <p:cNvPr id="156" name="Groupe 155"/>
+                    <p:cNvGrpSpPr/>
+                    <p:nvPr/>
+                  </p:nvGrpSpPr>
+                  <p:grpSpPr>
+                    <a:xfrm>
+                      <a:off x="12440652" y="18449154"/>
+                      <a:ext cx="1818173" cy="899220"/>
+                      <a:chOff x="12450262" y="18002370"/>
+                      <a:chExt cx="1818173" cy="899220"/>
+                    </a:xfrm>
+                  </p:grpSpPr>
+                  <p:pic>
+                    <p:nvPicPr>
+                      <p:cNvPr id="137" name="Image 136"/>
+                      <p:cNvPicPr>
+                        <a:picLocks noChangeAspect="1"/>
+                      </p:cNvPicPr>
+                      <p:nvPr/>
+                    </p:nvPicPr>
+                    <p:blipFill>
+                      <a:blip r:embed="rId12" cstate="print">
+                        <a:extLst>
+                          <a:ext uri="{28A0092B-C50C-407E-A947-70E740481C1C}">
+                            <a14:useLocalDpi xmlns:a14="http://schemas.microsoft.com/office/drawing/2010/main" val="0"/>
+                          </a:ext>
+                        </a:extLst>
+                      </a:blip>
+                      <a:stretch>
+                        <a:fillRect/>
+                      </a:stretch>
+                    </p:blipFill>
+                    <p:spPr>
+                      <a:xfrm>
+                        <a:off x="12539127" y="18062295"/>
+                        <a:ext cx="857723" cy="839295"/>
+                      </a:xfrm>
+                      <a:prstGeom prst="rect">
+                        <a:avLst/>
+                      </a:prstGeom>
+                    </p:spPr>
+                  </p:pic>
+                  <p:pic>
+                    <p:nvPicPr>
+                      <p:cNvPr id="141" name="Image 140"/>
+                      <p:cNvPicPr>
+                        <a:picLocks noChangeAspect="1"/>
+                      </p:cNvPicPr>
+                      <p:nvPr/>
+                    </p:nvPicPr>
+                    <p:blipFill>
+                      <a:blip r:embed="rId11" cstate="print">
+                        <a:extLst>
+                          <a:ext uri="{28A0092B-C50C-407E-A947-70E740481C1C}">
+                            <a14:useLocalDpi xmlns:a14="http://schemas.microsoft.com/office/drawing/2010/main" val="0"/>
+                          </a:ext>
+                        </a:extLst>
+                      </a:blip>
+                      <a:stretch>
+                        <a:fillRect/>
+                      </a:stretch>
+                    </p:blipFill>
+                    <p:spPr>
+                      <a:xfrm>
+                        <a:off x="13349477" y="18081813"/>
+                        <a:ext cx="801193" cy="783980"/>
+                      </a:xfrm>
+                      <a:prstGeom prst="rect">
+                        <a:avLst/>
+                      </a:prstGeom>
+                    </p:spPr>
+                  </p:pic>
+                  <p:sp>
+                    <p:nvSpPr>
+                      <p:cNvPr id="144" name="Rectangle 143"/>
+                      <p:cNvSpPr/>
+                      <p:nvPr/>
+                    </p:nvSpPr>
+                    <p:spPr>
+                      <a:xfrm>
+                        <a:off x="12450262" y="18002370"/>
+                        <a:ext cx="1818173" cy="899220"/>
+                      </a:xfrm>
+                      <a:prstGeom prst="rect">
+                        <a:avLst/>
+                      </a:prstGeom>
+                      <a:noFill/>
+                      <a:ln w="3175"/>
+                    </p:spPr>
+                    <p:style>
+                      <a:lnRef idx="2">
+                        <a:schemeClr val="accent1">
+                          <a:shade val="50000"/>
+                        </a:schemeClr>
+                      </a:lnRef>
+                      <a:fillRef idx="1">
+                        <a:schemeClr val="accent1"/>
+                      </a:fillRef>
+                      <a:effectRef idx="0">
+                        <a:schemeClr val="accent1"/>
+                      </a:effectRef>
+                      <a:fontRef idx="minor">
+                        <a:schemeClr val="lt1"/>
+                      </a:fontRef>
+                    </p:style>
+                    <p:txBody>
+                      <a:bodyPr rtlCol="0" anchor="ctr"/>
+                      <a:lstStyle/>
+                      <a:p>
+                        <a:pPr algn="ctr"/>
+                        <a:endParaRPr lang="fr-FR"/>
+                      </a:p>
+                    </p:txBody>
+                  </p:sp>
+                </p:grpSp>
+                <p:sp>
+                  <p:nvSpPr>
+                    <p:cNvPr id="158" name="ZoneTexte 157"/>
+                    <p:cNvSpPr txBox="1"/>
+                    <p:nvPr/>
+                  </p:nvSpPr>
+                  <p:spPr>
+                    <a:xfrm>
+                      <a:off x="12983211" y="17811775"/>
+                      <a:ext cx="770727" cy="646331"/>
+                    </a:xfrm>
+                    <a:prstGeom prst="rect">
+                      <a:avLst/>
+                    </a:prstGeom>
+                    <a:noFill/>
+                  </p:spPr>
+                  <p:txBody>
+                    <a:bodyPr wrap="square" rtlCol="0">
+                      <a:spAutoFit/>
+                    </a:bodyPr>
+                    <a:lstStyle/>
+                    <a:p>
+                      <a:r>
+                        <a:rPr lang="fr-FR" sz="3600" b="1" dirty="0" smtClean="0"/>
+                        <a:t>OR</a:t>
+                      </a:r>
+                      <a:endParaRPr lang="fr-FR" sz="3600" dirty="0"/>
+                    </a:p>
+                  </p:txBody>
+                </p:sp>
+                <p:sp>
+                  <p:nvSpPr>
+                    <p:cNvPr id="159" name="Plus 158"/>
+                    <p:cNvSpPr/>
+                    <p:nvPr/>
+                  </p:nvSpPr>
+                  <p:spPr>
+                    <a:xfrm>
+                      <a:off x="14045440" y="18652277"/>
+                      <a:ext cx="533140" cy="526863"/>
+                    </a:xfrm>
+                    <a:prstGeom prst="mathPlus">
+                      <a:avLst>
+                        <a:gd name="adj1" fmla="val 19484"/>
+                      </a:avLst>
+                    </a:prstGeom>
+                    <a:solidFill>
+                      <a:srgbClr val="FF0000"/>
+                    </a:solidFill>
+                    <a:ln>
+                      <a:solidFill>
+                        <a:srgbClr val="FF0000"/>
+                      </a:solidFill>
+                    </a:ln>
+                  </p:spPr>
+                  <p:style>
+                    <a:lnRef idx="2">
+                      <a:schemeClr val="accent1">
+                        <a:shade val="50000"/>
+                      </a:schemeClr>
+                    </a:lnRef>
+                    <a:fillRef idx="1">
+                      <a:schemeClr val="accent1"/>
+                    </a:fillRef>
+                    <a:effectRef idx="0">
+                      <a:schemeClr val="accent1"/>
+                    </a:effectRef>
+                    <a:fontRef idx="minor">
+                      <a:schemeClr val="lt1"/>
+                    </a:fontRef>
+                  </p:style>
+                  <p:txBody>
+                    <a:bodyPr rtlCol="0" anchor="ctr"/>
+                    <a:lstStyle/>
+                    <a:p>
+                      <a:pPr algn="ctr"/>
+                      <a:endParaRPr lang="fr-FR"/>
+                    </a:p>
+                  </p:txBody>
+                </p:sp>
+                <p:sp>
+                  <p:nvSpPr>
+                    <p:cNvPr id="163" name="Moins 162"/>
+                    <p:cNvSpPr/>
+                    <p:nvPr/>
+                  </p:nvSpPr>
+                  <p:spPr>
+                    <a:xfrm>
+                      <a:off x="14212142" y="17205187"/>
+                      <a:ext cx="404148" cy="406829"/>
+                    </a:xfrm>
+                    <a:prstGeom prst="mathMinus">
+                      <a:avLst/>
+                    </a:prstGeom>
+                    <a:solidFill>
+                      <a:srgbClr val="00B050"/>
+                    </a:solidFill>
+                    <a:ln>
+                      <a:solidFill>
+                        <a:srgbClr val="00B050"/>
+                      </a:solidFill>
+                    </a:ln>
+                  </p:spPr>
+                  <p:style>
+                    <a:lnRef idx="2">
+                      <a:schemeClr val="accent1">
+                        <a:shade val="50000"/>
+                      </a:schemeClr>
+                    </a:lnRef>
+                    <a:fillRef idx="1">
+                      <a:schemeClr val="accent1"/>
+                    </a:fillRef>
+                    <a:effectRef idx="0">
+                      <a:schemeClr val="accent1"/>
+                    </a:effectRef>
+                    <a:fontRef idx="minor">
+                      <a:schemeClr val="lt1"/>
+                    </a:fontRef>
+                  </p:style>
+                  <p:txBody>
+                    <a:bodyPr rtlCol="0" anchor="ctr"/>
+                    <a:lstStyle/>
+                    <a:p>
+                      <a:pPr algn="ctr"/>
+                      <a:endParaRPr lang="fr-FR"/>
+                    </a:p>
+                  </p:txBody>
+                </p:sp>
+              </p:grpSp>
+              <p:sp>
+                <p:nvSpPr>
+                  <p:cNvPr id="166" name="ZoneTexte 165"/>
+                  <p:cNvSpPr txBox="1"/>
+                  <p:nvPr/>
+                </p:nvSpPr>
+                <p:spPr>
+                  <a:xfrm>
+                    <a:off x="19553571" y="16769916"/>
+                    <a:ext cx="2325679" cy="646331"/>
+                  </a:xfrm>
+                  <a:prstGeom prst="rect">
+                    <a:avLst/>
+                  </a:prstGeom>
+                  <a:noFill/>
+                </p:spPr>
+                <p:txBody>
+                  <a:bodyPr wrap="square" rtlCol="0">
+                    <a:spAutoFit/>
+                  </a:bodyPr>
+                  <a:lstStyle/>
+                  <a:p>
+                    <a:r>
+                      <a:rPr lang="fr-FR" sz="3600" i="1" u="sng" dirty="0" smtClean="0"/>
+                      <a:t>Production</a:t>
+                    </a:r>
+                    <a:endParaRPr lang="fr-FR" sz="3600" i="1" u="sng" dirty="0"/>
+                  </a:p>
+                </p:txBody>
+              </p:sp>
+              <p:sp>
+                <p:nvSpPr>
+                  <p:cNvPr id="167" name="ZoneTexte 166"/>
+                  <p:cNvSpPr txBox="1"/>
+                  <p:nvPr/>
+                </p:nvSpPr>
+                <p:spPr>
+                  <a:xfrm>
+                    <a:off x="12757745" y="16708589"/>
+                    <a:ext cx="1281228" cy="646331"/>
+                  </a:xfrm>
+                  <a:prstGeom prst="rect">
+                    <a:avLst/>
+                  </a:prstGeom>
+                  <a:noFill/>
+                </p:spPr>
+                <p:txBody>
+                  <a:bodyPr wrap="square" rtlCol="0">
+                    <a:spAutoFit/>
+                  </a:bodyPr>
+                  <a:lstStyle/>
+                  <a:p>
+                    <a:r>
+                      <a:rPr lang="fr-FR" sz="3600" i="1" u="sng" dirty="0" smtClean="0"/>
+                      <a:t>Input</a:t>
+                    </a:r>
+                    <a:endParaRPr lang="fr-FR" sz="3600" i="1" u="sng" dirty="0"/>
+                  </a:p>
+                </p:txBody>
+              </p:sp>
+              <p:sp>
+                <p:nvSpPr>
+                  <p:cNvPr id="168" name="ZoneTexte 167"/>
+                  <p:cNvSpPr txBox="1"/>
+                  <p:nvPr/>
+                </p:nvSpPr>
+                <p:spPr>
+                  <a:xfrm>
+                    <a:off x="27462938" y="16798567"/>
+                    <a:ext cx="1537990" cy="646331"/>
+                  </a:xfrm>
+                  <a:prstGeom prst="rect">
+                    <a:avLst/>
+                  </a:prstGeom>
+                  <a:noFill/>
+                </p:spPr>
+                <p:txBody>
+                  <a:bodyPr wrap="square" rtlCol="0">
+                    <a:spAutoFit/>
+                  </a:bodyPr>
+                  <a:lstStyle/>
+                  <a:p>
+                    <a:r>
+                      <a:rPr lang="fr-FR" sz="3600" i="1" u="sng" dirty="0" smtClean="0"/>
+                      <a:t>Output</a:t>
+                    </a:r>
+                    <a:endParaRPr lang="fr-FR" sz="3600" i="1" u="sng" dirty="0"/>
+                  </a:p>
+                </p:txBody>
+              </p:sp>
+              <p:grpSp>
+                <p:nvGrpSpPr>
+                  <p:cNvPr id="13" name="Groupe 12"/>
+                  <p:cNvGrpSpPr/>
+                  <p:nvPr/>
+                </p:nvGrpSpPr>
+                <p:grpSpPr>
+                  <a:xfrm>
+                    <a:off x="12158862" y="16292988"/>
+                    <a:ext cx="17041472" cy="5009114"/>
+                    <a:chOff x="12158862" y="16292988"/>
+                    <a:chExt cx="17041472" cy="5009114"/>
+                  </a:xfrm>
+                </p:grpSpPr>
+                <p:sp>
+                  <p:nvSpPr>
+                    <p:cNvPr id="100" name="Rectangle à coins arrondis 99"/>
+                    <p:cNvSpPr/>
+                    <p:nvPr/>
+                  </p:nvSpPr>
+                  <p:spPr>
+                    <a:xfrm>
+                      <a:off x="12158862" y="16292988"/>
+                      <a:ext cx="17041472" cy="5009114"/>
+                    </a:xfrm>
+                    <a:prstGeom prst="roundRect">
+                      <a:avLst>
+                        <a:gd name="adj" fmla="val 4135"/>
+                      </a:avLst>
+                    </a:prstGeom>
+                    <a:noFill/>
+                    <a:ln w="38100"/>
+                  </p:spPr>
+                  <p:style>
+                    <a:lnRef idx="2">
+                      <a:schemeClr val="accent1">
+                        <a:shade val="50000"/>
+                      </a:schemeClr>
+                    </a:lnRef>
+                    <a:fillRef idx="1">
+                      <a:schemeClr val="accent1"/>
+                    </a:fillRef>
+                    <a:effectRef idx="0">
+                      <a:schemeClr val="accent1"/>
+                    </a:effectRef>
+                    <a:fontRef idx="minor">
+                      <a:schemeClr val="lt1"/>
+                    </a:fontRef>
+                  </p:style>
+                  <p:txBody>
+                    <a:bodyPr rtlCol="0" anchor="ctr"/>
+                    <a:lstStyle/>
+                    <a:p>
+                      <a:pPr algn="ctr"/>
+                      <a:endParaRPr lang="fr-FR"/>
+                    </a:p>
+                  </p:txBody>
+                </p:sp>
+                <p:sp>
+                  <p:nvSpPr>
+                    <p:cNvPr id="124" name="ZoneTexte 123"/>
+                    <p:cNvSpPr txBox="1"/>
+                    <p:nvPr/>
+                  </p:nvSpPr>
+                  <p:spPr>
+                    <a:xfrm>
+                      <a:off x="12473436" y="20474361"/>
+                      <a:ext cx="16485947" cy="646331"/>
+                    </a:xfrm>
+                    <a:prstGeom prst="rect">
+                      <a:avLst/>
+                    </a:prstGeom>
+                    <a:noFill/>
+                  </p:spPr>
+                  <p:txBody>
+                    <a:bodyPr wrap="square" rtlCol="0">
+                      <a:spAutoFit/>
+                    </a:bodyPr>
+                    <a:lstStyle/>
+                    <a:p>
+                      <a:r>
+                        <a:rPr lang="fr-FR" sz="3600" dirty="0" smtClean="0"/>
+                        <a:t>QRA model </a:t>
+                      </a:r>
+                      <a:r>
+                        <a:rPr lang="fr-FR" sz="3600" dirty="0" err="1"/>
+                        <a:t>s</a:t>
+                      </a:r>
+                      <a:r>
+                        <a:rPr lang="fr-FR" sz="3600" dirty="0" err="1" smtClean="0"/>
+                        <a:t>imulates</a:t>
+                      </a:r>
+                      <a:r>
+                        <a:rPr lang="fr-FR" sz="3600" dirty="0" smtClean="0"/>
+                        <a:t> </a:t>
+                      </a:r>
+                      <a:r>
+                        <a:rPr lang="fr-FR" sz="3600" dirty="0" err="1" smtClean="0"/>
+                        <a:t>flock</a:t>
+                      </a:r>
+                      <a:r>
+                        <a:rPr lang="fr-FR" sz="3600" dirty="0" smtClean="0"/>
+                        <a:t> </a:t>
+                      </a:r>
+                      <a:r>
+                        <a:rPr lang="fr-FR" sz="3600" dirty="0" err="1" smtClean="0">
+                          <a:solidFill>
+                            <a:srgbClr val="FF0000"/>
+                          </a:solidFill>
+                        </a:rPr>
+                        <a:t>Prevalence</a:t>
+                      </a:r>
+                      <a:r>
+                        <a:rPr lang="fr-FR" sz="3600" dirty="0" smtClean="0"/>
+                        <a:t> and </a:t>
+                      </a:r>
+                      <a:r>
+                        <a:rPr lang="fr-FR" sz="3600" dirty="0" err="1"/>
+                        <a:t>c</a:t>
+                      </a:r>
+                      <a:r>
+                        <a:rPr lang="fr-FR" sz="3600" dirty="0" err="1" smtClean="0"/>
+                        <a:t>arcass</a:t>
+                      </a:r>
+                      <a:r>
+                        <a:rPr lang="fr-FR" sz="3600" dirty="0" smtClean="0"/>
+                        <a:t>/portion </a:t>
+                      </a:r>
+                      <a:r>
+                        <a:rPr lang="fr-FR" sz="3600" dirty="0" err="1" smtClean="0">
+                          <a:solidFill>
+                            <a:srgbClr val="FF0000"/>
+                          </a:solidFill>
+                        </a:rPr>
+                        <a:t>Load</a:t>
+                      </a:r>
+                      <a:r>
+                        <a:rPr lang="fr-FR" sz="3600" dirty="0" smtClean="0"/>
+                        <a:t> at the end of </a:t>
+                      </a:r>
+                      <a:r>
+                        <a:rPr lang="fr-FR" sz="3600" dirty="0" err="1" smtClean="0"/>
+                        <a:t>each</a:t>
+                      </a:r>
+                      <a:r>
+                        <a:rPr lang="fr-FR" sz="3600" dirty="0" smtClean="0"/>
+                        <a:t> </a:t>
+                      </a:r>
+                      <a:r>
+                        <a:rPr lang="fr-FR" sz="3600" dirty="0" err="1" smtClean="0"/>
+                        <a:t>step</a:t>
+                      </a:r>
+                      <a:endParaRPr lang="fr-FR" sz="3600" dirty="0"/>
+                    </a:p>
+                  </p:txBody>
+                </p:sp>
+                <p:grpSp>
+                  <p:nvGrpSpPr>
+                    <p:cNvPr id="170" name="Groupe 169"/>
+                    <p:cNvGrpSpPr/>
+                    <p:nvPr/>
+                  </p:nvGrpSpPr>
+                  <p:grpSpPr>
+                    <a:xfrm>
+                      <a:off x="14679503" y="17671701"/>
+                      <a:ext cx="13234194" cy="2532033"/>
+                      <a:chOff x="14767556" y="17782415"/>
+                      <a:chExt cx="13234194" cy="2532033"/>
+                    </a:xfrm>
+                  </p:grpSpPr>
+                  <p:grpSp>
+                    <p:nvGrpSpPr>
+                      <p:cNvPr id="121" name="Groupe 120"/>
+                      <p:cNvGrpSpPr/>
+                      <p:nvPr/>
+                    </p:nvGrpSpPr>
+                    <p:grpSpPr>
+                      <a:xfrm>
+                        <a:off x="14767556" y="17830862"/>
+                        <a:ext cx="13234194" cy="2245767"/>
+                        <a:chOff x="13495609" y="17092362"/>
+                        <a:chExt cx="13234194" cy="2245767"/>
+                      </a:xfrm>
+                    </p:grpSpPr>
+                    <p:pic>
+                      <p:nvPicPr>
+                        <p:cNvPr id="118" name="Image 117"/>
+                        <p:cNvPicPr>
+                          <a:picLocks noChangeAspect="1"/>
+                        </p:cNvPicPr>
+                        <p:nvPr/>
+                      </p:nvPicPr>
+                      <p:blipFill>
+                        <a:blip r:embed="rId13" cstate="print">
+                          <a:extLst>
+                            <a:ext uri="{28A0092B-C50C-407E-A947-70E740481C1C}">
+                              <a14:useLocalDpi xmlns:a14="http://schemas.microsoft.com/office/drawing/2010/main" val="0"/>
+                            </a:ext>
+                          </a:extLst>
+                        </a:blip>
+                        <a:stretch>
+                          <a:fillRect/>
+                        </a:stretch>
+                      </p:blipFill>
+                      <p:spPr>
+                        <a:xfrm>
+                          <a:off x="15816249" y="18726632"/>
+                          <a:ext cx="609705" cy="611497"/>
+                        </a:xfrm>
+                        <a:prstGeom prst="rect">
+                          <a:avLst/>
+                        </a:prstGeom>
+                      </p:spPr>
+                    </p:pic>
+                    <p:grpSp>
+                      <p:nvGrpSpPr>
+                        <p:cNvPr id="120" name="Groupe 119"/>
+                        <p:cNvGrpSpPr/>
+                        <p:nvPr/>
+                      </p:nvGrpSpPr>
+                      <p:grpSpPr>
+                        <a:xfrm>
+                          <a:off x="13495609" y="17092362"/>
+                          <a:ext cx="13234194" cy="2168897"/>
+                          <a:chOff x="13495609" y="17092362"/>
+                          <a:chExt cx="13234194" cy="2168897"/>
+                        </a:xfrm>
+                      </p:grpSpPr>
+                      <p:grpSp>
+                        <p:nvGrpSpPr>
+                          <p:cNvPr id="113" name="Groupe 112"/>
+                          <p:cNvGrpSpPr/>
+                          <p:nvPr/>
+                        </p:nvGrpSpPr>
+                        <p:grpSpPr>
+                          <a:xfrm>
+                            <a:off x="13495609" y="17092362"/>
+                            <a:ext cx="13234194" cy="1696338"/>
+                            <a:chOff x="13440149" y="18460174"/>
+                            <a:chExt cx="13234194" cy="1696338"/>
+                          </a:xfrm>
+                        </p:grpSpPr>
+                        <p:sp>
+                          <p:nvSpPr>
+                            <p:cNvPr id="102" name="ZoneTexte 101"/>
+                            <p:cNvSpPr txBox="1"/>
+                            <p:nvPr/>
+                          </p:nvSpPr>
+                          <p:spPr>
+                            <a:xfrm>
+                              <a:off x="13440149" y="18501843"/>
+                              <a:ext cx="3230631" cy="646331"/>
+                            </a:xfrm>
+                            <a:prstGeom prst="rect">
+                              <a:avLst/>
+                            </a:prstGeom>
+                            <a:noFill/>
+                          </p:spPr>
+                          <p:txBody>
+                            <a:bodyPr wrap="square" rtlCol="0">
+                              <a:spAutoFit/>
+                            </a:bodyPr>
+                            <a:lstStyle/>
+                            <a:p>
+                              <a:r>
+                                <a:rPr lang="fr-FR" sz="3600" b="1" dirty="0" err="1" smtClean="0"/>
+                                <a:t>Scalding</a:t>
+                              </a:r>
+                              <a:endParaRPr lang="fr-FR" sz="3600" dirty="0"/>
+                            </a:p>
+                          </p:txBody>
+                        </p:sp>
+                        <p:sp>
+                          <p:nvSpPr>
+                            <p:cNvPr id="103" name="ZoneTexte 102"/>
+                            <p:cNvSpPr txBox="1"/>
+                            <p:nvPr/>
+                          </p:nvSpPr>
+                          <p:spPr>
+                            <a:xfrm>
+                              <a:off x="19760547" y="18512885"/>
+                              <a:ext cx="3230631" cy="646331"/>
+                            </a:xfrm>
+                            <a:prstGeom prst="rect">
+                              <a:avLst/>
+                            </a:prstGeom>
+                            <a:noFill/>
+                          </p:spPr>
+                          <p:txBody>
+                            <a:bodyPr wrap="square" rtlCol="0">
+                              <a:spAutoFit/>
+                            </a:bodyPr>
+                            <a:lstStyle/>
+                            <a:p>
+                              <a:r>
+                                <a:rPr lang="fr-FR" sz="3600" b="1" dirty="0" err="1" smtClean="0"/>
+                                <a:t>Chilling</a:t>
+                              </a:r>
+                              <a:endParaRPr lang="fr-FR" sz="3600" dirty="0"/>
+                            </a:p>
+                          </p:txBody>
+                        </p:sp>
+                        <p:sp>
+                          <p:nvSpPr>
+                            <p:cNvPr id="104" name="ZoneTexte 103"/>
+                            <p:cNvSpPr txBox="1"/>
+                            <p:nvPr/>
+                          </p:nvSpPr>
+                          <p:spPr>
+                            <a:xfrm>
+                              <a:off x="16293783" y="18460174"/>
+                              <a:ext cx="3230631" cy="646331"/>
+                            </a:xfrm>
+                            <a:prstGeom prst="rect">
+                              <a:avLst/>
+                            </a:prstGeom>
+                            <a:noFill/>
+                          </p:spPr>
+                          <p:txBody>
+                            <a:bodyPr wrap="square" rtlCol="0">
+                              <a:spAutoFit/>
+                            </a:bodyPr>
+                            <a:lstStyle/>
+                            <a:p>
+                              <a:r>
+                                <a:rPr lang="fr-FR" sz="3600" b="1" dirty="0" err="1" smtClean="0"/>
+                                <a:t>Evisceration</a:t>
+                              </a:r>
+                              <a:endParaRPr lang="fr-FR" sz="3600" dirty="0"/>
+                            </a:p>
+                          </p:txBody>
+                        </p:sp>
+                        <p:sp>
+                          <p:nvSpPr>
+                            <p:cNvPr id="105" name="ZoneTexte 104"/>
+                            <p:cNvSpPr txBox="1"/>
+                            <p:nvPr/>
+                          </p:nvSpPr>
+                          <p:spPr>
+                            <a:xfrm>
+                              <a:off x="18618110" y="19510181"/>
+                              <a:ext cx="3230631" cy="646331"/>
+                            </a:xfrm>
+                            <a:prstGeom prst="rect">
+                              <a:avLst/>
+                            </a:prstGeom>
+                            <a:noFill/>
+                          </p:spPr>
+                          <p:txBody>
+                            <a:bodyPr wrap="square" rtlCol="0">
+                              <a:spAutoFit/>
+                            </a:bodyPr>
+                            <a:lstStyle/>
+                            <a:p>
+                              <a:r>
+                                <a:rPr lang="fr-FR" sz="3600" b="1" dirty="0" err="1" smtClean="0"/>
+                                <a:t>Washing</a:t>
+                              </a:r>
+                              <a:endParaRPr lang="fr-FR" sz="3600" dirty="0"/>
+                            </a:p>
+                          </p:txBody>
+                        </p:sp>
+                        <p:sp>
+                          <p:nvSpPr>
+                            <p:cNvPr id="106" name="ZoneTexte 105"/>
+                            <p:cNvSpPr txBox="1"/>
+                            <p:nvPr/>
+                          </p:nvSpPr>
+                          <p:spPr>
+                            <a:xfrm>
+                              <a:off x="14145474" y="19446509"/>
+                              <a:ext cx="3230631" cy="646331"/>
+                            </a:xfrm>
+                            <a:prstGeom prst="rect">
+                              <a:avLst/>
+                            </a:prstGeom>
+                            <a:noFill/>
+                          </p:spPr>
+                          <p:txBody>
+                            <a:bodyPr wrap="square" rtlCol="0">
+                              <a:spAutoFit/>
+                            </a:bodyPr>
+                            <a:lstStyle/>
+                            <a:p>
+                              <a:r>
+                                <a:rPr lang="fr-FR" sz="3600" b="1" dirty="0" err="1" smtClean="0"/>
+                                <a:t>Defeathering</a:t>
+                              </a:r>
+                              <a:endParaRPr lang="fr-FR" sz="3600" dirty="0"/>
+                            </a:p>
+                          </p:txBody>
+                        </p:sp>
+                        <p:sp>
+                          <p:nvSpPr>
+                            <p:cNvPr id="107" name="ZoneTexte 106"/>
+                            <p:cNvSpPr txBox="1"/>
+                            <p:nvPr/>
+                          </p:nvSpPr>
+                          <p:spPr>
+                            <a:xfrm>
+                              <a:off x="20897413" y="19506455"/>
+                              <a:ext cx="3230631" cy="646331"/>
+                            </a:xfrm>
+                            <a:prstGeom prst="rect">
+                              <a:avLst/>
+                            </a:prstGeom>
+                            <a:noFill/>
+                          </p:spPr>
+                          <p:txBody>
+                            <a:bodyPr wrap="square" rtlCol="0">
+                              <a:spAutoFit/>
+                            </a:bodyPr>
+                            <a:lstStyle/>
+                            <a:p>
+                              <a:r>
+                                <a:rPr lang="fr-FR" sz="3600" b="1" dirty="0" err="1" smtClean="0"/>
+                                <a:t>Portioning</a:t>
+                              </a:r>
+                              <a:endParaRPr lang="fr-FR" sz="3600" dirty="0"/>
+                            </a:p>
+                          </p:txBody>
+                        </p:sp>
+                        <p:sp>
+                          <p:nvSpPr>
+                            <p:cNvPr id="108" name="ZoneTexte 107"/>
+                            <p:cNvSpPr txBox="1"/>
+                            <p:nvPr/>
+                          </p:nvSpPr>
+                          <p:spPr>
+                            <a:xfrm>
+                              <a:off x="21974200" y="18527537"/>
+                              <a:ext cx="3230631" cy="646331"/>
+                            </a:xfrm>
+                            <a:prstGeom prst="rect">
+                              <a:avLst/>
+                            </a:prstGeom>
+                            <a:noFill/>
+                          </p:spPr>
+                          <p:txBody>
+                            <a:bodyPr wrap="square" rtlCol="0">
+                              <a:spAutoFit/>
+                            </a:bodyPr>
+                            <a:lstStyle/>
+                            <a:p>
+                              <a:r>
+                                <a:rPr lang="fr-FR" sz="3600" b="1" dirty="0" smtClean="0"/>
+                                <a:t>Post-</a:t>
+                              </a:r>
+                              <a:r>
+                                <a:rPr lang="fr-FR" sz="3600" b="1" dirty="0" err="1" smtClean="0"/>
+                                <a:t>processing</a:t>
+                              </a:r>
+                              <a:endParaRPr lang="fr-FR" sz="3600" dirty="0"/>
+                            </a:p>
+                          </p:txBody>
+                        </p:sp>
+                        <p:sp>
+                          <p:nvSpPr>
+                            <p:cNvPr id="109" name="ZoneTexte 108"/>
+                            <p:cNvSpPr txBox="1"/>
+                            <p:nvPr/>
+                          </p:nvSpPr>
+                          <p:spPr>
+                            <a:xfrm>
+                              <a:off x="23443712" y="19510181"/>
+                              <a:ext cx="3230631" cy="646331"/>
+                            </a:xfrm>
+                            <a:prstGeom prst="rect">
+                              <a:avLst/>
+                            </a:prstGeom>
+                            <a:noFill/>
+                          </p:spPr>
+                          <p:txBody>
+                            <a:bodyPr wrap="square" rtlCol="0">
+                              <a:spAutoFit/>
+                            </a:bodyPr>
+                            <a:lstStyle/>
+                            <a:p>
+                              <a:r>
+                                <a:rPr lang="fr-FR" sz="3600" b="1" dirty="0" smtClean="0"/>
+                                <a:t>Home cooking</a:t>
+                              </a:r>
+                              <a:endParaRPr lang="fr-FR" sz="3600" dirty="0"/>
+                            </a:p>
+                          </p:txBody>
+                        </p:sp>
+                      </p:grpSp>
+                      <p:sp>
+                        <p:nvSpPr>
+                          <p:cNvPr id="116" name="Flèche courbée vers le bas 115"/>
+                          <p:cNvSpPr/>
+                          <p:nvPr/>
+                        </p:nvSpPr>
+                        <p:spPr>
+                          <a:xfrm rot="10800000">
+                            <a:off x="14791916" y="18784974"/>
+                            <a:ext cx="919475" cy="476285"/>
+                          </a:xfrm>
+                          <a:prstGeom prst="curvedDownArrow">
+                            <a:avLst/>
+                          </a:prstGeom>
+                          <a:solidFill>
+                            <a:schemeClr val="bg2">
+                              <a:lumMod val="75000"/>
+                            </a:schemeClr>
+                          </a:solidFill>
+                          <a:ln>
+                            <a:solidFill>
+                              <a:schemeClr val="tx1"/>
+                            </a:solidFill>
+                          </a:ln>
+                        </p:spPr>
+                        <p:style>
+                          <a:lnRef idx="2">
+                            <a:schemeClr val="accent1">
+                              <a:shade val="50000"/>
+                            </a:schemeClr>
+                          </a:lnRef>
+                          <a:fillRef idx="1">
+                            <a:schemeClr val="accent1"/>
+                          </a:fillRef>
+                          <a:effectRef idx="0">
+                            <a:schemeClr val="accent1"/>
+                          </a:effectRef>
+                          <a:fontRef idx="minor">
+                            <a:schemeClr val="lt1"/>
+                          </a:fontRef>
+                        </p:style>
+                        <p:txBody>
+                          <a:bodyPr rtlCol="0" anchor="ctr"/>
+                          <a:lstStyle/>
+                          <a:p>
+                            <a:pPr algn="ctr"/>
+                            <a:endParaRPr lang="fr-FR">
+                              <a:solidFill>
+                                <a:schemeClr val="tx1"/>
+                              </a:solidFill>
+                            </a:endParaRPr>
+                          </a:p>
+                        </p:txBody>
+                      </p:sp>
+                      <p:sp>
+                        <p:nvSpPr>
+                          <p:cNvPr id="117" name="Flèche courbée vers le bas 116"/>
+                          <p:cNvSpPr/>
+                          <p:nvPr/>
+                        </p:nvSpPr>
+                        <p:spPr>
+                          <a:xfrm rot="10800000">
+                            <a:off x="16823114" y="17782488"/>
+                            <a:ext cx="919475" cy="509079"/>
+                          </a:xfrm>
+                          <a:prstGeom prst="curvedDownArrow">
+                            <a:avLst/>
+                          </a:prstGeom>
+                          <a:solidFill>
+                            <a:schemeClr val="bg2">
+                              <a:lumMod val="75000"/>
+                            </a:schemeClr>
+                          </a:solidFill>
+                          <a:ln>
+                            <a:solidFill>
+                              <a:schemeClr val="tx1"/>
+                            </a:solidFill>
+                          </a:ln>
+                        </p:spPr>
+                        <p:style>
+                          <a:lnRef idx="2">
+                            <a:schemeClr val="accent1">
+                              <a:shade val="50000"/>
+                            </a:schemeClr>
+                          </a:lnRef>
+                          <a:fillRef idx="1">
+                            <a:schemeClr val="accent1"/>
+                          </a:fillRef>
+                          <a:effectRef idx="0">
+                            <a:schemeClr val="accent1"/>
+                          </a:effectRef>
+                          <a:fontRef idx="minor">
+                            <a:schemeClr val="lt1"/>
+                          </a:fontRef>
+                        </p:style>
+                        <p:txBody>
+                          <a:bodyPr rtlCol="0" anchor="ctr"/>
+                          <a:lstStyle/>
+                          <a:p>
+                            <a:pPr algn="ctr"/>
+                            <a:endParaRPr lang="fr-FR">
+                              <a:solidFill>
+                                <a:schemeClr val="tx1"/>
+                              </a:solidFill>
+                            </a:endParaRPr>
+                          </a:p>
+                        </p:txBody>
+                      </p:sp>
+                    </p:grpSp>
+                  </p:grpSp>
+                  <p:sp>
+                    <p:nvSpPr>
+                      <p:cNvPr id="169" name="Rectangle à coins arrondis 168"/>
+                      <p:cNvSpPr/>
+                      <p:nvPr/>
+                    </p:nvSpPr>
+                    <p:spPr>
+                      <a:xfrm>
+                        <a:off x="14774292" y="17782415"/>
+                        <a:ext cx="12879988" cy="2532033"/>
+                      </a:xfrm>
+                      <a:prstGeom prst="roundRect">
+                        <a:avLst/>
+                      </a:prstGeom>
+                      <a:noFill/>
+                      <a:ln>
+                        <a:solidFill>
+                          <a:schemeClr val="accent1">
+                            <a:lumMod val="50000"/>
+                          </a:schemeClr>
+                        </a:solidFill>
+                      </a:ln>
+                    </p:spPr>
+                    <p:style>
+                      <a:lnRef idx="2">
+                        <a:schemeClr val="accent1">
+                          <a:shade val="50000"/>
+                        </a:schemeClr>
+                      </a:lnRef>
+                      <a:fillRef idx="1">
+                        <a:schemeClr val="accent1"/>
+                      </a:fillRef>
+                      <a:effectRef idx="0">
+                        <a:schemeClr val="accent1"/>
+                      </a:effectRef>
+                      <a:fontRef idx="minor">
+                        <a:schemeClr val="lt1"/>
+                      </a:fontRef>
+                    </p:style>
+                    <p:txBody>
+                      <a:bodyPr rtlCol="0" anchor="ctr"/>
+                      <a:lstStyle/>
+                      <a:p>
+                        <a:pPr algn="ctr"/>
+                        <a:endParaRPr lang="fr-FR"/>
+                      </a:p>
+                    </p:txBody>
+                  </p:sp>
+                </p:grpSp>
+              </p:grpSp>
+            </p:grpSp>
+            <p:pic>
+              <p:nvPicPr>
+                <p:cNvPr id="171" name="Image 170"/>
+                <p:cNvPicPr>
+                  <a:picLocks noChangeAspect="1"/>
+                </p:cNvPicPr>
+                <p:nvPr/>
+              </p:nvPicPr>
+              <p:blipFill>
+                <a:blip r:embed="rId13" cstate="print">
+                  <a:extLst>
+                    <a:ext uri="{28A0092B-C50C-407E-A947-70E740481C1C}">
+                      <a14:useLocalDpi xmlns:a14="http://schemas.microsoft.com/office/drawing/2010/main" val="0"/>
+                    </a:ext>
+                  </a:extLst>
+                </a:blip>
+                <a:stretch>
+                  <a:fillRect/>
+                </a:stretch>
+              </p:blipFill>
+              <p:spPr>
+                <a:xfrm>
+                  <a:off x="19033852" y="18351725"/>
+                  <a:ext cx="609705" cy="611497"/>
+                </a:xfrm>
+                <a:prstGeom prst="rect">
+                  <a:avLst/>
+                </a:prstGeom>
+              </p:spPr>
+            </p:pic>
+          </p:grpSp>
+          <p:grpSp>
+            <p:nvGrpSpPr>
+              <p:cNvPr id="10" name="Groupe 9"/>
+              <p:cNvGrpSpPr/>
+              <p:nvPr/>
+            </p:nvGrpSpPr>
+            <p:grpSpPr>
+              <a:xfrm>
+                <a:off x="1092807" y="16260635"/>
+                <a:ext cx="28107527" cy="8938894"/>
+                <a:chOff x="1092807" y="16260635"/>
+                <a:chExt cx="28107527" cy="8938894"/>
+              </a:xfrm>
+            </p:grpSpPr>
+            <p:grpSp>
+              <p:nvGrpSpPr>
+                <p:cNvPr id="9" name="Groupe 8"/>
+                <p:cNvGrpSpPr/>
+                <p:nvPr/>
+              </p:nvGrpSpPr>
+              <p:grpSpPr>
+                <a:xfrm>
+                  <a:off x="1092807" y="16260635"/>
+                  <a:ext cx="10853316" cy="5879949"/>
+                  <a:chOff x="1092807" y="16260635"/>
+                  <a:chExt cx="10853316" cy="5879949"/>
+                </a:xfrm>
+              </p:grpSpPr>
+              <p:sp>
+                <p:nvSpPr>
+                  <p:cNvPr id="58" name="Flèche droite 57"/>
+                  <p:cNvSpPr/>
+                  <p:nvPr/>
+                </p:nvSpPr>
+                <p:spPr>
+                  <a:xfrm>
+                    <a:off x="10563891" y="18050640"/>
+                    <a:ext cx="1382232" cy="899597"/>
+                  </a:xfrm>
+                  <a:prstGeom prst="rightArrow">
+                    <a:avLst/>
+                  </a:prstGeom>
+                </p:spPr>
+                <p:style>
+                  <a:lnRef idx="2">
+                    <a:schemeClr val="accent1">
+                      <a:shade val="50000"/>
+                    </a:schemeClr>
+                  </a:lnRef>
+                  <a:fillRef idx="1">
+                    <a:schemeClr val="accent1"/>
+                  </a:fillRef>
+                  <a:effectRef idx="0">
+                    <a:schemeClr val="accent1"/>
+                  </a:effectRef>
+                  <a:fontRef idx="minor">
+                    <a:schemeClr val="lt1"/>
+                  </a:fontRef>
+                </p:style>
+                <p:txBody>
+                  <a:bodyPr rtlCol="0" anchor="ctr"/>
+                  <a:lstStyle/>
+                  <a:p>
+                    <a:pPr algn="ctr"/>
+                    <a:endParaRPr lang="fr-FR"/>
+                  </a:p>
+                </p:txBody>
+              </p:sp>
+              <p:sp>
+                <p:nvSpPr>
+                  <p:cNvPr id="125" name="ZoneTexte 124"/>
+                  <p:cNvSpPr txBox="1"/>
+                  <p:nvPr/>
+                </p:nvSpPr>
+                <p:spPr>
+                  <a:xfrm>
+                    <a:off x="10638659" y="16727359"/>
+                    <a:ext cx="1096323" cy="1200329"/>
+                  </a:xfrm>
+                  <a:prstGeom prst="rect">
+                    <a:avLst/>
+                  </a:prstGeom>
+                  <a:noFill/>
+                </p:spPr>
+                <p:txBody>
+                  <a:bodyPr wrap="square" rtlCol="0">
+                    <a:spAutoFit/>
+                  </a:bodyPr>
+                  <a:lstStyle/>
+                  <a:p>
+                    <a:r>
+                      <a:rPr lang="fr-FR" sz="3600" b="1" dirty="0" smtClean="0"/>
+                      <a:t>Barn </a:t>
+                    </a:r>
+                  </a:p>
+                  <a:p>
+                    <a:r>
+                      <a:rPr lang="fr-FR" sz="3600" b="1" dirty="0" err="1" smtClean="0"/>
+                      <a:t>Load</a:t>
+                    </a:r>
+                    <a:endParaRPr lang="fr-FR" sz="3600" dirty="0"/>
+                  </a:p>
+                </p:txBody>
+              </p:sp>
+              <p:sp>
+                <p:nvSpPr>
+                  <p:cNvPr id="126" name="ZoneTexte 125"/>
+                  <p:cNvSpPr txBox="1"/>
+                  <p:nvPr/>
+                </p:nvSpPr>
+                <p:spPr>
+                  <a:xfrm>
+                    <a:off x="10638659" y="19163824"/>
+                    <a:ext cx="1273135" cy="1200329"/>
+                  </a:xfrm>
+                  <a:prstGeom prst="rect">
+                    <a:avLst/>
+                  </a:prstGeom>
+                  <a:noFill/>
+                </p:spPr>
+                <p:txBody>
+                  <a:bodyPr wrap="square" rtlCol="0">
+                    <a:spAutoFit/>
+                  </a:bodyPr>
+                  <a:lstStyle/>
+                  <a:p>
+                    <a:r>
+                      <a:rPr lang="fr-FR" sz="3600" b="1" dirty="0" err="1" smtClean="0"/>
+                      <a:t>Flock</a:t>
+                    </a:r>
+                    <a:r>
+                      <a:rPr lang="fr-FR" sz="3600" b="1" dirty="0" smtClean="0"/>
+                      <a:t> </a:t>
+                    </a:r>
+                  </a:p>
+                  <a:p>
+                    <a:r>
+                      <a:rPr lang="fr-FR" sz="3600" b="1" dirty="0" err="1" smtClean="0"/>
+                      <a:t>Prev</a:t>
+                    </a:r>
+                    <a:r>
+                      <a:rPr lang="fr-FR" sz="3600" b="1" dirty="0" smtClean="0"/>
+                      <a:t>.</a:t>
+                    </a:r>
+                    <a:endParaRPr lang="fr-FR" sz="3600" dirty="0"/>
+                  </a:p>
+                </p:txBody>
+              </p:sp>
+              <p:grpSp>
+                <p:nvGrpSpPr>
+                  <p:cNvPr id="8" name="Groupe 7"/>
+                  <p:cNvGrpSpPr/>
+                  <p:nvPr/>
+                </p:nvGrpSpPr>
+                <p:grpSpPr>
+                  <a:xfrm>
+                    <a:off x="1092807" y="16260635"/>
+                    <a:ext cx="9970097" cy="5879949"/>
+                    <a:chOff x="1092807" y="16260635"/>
+                    <a:chExt cx="9970097" cy="5879949"/>
+                  </a:xfrm>
+                </p:grpSpPr>
+                <p:grpSp>
+                  <p:nvGrpSpPr>
+                    <p:cNvPr id="97" name="Groupe 96"/>
+                    <p:cNvGrpSpPr/>
+                    <p:nvPr/>
+                  </p:nvGrpSpPr>
+                  <p:grpSpPr>
+                    <a:xfrm>
+                      <a:off x="1092807" y="16260635"/>
+                      <a:ext cx="9970097" cy="5879949"/>
+                      <a:chOff x="1051993" y="16360886"/>
+                      <a:chExt cx="9970097" cy="5879949"/>
+                    </a:xfrm>
+                  </p:grpSpPr>
+                  <p:grpSp>
+                    <p:nvGrpSpPr>
+                      <p:cNvPr id="94" name="Groupe 93"/>
+                      <p:cNvGrpSpPr/>
+                      <p:nvPr/>
+                    </p:nvGrpSpPr>
+                    <p:grpSpPr>
+                      <a:xfrm>
+                        <a:off x="1086322" y="16360886"/>
+                        <a:ext cx="9935768" cy="5879949"/>
+                        <a:chOff x="1081364" y="17531910"/>
+                        <a:chExt cx="9935768" cy="5879949"/>
+                      </a:xfrm>
+                    </p:grpSpPr>
+                    <p:sp>
+                      <p:nvSpPr>
+                        <p:cNvPr id="91" name="ZoneTexte 90"/>
+                        <p:cNvSpPr txBox="1"/>
+                        <p:nvPr/>
+                      </p:nvSpPr>
+                      <p:spPr>
+                        <a:xfrm>
+                          <a:off x="2469178" y="20087356"/>
+                          <a:ext cx="3230631" cy="646331"/>
+                        </a:xfrm>
+                        <a:prstGeom prst="rect">
+                          <a:avLst/>
+                        </a:prstGeom>
+                        <a:noFill/>
+                      </p:spPr>
+                      <p:txBody>
+                        <a:bodyPr wrap="square" rtlCol="0">
+                          <a:spAutoFit/>
+                        </a:bodyPr>
+                        <a:lstStyle/>
+                        <a:p>
+                          <a:pPr algn="ctr"/>
+                          <a:r>
+                            <a:rPr lang="fr-FR" sz="3600" b="1" dirty="0" err="1" smtClean="0"/>
+                            <a:t>Excretion</a:t>
+                          </a:r>
+                          <a:endParaRPr lang="fr-FR" sz="3600" b="1" dirty="0" smtClean="0"/>
+                        </a:p>
+                      </p:txBody>
+                    </p:sp>
+                    <p:grpSp>
+                      <p:nvGrpSpPr>
+                        <p:cNvPr id="93" name="Groupe 92"/>
+                        <p:cNvGrpSpPr/>
+                        <p:nvPr/>
+                      </p:nvGrpSpPr>
+                      <p:grpSpPr>
+                        <a:xfrm>
+                          <a:off x="1081364" y="17531910"/>
+                          <a:ext cx="9935768" cy="5879949"/>
+                          <a:chOff x="1081364" y="17531910"/>
+                          <a:chExt cx="9935768" cy="5879949"/>
+                        </a:xfrm>
+                      </p:grpSpPr>
+                      <p:sp>
+                        <p:nvSpPr>
+                          <p:cNvPr id="36" name="Rectangle à coins arrondis 35"/>
+                          <p:cNvSpPr/>
+                          <p:nvPr/>
+                        </p:nvSpPr>
+                        <p:spPr>
+                          <a:xfrm>
+                            <a:off x="1081364" y="17531910"/>
+                            <a:ext cx="9189687" cy="5009114"/>
+                          </a:xfrm>
+                          <a:prstGeom prst="roundRect">
+                            <a:avLst>
+                              <a:gd name="adj" fmla="val 4135"/>
+                            </a:avLst>
+                          </a:prstGeom>
+                          <a:noFill/>
+                          <a:ln w="38100"/>
+                        </p:spPr>
+                        <p:style>
+                          <a:lnRef idx="2">
+                            <a:schemeClr val="accent1">
+                              <a:shade val="50000"/>
+                            </a:schemeClr>
+                          </a:lnRef>
+                          <a:fillRef idx="1">
+                            <a:schemeClr val="accent1"/>
+                          </a:fillRef>
+                          <a:effectRef idx="0">
+                            <a:schemeClr val="accent1"/>
+                          </a:effectRef>
+                          <a:fontRef idx="minor">
+                            <a:schemeClr val="lt1"/>
+                          </a:fontRef>
+                        </p:style>
+                        <p:txBody>
+                          <a:bodyPr rtlCol="0" anchor="ctr"/>
+                          <a:lstStyle/>
+                          <a:p>
+                            <a:pPr algn="ctr"/>
+                            <a:endParaRPr lang="fr-FR"/>
+                          </a:p>
+                        </p:txBody>
+                      </p:sp>
+                      <p:pic>
+                        <p:nvPicPr>
+                          <p:cNvPr id="61" name="Image 60"/>
+                          <p:cNvPicPr>
+                            <a:picLocks noChangeAspect="1"/>
+                          </p:cNvPicPr>
+                          <p:nvPr/>
+                        </p:nvPicPr>
+                        <p:blipFill>
+                          <a:blip r:embed="rId11" cstate="print">
+                            <a:extLst>
+                              <a:ext uri="{28A0092B-C50C-407E-A947-70E740481C1C}">
+                                <a14:useLocalDpi xmlns:a14="http://schemas.microsoft.com/office/drawing/2010/main" val="0"/>
+                              </a:ext>
+                            </a:extLst>
+                          </a:blip>
+                          <a:stretch>
+                            <a:fillRect/>
+                          </a:stretch>
+                        </p:blipFill>
+                        <p:spPr>
+                          <a:xfrm>
+                            <a:off x="4258453" y="18996346"/>
+                            <a:ext cx="801193" cy="783980"/>
+                          </a:xfrm>
+                          <a:prstGeom prst="rect">
+                            <a:avLst/>
+                          </a:prstGeom>
+                        </p:spPr>
+                      </p:pic>
+                      <p:pic>
+                        <p:nvPicPr>
+                          <p:cNvPr id="62" name="Image 61"/>
+                          <p:cNvPicPr>
+                            <a:picLocks noChangeAspect="1"/>
+                          </p:cNvPicPr>
+                          <p:nvPr/>
+                        </p:nvPicPr>
+                        <p:blipFill>
+                          <a:blip r:embed="rId11" cstate="print">
+                            <a:extLst>
+                              <a:ext uri="{28A0092B-C50C-407E-A947-70E740481C1C}">
+                                <a14:useLocalDpi xmlns:a14="http://schemas.microsoft.com/office/drawing/2010/main" val="0"/>
+                              </a:ext>
+                            </a:extLst>
+                          </a:blip>
+                          <a:stretch>
+                            <a:fillRect/>
+                          </a:stretch>
+                        </p:blipFill>
+                        <p:spPr>
+                          <a:xfrm>
+                            <a:off x="4194357" y="17995241"/>
+                            <a:ext cx="801193" cy="783980"/>
+                          </a:xfrm>
+                          <a:prstGeom prst="rect">
+                            <a:avLst/>
+                          </a:prstGeom>
+                        </p:spPr>
+                      </p:pic>
+                      <p:pic>
+                        <p:nvPicPr>
+                          <p:cNvPr id="64" name="Image 63"/>
+                          <p:cNvPicPr>
+                            <a:picLocks noChangeAspect="1"/>
+                          </p:cNvPicPr>
+                          <p:nvPr/>
+                        </p:nvPicPr>
+                        <p:blipFill>
+                          <a:blip r:embed="rId11" cstate="print">
+                            <a:extLst>
+                              <a:ext uri="{28A0092B-C50C-407E-A947-70E740481C1C}">
+                                <a14:useLocalDpi xmlns:a14="http://schemas.microsoft.com/office/drawing/2010/main" val="0"/>
+                              </a:ext>
+                            </a:extLst>
+                          </a:blip>
+                          <a:stretch>
+                            <a:fillRect/>
+                          </a:stretch>
+                        </p:blipFill>
+                        <p:spPr>
+                          <a:xfrm>
+                            <a:off x="5237431" y="18010010"/>
+                            <a:ext cx="801193" cy="783980"/>
+                          </a:xfrm>
+                          <a:prstGeom prst="rect">
+                            <a:avLst/>
+                          </a:prstGeom>
+                        </p:spPr>
+                      </p:pic>
+                      <p:pic>
+                        <p:nvPicPr>
+                          <p:cNvPr id="69" name="Image 68"/>
+                          <p:cNvPicPr>
+                            <a:picLocks noChangeAspect="1"/>
+                          </p:cNvPicPr>
+                          <p:nvPr/>
+                        </p:nvPicPr>
+                        <p:blipFill>
+                          <a:blip r:embed="rId12" cstate="print">
+                            <a:extLst>
+                              <a:ext uri="{28A0092B-C50C-407E-A947-70E740481C1C}">
+                                <a14:useLocalDpi xmlns:a14="http://schemas.microsoft.com/office/drawing/2010/main" val="0"/>
+                              </a:ext>
+                            </a:extLst>
+                          </a:blip>
+                          <a:stretch>
+                            <a:fillRect/>
+                          </a:stretch>
+                        </p:blipFill>
+                        <p:spPr>
+                          <a:xfrm>
+                            <a:off x="5255533" y="18972617"/>
+                            <a:ext cx="857723" cy="839295"/>
+                          </a:xfrm>
+                          <a:prstGeom prst="rect">
+                            <a:avLst/>
+                          </a:prstGeom>
+                        </p:spPr>
+                      </p:pic>
+                      <p:pic>
+                        <p:nvPicPr>
+                          <p:cNvPr id="70" name="Image 69"/>
+                          <p:cNvPicPr>
+                            <a:picLocks noChangeAspect="1"/>
+                          </p:cNvPicPr>
+                          <p:nvPr/>
+                        </p:nvPicPr>
+                        <p:blipFill>
+                          <a:blip r:embed="rId11" cstate="print">
+                            <a:extLst>
+                              <a:ext uri="{28A0092B-C50C-407E-A947-70E740481C1C}">
+                                <a14:useLocalDpi xmlns:a14="http://schemas.microsoft.com/office/drawing/2010/main" val="0"/>
+                              </a:ext>
+                            </a:extLst>
+                          </a:blip>
+                          <a:stretch>
+                            <a:fillRect/>
+                          </a:stretch>
+                        </p:blipFill>
+                        <p:spPr>
+                          <a:xfrm>
+                            <a:off x="8099677" y="18974629"/>
+                            <a:ext cx="801193" cy="783980"/>
+                          </a:xfrm>
+                          <a:prstGeom prst="rect">
+                            <a:avLst/>
+                          </a:prstGeom>
+                        </p:spPr>
+                      </p:pic>
+                      <p:pic>
+                        <p:nvPicPr>
+                          <p:cNvPr id="71" name="Image 70"/>
+                          <p:cNvPicPr>
+                            <a:picLocks noChangeAspect="1"/>
+                          </p:cNvPicPr>
+                          <p:nvPr/>
+                        </p:nvPicPr>
+                        <p:blipFill>
+                          <a:blip r:embed="rId12" cstate="print">
+                            <a:extLst>
+                              <a:ext uri="{28A0092B-C50C-407E-A947-70E740481C1C}">
+                                <a14:useLocalDpi xmlns:a14="http://schemas.microsoft.com/office/drawing/2010/main" val="0"/>
+                              </a:ext>
+                            </a:extLst>
+                          </a:blip>
+                          <a:stretch>
+                            <a:fillRect/>
+                          </a:stretch>
+                        </p:blipFill>
+                        <p:spPr>
+                          <a:xfrm>
+                            <a:off x="8979027" y="17972967"/>
+                            <a:ext cx="857723" cy="839295"/>
+                          </a:xfrm>
+                          <a:prstGeom prst="rect">
+                            <a:avLst/>
+                          </a:prstGeom>
+                        </p:spPr>
+                      </p:pic>
+                      <p:pic>
+                        <p:nvPicPr>
+                          <p:cNvPr id="72" name="Image 71"/>
+                          <p:cNvPicPr>
+                            <a:picLocks noChangeAspect="1"/>
+                          </p:cNvPicPr>
+                          <p:nvPr/>
+                        </p:nvPicPr>
+                        <p:blipFill>
+                          <a:blip r:embed="rId12" cstate="print">
+                            <a:extLst>
+                              <a:ext uri="{28A0092B-C50C-407E-A947-70E740481C1C}">
+                                <a14:useLocalDpi xmlns:a14="http://schemas.microsoft.com/office/drawing/2010/main" val="0"/>
+                              </a:ext>
+                            </a:extLst>
+                          </a:blip>
+                          <a:stretch>
+                            <a:fillRect/>
+                          </a:stretch>
+                        </p:blipFill>
+                        <p:spPr>
+                          <a:xfrm>
+                            <a:off x="8060928" y="18006323"/>
+                            <a:ext cx="857723" cy="839295"/>
+                          </a:xfrm>
+                          <a:prstGeom prst="rect">
+                            <a:avLst/>
+                          </a:prstGeom>
+                        </p:spPr>
+                      </p:pic>
+                      <p:pic>
+                        <p:nvPicPr>
+                          <p:cNvPr id="73" name="Image 72"/>
+                          <p:cNvPicPr>
+                            <a:picLocks noChangeAspect="1"/>
+                          </p:cNvPicPr>
+                          <p:nvPr/>
+                        </p:nvPicPr>
+                        <p:blipFill>
+                          <a:blip r:embed="rId12" cstate="print">
+                            <a:extLst>
+                              <a:ext uri="{28A0092B-C50C-407E-A947-70E740481C1C}">
+                                <a14:useLocalDpi xmlns:a14="http://schemas.microsoft.com/office/drawing/2010/main" val="0"/>
+                              </a:ext>
+                            </a:extLst>
+                          </a:blip>
+                          <a:stretch>
+                            <a:fillRect/>
+                          </a:stretch>
+                        </p:blipFill>
+                        <p:spPr>
+                          <a:xfrm>
+                            <a:off x="9012181" y="18935825"/>
+                            <a:ext cx="857723" cy="839295"/>
+                          </a:xfrm>
+                          <a:prstGeom prst="rect">
+                            <a:avLst/>
+                          </a:prstGeom>
+                        </p:spPr>
+                      </p:pic>
+                      <p:pic>
+                        <p:nvPicPr>
+                          <p:cNvPr id="75" name="Image 74"/>
+                          <p:cNvPicPr>
+                            <a:picLocks noChangeAspect="1"/>
+                          </p:cNvPicPr>
+                          <p:nvPr/>
+                        </p:nvPicPr>
+                        <p:blipFill>
+                          <a:blip r:embed="rId14" cstate="print">
+                            <a:extLst>
+                              <a:ext uri="{28A0092B-C50C-407E-A947-70E740481C1C}">
+                                <a14:useLocalDpi xmlns:a14="http://schemas.microsoft.com/office/drawing/2010/main" val="0"/>
+                              </a:ext>
+                            </a:extLst>
+                          </a:blip>
+                          <a:stretch>
+                            <a:fillRect/>
+                          </a:stretch>
+                        </p:blipFill>
+                        <p:spPr>
+                          <a:xfrm>
+                            <a:off x="5255533" y="21229487"/>
+                            <a:ext cx="898307" cy="898307"/>
+                          </a:xfrm>
+                          <a:prstGeom prst="rect">
+                            <a:avLst/>
+                          </a:prstGeom>
+                        </p:spPr>
+                      </p:pic>
+                      <p:pic>
+                        <p:nvPicPr>
+                          <p:cNvPr id="80" name="Image 79"/>
+                          <p:cNvPicPr>
+                            <a:picLocks noChangeAspect="1"/>
+                          </p:cNvPicPr>
+                          <p:nvPr/>
+                        </p:nvPicPr>
+                        <p:blipFill>
+                          <a:blip r:embed="rId15" cstate="print">
+                            <a:extLst>
+                              <a:ext uri="{28A0092B-C50C-407E-A947-70E740481C1C}">
+                                <a14:useLocalDpi xmlns:a14="http://schemas.microsoft.com/office/drawing/2010/main" val="0"/>
+                              </a:ext>
+                            </a:extLst>
+                          </a:blip>
+                          <a:stretch>
+                            <a:fillRect/>
+                          </a:stretch>
+                        </p:blipFill>
+                        <p:spPr>
+                          <a:xfrm>
+                            <a:off x="4186108" y="21208977"/>
+                            <a:ext cx="942517" cy="945287"/>
+                          </a:xfrm>
+                          <a:prstGeom prst="rect">
+                            <a:avLst/>
+                          </a:prstGeom>
+                        </p:spPr>
+                      </p:pic>
+                      <p:sp>
+                        <p:nvSpPr>
+                          <p:cNvPr id="85" name="Double flèche horizontale 84"/>
+                          <p:cNvSpPr/>
+                          <p:nvPr/>
+                        </p:nvSpPr>
+                        <p:spPr>
+                          <a:xfrm rot="5400000" flipV="1">
+                            <a:off x="4696946" y="20205600"/>
+                            <a:ext cx="1049902" cy="429737"/>
+                          </a:xfrm>
+                          <a:prstGeom prst="leftRightArrow">
+                            <a:avLst/>
+                          </a:prstGeom>
+                          <a:solidFill>
+                            <a:schemeClr val="bg2">
+                              <a:lumMod val="75000"/>
+                            </a:schemeClr>
+                          </a:solidFill>
+                          <a:ln>
+                            <a:solidFill>
+                              <a:schemeClr val="tx1"/>
+                            </a:solidFill>
+                          </a:ln>
+                        </p:spPr>
+                        <p:style>
+                          <a:lnRef idx="2">
+                            <a:schemeClr val="accent1">
+                              <a:shade val="50000"/>
+                            </a:schemeClr>
+                          </a:lnRef>
+                          <a:fillRef idx="1">
+                            <a:schemeClr val="accent1"/>
+                          </a:fillRef>
+                          <a:effectRef idx="0">
+                            <a:schemeClr val="accent1"/>
+                          </a:effectRef>
+                          <a:fontRef idx="minor">
+                            <a:schemeClr val="lt1"/>
+                          </a:fontRef>
+                        </p:style>
+                        <p:txBody>
+                          <a:bodyPr rtlCol="0" anchor="ctr"/>
+                          <a:lstStyle/>
+                          <a:p>
+                            <a:pPr algn="ctr"/>
+                            <a:endParaRPr lang="fr-FR"/>
+                          </a:p>
+                        </p:txBody>
+                      </p:sp>
+                      <p:sp>
+                        <p:nvSpPr>
+                          <p:cNvPr id="86" name="Flèche courbée vers le bas 85"/>
+                          <p:cNvSpPr/>
+                          <p:nvPr/>
+                        </p:nvSpPr>
+                        <p:spPr>
+                          <a:xfrm rot="10800000">
+                            <a:off x="8781571" y="19830657"/>
+                            <a:ext cx="1240688" cy="747204"/>
+                          </a:xfrm>
+                          <a:prstGeom prst="curvedDownArrow">
+                            <a:avLst/>
+                          </a:prstGeom>
+                          <a:solidFill>
+                            <a:schemeClr val="bg2">
+                              <a:lumMod val="75000"/>
+                            </a:schemeClr>
+                          </a:solidFill>
+                          <a:ln>
+                            <a:solidFill>
+                              <a:schemeClr val="tx1"/>
+                            </a:solidFill>
+                          </a:ln>
+                        </p:spPr>
+                        <p:style>
+                          <a:lnRef idx="2">
+                            <a:schemeClr val="accent1">
+                              <a:shade val="50000"/>
+                            </a:schemeClr>
+                          </a:lnRef>
+                          <a:fillRef idx="1">
+                            <a:schemeClr val="accent1"/>
+                          </a:fillRef>
+                          <a:effectRef idx="0">
+                            <a:schemeClr val="accent1"/>
+                          </a:effectRef>
+                          <a:fontRef idx="minor">
+                            <a:schemeClr val="lt1"/>
+                          </a:fontRef>
+                        </p:style>
+                        <p:txBody>
+                          <a:bodyPr rtlCol="0" anchor="ctr"/>
+                          <a:lstStyle/>
+                          <a:p>
+                            <a:pPr algn="ctr"/>
+                            <a:endParaRPr lang="fr-FR">
+                              <a:solidFill>
+                                <a:schemeClr val="tx1"/>
+                              </a:solidFill>
+                            </a:endParaRPr>
+                          </a:p>
+                        </p:txBody>
+                      </p:sp>
+                      <p:sp>
+                        <p:nvSpPr>
+                          <p:cNvPr id="87" name="Flèche droite 86"/>
+                          <p:cNvSpPr/>
+                          <p:nvPr/>
+                        </p:nvSpPr>
+                        <p:spPr>
+                          <a:xfrm>
+                            <a:off x="6343243" y="18794401"/>
+                            <a:ext cx="1528843" cy="365473"/>
+                          </a:xfrm>
+                          <a:prstGeom prst="rightArrow">
+                            <a:avLst/>
+                          </a:prstGeom>
+                          <a:solidFill>
+                            <a:schemeClr val="bg2">
+                              <a:lumMod val="75000"/>
+                            </a:schemeClr>
+                          </a:solidFill>
+                          <a:ln>
+                            <a:solidFill>
+                              <a:schemeClr val="tx1"/>
+                            </a:solidFill>
+                          </a:ln>
+                        </p:spPr>
+                        <p:style>
+                          <a:lnRef idx="2">
+                            <a:schemeClr val="accent1">
+                              <a:shade val="50000"/>
+                            </a:schemeClr>
+                          </a:lnRef>
+                          <a:fillRef idx="1">
+                            <a:schemeClr val="accent1"/>
+                          </a:fillRef>
+                          <a:effectRef idx="0">
+                            <a:schemeClr val="accent1"/>
+                          </a:effectRef>
+                          <a:fontRef idx="minor">
+                            <a:schemeClr val="lt1"/>
+                          </a:fontRef>
+                        </p:style>
+                        <p:txBody>
+                          <a:bodyPr rtlCol="0" anchor="ctr"/>
+                          <a:lstStyle/>
+                          <a:p>
+                            <a:pPr algn="ctr"/>
+                            <a:endParaRPr lang="fr-FR"/>
+                          </a:p>
+                        </p:txBody>
+                      </p:sp>
+                      <p:sp>
+                        <p:nvSpPr>
+                          <p:cNvPr id="88" name="ZoneTexte 87"/>
+                          <p:cNvSpPr txBox="1"/>
+                          <p:nvPr/>
+                        </p:nvSpPr>
+                        <p:spPr>
+                          <a:xfrm>
+                            <a:off x="4328845" y="22765528"/>
+                            <a:ext cx="3230631" cy="646331"/>
+                          </a:xfrm>
+                          <a:prstGeom prst="rect">
+                            <a:avLst/>
+                          </a:prstGeom>
+                          <a:noFill/>
+                        </p:spPr>
+                        <p:txBody>
+                          <a:bodyPr wrap="square" rtlCol="0">
+                            <a:spAutoFit/>
+                          </a:bodyPr>
+                          <a:lstStyle/>
+                          <a:p>
+                            <a:r>
+                              <a:rPr lang="fr-FR" sz="3600" b="1" dirty="0" smtClean="0"/>
+                              <a:t>FARM MODULE</a:t>
+                            </a:r>
+                            <a:endParaRPr lang="fr-FR" sz="3600" dirty="0"/>
+                          </a:p>
+                        </p:txBody>
+                      </p:sp>
+                      <p:sp>
+                        <p:nvSpPr>
+                          <p:cNvPr id="89" name="ZoneTexte 88"/>
+                          <p:cNvSpPr txBox="1"/>
+                          <p:nvPr/>
+                        </p:nvSpPr>
+                        <p:spPr>
+                          <a:xfrm>
+                            <a:off x="7786501" y="20681586"/>
+                            <a:ext cx="3230631" cy="1200329"/>
+                          </a:xfrm>
+                          <a:prstGeom prst="rect">
+                            <a:avLst/>
+                          </a:prstGeom>
+                          <a:noFill/>
+                        </p:spPr>
+                        <p:txBody>
+                          <a:bodyPr wrap="square" rtlCol="0">
+                            <a:spAutoFit/>
+                          </a:bodyPr>
+                          <a:lstStyle/>
+                          <a:p>
+                            <a:pPr algn="ctr"/>
+                            <a:r>
+                              <a:rPr lang="fr-FR" sz="3600" b="1" dirty="0" smtClean="0"/>
+                              <a:t>HGT</a:t>
+                            </a:r>
+                          </a:p>
+                          <a:p>
+                            <a:pPr algn="ctr"/>
+                            <a:r>
+                              <a:rPr lang="fr-FR" sz="3600" b="1" dirty="0" err="1" smtClean="0"/>
+                              <a:t>Growth</a:t>
+                            </a:r>
+                            <a:endParaRPr lang="fr-FR" sz="3600" dirty="0"/>
+                          </a:p>
+                        </p:txBody>
+                      </p:sp>
+                      <p:sp>
+                        <p:nvSpPr>
+                          <p:cNvPr id="90" name="ZoneTexte 89"/>
+                          <p:cNvSpPr txBox="1"/>
+                          <p:nvPr/>
+                        </p:nvSpPr>
+                        <p:spPr>
+                          <a:xfrm>
+                            <a:off x="5082180" y="20141826"/>
+                            <a:ext cx="3230631" cy="646331"/>
+                          </a:xfrm>
+                          <a:prstGeom prst="rect">
+                            <a:avLst/>
+                          </a:prstGeom>
+                          <a:noFill/>
+                        </p:spPr>
+                        <p:txBody>
+                          <a:bodyPr wrap="square" rtlCol="0">
+                            <a:spAutoFit/>
+                          </a:bodyPr>
+                          <a:lstStyle/>
+                          <a:p>
+                            <a:pPr algn="ctr"/>
+                            <a:r>
+                              <a:rPr lang="fr-FR" sz="3600" b="1" dirty="0" smtClean="0"/>
+                              <a:t>Transmission</a:t>
+                            </a:r>
+                          </a:p>
+                        </p:txBody>
+                      </p:sp>
+                      <p:sp>
+                        <p:nvSpPr>
+                          <p:cNvPr id="92" name="ZoneTexte 91"/>
+                          <p:cNvSpPr txBox="1"/>
+                          <p:nvPr/>
+                        </p:nvSpPr>
+                        <p:spPr>
+                          <a:xfrm>
+                            <a:off x="5920528" y="18052808"/>
+                            <a:ext cx="2329212" cy="646331"/>
+                          </a:xfrm>
+                          <a:prstGeom prst="rect">
+                            <a:avLst/>
+                          </a:prstGeom>
+                          <a:noFill/>
+                        </p:spPr>
+                        <p:txBody>
+                          <a:bodyPr wrap="square" rtlCol="0">
+                            <a:spAutoFit/>
+                          </a:bodyPr>
+                          <a:lstStyle/>
+                          <a:p>
+                            <a:pPr algn="ctr"/>
+                            <a:r>
+                              <a:rPr lang="fr-FR" sz="3600" b="1" dirty="0" smtClean="0"/>
+                              <a:t>SI model</a:t>
+                            </a:r>
+                          </a:p>
+                        </p:txBody>
+                      </p:sp>
+                    </p:grpSp>
+                  </p:grpSp>
+                  <p:sp>
+                    <p:nvSpPr>
+                      <p:cNvPr id="95" name="ZoneTexte 94"/>
+                      <p:cNvSpPr txBox="1"/>
+                      <p:nvPr/>
+                    </p:nvSpPr>
+                    <p:spPr>
+                      <a:xfrm>
+                        <a:off x="1051993" y="20035021"/>
+                        <a:ext cx="3230631" cy="646331"/>
+                      </a:xfrm>
+                      <a:prstGeom prst="rect">
+                        <a:avLst/>
+                      </a:prstGeom>
+                      <a:noFill/>
+                    </p:spPr>
+                    <p:txBody>
+                      <a:bodyPr wrap="square" rtlCol="0">
+                        <a:spAutoFit/>
+                      </a:bodyPr>
+                      <a:lstStyle/>
+                      <a:p>
+                        <a:pPr algn="ctr"/>
+                        <a:r>
+                          <a:rPr lang="fr-FR" sz="3600" b="1" dirty="0" err="1" smtClean="0"/>
+                          <a:t>Decay</a:t>
+                        </a:r>
+                        <a:endParaRPr lang="fr-FR" sz="3600" dirty="0"/>
+                      </a:p>
+                    </p:txBody>
+                  </p:sp>
+                  <p:sp>
+                    <p:nvSpPr>
+                      <p:cNvPr id="96" name="Flèche courbée vers le bas 95"/>
+                      <p:cNvSpPr/>
+                      <p:nvPr/>
+                    </p:nvSpPr>
+                    <p:spPr>
+                      <a:xfrm rot="16200000">
+                        <a:off x="3178371" y="19995076"/>
+                        <a:ext cx="1240688" cy="747204"/>
+                      </a:xfrm>
+                      <a:prstGeom prst="curvedDownArrow">
+                        <a:avLst/>
+                      </a:prstGeom>
+                      <a:solidFill>
+                        <a:schemeClr val="bg2">
+                          <a:lumMod val="75000"/>
+                        </a:schemeClr>
+                      </a:solidFill>
+                      <a:ln>
+                        <a:solidFill>
+                          <a:schemeClr val="tx1"/>
+                        </a:solidFill>
+                      </a:ln>
+                    </p:spPr>
+                    <p:style>
+                      <a:lnRef idx="2">
+                        <a:schemeClr val="accent1">
+                          <a:shade val="50000"/>
+                        </a:schemeClr>
+                      </a:lnRef>
+                      <a:fillRef idx="1">
+                        <a:schemeClr val="accent1"/>
+                      </a:fillRef>
+                      <a:effectRef idx="0">
+                        <a:schemeClr val="accent1"/>
+                      </a:effectRef>
+                      <a:fontRef idx="minor">
+                        <a:schemeClr val="lt1"/>
+                      </a:fontRef>
+                    </p:style>
+                    <p:txBody>
+                      <a:bodyPr rtlCol="0" anchor="ctr"/>
+                      <a:lstStyle/>
+                      <a:p>
+                        <a:pPr algn="ctr"/>
+                        <a:endParaRPr lang="fr-FR">
+                          <a:solidFill>
+                            <a:schemeClr val="tx1"/>
+                          </a:solidFill>
+                        </a:endParaRPr>
+                      </a:p>
+                    </p:txBody>
+                  </p:sp>
+                </p:grpSp>
+                <p:pic>
+                  <p:nvPicPr>
+                    <p:cNvPr id="2" name="Image 1"/>
+                    <p:cNvPicPr>
+                      <a:picLocks noChangeAspect="1"/>
+                    </p:cNvPicPr>
+                    <p:nvPr/>
+                  </p:nvPicPr>
+                  <p:blipFill>
+                    <a:blip r:embed="rId16" cstate="print">
+                      <a:extLst>
+                        <a:ext uri="{28A0092B-C50C-407E-A947-70E740481C1C}">
+                          <a14:useLocalDpi xmlns:a14="http://schemas.microsoft.com/office/drawing/2010/main" val="0"/>
+                        </a:ext>
+                      </a:extLst>
+                    </a:blip>
+                    <a:stretch>
+                      <a:fillRect/>
+                    </a:stretch>
+                  </p:blipFill>
+                  <p:spPr>
+                    <a:xfrm>
+                      <a:off x="1461660" y="17572771"/>
+                      <a:ext cx="643875" cy="503343"/>
+                    </a:xfrm>
+                    <a:prstGeom prst="rect">
+                      <a:avLst/>
+                    </a:prstGeom>
+                  </p:spPr>
+                </p:pic>
+                <p:pic>
+                  <p:nvPicPr>
+                    <p:cNvPr id="3" name="Image 2"/>
+                    <p:cNvPicPr>
+                      <a:picLocks noChangeAspect="1"/>
+                    </p:cNvPicPr>
+                    <p:nvPr/>
+                  </p:nvPicPr>
+                  <p:blipFill>
+                    <a:blip r:embed="rId17" cstate="print">
+                      <a:extLst>
+                        <a:ext uri="{28A0092B-C50C-407E-A947-70E740481C1C}">
+                          <a14:useLocalDpi xmlns:a14="http://schemas.microsoft.com/office/drawing/2010/main" val="0"/>
+                        </a:ext>
+                      </a:extLst>
+                    </a:blip>
+                    <a:stretch>
+                      <a:fillRect/>
+                    </a:stretch>
+                  </p:blipFill>
+                  <p:spPr>
+                    <a:xfrm>
+                      <a:off x="1376604" y="16703918"/>
+                      <a:ext cx="787698" cy="763083"/>
+                    </a:xfrm>
+                    <a:prstGeom prst="rect">
+                      <a:avLst/>
+                    </a:prstGeom>
+                  </p:spPr>
+                </p:pic>
+                <p:sp>
+                  <p:nvSpPr>
+                    <p:cNvPr id="111" name="Flèche droite 110"/>
+                    <p:cNvSpPr/>
+                    <p:nvPr/>
+                  </p:nvSpPr>
+                  <p:spPr>
+                    <a:xfrm>
+                      <a:off x="2370597" y="17783798"/>
+                      <a:ext cx="1528843" cy="365473"/>
+                    </a:xfrm>
+                    <a:prstGeom prst="rightArrow">
+                      <a:avLst/>
+                    </a:prstGeom>
+                    <a:solidFill>
+                      <a:schemeClr val="bg2">
+                        <a:lumMod val="75000"/>
+                      </a:schemeClr>
+                    </a:solidFill>
+                    <a:ln>
+                      <a:solidFill>
+                        <a:schemeClr val="tx1"/>
+                      </a:solidFill>
+                    </a:ln>
+                  </p:spPr>
+                  <p:style>
+                    <a:lnRef idx="2">
+                      <a:schemeClr val="accent1">
+                        <a:shade val="50000"/>
+                      </a:schemeClr>
+                    </a:lnRef>
+                    <a:fillRef idx="1">
+                      <a:schemeClr val="accent1"/>
+                    </a:fillRef>
+                    <a:effectRef idx="0">
+                      <a:schemeClr val="accent1"/>
+                    </a:effectRef>
+                    <a:fontRef idx="minor">
+                      <a:schemeClr val="lt1"/>
+                    </a:fontRef>
+                  </p:style>
+                  <p:txBody>
+                    <a:bodyPr rtlCol="0" anchor="ctr"/>
+                    <a:lstStyle/>
+                    <a:p>
+                      <a:pPr algn="ctr"/>
+                      <a:endParaRPr lang="fr-FR"/>
+                    </a:p>
+                  </p:txBody>
+                </p:sp>
+                <p:sp>
+                  <p:nvSpPr>
+                    <p:cNvPr id="114" name="ZoneTexte 113"/>
+                    <p:cNvSpPr txBox="1"/>
+                    <p:nvPr/>
+                  </p:nvSpPr>
+                  <p:spPr>
+                    <a:xfrm>
+                      <a:off x="2003581" y="17085460"/>
+                      <a:ext cx="2329212" cy="646331"/>
+                    </a:xfrm>
+                    <a:prstGeom prst="rect">
+                      <a:avLst/>
+                    </a:prstGeom>
+                    <a:noFill/>
+                  </p:spPr>
+                  <p:txBody>
+                    <a:bodyPr wrap="square" rtlCol="0">
+                      <a:spAutoFit/>
+                    </a:bodyPr>
+                    <a:lstStyle/>
+                    <a:p>
+                      <a:pPr algn="ctr"/>
+                      <a:r>
+                        <a:rPr lang="fr-FR" sz="3600" b="1" dirty="0" err="1"/>
+                        <a:t>T</a:t>
+                      </a:r>
+                      <a:r>
+                        <a:rPr lang="fr-FR" sz="3600" b="1" dirty="0" err="1" smtClean="0"/>
+                        <a:t>hinning</a:t>
+                      </a:r>
+                      <a:endParaRPr lang="fr-FR" sz="3600" b="1" dirty="0" smtClean="0"/>
+                    </a:p>
+                  </p:txBody>
+                </p:sp>
+                <p:pic>
+                  <p:nvPicPr>
+                    <p:cNvPr id="115" name="Image 114"/>
+                    <p:cNvPicPr>
+                      <a:picLocks noChangeAspect="1"/>
+                    </p:cNvPicPr>
+                    <p:nvPr/>
+                  </p:nvPicPr>
+                  <p:blipFill>
+                    <a:blip r:embed="rId18" cstate="print">
+                      <a:extLst>
+                        <a:ext uri="{28A0092B-C50C-407E-A947-70E740481C1C}">
+                          <a14:useLocalDpi xmlns:a14="http://schemas.microsoft.com/office/drawing/2010/main" val="0"/>
+                        </a:ext>
+                      </a:extLst>
+                    </a:blip>
+                    <a:stretch>
+                      <a:fillRect/>
+                    </a:stretch>
+                  </p:blipFill>
+                  <p:spPr>
+                    <a:xfrm>
+                      <a:off x="1385635" y="18122132"/>
+                      <a:ext cx="648762" cy="650668"/>
+                    </a:xfrm>
+                    <a:prstGeom prst="rect">
+                      <a:avLst/>
+                    </a:prstGeom>
+                  </p:spPr>
+                </p:pic>
+              </p:grpSp>
+            </p:grpSp>
+            <p:sp>
+              <p:nvSpPr>
+                <p:cNvPr id="4" name="Rectangle à coins arrondis 3"/>
+                <p:cNvSpPr/>
+                <p:nvPr/>
+              </p:nvSpPr>
+              <p:spPr>
+                <a:xfrm>
+                  <a:off x="1127136" y="22313127"/>
+                  <a:ext cx="9265913" cy="2876831"/>
+                </a:xfrm>
+                <a:prstGeom prst="roundRect">
+                  <a:avLst>
+                    <a:gd name="adj" fmla="val 7644"/>
+                  </a:avLst>
+                </a:prstGeom>
+                <a:solidFill>
+                  <a:schemeClr val="accent1">
+                    <a:lumMod val="40000"/>
+                    <a:lumOff val="60000"/>
+                  </a:schemeClr>
+                </a:solidFill>
+                <a:ln w="38100">
+                  <a:solidFill>
+                    <a:schemeClr val="accent1">
+                      <a:lumMod val="50000"/>
+                    </a:schemeClr>
+                  </a:solidFill>
+                </a:ln>
+              </p:spPr>
+              <p:style>
+                <a:lnRef idx="2">
+                  <a:schemeClr val="accent1">
+                    <a:shade val="50000"/>
+                  </a:schemeClr>
+                </a:lnRef>
+                <a:fillRef idx="1">
+                  <a:schemeClr val="accent1"/>
+                </a:fillRef>
+                <a:effectRef idx="0">
+                  <a:schemeClr val="accent1"/>
+                </a:effectRef>
+                <a:fontRef idx="minor">
+                  <a:schemeClr val="lt1"/>
+                </a:fontRef>
+              </p:style>
+              <p:txBody>
+                <a:bodyPr rtlCol="0" anchor="ctr"/>
+                <a:lstStyle/>
+                <a:p>
+                  <a:pPr>
+                    <a:lnSpc>
+                      <a:spcPct val="150000"/>
+                    </a:lnSpc>
+                  </a:pPr>
+                  <a:r>
+                    <a:rPr lang="fr-FR" sz="3600" b="1" dirty="0">
+                      <a:solidFill>
+                        <a:schemeClr val="tx1"/>
+                      </a:solidFill>
+                    </a:rPr>
+                    <a:t>DYNAMICS of ESBL </a:t>
+                  </a:r>
+                  <a:r>
+                    <a:rPr lang="fr-FR" sz="3600" b="1" i="1" dirty="0">
+                      <a:solidFill>
+                        <a:schemeClr val="tx1"/>
+                      </a:solidFill>
+                    </a:rPr>
+                    <a:t>E. coli</a:t>
+                  </a:r>
+                  <a:r>
+                    <a:rPr lang="fr-FR" sz="3600" b="1" dirty="0">
+                      <a:solidFill>
+                        <a:schemeClr val="tx1"/>
+                      </a:solidFill>
+                    </a:rPr>
+                    <a:t> in farm environment</a:t>
+                  </a:r>
+                </a:p>
+                <a:p>
+                  <a:pPr>
+                    <a:lnSpc>
+                      <a:spcPct val="150000"/>
+                    </a:lnSpc>
+                  </a:pPr>
+                  <a:r>
+                    <a:rPr lang="fr-FR" sz="3600" dirty="0">
+                      <a:solidFill>
+                        <a:schemeClr val="tx1"/>
+                      </a:solidFill>
+                    </a:rPr>
+                    <a:t>Transmisson model </a:t>
+                  </a:r>
+                  <a:r>
+                    <a:rPr lang="fr-FR" sz="3600" dirty="0">
+                      <a:solidFill>
+                        <a:schemeClr val="accent1">
+                          <a:lumMod val="50000"/>
+                        </a:schemeClr>
+                      </a:solidFill>
+                    </a:rPr>
+                    <a:t>Dame-Korevaar et al. (2020)</a:t>
+                  </a:r>
+                </a:p>
+                <a:p>
+                  <a:r>
+                    <a:rPr lang="fr-FR" sz="3600" dirty="0">
+                      <a:solidFill>
+                        <a:schemeClr val="tx1"/>
+                      </a:solidFill>
+                    </a:rPr>
+                    <a:t>Horizontal Gene Transfer </a:t>
+                  </a:r>
+                  <a:r>
+                    <a:rPr lang="fr-FR" sz="3600" dirty="0">
+                      <a:solidFill>
+                        <a:schemeClr val="accent1">
+                          <a:lumMod val="50000"/>
+                        </a:schemeClr>
+                      </a:solidFill>
+                    </a:rPr>
+                    <a:t>Fisher at al. (2019)</a:t>
+                  </a:r>
+                </a:p>
+                <a:p>
+                  <a:r>
+                    <a:rPr lang="fr-FR" sz="3600" dirty="0">
+                      <a:solidFill>
+                        <a:schemeClr val="tx1"/>
+                      </a:solidFill>
+                    </a:rPr>
+                    <a:t>Susceptible-Infected</a:t>
+                  </a:r>
+                  <a:r>
+                    <a:rPr lang="fr-FR" sz="3600" dirty="0">
+                      <a:solidFill>
+                        <a:schemeClr val="accent1">
+                          <a:lumMod val="50000"/>
+                        </a:schemeClr>
+                      </a:solidFill>
+                    </a:rPr>
+                    <a:t> </a:t>
+                  </a:r>
+                  <a:r>
+                    <a:rPr lang="fr-FR" sz="3600" dirty="0">
+                      <a:solidFill>
+                        <a:schemeClr val="tx1"/>
+                      </a:solidFill>
+                    </a:rPr>
+                    <a:t>model</a:t>
+                  </a:r>
+                  <a:r>
+                    <a:rPr lang="fr-FR" sz="3600" dirty="0">
+                      <a:solidFill>
+                        <a:schemeClr val="accent1">
+                          <a:lumMod val="50000"/>
+                        </a:schemeClr>
+                      </a:solidFill>
+                    </a:rPr>
+                    <a:t> Becker et al. (2022)</a:t>
+                  </a:r>
+                  <a:endParaRPr lang="fr-FR" sz="3600" dirty="0">
+                    <a:solidFill>
+                      <a:schemeClr val="tx1"/>
+                    </a:solidFill>
+                  </a:endParaRPr>
+                </a:p>
+                <a:p>
+                  <a:pPr algn="ctr"/>
+                  <a:endParaRPr lang="fr-FR" sz="3600" dirty="0"/>
+                </a:p>
+              </p:txBody>
+            </p:sp>
+            <p:sp>
+              <p:nvSpPr>
+                <p:cNvPr id="5" name="Rectangle à coins arrondis 4"/>
+                <p:cNvSpPr/>
+                <p:nvPr/>
+              </p:nvSpPr>
+              <p:spPr>
+                <a:xfrm>
+                  <a:off x="12158862" y="22322075"/>
+                  <a:ext cx="9194645" cy="2877454"/>
+                </a:xfrm>
+                <a:prstGeom prst="roundRect">
+                  <a:avLst>
+                    <a:gd name="adj" fmla="val 6521"/>
+                  </a:avLst>
+                </a:prstGeom>
+                <a:solidFill>
+                  <a:schemeClr val="accent1">
+                    <a:lumMod val="40000"/>
+                    <a:lumOff val="60000"/>
+                  </a:schemeClr>
+                </a:solidFill>
+                <a:ln w="38100">
+                  <a:solidFill>
+                    <a:schemeClr val="accent1">
+                      <a:lumMod val="50000"/>
+                    </a:schemeClr>
+                  </a:solidFill>
+                </a:ln>
+              </p:spPr>
+              <p:style>
+                <a:lnRef idx="2">
+                  <a:schemeClr val="accent1">
+                    <a:shade val="50000"/>
+                  </a:schemeClr>
+                </a:lnRef>
+                <a:fillRef idx="1">
+                  <a:schemeClr val="accent1"/>
+                </a:fillRef>
+                <a:effectRef idx="0">
+                  <a:schemeClr val="accent1"/>
+                </a:effectRef>
+                <a:fontRef idx="minor">
+                  <a:schemeClr val="lt1"/>
+                </a:fontRef>
+              </p:style>
+              <p:txBody>
+                <a:bodyPr rtlCol="0" anchor="ctr"/>
+                <a:lstStyle/>
+                <a:p>
+                  <a:pPr>
+                    <a:lnSpc>
+                      <a:spcPct val="150000"/>
+                    </a:lnSpc>
+                  </a:pPr>
+                  <a:r>
+                    <a:rPr lang="fr-FR" sz="3600" b="1" dirty="0">
+                      <a:solidFill>
+                        <a:schemeClr val="tx1"/>
+                      </a:solidFill>
+                    </a:rPr>
+                    <a:t>DYNAMICS of ESBL </a:t>
+                  </a:r>
+                  <a:r>
+                    <a:rPr lang="fr-FR" sz="3600" b="1" i="1" dirty="0">
+                      <a:solidFill>
+                        <a:schemeClr val="tx1"/>
+                      </a:solidFill>
+                    </a:rPr>
+                    <a:t>E. coli</a:t>
+                  </a:r>
+                  <a:r>
+                    <a:rPr lang="fr-FR" sz="3600" b="1" dirty="0">
+                      <a:solidFill>
+                        <a:schemeClr val="tx1"/>
+                      </a:solidFill>
+                    </a:rPr>
+                    <a:t> in production steps</a:t>
+                  </a:r>
+                </a:p>
+                <a:p>
+                  <a:pPr>
+                    <a:lnSpc>
+                      <a:spcPct val="150000"/>
+                    </a:lnSpc>
+                  </a:pPr>
+                  <a:r>
+                    <a:rPr lang="fr-FR" sz="3600" dirty="0">
+                      <a:solidFill>
+                        <a:schemeClr val="accent1">
+                          <a:lumMod val="50000"/>
+                        </a:schemeClr>
+                      </a:solidFill>
+                    </a:rPr>
+                    <a:t>Collineau et al. (2020) </a:t>
+                  </a:r>
+                  <a:r>
+                    <a:rPr lang="fr-FR" sz="3600" dirty="0">
+                      <a:solidFill>
+                        <a:schemeClr val="tx1"/>
+                      </a:solidFill>
+                    </a:rPr>
+                    <a:t>adapted to ESBL </a:t>
+                  </a:r>
+                  <a:r>
+                    <a:rPr lang="fr-FR" sz="3600" i="1" dirty="0">
+                      <a:solidFill>
+                        <a:schemeClr val="tx1"/>
+                      </a:solidFill>
+                    </a:rPr>
+                    <a:t>E. coli</a:t>
+                  </a:r>
+                  <a:r>
+                    <a:rPr lang="fr-FR" sz="3600" dirty="0">
+                      <a:solidFill>
+                        <a:schemeClr val="tx1"/>
+                      </a:solidFill>
+                    </a:rPr>
+                    <a:t> </a:t>
+                  </a:r>
+                </a:p>
+                <a:p>
+                  <a:r>
+                    <a:rPr lang="fr-FR" sz="3600" dirty="0">
+                      <a:solidFill>
+                        <a:schemeClr val="tx1"/>
+                      </a:solidFill>
+                    </a:rPr>
+                    <a:t>Updated with </a:t>
+                  </a:r>
+                  <a:r>
+                    <a:rPr lang="fr-FR" sz="3600" dirty="0">
+                      <a:solidFill>
+                        <a:srgbClr val="FF0000"/>
+                      </a:solidFill>
+                    </a:rPr>
+                    <a:t>EU</a:t>
+                  </a:r>
+                  <a:r>
+                    <a:rPr lang="fr-FR" sz="3600" dirty="0">
+                      <a:solidFill>
+                        <a:schemeClr val="tx1"/>
+                      </a:solidFill>
+                    </a:rPr>
+                    <a:t> poultry farming practices</a:t>
+                  </a:r>
+                </a:p>
+                <a:p>
+                  <a:r>
+                    <a:rPr lang="fr-FR" sz="3600" dirty="0">
+                      <a:solidFill>
+                        <a:schemeClr val="tx1"/>
+                      </a:solidFill>
+                    </a:rPr>
+                    <a:t>The food-borne model replicates each stage</a:t>
+                  </a:r>
+                </a:p>
+                <a:p>
+                  <a:pPr algn="ctr"/>
+                  <a:endParaRPr lang="fr-FR" sz="3600" dirty="0"/>
+                </a:p>
+              </p:txBody>
+            </p:sp>
+            <p:sp>
+              <p:nvSpPr>
+                <p:cNvPr id="7" name="Rectangle à coins arrondis 6"/>
+                <p:cNvSpPr/>
+                <p:nvPr/>
+              </p:nvSpPr>
+              <p:spPr>
+                <a:xfrm>
+                  <a:off x="21775777" y="22313127"/>
+                  <a:ext cx="7424557" cy="2886402"/>
+                </a:xfrm>
+                <a:prstGeom prst="roundRect">
+                  <a:avLst>
+                    <a:gd name="adj" fmla="val 5198"/>
+                  </a:avLst>
+                </a:prstGeom>
+                <a:solidFill>
+                  <a:schemeClr val="accent1">
+                    <a:lumMod val="40000"/>
+                    <a:lumOff val="60000"/>
+                  </a:schemeClr>
+                </a:solidFill>
+                <a:ln w="38100">
+                  <a:solidFill>
+                    <a:schemeClr val="accent1">
+                      <a:lumMod val="50000"/>
+                    </a:schemeClr>
+                  </a:solidFill>
+                </a:ln>
+              </p:spPr>
+              <p:style>
+                <a:lnRef idx="2">
+                  <a:schemeClr val="accent1">
+                    <a:shade val="50000"/>
+                  </a:schemeClr>
+                </a:lnRef>
+                <a:fillRef idx="1">
+                  <a:schemeClr val="accent1"/>
+                </a:fillRef>
+                <a:effectRef idx="0">
+                  <a:schemeClr val="accent1"/>
+                </a:effectRef>
+                <a:fontRef idx="minor">
+                  <a:schemeClr val="lt1"/>
+                </a:fontRef>
+              </p:style>
+              <p:txBody>
+                <a:bodyPr rtlCol="0" anchor="ctr"/>
+                <a:lstStyle/>
+                <a:p>
+                  <a:pPr>
+                    <a:lnSpc>
+                      <a:spcPct val="150000"/>
+                    </a:lnSpc>
+                  </a:pPr>
+                  <a:r>
+                    <a:rPr lang="fr-FR" sz="3600" b="1" dirty="0">
+                      <a:solidFill>
+                        <a:schemeClr val="tx1"/>
+                      </a:solidFill>
+                    </a:rPr>
+                    <a:t>Risk from 1 chicken portion</a:t>
+                  </a:r>
+                  <a:br>
+                    <a:rPr lang="fr-FR" sz="3600" b="1" dirty="0">
+                      <a:solidFill>
+                        <a:schemeClr val="tx1"/>
+                      </a:solidFill>
+                    </a:rPr>
+                  </a:br>
+                  <a:r>
+                    <a:rPr lang="fr-FR" sz="3600" dirty="0">
+                      <a:solidFill>
+                        <a:schemeClr val="tx1"/>
+                      </a:solidFill>
+                    </a:rPr>
+                    <a:t>Probability of ESBL </a:t>
+                  </a:r>
+                  <a:r>
+                    <a:rPr lang="fr-FR" sz="3600" i="1" dirty="0">
+                      <a:solidFill>
+                        <a:schemeClr val="tx1"/>
+                      </a:solidFill>
+                    </a:rPr>
+                    <a:t>E. coli </a:t>
+                  </a:r>
+                  <a:r>
+                    <a:rPr lang="fr-FR" sz="3600" dirty="0">
+                      <a:solidFill>
+                        <a:srgbClr val="FF0000"/>
+                      </a:solidFill>
+                    </a:rPr>
+                    <a:t>carriership</a:t>
+                  </a:r>
+                </a:p>
+                <a:p>
+                  <a:r>
+                    <a:rPr lang="fr-FR" sz="3600" dirty="0">
+                      <a:solidFill>
+                        <a:schemeClr val="tx1"/>
+                      </a:solidFill>
+                    </a:rPr>
+                    <a:t>Conditional on final Prevalence, Load</a:t>
+                  </a:r>
+                </a:p>
+                <a:p>
+                  <a:r>
+                    <a:rPr lang="fr-FR" sz="3600" dirty="0">
+                      <a:solidFill>
+                        <a:srgbClr val="FF0000"/>
+                      </a:solidFill>
+                    </a:rPr>
+                    <a:t>Dose-response</a:t>
+                  </a:r>
+                  <a:r>
+                    <a:rPr lang="fr-FR" sz="3600" dirty="0">
+                      <a:solidFill>
+                        <a:schemeClr val="tx1"/>
+                      </a:solidFill>
+                    </a:rPr>
+                    <a:t> </a:t>
+                  </a:r>
+                  <a:r>
+                    <a:rPr lang="fr-FR" sz="3600" dirty="0">
+                      <a:solidFill>
+                        <a:schemeClr val="accent1">
+                          <a:lumMod val="50000"/>
+                        </a:schemeClr>
+                      </a:solidFill>
+                    </a:rPr>
+                    <a:t>Furusawa et al. (2024)</a:t>
+                  </a:r>
+                </a:p>
+                <a:p>
+                  <a:pPr algn="ctr"/>
+                  <a:endParaRPr lang="fr-FR" sz="3600" dirty="0"/>
+                </a:p>
+              </p:txBody>
+            </p:sp>
+          </p:grpSp>
+        </p:grpSp>
+      </p:grpSp>
+      <p:grpSp>
+        <p:nvGrpSpPr>
+          <p:cNvPr id="50" name="Groupe 49"/>
+          <p:cNvGrpSpPr/>
+          <p:nvPr/>
+        </p:nvGrpSpPr>
+        <p:grpSpPr>
+          <a:xfrm>
+            <a:off x="1272415" y="25970475"/>
+            <a:ext cx="12185456" cy="6793308"/>
+            <a:chOff x="1129491" y="26032079"/>
+            <a:chExt cx="12327709" cy="7002845"/>
           </a:xfrm>
         </p:grpSpPr>
         <p:pic>
           <p:nvPicPr>
-            <p:cNvPr id="55" name="Image 54"/>
+            <p:cNvPr id="38" name="Image 37"/>
             <p:cNvPicPr>
               <a:picLocks noChangeAspect="1"/>
             </p:cNvPicPr>
             <p:nvPr/>
           </p:nvPicPr>
           <p:blipFill>
-            <a:blip r:embed="rId9">
+            <a:blip r:embed="rId19" cstate="print">
               <a:extLst>
                 <a:ext uri="{28A0092B-C50C-407E-A947-70E740481C1C}">
                   <a14:useLocalDpi xmlns:a14="http://schemas.microsoft.com/office/drawing/2010/main" val="0"/>
@@ -4304,8 +7333,8 @@
           </p:blipFill>
           <p:spPr>
             <a:xfrm>
-              <a:off x="1081363" y="27618551"/>
-              <a:ext cx="13706227" cy="7256239"/>
+              <a:off x="1229467" y="26032079"/>
+              <a:ext cx="12227733" cy="6987276"/>
             </a:xfrm>
             <a:prstGeom prst="rect">
               <a:avLst/>
@@ -4314,26 +7343,612 @@
         </p:pic>
         <p:sp>
           <p:nvSpPr>
-            <p:cNvPr id="54" name="Rectangle à coins arrondis 53"/>
+            <p:cNvPr id="49" name="Rectangle à coins arrondis 48"/>
             <p:cNvSpPr/>
             <p:nvPr/>
           </p:nvSpPr>
           <p:spPr>
             <a:xfrm>
-              <a:off x="1081363" y="27503140"/>
-              <a:ext cx="13485242" cy="7393823"/>
+              <a:off x="1129491" y="26047648"/>
+              <a:ext cx="12185456" cy="6987276"/>
             </a:xfrm>
             <a:prstGeom prst="roundRect">
               <a:avLst>
-                <a:gd name="adj" fmla="val 5309"/>
+                <a:gd name="adj" fmla="val 3351"/>
               </a:avLst>
             </a:prstGeom>
+            <a:noFill/>
+            <a:ln w="38100">
+              <a:solidFill>
+                <a:schemeClr val="accent1">
+                  <a:lumMod val="50000"/>
+                </a:schemeClr>
+              </a:solidFill>
+            </a:ln>
+          </p:spPr>
+          <p:style>
+            <a:lnRef idx="2">
+              <a:schemeClr val="accent1">
+                <a:shade val="50000"/>
+              </a:schemeClr>
+            </a:lnRef>
+            <a:fillRef idx="1">
+              <a:schemeClr val="accent1"/>
+            </a:fillRef>
+            <a:effectRef idx="0">
+              <a:schemeClr val="accent1"/>
+            </a:effectRef>
+            <a:fontRef idx="minor">
+              <a:schemeClr val="lt1"/>
+            </a:fontRef>
+          </p:style>
+          <p:txBody>
+            <a:bodyPr rtlCol="0" anchor="ctr"/>
+            <a:lstStyle/>
+            <a:p>
+              <a:pPr algn="ctr"/>
+              <a:endParaRPr lang="fr-FR"/>
+            </a:p>
+          </p:txBody>
+        </p:sp>
+      </p:grpSp>
+      <p:grpSp>
+        <p:nvGrpSpPr>
+          <p:cNvPr id="51" name="Groupe 50"/>
+          <p:cNvGrpSpPr/>
+          <p:nvPr/>
+        </p:nvGrpSpPr>
+        <p:grpSpPr>
+          <a:xfrm>
+            <a:off x="1275777" y="33144610"/>
+            <a:ext cx="12124004" cy="6842025"/>
+            <a:chOff x="1228314" y="33225958"/>
+            <a:chExt cx="12124004" cy="6842025"/>
+          </a:xfrm>
+        </p:grpSpPr>
+        <p:pic>
+          <p:nvPicPr>
+            <p:cNvPr id="40" name="Image 39"/>
+            <p:cNvPicPr>
+              <a:picLocks noChangeAspect="1"/>
+            </p:cNvPicPr>
+            <p:nvPr/>
+          </p:nvPicPr>
+          <p:blipFill>
+            <a:blip r:embed="rId20" cstate="print">
+              <a:extLst>
+                <a:ext uri="{28A0092B-C50C-407E-A947-70E740481C1C}">
+                  <a14:useLocalDpi xmlns:a14="http://schemas.microsoft.com/office/drawing/2010/main" val="0"/>
+                </a:ext>
+              </a:extLst>
+            </a:blip>
+            <a:stretch>
+              <a:fillRect/>
+            </a:stretch>
+          </p:blipFill>
+          <p:spPr>
+            <a:xfrm>
+              <a:off x="1298528" y="33285654"/>
+              <a:ext cx="12053790" cy="6782329"/>
+            </a:xfrm>
+            <a:prstGeom prst="rect">
+              <a:avLst/>
+            </a:prstGeom>
+          </p:spPr>
+        </p:pic>
+        <p:sp>
+          <p:nvSpPr>
+            <p:cNvPr id="133" name="Rectangle à coins arrondis 132"/>
+            <p:cNvSpPr/>
+            <p:nvPr/>
+          </p:nvSpPr>
+          <p:spPr>
+            <a:xfrm>
+              <a:off x="1228314" y="33225958"/>
+              <a:ext cx="12044844" cy="6778205"/>
+            </a:xfrm>
+            <a:prstGeom prst="roundRect">
+              <a:avLst>
+                <a:gd name="adj" fmla="val 3351"/>
+              </a:avLst>
+            </a:prstGeom>
+            <a:noFill/>
+            <a:ln w="38100">
+              <a:solidFill>
+                <a:schemeClr val="accent1">
+                  <a:lumMod val="50000"/>
+                </a:schemeClr>
+              </a:solidFill>
+            </a:ln>
+          </p:spPr>
+          <p:style>
+            <a:lnRef idx="2">
+              <a:schemeClr val="accent1">
+                <a:shade val="50000"/>
+              </a:schemeClr>
+            </a:lnRef>
+            <a:fillRef idx="1">
+              <a:schemeClr val="accent1"/>
+            </a:fillRef>
+            <a:effectRef idx="0">
+              <a:schemeClr val="accent1"/>
+            </a:effectRef>
+            <a:fontRef idx="minor">
+              <a:schemeClr val="lt1"/>
+            </a:fontRef>
+          </p:style>
+          <p:txBody>
+            <a:bodyPr rtlCol="0" anchor="ctr"/>
+            <a:lstStyle/>
+            <a:p>
+              <a:pPr algn="ctr"/>
+              <a:endParaRPr lang="fr-FR"/>
+            </a:p>
+          </p:txBody>
+        </p:sp>
+      </p:grpSp>
+      <mc:AlternateContent xmlns:mc="http://schemas.openxmlformats.org/markup-compatibility/2006">
+        <mc:Choice xmlns:a14="http://schemas.microsoft.com/office/drawing/2010/main" Requires="a14">
+          <p:sp>
+            <p:nvSpPr>
+              <p:cNvPr id="138" name="Rectangle à coins arrondis 137"/>
+              <p:cNvSpPr/>
+              <p:nvPr/>
+            </p:nvSpPr>
+            <p:spPr>
+              <a:xfrm>
+                <a:off x="14031552" y="25988888"/>
+                <a:ext cx="15333398" cy="3847390"/>
+              </a:xfrm>
+              <a:prstGeom prst="roundRect">
+                <a:avLst>
+                  <a:gd name="adj" fmla="val 7644"/>
+                </a:avLst>
+              </a:prstGeom>
+              <a:noFill/>
+              <a:ln w="38100">
+                <a:solidFill>
+                  <a:schemeClr val="accent1">
+                    <a:lumMod val="50000"/>
+                  </a:schemeClr>
+                </a:solidFill>
+              </a:ln>
+            </p:spPr>
+            <p:style>
+              <a:lnRef idx="2">
+                <a:schemeClr val="accent1">
+                  <a:shade val="50000"/>
+                </a:schemeClr>
+              </a:lnRef>
+              <a:fillRef idx="1">
+                <a:schemeClr val="accent1"/>
+              </a:fillRef>
+              <a:effectRef idx="0">
+                <a:schemeClr val="accent1"/>
+              </a:effectRef>
+              <a:fontRef idx="minor">
+                <a:schemeClr val="lt1"/>
+              </a:fontRef>
+            </p:style>
+            <p:txBody>
+              <a:bodyPr rtlCol="0" anchor="ctr"/>
+              <a:lstStyle/>
+              <a:p>
+                <a:pPr>
+                  <a:lnSpc>
+                    <a:spcPct val="200000"/>
+                  </a:lnSpc>
+                </a:pPr>
+                <a:r>
+                  <a:rPr lang="fr-FR" sz="3600" b="1" dirty="0" smtClean="0">
+                    <a:solidFill>
+                      <a:schemeClr val="tx1"/>
+                    </a:solidFill>
+                  </a:rPr>
+                  <a:t>Computation of average risk of carriership</a:t>
+                </a:r>
+              </a:p>
+              <a:p>
+                <a:pPr>
+                  <a:lnSpc>
+                    <a:spcPct val="200000"/>
+                  </a:lnSpc>
+                </a:pPr>
+                <a:r>
+                  <a:rPr lang="fr-FR" sz="3600" b="1" dirty="0">
+                    <a:solidFill>
+                      <a:schemeClr val="tx1"/>
+                    </a:solidFill>
+                  </a:rPr>
+                  <a:t>	</a:t>
+                </a:r>
+                <a:r>
+                  <a:rPr lang="fr-FR" sz="3600" b="1" dirty="0" smtClean="0">
+                    <a:solidFill>
+                      <a:schemeClr val="tx1"/>
+                    </a:solidFill>
+                  </a:rPr>
+                  <a:t>					</a:t>
+                </a:r>
+                <a14:m>
+                  <m:oMath xmlns:m="http://schemas.openxmlformats.org/officeDocument/2006/math">
+                    <a:fld id="{017B61B5-FC98-49F4-838D-8F20E9BCEF20}" type="mathplaceholder">
+                      <a:rPr lang="fr-FR" sz="3600" i="1">
+                        <a:latin typeface="Cambria Math" panose="02040503050406030204" pitchFamily="18" charset="0"/>
+                      </a:rPr>
+                      <a:t>Tapez une équation ici.</a:t>
+                    </a:fld>
+                  </m:oMath>
+                </a14:m>
+                <a:endParaRPr lang="fr-FR" sz="3600" b="1" dirty="0">
+                  <a:solidFill>
+                    <a:schemeClr val="tx1"/>
+                  </a:solidFill>
+                </a:endParaRPr>
+              </a:p>
+              <a:p>
+                <a:pPr>
+                  <a:lnSpc>
+                    <a:spcPct val="200000"/>
+                  </a:lnSpc>
+                </a:pPr>
+                <a:r>
+                  <a:rPr lang="fr-FR" sz="3600" b="1" dirty="0" smtClean="0">
+                    <a:solidFill>
+                      <a:schemeClr val="tx1"/>
+                    </a:solidFill>
+                  </a:rPr>
+                  <a:t>To estimate</a:t>
+                </a:r>
+                <a:r>
+                  <a:rPr lang="fr-FR" sz="3600" dirty="0" smtClean="0">
+                    <a:solidFill>
+                      <a:schemeClr val="tx1"/>
+                    </a:solidFill>
+                  </a:rPr>
+                  <a:t>: 10k independent flocks simulated with Monte Carlo runs </a:t>
+                </a:r>
+                <a:endParaRPr lang="fr-FR" sz="3600" dirty="0">
+                  <a:solidFill>
+                    <a:schemeClr val="accent1">
+                      <a:lumMod val="50000"/>
+                    </a:schemeClr>
+                  </a:solidFill>
+                </a:endParaRPr>
+              </a:p>
+              <a:p>
+                <a:r>
+                  <a:rPr lang="fr-FR" sz="3600" dirty="0" smtClean="0">
+                    <a:solidFill>
+                      <a:schemeClr val="tx1"/>
+                    </a:solidFill>
+                  </a:rPr>
+                  <a:t>Average risk of ESBL </a:t>
+                </a:r>
+                <a:r>
+                  <a:rPr lang="fr-FR" sz="3600" i="1" dirty="0" smtClean="0">
+                    <a:solidFill>
+                      <a:schemeClr val="tx1"/>
+                    </a:solidFill>
+                  </a:rPr>
+                  <a:t>E. coli </a:t>
+                </a:r>
+                <a:r>
+                  <a:rPr lang="fr-FR" sz="3600" dirty="0" smtClean="0">
+                    <a:solidFill>
+                      <a:schemeClr val="tx1"/>
+                    </a:solidFill>
+                  </a:rPr>
+                  <a:t> carriership </a:t>
+                </a:r>
+                <a:r>
+                  <a:rPr lang="fr-FR" sz="3600" dirty="0">
+                    <a:solidFill>
+                      <a:schemeClr val="tx1"/>
+                    </a:solidFill>
+                  </a:rPr>
+                  <a:t>in a baseline </a:t>
+                </a:r>
+                <a:r>
+                  <a:rPr lang="fr-FR" sz="3600" dirty="0" smtClean="0">
+                    <a:solidFill>
+                      <a:schemeClr val="tx1"/>
+                    </a:solidFill>
+                  </a:rPr>
+                  <a:t>scenario: </a:t>
+                </a:r>
+                <a:r>
+                  <a:rPr lang="fr-FR" sz="3600" dirty="0" smtClean="0">
+                    <a:solidFill>
+                      <a:srgbClr val="FF0000"/>
+                    </a:solidFill>
+                  </a:rPr>
+                  <a:t>1.4e-5</a:t>
+                </a:r>
+                <a:endParaRPr lang="fr-FR" sz="3600" dirty="0" smtClean="0">
+                  <a:solidFill>
+                    <a:schemeClr val="accent1">
+                      <a:lumMod val="50000"/>
+                    </a:schemeClr>
+                  </a:solidFill>
+                </a:endParaRPr>
+              </a:p>
+              <a:p>
+                <a:pPr algn="ctr"/>
+                <a:endParaRPr lang="fr-FR" sz="3600" dirty="0"/>
+              </a:p>
+            </p:txBody>
+          </p:sp>
+        </mc:Choice>
+        <mc:Fallback>
+          <p:sp>
+            <p:nvSpPr>
+              <p:cNvPr id="138" name="Rectangle à coins arrondis 137"/>
+              <p:cNvSpPr>
+                <a:spLocks noRot="1" noChangeAspect="1" noMove="1" noResize="1" noEditPoints="1" noAdjustHandles="1" noChangeArrowheads="1" noChangeShapeType="1" noTextEdit="1"/>
+              </p:cNvSpPr>
+              <p:nvPr/>
+            </p:nvSpPr>
+            <p:spPr>
+              <a:xfrm>
+                <a:off x="14031552" y="25988888"/>
+                <a:ext cx="15333398" cy="3847390"/>
+              </a:xfrm>
+              <a:prstGeom prst="roundRect">
+                <a:avLst>
+                  <a:gd name="adj" fmla="val 7644"/>
+                </a:avLst>
+              </a:prstGeom>
+              <a:blipFill>
+                <a:blip r:embed="rId21"/>
+                <a:stretch>
+                  <a:fillRect l="-555"/>
+                </a:stretch>
+              </a:blipFill>
+              <a:ln w="38100">
+                <a:solidFill>
+                  <a:schemeClr val="accent1">
+                    <a:lumMod val="50000"/>
+                  </a:schemeClr>
+                </a:solidFill>
+              </a:ln>
+            </p:spPr>
+            <p:txBody>
+              <a:bodyPr/>
+              <a:lstStyle/>
+              <a:p>
+                <a:r>
+                  <a:rPr lang="fr-FR">
+                    <a:noFill/>
+                  </a:rPr>
+                  <a:t> </a:t>
+                </a:r>
+              </a:p>
+            </p:txBody>
+          </p:sp>
+        </mc:Fallback>
+      </mc:AlternateContent>
+      <p:sp>
+        <p:nvSpPr>
+          <p:cNvPr id="139" name="Rectangle à coins arrondis 138"/>
+          <p:cNvSpPr/>
+          <p:nvPr/>
+        </p:nvSpPr>
+        <p:spPr>
+          <a:xfrm>
+            <a:off x="13988774" y="37017747"/>
+            <a:ext cx="15333398" cy="2905068"/>
+          </a:xfrm>
+          <a:prstGeom prst="roundRect">
+            <a:avLst>
+              <a:gd name="adj" fmla="val 7644"/>
+            </a:avLst>
+          </a:prstGeom>
+          <a:solidFill>
+            <a:schemeClr val="accent1">
+              <a:lumMod val="40000"/>
+              <a:lumOff val="60000"/>
+            </a:schemeClr>
+          </a:solidFill>
+          <a:ln w="38100">
             <a:solidFill>
-              <a:srgbClr val="5B9BD5">
-                <a:alpha val="0"/>
-              </a:srgbClr>
+              <a:schemeClr val="accent1">
+                <a:lumMod val="50000"/>
+              </a:schemeClr>
             </a:solidFill>
-            <a:ln w="38100" cmpd="dbl">
+          </a:ln>
+        </p:spPr>
+        <p:style>
+          <a:lnRef idx="2">
+            <a:schemeClr val="accent1">
+              <a:shade val="50000"/>
+            </a:schemeClr>
+          </a:lnRef>
+          <a:fillRef idx="1">
+            <a:schemeClr val="accent1"/>
+          </a:fillRef>
+          <a:effectRef idx="0">
+            <a:schemeClr val="accent1"/>
+          </a:effectRef>
+          <a:fontRef idx="minor">
+            <a:schemeClr val="lt1"/>
+          </a:fontRef>
+        </p:style>
+        <p:txBody>
+          <a:bodyPr rtlCol="0" anchor="ctr"/>
+          <a:lstStyle/>
+          <a:p>
+            <a:pPr>
+              <a:lnSpc>
+                <a:spcPct val="150000"/>
+              </a:lnSpc>
+            </a:pPr>
+            <a:r>
+              <a:rPr lang="fr-FR" sz="3600" b="1" dirty="0" smtClean="0">
+                <a:solidFill>
+                  <a:schemeClr val="tx1"/>
+                </a:solidFill>
+              </a:rPr>
+              <a:t>Food-borne QRA model perspectives</a:t>
+            </a:r>
+            <a:endParaRPr lang="fr-FR" sz="3600" b="1" dirty="0">
+              <a:solidFill>
+                <a:schemeClr val="tx1"/>
+              </a:solidFill>
+            </a:endParaRPr>
+          </a:p>
+          <a:p>
+            <a:pPr>
+              <a:lnSpc>
+                <a:spcPct val="150000"/>
+              </a:lnSpc>
+            </a:pPr>
+            <a:r>
+              <a:rPr lang="fr-FR" sz="3600" b="1" dirty="0" smtClean="0">
+                <a:solidFill>
+                  <a:schemeClr val="tx1"/>
+                </a:solidFill>
+              </a:rPr>
+              <a:t>Validation: </a:t>
+            </a:r>
+            <a:r>
+              <a:rPr lang="fr-FR" sz="3600" dirty="0" smtClean="0">
+                <a:solidFill>
+                  <a:schemeClr val="tx1"/>
+                </a:solidFill>
+              </a:rPr>
+              <a:t>Simulation results are comparable with </a:t>
+            </a:r>
+            <a:r>
+              <a:rPr lang="fr-FR" sz="3600" dirty="0" smtClean="0">
+                <a:solidFill>
+                  <a:schemeClr val="accent1">
+                    <a:lumMod val="50000"/>
+                  </a:schemeClr>
+                </a:solidFill>
+              </a:rPr>
+              <a:t>Faverjon et al. (2022)</a:t>
+            </a:r>
+          </a:p>
+          <a:p>
+            <a:r>
+              <a:rPr lang="fr-FR" sz="3600" b="1" dirty="0" smtClean="0">
+                <a:solidFill>
+                  <a:schemeClr val="tx1"/>
+                </a:solidFill>
+              </a:rPr>
+              <a:t>Calibration: </a:t>
+            </a:r>
+            <a:r>
+              <a:rPr lang="fr-FR" sz="3600" dirty="0">
+                <a:solidFill>
+                  <a:schemeClr val="tx1"/>
+                </a:solidFill>
+              </a:rPr>
+              <a:t>I</a:t>
+            </a:r>
+            <a:r>
+              <a:rPr lang="fr-FR" sz="3600" dirty="0" smtClean="0">
+                <a:solidFill>
+                  <a:schemeClr val="tx1"/>
+                </a:solidFill>
+              </a:rPr>
+              <a:t>nput parameters can be adapted to different EU country framework</a:t>
+            </a:r>
+            <a:endParaRPr lang="fr-FR" sz="3600" dirty="0" smtClean="0">
+              <a:solidFill>
+                <a:schemeClr val="accent1">
+                  <a:lumMod val="50000"/>
+                </a:schemeClr>
+              </a:solidFill>
+            </a:endParaRPr>
+          </a:p>
+          <a:p>
+            <a:r>
+              <a:rPr lang="fr-FR" sz="3600" b="1" dirty="0" smtClean="0">
+                <a:solidFill>
+                  <a:srgbClr val="FF0000"/>
+                </a:solidFill>
+              </a:rPr>
+              <a:t>Work in Progress</a:t>
+            </a:r>
+            <a:r>
+              <a:rPr lang="fr-FR" sz="3600" dirty="0" smtClean="0">
+                <a:solidFill>
+                  <a:schemeClr val="tx1"/>
+                </a:solidFill>
+              </a:rPr>
+              <a:t>: Integration of ENVIRE experimental data on interventions </a:t>
+            </a:r>
+          </a:p>
+          <a:p>
+            <a:pPr algn="ctr"/>
+            <a:endParaRPr lang="fr-FR" sz="3600" dirty="0"/>
+          </a:p>
+        </p:txBody>
+      </p:sp>
+      <p:grpSp>
+        <p:nvGrpSpPr>
+          <p:cNvPr id="59" name="Groupe 58"/>
+          <p:cNvGrpSpPr/>
+          <p:nvPr/>
+        </p:nvGrpSpPr>
+        <p:grpSpPr>
+          <a:xfrm>
+            <a:off x="14031552" y="30056373"/>
+            <a:ext cx="12601099" cy="6719777"/>
+            <a:chOff x="13988365" y="29702382"/>
+            <a:chExt cx="12601099" cy="6719777"/>
+          </a:xfrm>
+        </p:grpSpPr>
+        <p:pic>
+          <p:nvPicPr>
+            <p:cNvPr id="42" name="Image 41"/>
+            <p:cNvPicPr>
+              <a:picLocks noChangeAspect="1"/>
+            </p:cNvPicPr>
+            <p:nvPr/>
+          </p:nvPicPr>
+          <p:blipFill>
+            <a:blip r:embed="rId22" cstate="print">
+              <a:extLst>
+                <a:ext uri="{28A0092B-C50C-407E-A947-70E740481C1C}">
+                  <a14:useLocalDpi xmlns:a14="http://schemas.microsoft.com/office/drawing/2010/main" val="0"/>
+                </a:ext>
+              </a:extLst>
+            </a:blip>
+            <a:stretch>
+              <a:fillRect/>
+            </a:stretch>
+          </p:blipFill>
+          <p:spPr>
+            <a:xfrm>
+              <a:off x="14031552" y="29702382"/>
+              <a:ext cx="12557912" cy="6683749"/>
+            </a:xfrm>
+            <a:prstGeom prst="rect">
+              <a:avLst/>
+            </a:prstGeom>
+          </p:spPr>
+        </p:pic>
+        <p:sp>
+          <p:nvSpPr>
+            <p:cNvPr id="57" name="Rectangle à coins arrondis 56"/>
+            <p:cNvSpPr/>
+            <p:nvPr/>
+          </p:nvSpPr>
+          <p:spPr>
+            <a:xfrm>
+              <a:off x="13988365" y="29702382"/>
+              <a:ext cx="12601099" cy="6719777"/>
+            </a:xfrm>
+            <a:prstGeom prst="roundRect">
+              <a:avLst>
+                <a:gd name="adj" fmla="val 2743"/>
+              </a:avLst>
+            </a:prstGeom>
+            <a:noFill/>
+            <a:ln w="38100">
               <a:solidFill>
                 <a:schemeClr val="accent1">
                   <a:lumMod val="50000"/>
@@ -4369,853 +7984,27 @@
       </p:grpSp>
       <p:sp>
         <p:nvSpPr>
-          <p:cNvPr id="58" name="Flèche droite 57"/>
+          <p:cNvPr id="60" name="Rectangle à coins arrondis 59"/>
           <p:cNvSpPr/>
           <p:nvPr/>
         </p:nvSpPr>
         <p:spPr>
           <a:xfrm>
-            <a:off x="10523077" y="18333542"/>
-            <a:ext cx="1382232" cy="899597"/>
-          </a:xfrm>
-          <a:prstGeom prst="rightArrow">
-            <a:avLst/>
-          </a:prstGeom>
-        </p:spPr>
-        <p:style>
-          <a:lnRef idx="2">
-            <a:schemeClr val="accent1">
-              <a:shade val="50000"/>
-            </a:schemeClr>
-          </a:lnRef>
-          <a:fillRef idx="1">
-            <a:schemeClr val="accent1"/>
-          </a:fillRef>
-          <a:effectRef idx="0">
-            <a:schemeClr val="accent1"/>
-          </a:effectRef>
-          <a:fontRef idx="minor">
-            <a:schemeClr val="lt1"/>
-          </a:fontRef>
-        </p:style>
-        <p:txBody>
-          <a:bodyPr rtlCol="0" anchor="ctr"/>
-          <a:lstStyle/>
-          <a:p>
-            <a:pPr algn="ctr"/>
-            <a:endParaRPr lang="fr-FR"/>
-          </a:p>
-        </p:txBody>
-      </p:sp>
-      <p:grpSp>
-        <p:nvGrpSpPr>
-          <p:cNvPr id="97" name="Groupe 96"/>
-          <p:cNvGrpSpPr/>
-          <p:nvPr/>
-        </p:nvGrpSpPr>
-        <p:grpSpPr>
-          <a:xfrm>
-            <a:off x="547394" y="16543537"/>
-            <a:ext cx="9975683" cy="5879949"/>
-            <a:chOff x="547394" y="16360886"/>
-            <a:chExt cx="9975683" cy="5879949"/>
-          </a:xfrm>
-        </p:grpSpPr>
-        <p:grpSp>
-          <p:nvGrpSpPr>
-            <p:cNvPr id="94" name="Groupe 93"/>
-            <p:cNvGrpSpPr/>
-            <p:nvPr/>
-          </p:nvGrpSpPr>
-          <p:grpSpPr>
-            <a:xfrm>
-              <a:off x="547394" y="16360886"/>
-              <a:ext cx="9975683" cy="5879949"/>
-              <a:chOff x="542436" y="17531910"/>
-              <a:chExt cx="9975683" cy="5879949"/>
-            </a:xfrm>
-          </p:grpSpPr>
-          <p:sp>
-            <p:nvSpPr>
-              <p:cNvPr id="91" name="ZoneTexte 90"/>
-              <p:cNvSpPr txBox="1"/>
-              <p:nvPr/>
-            </p:nvSpPr>
-            <p:spPr>
-              <a:xfrm>
-                <a:off x="542436" y="20133392"/>
-                <a:ext cx="3230631" cy="646331"/>
-              </a:xfrm>
-              <a:prstGeom prst="rect">
-                <a:avLst/>
-              </a:prstGeom>
-              <a:noFill/>
-            </p:spPr>
-            <p:txBody>
-              <a:bodyPr wrap="square" rtlCol="0">
-                <a:spAutoFit/>
-              </a:bodyPr>
-              <a:lstStyle/>
-              <a:p>
-                <a:pPr algn="ctr"/>
-                <a:r>
-                  <a:rPr lang="fr-FR" sz="3600" b="1" dirty="0" err="1" smtClean="0"/>
-                  <a:t>Excretion</a:t>
-                </a:r>
-                <a:endParaRPr lang="fr-FR" sz="3600" b="1" dirty="0" smtClean="0"/>
-              </a:p>
-            </p:txBody>
-          </p:sp>
-          <p:grpSp>
-            <p:nvGrpSpPr>
-              <p:cNvPr id="93" name="Groupe 92"/>
-              <p:cNvGrpSpPr/>
-              <p:nvPr/>
-            </p:nvGrpSpPr>
-            <p:grpSpPr>
-              <a:xfrm>
-                <a:off x="1081364" y="17531910"/>
-                <a:ext cx="9436755" cy="5879949"/>
-                <a:chOff x="1081364" y="17531910"/>
-                <a:chExt cx="9436755" cy="5879949"/>
-              </a:xfrm>
-            </p:grpSpPr>
-            <p:sp>
-              <p:nvSpPr>
-                <p:cNvPr id="36" name="Rectangle à coins arrondis 35"/>
-                <p:cNvSpPr/>
-                <p:nvPr/>
-              </p:nvSpPr>
-              <p:spPr>
-                <a:xfrm>
-                  <a:off x="1081364" y="17531910"/>
-                  <a:ext cx="9189687" cy="5009114"/>
-                </a:xfrm>
-                <a:prstGeom prst="roundRect">
-                  <a:avLst>
-                    <a:gd name="adj" fmla="val 4135"/>
-                  </a:avLst>
-                </a:prstGeom>
-                <a:noFill/>
-                <a:ln w="38100"/>
-              </p:spPr>
-              <p:style>
-                <a:lnRef idx="2">
-                  <a:schemeClr val="accent1">
-                    <a:shade val="50000"/>
-                  </a:schemeClr>
-                </a:lnRef>
-                <a:fillRef idx="1">
-                  <a:schemeClr val="accent1"/>
-                </a:fillRef>
-                <a:effectRef idx="0">
-                  <a:schemeClr val="accent1"/>
-                </a:effectRef>
-                <a:fontRef idx="minor">
-                  <a:schemeClr val="lt1"/>
-                </a:fontRef>
-              </p:style>
-              <p:txBody>
-                <a:bodyPr rtlCol="0" anchor="ctr"/>
-                <a:lstStyle/>
-                <a:p>
-                  <a:pPr algn="ctr"/>
-                  <a:endParaRPr lang="fr-FR"/>
-                </a:p>
-              </p:txBody>
-            </p:sp>
-            <p:pic>
-              <p:nvPicPr>
-                <p:cNvPr id="61" name="Image 60"/>
-                <p:cNvPicPr>
-                  <a:picLocks noChangeAspect="1"/>
-                </p:cNvPicPr>
-                <p:nvPr/>
-              </p:nvPicPr>
-              <p:blipFill>
-                <a:blip r:embed="rId10" cstate="print">
-                  <a:extLst>
-                    <a:ext uri="{28A0092B-C50C-407E-A947-70E740481C1C}">
-                      <a14:useLocalDpi xmlns:a14="http://schemas.microsoft.com/office/drawing/2010/main" val="0"/>
-                    </a:ext>
-                  </a:extLst>
-                </a:blip>
-                <a:stretch>
-                  <a:fillRect/>
-                </a:stretch>
-              </p:blipFill>
-              <p:spPr>
-                <a:xfrm>
-                  <a:off x="2344689" y="18950144"/>
-                  <a:ext cx="801193" cy="783980"/>
-                </a:xfrm>
-                <a:prstGeom prst="rect">
-                  <a:avLst/>
-                </a:prstGeom>
-              </p:spPr>
-            </p:pic>
-            <p:pic>
-              <p:nvPicPr>
-                <p:cNvPr id="62" name="Image 61"/>
-                <p:cNvPicPr>
-                  <a:picLocks noChangeAspect="1"/>
-                </p:cNvPicPr>
-                <p:nvPr/>
-              </p:nvPicPr>
-              <p:blipFill>
-                <a:blip r:embed="rId10" cstate="print">
-                  <a:extLst>
-                    <a:ext uri="{28A0092B-C50C-407E-A947-70E740481C1C}">
-                      <a14:useLocalDpi xmlns:a14="http://schemas.microsoft.com/office/drawing/2010/main" val="0"/>
-                    </a:ext>
-                  </a:extLst>
-                </a:blip>
-                <a:stretch>
-                  <a:fillRect/>
-                </a:stretch>
-              </p:blipFill>
-              <p:spPr>
-                <a:xfrm>
-                  <a:off x="2342816" y="17971596"/>
-                  <a:ext cx="801193" cy="783980"/>
-                </a:xfrm>
-                <a:prstGeom prst="rect">
-                  <a:avLst/>
-                </a:prstGeom>
-              </p:spPr>
-            </p:pic>
-            <p:pic>
-              <p:nvPicPr>
-                <p:cNvPr id="64" name="Image 63"/>
-                <p:cNvPicPr>
-                  <a:picLocks noChangeAspect="1"/>
-                </p:cNvPicPr>
-                <p:nvPr/>
-              </p:nvPicPr>
-              <p:blipFill>
-                <a:blip r:embed="rId10" cstate="print">
-                  <a:extLst>
-                    <a:ext uri="{28A0092B-C50C-407E-A947-70E740481C1C}">
-                      <a14:useLocalDpi xmlns:a14="http://schemas.microsoft.com/office/drawing/2010/main" val="0"/>
-                    </a:ext>
-                  </a:extLst>
-                </a:blip>
-                <a:stretch>
-                  <a:fillRect/>
-                </a:stretch>
-              </p:blipFill>
-              <p:spPr>
-                <a:xfrm>
-                  <a:off x="3372470" y="17922168"/>
-                  <a:ext cx="801193" cy="783980"/>
-                </a:xfrm>
-                <a:prstGeom prst="rect">
-                  <a:avLst/>
-                </a:prstGeom>
-              </p:spPr>
-            </p:pic>
-            <p:pic>
-              <p:nvPicPr>
-                <p:cNvPr id="69" name="Image 68"/>
-                <p:cNvPicPr>
-                  <a:picLocks noChangeAspect="1"/>
-                </p:cNvPicPr>
-                <p:nvPr/>
-              </p:nvPicPr>
-              <p:blipFill>
-                <a:blip r:embed="rId11" cstate="print">
-                  <a:extLst>
-                    <a:ext uri="{28A0092B-C50C-407E-A947-70E740481C1C}">
-                      <a14:useLocalDpi xmlns:a14="http://schemas.microsoft.com/office/drawing/2010/main" val="0"/>
-                    </a:ext>
-                  </a:extLst>
-                </a:blip>
-                <a:stretch>
-                  <a:fillRect/>
-                </a:stretch>
-              </p:blipFill>
-              <p:spPr>
-                <a:xfrm>
-                  <a:off x="3408906" y="18865238"/>
-                  <a:ext cx="857723" cy="839295"/>
-                </a:xfrm>
-                <a:prstGeom prst="rect">
-                  <a:avLst/>
-                </a:prstGeom>
-              </p:spPr>
-            </p:pic>
-            <p:pic>
-              <p:nvPicPr>
-                <p:cNvPr id="70" name="Image 69"/>
-                <p:cNvPicPr>
-                  <a:picLocks noChangeAspect="1"/>
-                </p:cNvPicPr>
-                <p:nvPr/>
-              </p:nvPicPr>
-              <p:blipFill>
-                <a:blip r:embed="rId10" cstate="print">
-                  <a:extLst>
-                    <a:ext uri="{28A0092B-C50C-407E-A947-70E740481C1C}">
-                      <a14:useLocalDpi xmlns:a14="http://schemas.microsoft.com/office/drawing/2010/main" val="0"/>
-                    </a:ext>
-                  </a:extLst>
-                </a:blip>
-                <a:stretch>
-                  <a:fillRect/>
-                </a:stretch>
-              </p:blipFill>
-              <p:spPr>
-                <a:xfrm>
-                  <a:off x="7360720" y="19005459"/>
-                  <a:ext cx="801193" cy="783980"/>
-                </a:xfrm>
-                <a:prstGeom prst="rect">
-                  <a:avLst/>
-                </a:prstGeom>
-              </p:spPr>
-            </p:pic>
-            <p:pic>
-              <p:nvPicPr>
-                <p:cNvPr id="71" name="Image 70"/>
-                <p:cNvPicPr>
-                  <a:picLocks noChangeAspect="1"/>
-                </p:cNvPicPr>
-                <p:nvPr/>
-              </p:nvPicPr>
-              <p:blipFill>
-                <a:blip r:embed="rId11" cstate="print">
-                  <a:extLst>
-                    <a:ext uri="{28A0092B-C50C-407E-A947-70E740481C1C}">
-                      <a14:useLocalDpi xmlns:a14="http://schemas.microsoft.com/office/drawing/2010/main" val="0"/>
-                    </a:ext>
-                  </a:extLst>
-                </a:blip>
-                <a:stretch>
-                  <a:fillRect/>
-                </a:stretch>
-              </p:blipFill>
-              <p:spPr>
-                <a:xfrm>
-                  <a:off x="8276610" y="17913680"/>
-                  <a:ext cx="857723" cy="839295"/>
-                </a:xfrm>
-                <a:prstGeom prst="rect">
-                  <a:avLst/>
-                </a:prstGeom>
-              </p:spPr>
-            </p:pic>
-            <p:pic>
-              <p:nvPicPr>
-                <p:cNvPr id="72" name="Image 71"/>
-                <p:cNvPicPr>
-                  <a:picLocks noChangeAspect="1"/>
-                </p:cNvPicPr>
-                <p:nvPr/>
-              </p:nvPicPr>
-              <p:blipFill>
-                <a:blip r:embed="rId11" cstate="print">
-                  <a:extLst>
-                    <a:ext uri="{28A0092B-C50C-407E-A947-70E740481C1C}">
-                      <a14:useLocalDpi xmlns:a14="http://schemas.microsoft.com/office/drawing/2010/main" val="0"/>
-                    </a:ext>
-                  </a:extLst>
-                </a:blip>
-                <a:stretch>
-                  <a:fillRect/>
-                </a:stretch>
-              </p:blipFill>
-              <p:spPr>
-                <a:xfrm>
-                  <a:off x="7320778" y="17910467"/>
-                  <a:ext cx="857723" cy="839295"/>
-                </a:xfrm>
-                <a:prstGeom prst="rect">
-                  <a:avLst/>
-                </a:prstGeom>
-              </p:spPr>
-            </p:pic>
-            <p:pic>
-              <p:nvPicPr>
-                <p:cNvPr id="73" name="Image 72"/>
-                <p:cNvPicPr>
-                  <a:picLocks noChangeAspect="1"/>
-                </p:cNvPicPr>
-                <p:nvPr/>
-              </p:nvPicPr>
-              <p:blipFill>
-                <a:blip r:embed="rId11" cstate="print">
-                  <a:extLst>
-                    <a:ext uri="{28A0092B-C50C-407E-A947-70E740481C1C}">
-                      <a14:useLocalDpi xmlns:a14="http://schemas.microsoft.com/office/drawing/2010/main" val="0"/>
-                    </a:ext>
-                  </a:extLst>
-                </a:blip>
-                <a:stretch>
-                  <a:fillRect/>
-                </a:stretch>
-              </p:blipFill>
-              <p:spPr>
-                <a:xfrm>
-                  <a:off x="8369576" y="18970589"/>
-                  <a:ext cx="857723" cy="839295"/>
-                </a:xfrm>
-                <a:prstGeom prst="rect">
-                  <a:avLst/>
-                </a:prstGeom>
-              </p:spPr>
-            </p:pic>
-            <p:pic>
-              <p:nvPicPr>
-                <p:cNvPr id="75" name="Image 74"/>
-                <p:cNvPicPr>
-                  <a:picLocks noChangeAspect="1"/>
-                </p:cNvPicPr>
-                <p:nvPr/>
-              </p:nvPicPr>
-              <p:blipFill>
-                <a:blip r:embed="rId12" cstate="print">
-                  <a:extLst>
-                    <a:ext uri="{28A0092B-C50C-407E-A947-70E740481C1C}">
-                      <a14:useLocalDpi xmlns:a14="http://schemas.microsoft.com/office/drawing/2010/main" val="0"/>
-                    </a:ext>
-                  </a:extLst>
-                </a:blip>
-                <a:stretch>
-                  <a:fillRect/>
-                </a:stretch>
-              </p:blipFill>
-              <p:spPr>
-                <a:xfrm>
-                  <a:off x="2364151" y="21262444"/>
-                  <a:ext cx="898307" cy="898307"/>
-                </a:xfrm>
-                <a:prstGeom prst="rect">
-                  <a:avLst/>
-                </a:prstGeom>
-              </p:spPr>
-            </p:pic>
-            <p:pic>
-              <p:nvPicPr>
-                <p:cNvPr id="80" name="Image 79"/>
-                <p:cNvPicPr>
-                  <a:picLocks noChangeAspect="1"/>
-                </p:cNvPicPr>
-                <p:nvPr/>
-              </p:nvPicPr>
-              <p:blipFill>
-                <a:blip r:embed="rId13" cstate="print">
-                  <a:extLst>
-                    <a:ext uri="{28A0092B-C50C-407E-A947-70E740481C1C}">
-                      <a14:useLocalDpi xmlns:a14="http://schemas.microsoft.com/office/drawing/2010/main" val="0"/>
-                    </a:ext>
-                  </a:extLst>
-                </a:blip>
-                <a:stretch>
-                  <a:fillRect/>
-                </a:stretch>
-              </p:blipFill>
-              <p:spPr>
-                <a:xfrm>
-                  <a:off x="3265348" y="21303206"/>
-                  <a:ext cx="942517" cy="945287"/>
-                </a:xfrm>
-                <a:prstGeom prst="rect">
-                  <a:avLst/>
-                </a:prstGeom>
-              </p:spPr>
-            </p:pic>
-            <p:sp>
-              <p:nvSpPr>
-                <p:cNvPr id="85" name="Double flèche horizontale 84"/>
-                <p:cNvSpPr/>
-                <p:nvPr/>
-              </p:nvSpPr>
-              <p:spPr>
-                <a:xfrm rot="5400000" flipV="1">
-                  <a:off x="2770204" y="20251636"/>
-                  <a:ext cx="1049902" cy="429737"/>
-                </a:xfrm>
-                <a:prstGeom prst="leftRightArrow">
-                  <a:avLst/>
-                </a:prstGeom>
-                <a:solidFill>
-                  <a:schemeClr val="bg2">
-                    <a:lumMod val="75000"/>
-                  </a:schemeClr>
-                </a:solidFill>
-                <a:ln>
-                  <a:solidFill>
-                    <a:schemeClr val="tx1"/>
-                  </a:solidFill>
-                </a:ln>
-              </p:spPr>
-              <p:style>
-                <a:lnRef idx="2">
-                  <a:schemeClr val="accent1">
-                    <a:shade val="50000"/>
-                  </a:schemeClr>
-                </a:lnRef>
-                <a:fillRef idx="1">
-                  <a:schemeClr val="accent1"/>
-                </a:fillRef>
-                <a:effectRef idx="0">
-                  <a:schemeClr val="accent1"/>
-                </a:effectRef>
-                <a:fontRef idx="minor">
-                  <a:schemeClr val="lt1"/>
-                </a:fontRef>
-              </p:style>
-              <p:txBody>
-                <a:bodyPr rtlCol="0" anchor="ctr"/>
-                <a:lstStyle/>
-                <a:p>
-                  <a:pPr algn="ctr"/>
-                  <a:endParaRPr lang="fr-FR"/>
-                </a:p>
-              </p:txBody>
-            </p:sp>
-            <p:sp>
-              <p:nvSpPr>
-                <p:cNvPr id="86" name="Flèche courbée vers le bas 85"/>
-                <p:cNvSpPr/>
-                <p:nvPr/>
-              </p:nvSpPr>
-              <p:spPr>
-                <a:xfrm rot="10800000">
-                  <a:off x="8282461" y="19832057"/>
-                  <a:ext cx="1240688" cy="747204"/>
-                </a:xfrm>
-                <a:prstGeom prst="curvedDownArrow">
-                  <a:avLst/>
-                </a:prstGeom>
-                <a:solidFill>
-                  <a:schemeClr val="bg2">
-                    <a:lumMod val="75000"/>
-                  </a:schemeClr>
-                </a:solidFill>
-                <a:ln>
-                  <a:solidFill>
-                    <a:schemeClr val="tx1"/>
-                  </a:solidFill>
-                </a:ln>
-              </p:spPr>
-              <p:style>
-                <a:lnRef idx="2">
-                  <a:schemeClr val="accent1">
-                    <a:shade val="50000"/>
-                  </a:schemeClr>
-                </a:lnRef>
-                <a:fillRef idx="1">
-                  <a:schemeClr val="accent1"/>
-                </a:fillRef>
-                <a:effectRef idx="0">
-                  <a:schemeClr val="accent1"/>
-                </a:effectRef>
-                <a:fontRef idx="minor">
-                  <a:schemeClr val="lt1"/>
-                </a:fontRef>
-              </p:style>
-              <p:txBody>
-                <a:bodyPr rtlCol="0" anchor="ctr"/>
-                <a:lstStyle/>
-                <a:p>
-                  <a:pPr algn="ctr"/>
-                  <a:endParaRPr lang="fr-FR">
-                    <a:solidFill>
-                      <a:schemeClr val="tx1"/>
-                    </a:solidFill>
-                  </a:endParaRPr>
-                </a:p>
-              </p:txBody>
-            </p:sp>
-            <p:sp>
-              <p:nvSpPr>
-                <p:cNvPr id="87" name="Flèche droite 86"/>
-                <p:cNvSpPr/>
-                <p:nvPr/>
-              </p:nvSpPr>
-              <p:spPr>
-                <a:xfrm>
-                  <a:off x="4611558" y="18638856"/>
-                  <a:ext cx="2271325" cy="361764"/>
-                </a:xfrm>
-                <a:prstGeom prst="rightArrow">
-                  <a:avLst/>
-                </a:prstGeom>
-                <a:solidFill>
-                  <a:schemeClr val="bg2">
-                    <a:lumMod val="75000"/>
-                  </a:schemeClr>
-                </a:solidFill>
-                <a:ln>
-                  <a:solidFill>
-                    <a:schemeClr val="tx1"/>
-                  </a:solidFill>
-                </a:ln>
-              </p:spPr>
-              <p:style>
-                <a:lnRef idx="2">
-                  <a:schemeClr val="accent1">
-                    <a:shade val="50000"/>
-                  </a:schemeClr>
-                </a:lnRef>
-                <a:fillRef idx="1">
-                  <a:schemeClr val="accent1"/>
-                </a:fillRef>
-                <a:effectRef idx="0">
-                  <a:schemeClr val="accent1"/>
-                </a:effectRef>
-                <a:fontRef idx="minor">
-                  <a:schemeClr val="lt1"/>
-                </a:fontRef>
-              </p:style>
-              <p:txBody>
-                <a:bodyPr rtlCol="0" anchor="ctr"/>
-                <a:lstStyle/>
-                <a:p>
-                  <a:pPr algn="ctr"/>
-                  <a:endParaRPr lang="fr-FR"/>
-                </a:p>
-              </p:txBody>
-            </p:sp>
-            <p:sp>
-              <p:nvSpPr>
-                <p:cNvPr id="88" name="ZoneTexte 87"/>
-                <p:cNvSpPr txBox="1"/>
-                <p:nvPr/>
-              </p:nvSpPr>
-              <p:spPr>
-                <a:xfrm>
-                  <a:off x="4328845" y="22765528"/>
-                  <a:ext cx="3230631" cy="646331"/>
-                </a:xfrm>
-                <a:prstGeom prst="rect">
-                  <a:avLst/>
-                </a:prstGeom>
-                <a:noFill/>
-              </p:spPr>
-              <p:txBody>
-                <a:bodyPr wrap="square" rtlCol="0">
-                  <a:spAutoFit/>
-                </a:bodyPr>
-                <a:lstStyle/>
-                <a:p>
-                  <a:r>
-                    <a:rPr lang="fr-FR" sz="3600" b="1" dirty="0" smtClean="0"/>
-                    <a:t>FARM MODULE</a:t>
-                  </a:r>
-                  <a:endParaRPr lang="fr-FR" sz="3600" dirty="0"/>
-                </a:p>
-              </p:txBody>
-            </p:sp>
-            <p:sp>
-              <p:nvSpPr>
-                <p:cNvPr id="89" name="ZoneTexte 88"/>
-                <p:cNvSpPr txBox="1"/>
-                <p:nvPr/>
-              </p:nvSpPr>
-              <p:spPr>
-                <a:xfrm>
-                  <a:off x="7287488" y="20684607"/>
-                  <a:ext cx="3230631" cy="1200329"/>
-                </a:xfrm>
-                <a:prstGeom prst="rect">
-                  <a:avLst/>
-                </a:prstGeom>
-                <a:noFill/>
-              </p:spPr>
-              <p:txBody>
-                <a:bodyPr wrap="square" rtlCol="0">
-                  <a:spAutoFit/>
-                </a:bodyPr>
-                <a:lstStyle/>
-                <a:p>
-                  <a:pPr algn="ctr"/>
-                  <a:r>
-                    <a:rPr lang="fr-FR" sz="3600" b="1" dirty="0" smtClean="0"/>
-                    <a:t>HGT</a:t>
-                  </a:r>
-                </a:p>
-                <a:p>
-                  <a:pPr algn="ctr"/>
-                  <a:r>
-                    <a:rPr lang="fr-FR" sz="3600" b="1" dirty="0" err="1" smtClean="0"/>
-                    <a:t>Growth</a:t>
-                  </a:r>
-                  <a:endParaRPr lang="fr-FR" sz="3600" dirty="0"/>
-                </a:p>
-              </p:txBody>
-            </p:sp>
-            <p:sp>
-              <p:nvSpPr>
-                <p:cNvPr id="90" name="ZoneTexte 89"/>
-                <p:cNvSpPr txBox="1"/>
-                <p:nvPr/>
-              </p:nvSpPr>
-              <p:spPr>
-                <a:xfrm>
-                  <a:off x="3155438" y="20187862"/>
-                  <a:ext cx="3230631" cy="646331"/>
-                </a:xfrm>
-                <a:prstGeom prst="rect">
-                  <a:avLst/>
-                </a:prstGeom>
-                <a:noFill/>
-              </p:spPr>
-              <p:txBody>
-                <a:bodyPr wrap="square" rtlCol="0">
-                  <a:spAutoFit/>
-                </a:bodyPr>
-                <a:lstStyle/>
-                <a:p>
-                  <a:pPr algn="ctr"/>
-                  <a:r>
-                    <a:rPr lang="fr-FR" sz="3600" b="1" dirty="0" smtClean="0"/>
-                    <a:t>Transmission</a:t>
-                  </a:r>
-                </a:p>
-              </p:txBody>
-            </p:sp>
-            <p:sp>
-              <p:nvSpPr>
-                <p:cNvPr id="92" name="ZoneTexte 91"/>
-                <p:cNvSpPr txBox="1"/>
-                <p:nvPr/>
-              </p:nvSpPr>
-              <p:spPr>
-                <a:xfrm>
-                  <a:off x="4056857" y="17831311"/>
-                  <a:ext cx="3230631" cy="646331"/>
-                </a:xfrm>
-                <a:prstGeom prst="rect">
-                  <a:avLst/>
-                </a:prstGeom>
-                <a:noFill/>
-              </p:spPr>
-              <p:txBody>
-                <a:bodyPr wrap="square" rtlCol="0">
-                  <a:spAutoFit/>
-                </a:bodyPr>
-                <a:lstStyle/>
-                <a:p>
-                  <a:pPr algn="ctr"/>
-                  <a:r>
-                    <a:rPr lang="fr-FR" sz="3600" b="1" dirty="0" smtClean="0"/>
-                    <a:t>SI model</a:t>
-                  </a:r>
-                </a:p>
-              </p:txBody>
-            </p:sp>
-          </p:grpSp>
-        </p:grpSp>
-        <p:sp>
-          <p:nvSpPr>
-            <p:cNvPr id="95" name="ZoneTexte 94"/>
-            <p:cNvSpPr txBox="1"/>
-            <p:nvPr/>
-          </p:nvSpPr>
-          <p:spPr>
-            <a:xfrm>
-              <a:off x="4313760" y="20162665"/>
-              <a:ext cx="3230631" cy="646331"/>
-            </a:xfrm>
-            <a:prstGeom prst="rect">
-              <a:avLst/>
-            </a:prstGeom>
-            <a:noFill/>
-          </p:spPr>
-          <p:txBody>
-            <a:bodyPr wrap="square" rtlCol="0">
-              <a:spAutoFit/>
-            </a:bodyPr>
-            <a:lstStyle/>
-            <a:p>
-              <a:pPr algn="ctr"/>
-              <a:r>
-                <a:rPr lang="fr-FR" sz="3600" b="1" dirty="0" err="1" smtClean="0"/>
-                <a:t>Decay</a:t>
-              </a:r>
-              <a:endParaRPr lang="fr-FR" sz="3600" dirty="0"/>
-            </a:p>
-          </p:txBody>
-        </p:sp>
-        <p:sp>
-          <p:nvSpPr>
-            <p:cNvPr id="96" name="Flèche courbée vers le bas 95"/>
-            <p:cNvSpPr/>
-            <p:nvPr/>
-          </p:nvSpPr>
-          <p:spPr>
-            <a:xfrm rot="5400000">
-              <a:off x="4077790" y="20153523"/>
-              <a:ext cx="1240688" cy="747204"/>
-            </a:xfrm>
-            <a:prstGeom prst="curvedDownArrow">
-              <a:avLst/>
-            </a:prstGeom>
-            <a:solidFill>
-              <a:schemeClr val="bg2">
-                <a:lumMod val="75000"/>
-              </a:schemeClr>
-            </a:solidFill>
-            <a:ln>
-              <a:solidFill>
-                <a:schemeClr val="tx1"/>
-              </a:solidFill>
-            </a:ln>
-          </p:spPr>
-          <p:style>
-            <a:lnRef idx="2">
-              <a:schemeClr val="accent1">
-                <a:shade val="50000"/>
-              </a:schemeClr>
-            </a:lnRef>
-            <a:fillRef idx="1">
-              <a:schemeClr val="accent1"/>
-            </a:fillRef>
-            <a:effectRef idx="0">
-              <a:schemeClr val="accent1"/>
-            </a:effectRef>
-            <a:fontRef idx="minor">
-              <a:schemeClr val="lt1"/>
-            </a:fontRef>
-          </p:style>
-          <p:txBody>
-            <a:bodyPr rtlCol="0" anchor="ctr"/>
-            <a:lstStyle/>
-            <a:p>
-              <a:pPr algn="ctr"/>
-              <a:endParaRPr lang="fr-FR">
-                <a:solidFill>
-                  <a:schemeClr val="tx1"/>
-                </a:solidFill>
-              </a:endParaRPr>
-            </a:p>
-          </p:txBody>
-        </p:sp>
-      </p:grpSp>
-      <p:sp>
-        <p:nvSpPr>
-          <p:cNvPr id="98" name="Rectangle à coins arrondis 97"/>
-          <p:cNvSpPr/>
-          <p:nvPr/>
-        </p:nvSpPr>
-        <p:spPr>
-          <a:xfrm>
-            <a:off x="1081364" y="22551787"/>
-            <a:ext cx="9194645" cy="3237238"/>
+            <a:off x="1345991" y="8058738"/>
+            <a:ext cx="15555472" cy="5740062"/>
           </a:xfrm>
           <a:prstGeom prst="roundRect">
             <a:avLst>
-              <a:gd name="adj" fmla="val 5309"/>
+              <a:gd name="adj" fmla="val 4812"/>
             </a:avLst>
           </a:prstGeom>
           <a:solidFill>
-            <a:srgbClr val="5B9BD5">
-              <a:alpha val="0"/>
-            </a:srgbClr>
+            <a:schemeClr val="accent1">
+              <a:lumMod val="40000"/>
+              <a:lumOff val="60000"/>
+            </a:schemeClr>
           </a:solidFill>
-          <a:ln w="38100" cmpd="dbl">
+          <a:ln w="38100">
             <a:solidFill>
               <a:schemeClr val="accent1">
                 <a:lumMod val="50000"/>
@@ -5249,176 +8038,60 @@
               </a:lnSpc>
             </a:pPr>
             <a:r>
-              <a:rPr lang="fr-FR" sz="3600" b="1" dirty="0" smtClean="0">
+              <a:rPr lang="fr-FR" sz="3600" b="1" dirty="0">
                 <a:solidFill>
                   <a:schemeClr val="tx1"/>
                 </a:solidFill>
               </a:rPr>
-              <a:t>DYNAMICS of ESBL </a:t>
-            </a:r>
-            <a:r>
-              <a:rPr lang="fr-FR" sz="3600" b="1" i="1" dirty="0" smtClean="0">
+              <a:t>PROJECT ENVIRE</a:t>
+            </a:r>
+          </a:p>
+          <a:p>
+            <a:pPr algn="ctr">
+              <a:lnSpc>
+                <a:spcPct val="150000"/>
+              </a:lnSpc>
+            </a:pPr>
+            <a:r>
+              <a:rPr lang="fr-FR" sz="3600" b="1" dirty="0">
                 <a:solidFill>
                   <a:schemeClr val="tx1"/>
                 </a:solidFill>
               </a:rPr>
-              <a:t>E. coli</a:t>
-            </a:r>
-            <a:r>
-              <a:rPr lang="fr-FR" sz="3600" b="1" dirty="0" smtClean="0">
+              <a:t>CONSORTIUM AND FUNDING</a:t>
+            </a:r>
+            <a:endParaRPr lang="en-US" sz="3600" dirty="0">
+              <a:solidFill>
+                <a:schemeClr val="tx1"/>
+              </a:solidFill>
+            </a:endParaRPr>
+          </a:p>
+          <a:p>
+            <a:pPr marL="571500" indent="-571500">
+              <a:buFont typeface="Arial" panose="020B0604020202020204" pitchFamily="34" charset="0"/>
+              <a:buChar char="•"/>
+            </a:pPr>
+            <a:r>
+              <a:rPr lang="fr-FR" sz="3600" dirty="0">
                 <a:solidFill>
                   <a:schemeClr val="tx1"/>
                 </a:solidFill>
               </a:rPr>
-              <a:t> in </a:t>
-            </a:r>
-            <a:r>
-              <a:rPr lang="fr-FR" sz="3600" b="1" dirty="0" err="1" smtClean="0">
+              <a:t>Project duration: 2022-2025</a:t>
+            </a:r>
+          </a:p>
+          <a:p>
+            <a:pPr marL="571500" indent="-571500">
+              <a:buFont typeface="Arial" panose="020B0604020202020204" pitchFamily="34" charset="0"/>
+              <a:buChar char="•"/>
+            </a:pPr>
+            <a:r>
+              <a:rPr lang="en-US" sz="3600" dirty="0">
                 <a:solidFill>
                   <a:schemeClr val="tx1"/>
                 </a:solidFill>
               </a:rPr>
-              <a:t>farm</a:t>
-            </a:r>
-            <a:r>
-              <a:rPr lang="fr-FR" sz="3600" b="1" dirty="0" smtClean="0">
-                <a:solidFill>
-                  <a:schemeClr val="tx1"/>
-                </a:solidFill>
-              </a:rPr>
-              <a:t> </a:t>
-            </a:r>
-            <a:r>
-              <a:rPr lang="fr-FR" sz="3600" b="1" dirty="0" err="1" smtClean="0">
-                <a:solidFill>
-                  <a:schemeClr val="tx1"/>
-                </a:solidFill>
-              </a:rPr>
-              <a:t>environment</a:t>
-            </a:r>
-            <a:endParaRPr lang="fr-FR" sz="3600" b="1" dirty="0" smtClean="0">
-              <a:solidFill>
-                <a:schemeClr val="tx1"/>
-              </a:solidFill>
-            </a:endParaRPr>
-          </a:p>
-          <a:p>
-            <a:pPr>
-              <a:lnSpc>
-                <a:spcPct val="150000"/>
-              </a:lnSpc>
-            </a:pPr>
-            <a:r>
-              <a:rPr lang="fr-FR" sz="3600" dirty="0" err="1" smtClean="0">
-                <a:solidFill>
-                  <a:schemeClr val="tx1"/>
-                </a:solidFill>
-              </a:rPr>
-              <a:t>Transmisson</a:t>
-            </a:r>
-            <a:r>
-              <a:rPr lang="fr-FR" sz="3600" dirty="0" smtClean="0">
-                <a:solidFill>
-                  <a:schemeClr val="tx1"/>
-                </a:solidFill>
-              </a:rPr>
-              <a:t> </a:t>
-            </a:r>
-            <a:r>
-              <a:rPr lang="fr-FR" sz="3600" dirty="0" smtClean="0">
-                <a:solidFill>
-                  <a:schemeClr val="accent1">
-                    <a:lumMod val="50000"/>
-                  </a:schemeClr>
-                </a:solidFill>
-              </a:rPr>
-              <a:t>Dame-</a:t>
-            </a:r>
-            <a:r>
-              <a:rPr lang="fr-FR" sz="3600" dirty="0" err="1" smtClean="0">
-                <a:solidFill>
-                  <a:schemeClr val="accent1">
-                    <a:lumMod val="50000"/>
-                  </a:schemeClr>
-                </a:solidFill>
-              </a:rPr>
-              <a:t>Korevaar</a:t>
-            </a:r>
-            <a:r>
-              <a:rPr lang="fr-FR" sz="3600" dirty="0" smtClean="0">
-                <a:solidFill>
-                  <a:schemeClr val="accent1">
-                    <a:lumMod val="50000"/>
-                  </a:schemeClr>
-                </a:solidFill>
-              </a:rPr>
-              <a:t> et al. (2020)</a:t>
-            </a:r>
-          </a:p>
-          <a:p>
-            <a:r>
-              <a:rPr lang="fr-FR" sz="3600" dirty="0" smtClean="0">
-                <a:solidFill>
-                  <a:schemeClr val="tx1"/>
-                </a:solidFill>
-              </a:rPr>
-              <a:t>Horizontal Gene Transfer </a:t>
-            </a:r>
-            <a:r>
-              <a:rPr lang="fr-FR" sz="3600" dirty="0" smtClean="0">
-                <a:solidFill>
-                  <a:schemeClr val="accent1">
-                    <a:lumMod val="50000"/>
-                  </a:schemeClr>
-                </a:solidFill>
-              </a:rPr>
-              <a:t>Fisher at al. (2019)</a:t>
-            </a:r>
-          </a:p>
-          <a:p>
-            <a:r>
-              <a:rPr lang="fr-FR" sz="3600" dirty="0" smtClean="0">
-                <a:solidFill>
-                  <a:schemeClr val="tx1"/>
-                </a:solidFill>
-              </a:rPr>
-              <a:t>Susceptible-</a:t>
-            </a:r>
-            <a:r>
-              <a:rPr lang="fr-FR" sz="3600" dirty="0" err="1" smtClean="0">
-                <a:solidFill>
-                  <a:schemeClr val="tx1"/>
-                </a:solidFill>
-              </a:rPr>
-              <a:t>Infected</a:t>
-            </a:r>
-            <a:r>
-              <a:rPr lang="fr-FR" sz="3600" dirty="0" smtClean="0">
-                <a:solidFill>
-                  <a:schemeClr val="accent1">
-                    <a:lumMod val="50000"/>
-                  </a:schemeClr>
-                </a:solidFill>
-              </a:rPr>
-              <a:t> </a:t>
-            </a:r>
-            <a:r>
-              <a:rPr lang="fr-FR" sz="3600" dirty="0" smtClean="0">
-                <a:solidFill>
-                  <a:schemeClr val="tx1"/>
-                </a:solidFill>
-              </a:rPr>
-              <a:t>model</a:t>
-            </a:r>
-            <a:r>
-              <a:rPr lang="fr-FR" sz="3600" dirty="0" smtClean="0">
-                <a:solidFill>
-                  <a:schemeClr val="accent1">
-                    <a:lumMod val="50000"/>
-                  </a:schemeClr>
-                </a:solidFill>
-              </a:rPr>
-              <a:t> Becker et al. (2022)</a:t>
+              <a:t>Germany, France, Lithuania, Poland, Tunisia</a:t>
             </a:r>
             <a:endParaRPr lang="fr-FR" sz="3600" dirty="0">
               <a:solidFill>
@@ -5426,169 +8099,161 @@
               </a:solidFill>
             </a:endParaRPr>
           </a:p>
+          <a:p>
+            <a:pPr marL="571500" indent="-571500">
+              <a:buFont typeface="Arial" panose="020B0604020202020204" pitchFamily="34" charset="0"/>
+              <a:buChar char="•"/>
+            </a:pPr>
+            <a:r>
+              <a:rPr lang="en-US" sz="3600" dirty="0">
+                <a:solidFill>
+                  <a:schemeClr val="tx1"/>
+                </a:solidFill>
+              </a:rPr>
+              <a:t>Funded by the European Transnational Programme - </a:t>
+            </a:r>
+            <a:r>
+              <a:rPr lang="fr-FR" sz="3600" dirty="0">
+                <a:solidFill>
+                  <a:srgbClr val="FF0000"/>
+                </a:solidFill>
+              </a:rPr>
+              <a:t>JPIAMR-ACTION</a:t>
+            </a:r>
+            <a:endParaRPr lang="en-US" sz="3600" dirty="0">
+              <a:solidFill>
+                <a:srgbClr val="FF0000"/>
+              </a:solidFill>
+            </a:endParaRPr>
+          </a:p>
+          <a:p>
+            <a:pPr algn="ctr"/>
+            <a:r>
+              <a:rPr lang="fr-FR" sz="3600" b="1" dirty="0">
+                <a:solidFill>
+                  <a:schemeClr val="tx1"/>
+                </a:solidFill>
+              </a:rPr>
+              <a:t>OBJECTIVES</a:t>
+            </a:r>
+          </a:p>
+          <a:p>
+            <a:pPr marL="571500" indent="-571500">
+              <a:buFont typeface="Arial" panose="020B0604020202020204" pitchFamily="34" charset="0"/>
+              <a:buChar char="•"/>
+            </a:pPr>
+            <a:r>
+              <a:rPr lang="en-US" sz="3600" dirty="0">
+                <a:solidFill>
+                  <a:schemeClr val="tx1"/>
+                </a:solidFill>
+              </a:rPr>
+              <a:t>Reduce antimicrobial-resistant (</a:t>
+            </a:r>
+            <a:r>
+              <a:rPr lang="en-US" sz="3600" dirty="0">
+                <a:solidFill>
+                  <a:srgbClr val="FF0000"/>
+                </a:solidFill>
+              </a:rPr>
+              <a:t>AMR</a:t>
+            </a:r>
+            <a:r>
+              <a:rPr lang="en-US" sz="3600" dirty="0">
+                <a:solidFill>
+                  <a:schemeClr val="tx1"/>
+                </a:solidFill>
+              </a:rPr>
+              <a:t>) bacteria spread from broiler chickens</a:t>
+            </a:r>
+          </a:p>
+          <a:p>
+            <a:pPr marL="571500" indent="-571500">
+              <a:buFont typeface="Arial" panose="020B0604020202020204" pitchFamily="34" charset="0"/>
+              <a:buChar char="•"/>
+            </a:pPr>
+            <a:r>
+              <a:rPr lang="en-US" sz="3600" dirty="0">
+                <a:solidFill>
+                  <a:schemeClr val="tx1"/>
+                </a:solidFill>
+              </a:rPr>
+              <a:t>Investigate the potential of various on-farm </a:t>
+            </a:r>
+            <a:r>
+              <a:rPr lang="en-US" sz="3600" dirty="0">
+                <a:solidFill>
+                  <a:srgbClr val="FF0000"/>
+                </a:solidFill>
+              </a:rPr>
+              <a:t>intervention</a:t>
+            </a:r>
+            <a:r>
+              <a:rPr lang="en-US" sz="3600" dirty="0">
+                <a:solidFill>
+                  <a:schemeClr val="tx1"/>
+                </a:solidFill>
+              </a:rPr>
+              <a:t> measures</a:t>
+            </a:r>
+          </a:p>
+          <a:p>
+            <a:pPr marL="571500" indent="-571500">
+              <a:buFont typeface="Arial" panose="020B0604020202020204" pitchFamily="34" charset="0"/>
+              <a:buChar char="•"/>
+            </a:pPr>
+            <a:r>
+              <a:rPr lang="en-US" sz="3600" dirty="0">
+                <a:solidFill>
+                  <a:schemeClr val="tx1"/>
+                </a:solidFill>
+              </a:rPr>
+              <a:t>Reduce transmission and human exposure to ESBL </a:t>
+            </a:r>
+            <a:r>
+              <a:rPr lang="en-US" sz="3600" i="1" dirty="0">
+                <a:solidFill>
+                  <a:schemeClr val="tx1"/>
+                </a:solidFill>
+              </a:rPr>
+              <a:t>E. Coli</a:t>
+            </a:r>
+            <a:r>
+              <a:rPr lang="en-US" sz="3600" dirty="0">
+                <a:solidFill>
+                  <a:schemeClr val="tx1"/>
+                </a:solidFill>
+              </a:rPr>
+              <a:t> from broiler chicken</a:t>
+            </a:r>
+          </a:p>
+          <a:p>
+            <a:pPr algn="ctr"/>
+            <a:endParaRPr lang="fr-FR" sz="3600" dirty="0">
+              <a:solidFill>
+                <a:schemeClr val="tx1"/>
+              </a:solidFill>
+            </a:endParaRPr>
+          </a:p>
         </p:txBody>
       </p:sp>
       <p:sp>
         <p:nvSpPr>
-          <p:cNvPr id="100" name="Rectangle à coins arrondis 99"/>
+          <p:cNvPr id="63" name="Rectangle 62"/>
           <p:cNvSpPr/>
           <p:nvPr/>
         </p:nvSpPr>
         <p:spPr>
           <a:xfrm>
-            <a:off x="12118048" y="16575890"/>
-            <a:ext cx="17041472" cy="5009114"/>
-          </a:xfrm>
-          <a:prstGeom prst="roundRect">
-            <a:avLst>
-              <a:gd name="adj" fmla="val 4135"/>
-            </a:avLst>
-          </a:prstGeom>
-          <a:noFill/>
-          <a:ln w="38100"/>
-        </p:spPr>
-        <p:style>
-          <a:lnRef idx="2">
-            <a:schemeClr val="accent1">
-              <a:shade val="50000"/>
-            </a:schemeClr>
-          </a:lnRef>
-          <a:fillRef idx="1">
-            <a:schemeClr val="accent1"/>
-          </a:fillRef>
-          <a:effectRef idx="0">
-            <a:schemeClr val="accent1"/>
-          </a:effectRef>
-          <a:fontRef idx="minor">
-            <a:schemeClr val="lt1"/>
-          </a:fontRef>
-        </p:style>
-        <p:txBody>
-          <a:bodyPr rtlCol="0" anchor="ctr"/>
-          <a:lstStyle/>
-          <a:p>
-            <a:pPr algn="ctr"/>
-            <a:endParaRPr lang="fr-FR"/>
-          </a:p>
-        </p:txBody>
-      </p:sp>
-      <p:sp>
-        <p:nvSpPr>
-          <p:cNvPr id="101" name="ZoneTexte 100"/>
-          <p:cNvSpPr txBox="1"/>
-          <p:nvPr/>
-        </p:nvSpPr>
-        <p:spPr>
-          <a:xfrm>
-            <a:off x="18527394" y="21740363"/>
-            <a:ext cx="4737868" cy="646331"/>
+            <a:off x="26880895" y="30056373"/>
+            <a:ext cx="2639972" cy="3211033"/>
           </a:xfrm>
           <a:prstGeom prst="rect">
             <a:avLst/>
           </a:prstGeom>
           <a:noFill/>
-        </p:spPr>
-        <p:txBody>
-          <a:bodyPr wrap="square" rtlCol="0">
-            <a:spAutoFit/>
-          </a:bodyPr>
-          <a:lstStyle/>
-          <a:p>
-            <a:r>
-              <a:rPr lang="fr-FR" sz="3600" b="1" dirty="0" smtClean="0"/>
-              <a:t>FOOD-BORNE MODULE</a:t>
-            </a:r>
-            <a:endParaRPr lang="fr-FR" sz="3600" dirty="0"/>
-          </a:p>
-        </p:txBody>
-      </p:sp>
-      <p:pic>
-        <p:nvPicPr>
-          <p:cNvPr id="110" name="Image 109"/>
-          <p:cNvPicPr>
-            <a:picLocks noChangeAspect="1"/>
-          </p:cNvPicPr>
-          <p:nvPr/>
-        </p:nvPicPr>
-        <p:blipFill>
-          <a:blip r:embed="rId14" cstate="print">
-            <a:extLst>
-              <a:ext uri="{28A0092B-C50C-407E-A947-70E740481C1C}">
-                <a14:useLocalDpi xmlns:a14="http://schemas.microsoft.com/office/drawing/2010/main" val="0"/>
-              </a:ext>
-            </a:extLst>
-          </a:blip>
-          <a:stretch>
-            <a:fillRect/>
-          </a:stretch>
-        </p:blipFill>
-        <p:spPr>
-          <a:xfrm>
-            <a:off x="27868043" y="10471381"/>
-            <a:ext cx="727780" cy="727780"/>
-          </a:xfrm>
-          <a:prstGeom prst="rect">
-            <a:avLst/>
-          </a:prstGeom>
-        </p:spPr>
-      </p:pic>
-      <p:pic>
-        <p:nvPicPr>
-          <p:cNvPr id="112" name="Image 111"/>
-          <p:cNvPicPr>
-            <a:picLocks noChangeAspect="1"/>
-          </p:cNvPicPr>
-          <p:nvPr/>
-        </p:nvPicPr>
-        <p:blipFill>
-          <a:blip r:embed="rId14" cstate="print">
-            <a:extLst>
-              <a:ext uri="{28A0092B-C50C-407E-A947-70E740481C1C}">
-                <a14:useLocalDpi xmlns:a14="http://schemas.microsoft.com/office/drawing/2010/main" val="0"/>
-              </a:ext>
-            </a:extLst>
-          </a:blip>
-          <a:stretch>
-            <a:fillRect/>
-          </a:stretch>
-        </p:blipFill>
-        <p:spPr>
-          <a:xfrm>
-            <a:off x="17051810" y="15080738"/>
-            <a:ext cx="727780" cy="727780"/>
-          </a:xfrm>
-          <a:prstGeom prst="rect">
-            <a:avLst/>
-          </a:prstGeom>
-        </p:spPr>
-      </p:pic>
-      <p:sp>
-        <p:nvSpPr>
-          <p:cNvPr id="122" name="Rectangle à coins arrondis 121"/>
-          <p:cNvSpPr/>
-          <p:nvPr/>
-        </p:nvSpPr>
-        <p:spPr>
-          <a:xfrm>
-            <a:off x="12118048" y="22551787"/>
-            <a:ext cx="9194645" cy="3237238"/>
-          </a:xfrm>
-          <a:prstGeom prst="roundRect">
-            <a:avLst>
-              <a:gd name="adj" fmla="val 5309"/>
-            </a:avLst>
-          </a:prstGeom>
-          <a:solidFill>
-            <a:srgbClr val="5B9BD5">
-              <a:alpha val="0"/>
-            </a:srgbClr>
-          </a:solidFill>
-          <a:ln w="38100" cmpd="dbl">
-            <a:solidFill>
-              <a:schemeClr val="accent1">
-                <a:lumMod val="50000"/>
-              </a:schemeClr>
-            </a:solidFill>
+          <a:ln>
+            <a:noFill/>
           </a:ln>
         </p:spPr>
         <p:style>
@@ -5611,274 +8276,29 @@
           <a:bodyPr rtlCol="0" anchor="ctr"/>
           <a:lstStyle/>
           <a:p>
-            <a:pPr>
-              <a:lnSpc>
-                <a:spcPct val="150000"/>
-              </a:lnSpc>
-            </a:pPr>
+            <a:pPr algn="ctr"/>
             <a:r>
               <a:rPr lang="fr-FR" sz="3600" b="1" dirty="0" smtClean="0">
-                <a:solidFill>
-                  <a:schemeClr val="tx1"/>
-                </a:solidFill>
-              </a:rPr>
-              <a:t>DYNAMICS of ESBL </a:t>
-            </a:r>
-            <a:r>
-              <a:rPr lang="fr-FR" sz="3600" b="1" i="1" dirty="0" smtClean="0">
-                <a:solidFill>
-                  <a:schemeClr val="tx1"/>
-                </a:solidFill>
-              </a:rPr>
-              <a:t>E. coli</a:t>
-            </a:r>
-            <a:r>
-              <a:rPr lang="fr-FR" sz="3600" b="1" dirty="0" smtClean="0">
-                <a:solidFill>
-                  <a:schemeClr val="tx1"/>
-                </a:solidFill>
-              </a:rPr>
-              <a:t> in production </a:t>
-            </a:r>
-            <a:r>
-              <a:rPr lang="fr-FR" sz="3600" b="1" dirty="0" err="1" smtClean="0">
-                <a:solidFill>
-                  <a:schemeClr val="tx1"/>
-                </a:solidFill>
-              </a:rPr>
-              <a:t>steps</a:t>
-            </a:r>
-            <a:endParaRPr lang="fr-FR" sz="3600" b="1" dirty="0" smtClean="0">
-              <a:solidFill>
-                <a:schemeClr val="tx1"/>
-              </a:solidFill>
-            </a:endParaRPr>
-          </a:p>
-          <a:p>
-            <a:pPr>
-              <a:lnSpc>
-                <a:spcPct val="150000"/>
-              </a:lnSpc>
-            </a:pPr>
-            <a:r>
-              <a:rPr lang="fr-FR" sz="3600" dirty="0" err="1" smtClean="0">
-                <a:solidFill>
-                  <a:schemeClr val="accent1">
-                    <a:lumMod val="50000"/>
-                  </a:schemeClr>
-                </a:solidFill>
-              </a:rPr>
-              <a:t>Collineau</a:t>
-            </a:r>
-            <a:r>
-              <a:rPr lang="fr-FR" sz="3600" dirty="0" smtClean="0">
-                <a:solidFill>
-                  <a:schemeClr val="accent1">
-                    <a:lumMod val="50000"/>
-                  </a:schemeClr>
-                </a:solidFill>
-              </a:rPr>
-              <a:t> et al. (2020) </a:t>
-            </a:r>
-            <a:r>
-              <a:rPr lang="fr-FR" sz="3600" dirty="0" err="1" smtClean="0">
-                <a:solidFill>
-                  <a:schemeClr val="tx1"/>
-                </a:solidFill>
-              </a:rPr>
-              <a:t>adapted</a:t>
-            </a:r>
-            <a:r>
-              <a:rPr lang="fr-FR" sz="3600" dirty="0" smtClean="0">
-                <a:solidFill>
-                  <a:schemeClr val="tx1"/>
-                </a:solidFill>
-              </a:rPr>
-              <a:t> </a:t>
-            </a:r>
-            <a:r>
-              <a:rPr lang="fr-FR" sz="3600" dirty="0">
-                <a:solidFill>
-                  <a:schemeClr val="tx1"/>
-                </a:solidFill>
-              </a:rPr>
-              <a:t>to </a:t>
-            </a:r>
-            <a:r>
-              <a:rPr lang="fr-FR" sz="3600" dirty="0" smtClean="0">
-                <a:solidFill>
-                  <a:schemeClr val="tx1"/>
-                </a:solidFill>
-              </a:rPr>
-              <a:t>ESBL </a:t>
-            </a:r>
-            <a:r>
-              <a:rPr lang="fr-FR" sz="3600" i="1" dirty="0" smtClean="0">
-                <a:solidFill>
-                  <a:schemeClr val="tx1"/>
-                </a:solidFill>
-              </a:rPr>
-              <a:t>E. coli</a:t>
-            </a:r>
-            <a:r>
-              <a:rPr lang="fr-FR" sz="3600" dirty="0" smtClean="0">
-                <a:solidFill>
-                  <a:schemeClr val="tx1"/>
-                </a:solidFill>
-              </a:rPr>
-              <a:t> </a:t>
-            </a:r>
-          </a:p>
-          <a:p>
-            <a:r>
-              <a:rPr lang="fr-FR" sz="3600" dirty="0" err="1" smtClean="0">
-                <a:solidFill>
-                  <a:schemeClr val="tx1"/>
-                </a:solidFill>
-              </a:rPr>
-              <a:t>Updated</a:t>
-            </a:r>
-            <a:r>
-              <a:rPr lang="fr-FR" sz="3600" dirty="0" smtClean="0">
-                <a:solidFill>
-                  <a:schemeClr val="tx1"/>
-                </a:solidFill>
-              </a:rPr>
-              <a:t> </a:t>
-            </a:r>
-            <a:r>
-              <a:rPr lang="fr-FR" sz="3600" dirty="0" err="1" smtClean="0">
-                <a:solidFill>
-                  <a:schemeClr val="tx1"/>
-                </a:solidFill>
-              </a:rPr>
-              <a:t>with</a:t>
-            </a:r>
-            <a:r>
-              <a:rPr lang="fr-FR" sz="3600" dirty="0" smtClean="0">
-                <a:solidFill>
-                  <a:schemeClr val="tx1"/>
-                </a:solidFill>
-              </a:rPr>
-              <a:t> </a:t>
-            </a:r>
-            <a:r>
-              <a:rPr lang="fr-FR" sz="3600" dirty="0" smtClean="0">
                 <a:solidFill>
                   <a:srgbClr val="FF0000"/>
                 </a:solidFill>
               </a:rPr>
-              <a:t>EU</a:t>
-            </a:r>
-            <a:r>
-              <a:rPr lang="fr-FR" sz="3600" dirty="0" smtClean="0">
+              <a:t>HEAVY TAILED </a:t>
+            </a:r>
+          </a:p>
+          <a:p>
+            <a:pPr algn="ctr"/>
+            <a:r>
+              <a:rPr lang="fr-FR" sz="3600" b="1" dirty="0" smtClean="0">
                 <a:solidFill>
-                  <a:schemeClr val="tx1"/>
+                  <a:srgbClr val="FF0000"/>
                 </a:solidFill>
               </a:rPr>
-              <a:t> </a:t>
-            </a:r>
-            <a:r>
-              <a:rPr lang="fr-FR" sz="3600" dirty="0" err="1" smtClean="0">
-                <a:solidFill>
-                  <a:schemeClr val="tx1"/>
-                </a:solidFill>
-              </a:rPr>
-              <a:t>poultry</a:t>
-            </a:r>
-            <a:r>
-              <a:rPr lang="fr-FR" sz="3600" dirty="0" smtClean="0">
-                <a:solidFill>
-                  <a:schemeClr val="tx1"/>
-                </a:solidFill>
-              </a:rPr>
-              <a:t> </a:t>
-            </a:r>
-            <a:r>
-              <a:rPr lang="fr-FR" sz="3600" dirty="0" err="1" smtClean="0">
-                <a:solidFill>
-                  <a:schemeClr val="tx1"/>
-                </a:solidFill>
-              </a:rPr>
-              <a:t>farming</a:t>
-            </a:r>
-            <a:r>
-              <a:rPr lang="fr-FR" sz="3600" dirty="0" smtClean="0">
-                <a:solidFill>
-                  <a:schemeClr val="tx1"/>
-                </a:solidFill>
-              </a:rPr>
-              <a:t> practices</a:t>
-            </a:r>
-          </a:p>
-          <a:p>
-            <a:r>
-              <a:rPr lang="fr-FR" sz="3600" dirty="0" smtClean="0">
-                <a:solidFill>
-                  <a:schemeClr val="tx1"/>
-                </a:solidFill>
-              </a:rPr>
-              <a:t>The </a:t>
-            </a:r>
-            <a:r>
-              <a:rPr lang="fr-FR" sz="3600" dirty="0" err="1" smtClean="0">
-                <a:solidFill>
-                  <a:schemeClr val="tx1"/>
-                </a:solidFill>
-              </a:rPr>
-              <a:t>food</a:t>
-            </a:r>
-            <a:r>
-              <a:rPr lang="fr-FR" sz="3600" dirty="0" smtClean="0">
-                <a:solidFill>
-                  <a:schemeClr val="tx1"/>
-                </a:solidFill>
-              </a:rPr>
-              <a:t>-borne model </a:t>
-            </a:r>
-            <a:r>
-              <a:rPr lang="fr-FR" sz="3600" dirty="0" err="1" smtClean="0">
-                <a:solidFill>
-                  <a:schemeClr val="tx1"/>
-                </a:solidFill>
-              </a:rPr>
-              <a:t>replicates</a:t>
-            </a:r>
-            <a:r>
-              <a:rPr lang="fr-FR" sz="3600" dirty="0" smtClean="0">
-                <a:solidFill>
-                  <a:schemeClr val="tx1"/>
-                </a:solidFill>
-              </a:rPr>
-              <a:t> </a:t>
-            </a:r>
-            <a:r>
-              <a:rPr lang="fr-FR" sz="3600" dirty="0" err="1" smtClean="0">
-                <a:solidFill>
-                  <a:schemeClr val="tx1"/>
-                </a:solidFill>
-              </a:rPr>
-              <a:t>each</a:t>
-            </a:r>
-            <a:r>
-              <a:rPr lang="fr-FR" sz="3600" dirty="0" smtClean="0">
-                <a:solidFill>
-                  <a:schemeClr val="tx1"/>
-                </a:solidFill>
-              </a:rPr>
-              <a:t> </a:t>
-            </a:r>
-            <a:r>
-              <a:rPr lang="fr-FR" sz="3600" dirty="0" err="1" smtClean="0">
-                <a:solidFill>
-                  <a:schemeClr val="tx1"/>
-                </a:solidFill>
-              </a:rPr>
-              <a:t>step</a:t>
-            </a:r>
-            <a:endParaRPr lang="fr-FR" sz="3600" dirty="0">
+              <a:t>Distribution</a:t>
+            </a:r>
+            <a:endParaRPr lang="fr-FR" sz="3600" b="1" dirty="0">
               <a:solidFill>
-                <a:schemeClr val="tx1"/>
+                <a:srgbClr val="FF0000"/>
               </a:solidFill>
             </a:endParaRPr>
           </a:p>
@@ -5886,31 +8306,21 @@
       </p:sp>
       <p:sp>
         <p:nvSpPr>
-          <p:cNvPr id="123" name="Rectangle à coins arrondis 122"/>
+          <p:cNvPr id="142" name="Rectangle 141"/>
           <p:cNvSpPr/>
           <p:nvPr/>
         </p:nvSpPr>
         <p:spPr>
           <a:xfrm>
-            <a:off x="21734963" y="22568938"/>
-            <a:ext cx="7424557" cy="3237238"/>
+            <a:off x="26675838" y="32957177"/>
+            <a:ext cx="3223572" cy="3211033"/>
           </a:xfrm>
-          <a:prstGeom prst="roundRect">
-            <a:avLst>
-              <a:gd name="adj" fmla="val 5309"/>
-            </a:avLst>
+          <a:prstGeom prst="rect">
+            <a:avLst/>
           </a:prstGeom>
-          <a:solidFill>
-            <a:srgbClr val="5B9BD5">
-              <a:alpha val="0"/>
-            </a:srgbClr>
-          </a:solidFill>
-          <a:ln w="38100" cmpd="dbl">
-            <a:solidFill>
-              <a:schemeClr val="accent1">
-                <a:lumMod val="50000"/>
-              </a:schemeClr>
-            </a:solidFill>
+          <a:noFill/>
+          <a:ln>
+            <a:noFill/>
           </a:ln>
         </p:spPr>
         <p:style>
@@ -5933,186 +8343,7 @@
           <a:bodyPr rtlCol="0" anchor="ctr"/>
           <a:lstStyle/>
           <a:p>
-            <a:pPr>
-              <a:lnSpc>
-                <a:spcPct val="150000"/>
-              </a:lnSpc>
-            </a:pPr>
-            <a:r>
-              <a:rPr lang="fr-FR" sz="3600" b="1" dirty="0" err="1" smtClean="0">
-                <a:solidFill>
-                  <a:schemeClr val="tx1"/>
-                </a:solidFill>
-              </a:rPr>
-              <a:t>Risk</a:t>
-            </a:r>
-            <a:r>
-              <a:rPr lang="fr-FR" sz="3600" b="1" dirty="0" smtClean="0">
-                <a:solidFill>
-                  <a:schemeClr val="tx1"/>
-                </a:solidFill>
-              </a:rPr>
-              <a:t> </a:t>
-            </a:r>
-            <a:r>
-              <a:rPr lang="fr-FR" sz="3600" b="1" dirty="0" err="1" smtClean="0">
-                <a:solidFill>
-                  <a:schemeClr val="tx1"/>
-                </a:solidFill>
-              </a:rPr>
-              <a:t>from</a:t>
-            </a:r>
-            <a:r>
-              <a:rPr lang="fr-FR" sz="3600" b="1" dirty="0" smtClean="0">
-                <a:solidFill>
-                  <a:schemeClr val="tx1"/>
-                </a:solidFill>
-              </a:rPr>
-              <a:t> 1 </a:t>
-            </a:r>
-            <a:r>
-              <a:rPr lang="fr-FR" sz="3600" b="1" dirty="0" err="1" smtClean="0">
-                <a:solidFill>
-                  <a:schemeClr val="tx1"/>
-                </a:solidFill>
-              </a:rPr>
-              <a:t>chicken</a:t>
-            </a:r>
-            <a:r>
-              <a:rPr lang="fr-FR" sz="3600" b="1" dirty="0" smtClean="0">
-                <a:solidFill>
-                  <a:schemeClr val="tx1"/>
-                </a:solidFill>
-              </a:rPr>
-              <a:t> portion</a:t>
-            </a:r>
-            <a:br>
-              <a:rPr lang="fr-FR" sz="3600" b="1" dirty="0" smtClean="0">
-                <a:solidFill>
-                  <a:schemeClr val="tx1"/>
-                </a:solidFill>
-              </a:rPr>
-            </a:br>
-            <a:r>
-              <a:rPr lang="fr-FR" sz="3600" dirty="0" err="1" smtClean="0">
-                <a:solidFill>
-                  <a:schemeClr val="tx1"/>
-                </a:solidFill>
-              </a:rPr>
-              <a:t>Probability</a:t>
-            </a:r>
-            <a:r>
-              <a:rPr lang="fr-FR" sz="3600" dirty="0" smtClean="0">
-                <a:solidFill>
-                  <a:schemeClr val="tx1"/>
-                </a:solidFill>
-              </a:rPr>
-              <a:t> of ESBL </a:t>
-            </a:r>
-            <a:r>
-              <a:rPr lang="fr-FR" sz="3600" i="1" dirty="0" smtClean="0">
-                <a:solidFill>
-                  <a:schemeClr val="tx1"/>
-                </a:solidFill>
-              </a:rPr>
-              <a:t>E. coli </a:t>
-            </a:r>
-            <a:r>
-              <a:rPr lang="fr-FR" sz="3600" dirty="0" err="1" smtClean="0">
-                <a:solidFill>
-                  <a:srgbClr val="FF0000"/>
-                </a:solidFill>
-              </a:rPr>
-              <a:t>carriership</a:t>
-            </a:r>
-            <a:endParaRPr lang="fr-FR" sz="3600" dirty="0" smtClean="0">
-              <a:solidFill>
-                <a:srgbClr val="FF0000"/>
-              </a:solidFill>
-            </a:endParaRPr>
-          </a:p>
-          <a:p>
-            <a:r>
-              <a:rPr lang="fr-FR" sz="3600" dirty="0" err="1" smtClean="0">
-                <a:solidFill>
-                  <a:schemeClr val="tx1"/>
-                </a:solidFill>
-              </a:rPr>
-              <a:t>Conditional</a:t>
-            </a:r>
-            <a:r>
-              <a:rPr lang="fr-FR" sz="3600" dirty="0" smtClean="0">
-                <a:solidFill>
-                  <a:schemeClr val="tx1"/>
-                </a:solidFill>
-              </a:rPr>
-              <a:t> on final </a:t>
-            </a:r>
-            <a:r>
-              <a:rPr lang="fr-FR" sz="3600" dirty="0" err="1" smtClean="0">
-                <a:solidFill>
-                  <a:schemeClr val="tx1"/>
-                </a:solidFill>
-              </a:rPr>
-              <a:t>Prevalence</a:t>
-            </a:r>
-            <a:r>
-              <a:rPr lang="fr-FR" sz="3600" dirty="0" smtClean="0">
-                <a:solidFill>
-                  <a:schemeClr val="tx1"/>
-                </a:solidFill>
-              </a:rPr>
-              <a:t>, </a:t>
-            </a:r>
-            <a:r>
-              <a:rPr lang="fr-FR" sz="3600" dirty="0" err="1" smtClean="0">
-                <a:solidFill>
-                  <a:schemeClr val="tx1"/>
-                </a:solidFill>
-              </a:rPr>
-              <a:t>Load</a:t>
-            </a:r>
-            <a:endParaRPr lang="fr-FR" sz="3600" dirty="0" smtClean="0">
-              <a:solidFill>
-                <a:schemeClr val="tx1"/>
-              </a:solidFill>
-            </a:endParaRPr>
-          </a:p>
-          <a:p>
-            <a:r>
-              <a:rPr lang="fr-FR" sz="3600" dirty="0" smtClean="0">
-                <a:solidFill>
-                  <a:srgbClr val="FF0000"/>
-                </a:solidFill>
-              </a:rPr>
-              <a:t>Dose-</a:t>
-            </a:r>
-            <a:r>
-              <a:rPr lang="fr-FR" sz="3600" dirty="0" err="1" smtClean="0">
-                <a:solidFill>
-                  <a:srgbClr val="FF0000"/>
-                </a:solidFill>
-              </a:rPr>
-              <a:t>response</a:t>
-            </a:r>
-            <a:r>
-              <a:rPr lang="fr-FR" sz="3600" dirty="0" smtClean="0">
-                <a:solidFill>
-                  <a:schemeClr val="tx1"/>
-                </a:solidFill>
-              </a:rPr>
-              <a:t> </a:t>
-            </a:r>
-            <a:r>
-              <a:rPr lang="fr-FR" sz="3600" dirty="0" err="1" smtClean="0">
-                <a:solidFill>
-                  <a:schemeClr val="accent1">
-                    <a:lumMod val="50000"/>
-                  </a:schemeClr>
-                </a:solidFill>
-              </a:rPr>
-              <a:t>Furusawa</a:t>
-            </a:r>
+            <a:pPr algn="ctr"/>
             <a:r>
               <a:rPr lang="fr-FR" sz="3600" dirty="0" smtClean="0">
                 <a:solidFill>
@@ -6121,7 +8352,39 @@
                   </a:schemeClr>
                 </a:solidFill>
               </a:rPr>
-              <a:t> et al. (2024)</a:t>
+              <a:t>Quantile metrics ?</a:t>
+            </a:r>
+          </a:p>
+          <a:p>
+            <a:pPr algn="ctr"/>
+            <a:r>
+              <a:rPr lang="fr-FR" sz="3600" dirty="0" smtClean="0">
+                <a:solidFill>
+                  <a:schemeClr val="accent1">
+                    <a:lumMod val="50000"/>
+                  </a:schemeClr>
+                </a:solidFill>
+              </a:rPr>
+              <a:t/>
+            </a:r>
+            <a:br>
+              <a:rPr lang="fr-FR" sz="3600" dirty="0" smtClean="0">
+                <a:solidFill>
+                  <a:schemeClr val="accent1">
+                    <a:lumMod val="50000"/>
+                  </a:schemeClr>
+                </a:solidFill>
+              </a:rPr>
+            </a:br>
+            <a:r>
+              <a:rPr lang="fr-FR" sz="3600" dirty="0" smtClean="0">
+                <a:solidFill>
+                  <a:schemeClr val="accent1">
+                    <a:lumMod val="50000"/>
+                  </a:schemeClr>
+                </a:solidFill>
+              </a:rPr>
+              <a:t>Difficult to interpret ?</a:t>
             </a:r>
             <a:endParaRPr lang="fr-FR" sz="3600" dirty="0">
               <a:solidFill>
@@ -6135,14 +8398,14 @@
       </p:sp>
       <p:sp>
         <p:nvSpPr>
-          <p:cNvPr id="124" name="ZoneTexte 123"/>
+          <p:cNvPr id="65" name="ZoneTexte 64"/>
           <p:cNvSpPr txBox="1"/>
           <p:nvPr/>
         </p:nvSpPr>
         <p:spPr>
           <a:xfrm>
-            <a:off x="13731529" y="20607731"/>
-            <a:ext cx="15049278" cy="646331"/>
+            <a:off x="14683563" y="20946139"/>
+            <a:ext cx="65" cy="276999"/>
           </a:xfrm>
           <a:prstGeom prst="rect">
             <a:avLst/>
@@ -6150,169 +8413,25 @@
           <a:noFill/>
         </p:spPr>
         <p:txBody>
-          <a:bodyPr wrap="square" rtlCol="0">
+          <a:bodyPr wrap="none" lIns="0" tIns="0" rIns="0" bIns="0" rtlCol="0">
             <a:spAutoFit/>
           </a:bodyPr>
           <a:lstStyle/>
           <a:p>
-            <a:r>
-              <a:rPr lang="fr-FR" sz="3600" dirty="0" err="1" smtClean="0"/>
-              <a:t>Simulates</a:t>
-            </a:r>
-            <a:r>
-              <a:rPr lang="fr-FR" sz="3600" dirty="0" smtClean="0"/>
-              <a:t> </a:t>
-            </a:r>
-            <a:r>
-              <a:rPr lang="fr-FR" sz="3600" dirty="0" err="1" smtClean="0"/>
-              <a:t>flock</a:t>
-            </a:r>
-            <a:r>
-              <a:rPr lang="fr-FR" sz="3600" dirty="0" smtClean="0"/>
-              <a:t> </a:t>
-            </a:r>
-            <a:r>
-              <a:rPr lang="fr-FR" sz="3600" dirty="0" err="1" smtClean="0">
-                <a:solidFill>
-                  <a:srgbClr val="FF0000"/>
-                </a:solidFill>
-              </a:rPr>
-              <a:t>Prevalence</a:t>
-            </a:r>
-            <a:r>
-              <a:rPr lang="fr-FR" sz="3600" dirty="0" smtClean="0"/>
-              <a:t> and </a:t>
-            </a:r>
-            <a:r>
-              <a:rPr lang="fr-FR" sz="3600" dirty="0" err="1"/>
-              <a:t>c</a:t>
-            </a:r>
-            <a:r>
-              <a:rPr lang="fr-FR" sz="3600" dirty="0" err="1" smtClean="0"/>
-              <a:t>arcass</a:t>
-            </a:r>
-            <a:r>
-              <a:rPr lang="fr-FR" sz="3600" dirty="0" smtClean="0"/>
-              <a:t>/portion </a:t>
-            </a:r>
-            <a:r>
-              <a:rPr lang="fr-FR" sz="3600" dirty="0" err="1" smtClean="0">
-                <a:solidFill>
-                  <a:srgbClr val="FF0000"/>
-                </a:solidFill>
-              </a:rPr>
-              <a:t>Load</a:t>
-            </a:r>
-            <a:r>
-              <a:rPr lang="fr-FR" sz="3600" dirty="0" smtClean="0"/>
-              <a:t> at the end of </a:t>
-            </a:r>
-            <a:r>
-              <a:rPr lang="fr-FR" sz="3600" dirty="0" err="1" smtClean="0"/>
-              <a:t>each</a:t>
-            </a:r>
-            <a:r>
-              <a:rPr lang="fr-FR" sz="3600" dirty="0" smtClean="0"/>
-              <a:t> </a:t>
-            </a:r>
-            <a:r>
-              <a:rPr lang="fr-FR" sz="3600" dirty="0" err="1" smtClean="0"/>
-              <a:t>step</a:t>
-            </a:r>
-            <a:endParaRPr lang="fr-FR" sz="3600" dirty="0"/>
-          </a:p>
-        </p:txBody>
-      </p:sp>
-      <p:sp>
-        <p:nvSpPr>
-          <p:cNvPr id="125" name="ZoneTexte 124"/>
-          <p:cNvSpPr txBox="1"/>
-          <p:nvPr/>
-        </p:nvSpPr>
-        <p:spPr>
-          <a:xfrm>
-            <a:off x="10597845" y="17010261"/>
-            <a:ext cx="1096323" cy="1200329"/>
-          </a:xfrm>
-          <a:prstGeom prst="rect">
-            <a:avLst/>
-          </a:prstGeom>
-          <a:noFill/>
-        </p:spPr>
-        <p:txBody>
-          <a:bodyPr wrap="square" rtlCol="0">
-            <a:spAutoFit/>
-          </a:bodyPr>
-          <a:lstStyle/>
-          <a:p>
-            <a:r>
-              <a:rPr lang="fr-FR" sz="3600" b="1" dirty="0" smtClean="0"/>
-              <a:t>Barn </a:t>
-            </a:r>
-          </a:p>
-          <a:p>
-            <a:r>
-              <a:rPr lang="fr-FR" sz="3600" b="1" dirty="0" err="1" smtClean="0"/>
-              <a:t>Load</a:t>
-            </a:r>
-            <a:endParaRPr lang="fr-FR" sz="3600" dirty="0"/>
-          </a:p>
-        </p:txBody>
-      </p:sp>
-      <p:sp>
-        <p:nvSpPr>
-          <p:cNvPr id="126" name="ZoneTexte 125"/>
-          <p:cNvSpPr txBox="1"/>
-          <p:nvPr/>
-        </p:nvSpPr>
-        <p:spPr>
-          <a:xfrm>
-            <a:off x="10597845" y="19446726"/>
-            <a:ext cx="1273135" cy="1200329"/>
-          </a:xfrm>
-          <a:prstGeom prst="rect">
-            <a:avLst/>
-          </a:prstGeom>
-          <a:noFill/>
-        </p:spPr>
-        <p:txBody>
-          <a:bodyPr wrap="square" rtlCol="0">
-            <a:spAutoFit/>
-          </a:bodyPr>
-          <a:lstStyle/>
-          <a:p>
-            <a:r>
-              <a:rPr lang="fr-FR" sz="3600" b="1" dirty="0" err="1" smtClean="0"/>
-              <a:t>Flock</a:t>
-            </a:r>
-            <a:r>
-              <a:rPr lang="fr-FR" sz="3600" b="1" dirty="0" smtClean="0"/>
-              <a:t> </a:t>
-            </a:r>
-          </a:p>
-          <a:p>
-            <a:r>
-              <a:rPr lang="fr-FR" sz="3600" b="1" dirty="0" err="1" smtClean="0"/>
-              <a:t>Prev</a:t>
-            </a:r>
-            <a:r>
-              <a:rPr lang="fr-FR" sz="3600" b="1" dirty="0" smtClean="0"/>
-              <a:t>.</a:t>
-            </a:r>
-            <a:endParaRPr lang="fr-FR" sz="3600" dirty="0"/>
+            <a:endParaRPr lang="fr-FR" dirty="0"/>
           </a:p>
         </p:txBody>
       </p:sp>
       <p:pic>
         <p:nvPicPr>
-          <p:cNvPr id="146" name="Image 145"/>
+          <p:cNvPr id="67" name="Image 66"/>
           <p:cNvPicPr>
             <a:picLocks noChangeAspect="1"/>
           </p:cNvPicPr>
           <p:nvPr/>
         </p:nvPicPr>
         <p:blipFill>
-          <a:blip r:embed="rId15" cstate="print">
+          <a:blip r:embed="rId23">
             <a:extLst>
               <a:ext uri="{28A0092B-C50C-407E-A947-70E740481C1C}">
                 <a14:useLocalDpi xmlns:a14="http://schemas.microsoft.com/office/drawing/2010/main" val="0"/>
@@ -6325,1085 +8444,8 @@
         </p:blipFill>
         <p:spPr>
           <a:xfrm>
-            <a:off x="27704205" y="18015956"/>
-            <a:ext cx="702794" cy="702794"/>
-          </a:xfrm>
-          <a:prstGeom prst="rect">
-            <a:avLst/>
-          </a:prstGeom>
-        </p:spPr>
-      </p:pic>
-      <p:pic>
-        <p:nvPicPr>
-          <p:cNvPr id="147" name="Image 146"/>
-          <p:cNvPicPr>
-            <a:picLocks noChangeAspect="1"/>
-          </p:cNvPicPr>
-          <p:nvPr/>
-        </p:nvPicPr>
-        <p:blipFill>
-          <a:blip r:embed="rId16" cstate="print">
-            <a:extLst>
-              <a:ext uri="{28A0092B-C50C-407E-A947-70E740481C1C}">
-                <a14:useLocalDpi xmlns:a14="http://schemas.microsoft.com/office/drawing/2010/main" val="0"/>
-              </a:ext>
-            </a:extLst>
-          </a:blip>
-          <a:stretch>
-            <a:fillRect/>
-          </a:stretch>
-        </p:blipFill>
-        <p:spPr>
-          <a:xfrm>
-            <a:off x="27788127" y="18715509"/>
-            <a:ext cx="696198" cy="696198"/>
-          </a:xfrm>
-          <a:prstGeom prst="rect">
-            <a:avLst/>
-          </a:prstGeom>
-        </p:spPr>
-      </p:pic>
-      <p:pic>
-        <p:nvPicPr>
-          <p:cNvPr id="150" name="Image 149"/>
-          <p:cNvPicPr>
-            <a:picLocks noChangeAspect="1"/>
-          </p:cNvPicPr>
-          <p:nvPr/>
-        </p:nvPicPr>
-        <p:blipFill>
-          <a:blip r:embed="rId15" cstate="print">
-            <a:extLst>
-              <a:ext uri="{28A0092B-C50C-407E-A947-70E740481C1C}">
-                <a14:useLocalDpi xmlns:a14="http://schemas.microsoft.com/office/drawing/2010/main" val="0"/>
-              </a:ext>
-            </a:extLst>
-          </a:blip>
-          <a:stretch>
-            <a:fillRect/>
-          </a:stretch>
-        </p:blipFill>
-        <p:spPr>
-          <a:xfrm>
-            <a:off x="28244378" y="17966535"/>
-            <a:ext cx="702794" cy="702794"/>
-          </a:xfrm>
-          <a:prstGeom prst="rect">
-            <a:avLst/>
-          </a:prstGeom>
-        </p:spPr>
-      </p:pic>
-      <p:pic>
-        <p:nvPicPr>
-          <p:cNvPr id="152" name="Image 151"/>
-          <p:cNvPicPr>
-            <a:picLocks noChangeAspect="1"/>
-          </p:cNvPicPr>
-          <p:nvPr/>
-        </p:nvPicPr>
-        <p:blipFill>
-          <a:blip r:embed="rId15" cstate="print">
-            <a:extLst>
-              <a:ext uri="{28A0092B-C50C-407E-A947-70E740481C1C}">
-                <a14:useLocalDpi xmlns:a14="http://schemas.microsoft.com/office/drawing/2010/main" val="0"/>
-              </a:ext>
-            </a:extLst>
-          </a:blip>
-          <a:stretch>
-            <a:fillRect/>
-          </a:stretch>
-        </p:blipFill>
-        <p:spPr>
-          <a:xfrm>
-            <a:off x="28325757" y="18707321"/>
-            <a:ext cx="702794" cy="702794"/>
-          </a:xfrm>
-          <a:prstGeom prst="rect">
-            <a:avLst/>
-          </a:prstGeom>
-        </p:spPr>
-      </p:pic>
-      <p:grpSp>
-        <p:nvGrpSpPr>
-          <p:cNvPr id="165" name="Groupe 164"/>
-          <p:cNvGrpSpPr/>
-          <p:nvPr/>
-        </p:nvGrpSpPr>
-        <p:grpSpPr>
-          <a:xfrm>
-            <a:off x="12418489" y="17544539"/>
-            <a:ext cx="2175638" cy="2402424"/>
-            <a:chOff x="12440652" y="16945950"/>
-            <a:chExt cx="2175638" cy="2402424"/>
-          </a:xfrm>
-        </p:grpSpPr>
-        <p:grpSp>
-          <p:nvGrpSpPr>
-            <p:cNvPr id="157" name="Groupe 156"/>
-            <p:cNvGrpSpPr/>
-            <p:nvPr/>
-          </p:nvGrpSpPr>
-          <p:grpSpPr>
-            <a:xfrm>
-              <a:off x="12450262" y="16945950"/>
-              <a:ext cx="1818173" cy="899220"/>
-              <a:chOff x="12450262" y="16945950"/>
-              <a:chExt cx="1818173" cy="899220"/>
-            </a:xfrm>
-          </p:grpSpPr>
-          <p:pic>
-            <p:nvPicPr>
-              <p:cNvPr id="136" name="Image 135"/>
-              <p:cNvPicPr>
-                <a:picLocks noChangeAspect="1"/>
-              </p:cNvPicPr>
-              <p:nvPr/>
-            </p:nvPicPr>
-            <p:blipFill>
-              <a:blip r:embed="rId10" cstate="print">
-                <a:extLst>
-                  <a:ext uri="{28A0092B-C50C-407E-A947-70E740481C1C}">
-                    <a14:useLocalDpi xmlns:a14="http://schemas.microsoft.com/office/drawing/2010/main" val="0"/>
-                  </a:ext>
-                </a:extLst>
-              </a:blip>
-              <a:stretch>
-                <a:fillRect/>
-              </a:stretch>
-            </p:blipFill>
-            <p:spPr>
-              <a:xfrm>
-                <a:off x="12595657" y="17016612"/>
-                <a:ext cx="801193" cy="783980"/>
-              </a:xfrm>
-              <a:prstGeom prst="rect">
-                <a:avLst/>
-              </a:prstGeom>
-            </p:spPr>
-          </p:pic>
-          <p:pic>
-            <p:nvPicPr>
-              <p:cNvPr id="140" name="Image 139"/>
-              <p:cNvPicPr>
-                <a:picLocks noChangeAspect="1"/>
-              </p:cNvPicPr>
-              <p:nvPr/>
-            </p:nvPicPr>
-            <p:blipFill>
-              <a:blip r:embed="rId10" cstate="print">
-                <a:extLst>
-                  <a:ext uri="{28A0092B-C50C-407E-A947-70E740481C1C}">
-                    <a14:useLocalDpi xmlns:a14="http://schemas.microsoft.com/office/drawing/2010/main" val="0"/>
-                  </a:ext>
-                </a:extLst>
-              </a:blip>
-              <a:stretch>
-                <a:fillRect/>
-              </a:stretch>
-            </p:blipFill>
-            <p:spPr>
-              <a:xfrm>
-                <a:off x="13354583" y="17025109"/>
-                <a:ext cx="801193" cy="783980"/>
-              </a:xfrm>
-              <a:prstGeom prst="rect">
-                <a:avLst/>
-              </a:prstGeom>
-            </p:spPr>
-          </p:pic>
-          <p:sp>
-            <p:nvSpPr>
-              <p:cNvPr id="143" name="Rectangle 142"/>
-              <p:cNvSpPr/>
-              <p:nvPr/>
-            </p:nvSpPr>
-            <p:spPr>
-              <a:xfrm>
-                <a:off x="12450262" y="16945950"/>
-                <a:ext cx="1818173" cy="899220"/>
-              </a:xfrm>
-              <a:prstGeom prst="rect">
-                <a:avLst/>
-              </a:prstGeom>
-              <a:noFill/>
-              <a:ln w="3175"/>
-            </p:spPr>
-            <p:style>
-              <a:lnRef idx="2">
-                <a:schemeClr val="accent1">
-                  <a:shade val="50000"/>
-                </a:schemeClr>
-              </a:lnRef>
-              <a:fillRef idx="1">
-                <a:schemeClr val="accent1"/>
-              </a:fillRef>
-              <a:effectRef idx="0">
-                <a:schemeClr val="accent1"/>
-              </a:effectRef>
-              <a:fontRef idx="minor">
-                <a:schemeClr val="lt1"/>
-              </a:fontRef>
-            </p:style>
-            <p:txBody>
-              <a:bodyPr rtlCol="0" anchor="ctr"/>
-              <a:lstStyle/>
-              <a:p>
-                <a:pPr algn="ctr"/>
-                <a:endParaRPr lang="fr-FR"/>
-              </a:p>
-            </p:txBody>
-          </p:sp>
-        </p:grpSp>
-        <p:grpSp>
-          <p:nvGrpSpPr>
-            <p:cNvPr id="156" name="Groupe 155"/>
-            <p:cNvGrpSpPr/>
-            <p:nvPr/>
-          </p:nvGrpSpPr>
-          <p:grpSpPr>
-            <a:xfrm>
-              <a:off x="12440652" y="18449154"/>
-              <a:ext cx="1818173" cy="899220"/>
-              <a:chOff x="12450262" y="18002370"/>
-              <a:chExt cx="1818173" cy="899220"/>
-            </a:xfrm>
-          </p:grpSpPr>
-          <p:pic>
-            <p:nvPicPr>
-              <p:cNvPr id="137" name="Image 136"/>
-              <p:cNvPicPr>
-                <a:picLocks noChangeAspect="1"/>
-              </p:cNvPicPr>
-              <p:nvPr/>
-            </p:nvPicPr>
-            <p:blipFill>
-              <a:blip r:embed="rId11" cstate="print">
-                <a:extLst>
-                  <a:ext uri="{28A0092B-C50C-407E-A947-70E740481C1C}">
-                    <a14:useLocalDpi xmlns:a14="http://schemas.microsoft.com/office/drawing/2010/main" val="0"/>
-                  </a:ext>
-                </a:extLst>
-              </a:blip>
-              <a:stretch>
-                <a:fillRect/>
-              </a:stretch>
-            </p:blipFill>
-            <p:spPr>
-              <a:xfrm>
-                <a:off x="12539127" y="18062295"/>
-                <a:ext cx="857723" cy="839295"/>
-              </a:xfrm>
-              <a:prstGeom prst="rect">
-                <a:avLst/>
-              </a:prstGeom>
-            </p:spPr>
-          </p:pic>
-          <p:pic>
-            <p:nvPicPr>
-              <p:cNvPr id="141" name="Image 140"/>
-              <p:cNvPicPr>
-                <a:picLocks noChangeAspect="1"/>
-              </p:cNvPicPr>
-              <p:nvPr/>
-            </p:nvPicPr>
-            <p:blipFill>
-              <a:blip r:embed="rId10" cstate="print">
-                <a:extLst>
-                  <a:ext uri="{28A0092B-C50C-407E-A947-70E740481C1C}">
-                    <a14:useLocalDpi xmlns:a14="http://schemas.microsoft.com/office/drawing/2010/main" val="0"/>
-                  </a:ext>
-                </a:extLst>
-              </a:blip>
-              <a:stretch>
-                <a:fillRect/>
-              </a:stretch>
-            </p:blipFill>
-            <p:spPr>
-              <a:xfrm>
-                <a:off x="13349477" y="18081813"/>
-                <a:ext cx="801193" cy="783980"/>
-              </a:xfrm>
-              <a:prstGeom prst="rect">
-                <a:avLst/>
-              </a:prstGeom>
-            </p:spPr>
-          </p:pic>
-          <p:sp>
-            <p:nvSpPr>
-              <p:cNvPr id="144" name="Rectangle 143"/>
-              <p:cNvSpPr/>
-              <p:nvPr/>
-            </p:nvSpPr>
-            <p:spPr>
-              <a:xfrm>
-                <a:off x="12450262" y="18002370"/>
-                <a:ext cx="1818173" cy="899220"/>
-              </a:xfrm>
-              <a:prstGeom prst="rect">
-                <a:avLst/>
-              </a:prstGeom>
-              <a:noFill/>
-              <a:ln w="3175"/>
-            </p:spPr>
-            <p:style>
-              <a:lnRef idx="2">
-                <a:schemeClr val="accent1">
-                  <a:shade val="50000"/>
-                </a:schemeClr>
-              </a:lnRef>
-              <a:fillRef idx="1">
-                <a:schemeClr val="accent1"/>
-              </a:fillRef>
-              <a:effectRef idx="0">
-                <a:schemeClr val="accent1"/>
-              </a:effectRef>
-              <a:fontRef idx="minor">
-                <a:schemeClr val="lt1"/>
-              </a:fontRef>
-            </p:style>
-            <p:txBody>
-              <a:bodyPr rtlCol="0" anchor="ctr"/>
-              <a:lstStyle/>
-              <a:p>
-                <a:pPr algn="ctr"/>
-                <a:endParaRPr lang="fr-FR"/>
-              </a:p>
-            </p:txBody>
-          </p:sp>
-        </p:grpSp>
-        <p:sp>
-          <p:nvSpPr>
-            <p:cNvPr id="158" name="ZoneTexte 157"/>
-            <p:cNvSpPr txBox="1"/>
-            <p:nvPr/>
-          </p:nvSpPr>
-          <p:spPr>
-            <a:xfrm>
-              <a:off x="12983211" y="17811775"/>
-              <a:ext cx="770727" cy="646331"/>
-            </a:xfrm>
-            <a:prstGeom prst="rect">
-              <a:avLst/>
-            </a:prstGeom>
-            <a:noFill/>
-          </p:spPr>
-          <p:txBody>
-            <a:bodyPr wrap="square" rtlCol="0">
-              <a:spAutoFit/>
-            </a:bodyPr>
-            <a:lstStyle/>
-            <a:p>
-              <a:r>
-                <a:rPr lang="fr-FR" sz="3600" b="1" dirty="0" smtClean="0"/>
-                <a:t>OR</a:t>
-              </a:r>
-              <a:endParaRPr lang="fr-FR" sz="3600" dirty="0"/>
-            </a:p>
-          </p:txBody>
-        </p:sp>
-        <p:sp>
-          <p:nvSpPr>
-            <p:cNvPr id="159" name="Plus 158"/>
-            <p:cNvSpPr/>
-            <p:nvPr/>
-          </p:nvSpPr>
-          <p:spPr>
-            <a:xfrm>
-              <a:off x="14045440" y="18652277"/>
-              <a:ext cx="533140" cy="526863"/>
-            </a:xfrm>
-            <a:prstGeom prst="mathPlus">
-              <a:avLst>
-                <a:gd name="adj1" fmla="val 19484"/>
-              </a:avLst>
-            </a:prstGeom>
-            <a:solidFill>
-              <a:srgbClr val="FF0000"/>
-            </a:solidFill>
-            <a:ln>
-              <a:solidFill>
-                <a:srgbClr val="FF0000"/>
-              </a:solidFill>
-            </a:ln>
-          </p:spPr>
-          <p:style>
-            <a:lnRef idx="2">
-              <a:schemeClr val="accent1">
-                <a:shade val="50000"/>
-              </a:schemeClr>
-            </a:lnRef>
-            <a:fillRef idx="1">
-              <a:schemeClr val="accent1"/>
-            </a:fillRef>
-            <a:effectRef idx="0">
-              <a:schemeClr val="accent1"/>
-            </a:effectRef>
-            <a:fontRef idx="minor">
-              <a:schemeClr val="lt1"/>
-            </a:fontRef>
-          </p:style>
-          <p:txBody>
-            <a:bodyPr rtlCol="0" anchor="ctr"/>
-            <a:lstStyle/>
-            <a:p>
-              <a:pPr algn="ctr"/>
-              <a:endParaRPr lang="fr-FR"/>
-            </a:p>
-          </p:txBody>
-        </p:sp>
-        <p:sp>
-          <p:nvSpPr>
-            <p:cNvPr id="163" name="Moins 162"/>
-            <p:cNvSpPr/>
-            <p:nvPr/>
-          </p:nvSpPr>
-          <p:spPr>
-            <a:xfrm>
-              <a:off x="14212142" y="17205187"/>
-              <a:ext cx="404148" cy="406829"/>
-            </a:xfrm>
-            <a:prstGeom prst="mathMinus">
-              <a:avLst/>
-            </a:prstGeom>
-            <a:solidFill>
-              <a:srgbClr val="00B050"/>
-            </a:solidFill>
-            <a:ln>
-              <a:solidFill>
-                <a:srgbClr val="00B050"/>
-              </a:solidFill>
-            </a:ln>
-          </p:spPr>
-          <p:style>
-            <a:lnRef idx="2">
-              <a:schemeClr val="accent1">
-                <a:shade val="50000"/>
-              </a:schemeClr>
-            </a:lnRef>
-            <a:fillRef idx="1">
-              <a:schemeClr val="accent1"/>
-            </a:fillRef>
-            <a:effectRef idx="0">
-              <a:schemeClr val="accent1"/>
-            </a:effectRef>
-            <a:fontRef idx="minor">
-              <a:schemeClr val="lt1"/>
-            </a:fontRef>
-          </p:style>
-          <p:txBody>
-            <a:bodyPr rtlCol="0" anchor="ctr"/>
-            <a:lstStyle/>
-            <a:p>
-              <a:pPr algn="ctr"/>
-              <a:endParaRPr lang="fr-FR"/>
-            </a:p>
-          </p:txBody>
-        </p:sp>
-      </p:grpSp>
-      <p:sp>
-        <p:nvSpPr>
-          <p:cNvPr id="166" name="ZoneTexte 165"/>
-          <p:cNvSpPr txBox="1"/>
-          <p:nvPr/>
-        </p:nvSpPr>
-        <p:spPr>
-          <a:xfrm>
-            <a:off x="19553571" y="16769916"/>
-            <a:ext cx="2325679" cy="646331"/>
-          </a:xfrm>
-          <a:prstGeom prst="rect">
-            <a:avLst/>
-          </a:prstGeom>
-          <a:noFill/>
-        </p:spPr>
-        <p:txBody>
-          <a:bodyPr wrap="square" rtlCol="0">
-            <a:spAutoFit/>
-          </a:bodyPr>
-          <a:lstStyle/>
-          <a:p>
-            <a:r>
-              <a:rPr lang="fr-FR" sz="3600" i="1" u="sng" dirty="0" smtClean="0"/>
-              <a:t>Production</a:t>
-            </a:r>
-            <a:endParaRPr lang="fr-FR" sz="3600" i="1" u="sng" dirty="0"/>
-          </a:p>
-        </p:txBody>
-      </p:sp>
-      <p:sp>
-        <p:nvSpPr>
-          <p:cNvPr id="167" name="ZoneTexte 166"/>
-          <p:cNvSpPr txBox="1"/>
-          <p:nvPr/>
-        </p:nvSpPr>
-        <p:spPr>
-          <a:xfrm>
-            <a:off x="12757745" y="16708589"/>
-            <a:ext cx="1281228" cy="646331"/>
-          </a:xfrm>
-          <a:prstGeom prst="rect">
-            <a:avLst/>
-          </a:prstGeom>
-          <a:noFill/>
-        </p:spPr>
-        <p:txBody>
-          <a:bodyPr wrap="square" rtlCol="0">
-            <a:spAutoFit/>
-          </a:bodyPr>
-          <a:lstStyle/>
-          <a:p>
-            <a:r>
-              <a:rPr lang="fr-FR" sz="3600" i="1" u="sng" dirty="0" smtClean="0"/>
-              <a:t>Input</a:t>
-            </a:r>
-            <a:endParaRPr lang="fr-FR" sz="3600" i="1" u="sng" dirty="0"/>
-          </a:p>
-        </p:txBody>
-      </p:sp>
-      <p:sp>
-        <p:nvSpPr>
-          <p:cNvPr id="168" name="ZoneTexte 167"/>
-          <p:cNvSpPr txBox="1"/>
-          <p:nvPr/>
-        </p:nvSpPr>
-        <p:spPr>
-          <a:xfrm>
-            <a:off x="27462938" y="16798567"/>
-            <a:ext cx="1537990" cy="646331"/>
-          </a:xfrm>
-          <a:prstGeom prst="rect">
-            <a:avLst/>
-          </a:prstGeom>
-          <a:noFill/>
-        </p:spPr>
-        <p:txBody>
-          <a:bodyPr wrap="square" rtlCol="0">
-            <a:spAutoFit/>
-          </a:bodyPr>
-          <a:lstStyle/>
-          <a:p>
-            <a:r>
-              <a:rPr lang="fr-FR" sz="3600" i="1" u="sng" dirty="0" smtClean="0"/>
-              <a:t>Output</a:t>
-            </a:r>
-            <a:endParaRPr lang="fr-FR" sz="3600" i="1" u="sng" dirty="0"/>
-          </a:p>
-        </p:txBody>
-      </p:sp>
-      <p:grpSp>
-        <p:nvGrpSpPr>
-          <p:cNvPr id="170" name="Groupe 169"/>
-          <p:cNvGrpSpPr/>
-          <p:nvPr/>
-        </p:nvGrpSpPr>
-        <p:grpSpPr>
-          <a:xfrm>
-            <a:off x="14767556" y="17652749"/>
-            <a:ext cx="13234194" cy="2532033"/>
-            <a:chOff x="14767556" y="17782415"/>
-            <a:chExt cx="13234194" cy="2532033"/>
-          </a:xfrm>
-        </p:grpSpPr>
-        <p:grpSp>
-          <p:nvGrpSpPr>
-            <p:cNvPr id="121" name="Groupe 120"/>
-            <p:cNvGrpSpPr/>
-            <p:nvPr/>
-          </p:nvGrpSpPr>
-          <p:grpSpPr>
-            <a:xfrm>
-              <a:off x="14767556" y="17830862"/>
-              <a:ext cx="13234194" cy="2246194"/>
-              <a:chOff x="13495609" y="17092362"/>
-              <a:chExt cx="13234194" cy="2246194"/>
-            </a:xfrm>
-          </p:grpSpPr>
-          <p:pic>
-            <p:nvPicPr>
-              <p:cNvPr id="118" name="Image 117"/>
-              <p:cNvPicPr>
-                <a:picLocks noChangeAspect="1"/>
-              </p:cNvPicPr>
-              <p:nvPr/>
-            </p:nvPicPr>
-            <p:blipFill>
-              <a:blip r:embed="rId13" cstate="print">
-                <a:extLst>
-                  <a:ext uri="{28A0092B-C50C-407E-A947-70E740481C1C}">
-                    <a14:useLocalDpi xmlns:a14="http://schemas.microsoft.com/office/drawing/2010/main" val="0"/>
-                  </a:ext>
-                </a:extLst>
-              </a:blip>
-              <a:stretch>
-                <a:fillRect/>
-              </a:stretch>
-            </p:blipFill>
-            <p:spPr>
-              <a:xfrm>
-                <a:off x="15852072" y="18727059"/>
-                <a:ext cx="609705" cy="611497"/>
-              </a:xfrm>
-              <a:prstGeom prst="rect">
-                <a:avLst/>
-              </a:prstGeom>
-            </p:spPr>
-          </p:pic>
-          <p:grpSp>
-            <p:nvGrpSpPr>
-              <p:cNvPr id="120" name="Groupe 119"/>
-              <p:cNvGrpSpPr/>
-              <p:nvPr/>
-            </p:nvGrpSpPr>
-            <p:grpSpPr>
-              <a:xfrm>
-                <a:off x="13495609" y="17092362"/>
-                <a:ext cx="13234194" cy="2185745"/>
-                <a:chOff x="13495609" y="17092362"/>
-                <a:chExt cx="13234194" cy="2185745"/>
-              </a:xfrm>
-            </p:grpSpPr>
-            <p:grpSp>
-              <p:nvGrpSpPr>
-                <p:cNvPr id="113" name="Groupe 112"/>
-                <p:cNvGrpSpPr/>
-                <p:nvPr/>
-              </p:nvGrpSpPr>
-              <p:grpSpPr>
-                <a:xfrm>
-                  <a:off x="13495609" y="17092362"/>
-                  <a:ext cx="13234194" cy="1696338"/>
-                  <a:chOff x="13440149" y="18460174"/>
-                  <a:chExt cx="13234194" cy="1696338"/>
-                </a:xfrm>
-              </p:grpSpPr>
-              <p:sp>
-                <p:nvSpPr>
-                  <p:cNvPr id="102" name="ZoneTexte 101"/>
-                  <p:cNvSpPr txBox="1"/>
-                  <p:nvPr/>
-                </p:nvSpPr>
-                <p:spPr>
-                  <a:xfrm>
-                    <a:off x="13440149" y="18501843"/>
-                    <a:ext cx="3230631" cy="646331"/>
-                  </a:xfrm>
-                  <a:prstGeom prst="rect">
-                    <a:avLst/>
-                  </a:prstGeom>
-                  <a:noFill/>
-                </p:spPr>
-                <p:txBody>
-                  <a:bodyPr wrap="square" rtlCol="0">
-                    <a:spAutoFit/>
-                  </a:bodyPr>
-                  <a:lstStyle/>
-                  <a:p>
-                    <a:r>
-                      <a:rPr lang="fr-FR" sz="3600" b="1" dirty="0" err="1" smtClean="0"/>
-                      <a:t>Scalding</a:t>
-                    </a:r>
-                    <a:endParaRPr lang="fr-FR" sz="3600" dirty="0"/>
-                  </a:p>
-                </p:txBody>
-              </p:sp>
-              <p:sp>
-                <p:nvSpPr>
-                  <p:cNvPr id="103" name="ZoneTexte 102"/>
-                  <p:cNvSpPr txBox="1"/>
-                  <p:nvPr/>
-                </p:nvSpPr>
-                <p:spPr>
-                  <a:xfrm>
-                    <a:off x="19760547" y="18512885"/>
-                    <a:ext cx="3230631" cy="646331"/>
-                  </a:xfrm>
-                  <a:prstGeom prst="rect">
-                    <a:avLst/>
-                  </a:prstGeom>
-                  <a:noFill/>
-                </p:spPr>
-                <p:txBody>
-                  <a:bodyPr wrap="square" rtlCol="0">
-                    <a:spAutoFit/>
-                  </a:bodyPr>
-                  <a:lstStyle/>
-                  <a:p>
-                    <a:r>
-                      <a:rPr lang="fr-FR" sz="3600" b="1" dirty="0" err="1" smtClean="0"/>
-                      <a:t>Chilling</a:t>
-                    </a:r>
-                    <a:endParaRPr lang="fr-FR" sz="3600" dirty="0"/>
-                  </a:p>
-                </p:txBody>
-              </p:sp>
-              <p:sp>
-                <p:nvSpPr>
-                  <p:cNvPr id="104" name="ZoneTexte 103"/>
-                  <p:cNvSpPr txBox="1"/>
-                  <p:nvPr/>
-                </p:nvSpPr>
-                <p:spPr>
-                  <a:xfrm>
-                    <a:off x="16293783" y="18460174"/>
-                    <a:ext cx="3230631" cy="646331"/>
-                  </a:xfrm>
-                  <a:prstGeom prst="rect">
-                    <a:avLst/>
-                  </a:prstGeom>
-                  <a:noFill/>
-                </p:spPr>
-                <p:txBody>
-                  <a:bodyPr wrap="square" rtlCol="0">
-                    <a:spAutoFit/>
-                  </a:bodyPr>
-                  <a:lstStyle/>
-                  <a:p>
-                    <a:r>
-                      <a:rPr lang="fr-FR" sz="3600" b="1" dirty="0" err="1" smtClean="0"/>
-                      <a:t>Evisceration</a:t>
-                    </a:r>
-                    <a:endParaRPr lang="fr-FR" sz="3600" dirty="0"/>
-                  </a:p>
-                </p:txBody>
-              </p:sp>
-              <p:sp>
-                <p:nvSpPr>
-                  <p:cNvPr id="105" name="ZoneTexte 104"/>
-                  <p:cNvSpPr txBox="1"/>
-                  <p:nvPr/>
-                </p:nvSpPr>
-                <p:spPr>
-                  <a:xfrm>
-                    <a:off x="18618110" y="19510181"/>
-                    <a:ext cx="3230631" cy="646331"/>
-                  </a:xfrm>
-                  <a:prstGeom prst="rect">
-                    <a:avLst/>
-                  </a:prstGeom>
-                  <a:noFill/>
-                </p:spPr>
-                <p:txBody>
-                  <a:bodyPr wrap="square" rtlCol="0">
-                    <a:spAutoFit/>
-                  </a:bodyPr>
-                  <a:lstStyle/>
-                  <a:p>
-                    <a:r>
-                      <a:rPr lang="fr-FR" sz="3600" b="1" dirty="0" err="1" smtClean="0"/>
-                      <a:t>Washing</a:t>
-                    </a:r>
-                    <a:endParaRPr lang="fr-FR" sz="3600" dirty="0"/>
-                  </a:p>
-                </p:txBody>
-              </p:sp>
-              <p:sp>
-                <p:nvSpPr>
-                  <p:cNvPr id="106" name="ZoneTexte 105"/>
-                  <p:cNvSpPr txBox="1"/>
-                  <p:nvPr/>
-                </p:nvSpPr>
-                <p:spPr>
-                  <a:xfrm>
-                    <a:off x="14145474" y="19446509"/>
-                    <a:ext cx="3230631" cy="646331"/>
-                  </a:xfrm>
-                  <a:prstGeom prst="rect">
-                    <a:avLst/>
-                  </a:prstGeom>
-                  <a:noFill/>
-                </p:spPr>
-                <p:txBody>
-                  <a:bodyPr wrap="square" rtlCol="0">
-                    <a:spAutoFit/>
-                  </a:bodyPr>
-                  <a:lstStyle/>
-                  <a:p>
-                    <a:r>
-                      <a:rPr lang="fr-FR" sz="3600" b="1" dirty="0" err="1" smtClean="0"/>
-                      <a:t>Defeathering</a:t>
-                    </a:r>
-                    <a:endParaRPr lang="fr-FR" sz="3600" dirty="0"/>
-                  </a:p>
-                </p:txBody>
-              </p:sp>
-              <p:sp>
-                <p:nvSpPr>
-                  <p:cNvPr id="107" name="ZoneTexte 106"/>
-                  <p:cNvSpPr txBox="1"/>
-                  <p:nvPr/>
-                </p:nvSpPr>
-                <p:spPr>
-                  <a:xfrm>
-                    <a:off x="20897413" y="19506455"/>
-                    <a:ext cx="3230631" cy="646331"/>
-                  </a:xfrm>
-                  <a:prstGeom prst="rect">
-                    <a:avLst/>
-                  </a:prstGeom>
-                  <a:noFill/>
-                </p:spPr>
-                <p:txBody>
-                  <a:bodyPr wrap="square" rtlCol="0">
-                    <a:spAutoFit/>
-                  </a:bodyPr>
-                  <a:lstStyle/>
-                  <a:p>
-                    <a:r>
-                      <a:rPr lang="fr-FR" sz="3600" b="1" dirty="0" err="1" smtClean="0"/>
-                      <a:t>Portioning</a:t>
-                    </a:r>
-                    <a:endParaRPr lang="fr-FR" sz="3600" dirty="0"/>
-                  </a:p>
-                </p:txBody>
-              </p:sp>
-              <p:sp>
-                <p:nvSpPr>
-                  <p:cNvPr id="108" name="ZoneTexte 107"/>
-                  <p:cNvSpPr txBox="1"/>
-                  <p:nvPr/>
-                </p:nvSpPr>
-                <p:spPr>
-                  <a:xfrm>
-                    <a:off x="21974200" y="18527537"/>
-                    <a:ext cx="3230631" cy="646331"/>
-                  </a:xfrm>
-                  <a:prstGeom prst="rect">
-                    <a:avLst/>
-                  </a:prstGeom>
-                  <a:noFill/>
-                </p:spPr>
-                <p:txBody>
-                  <a:bodyPr wrap="square" rtlCol="0">
-                    <a:spAutoFit/>
-                  </a:bodyPr>
-                  <a:lstStyle/>
-                  <a:p>
-                    <a:r>
-                      <a:rPr lang="fr-FR" sz="3600" b="1" dirty="0" smtClean="0"/>
-                      <a:t>Post-</a:t>
-                    </a:r>
-                    <a:r>
-                      <a:rPr lang="fr-FR" sz="3600" b="1" dirty="0" err="1" smtClean="0"/>
-                      <a:t>processing</a:t>
-                    </a:r>
-                    <a:endParaRPr lang="fr-FR" sz="3600" dirty="0"/>
-                  </a:p>
-                </p:txBody>
-              </p:sp>
-              <p:sp>
-                <p:nvSpPr>
-                  <p:cNvPr id="109" name="ZoneTexte 108"/>
-                  <p:cNvSpPr txBox="1"/>
-                  <p:nvPr/>
-                </p:nvSpPr>
-                <p:spPr>
-                  <a:xfrm>
-                    <a:off x="23443712" y="19510181"/>
-                    <a:ext cx="3230631" cy="646331"/>
-                  </a:xfrm>
-                  <a:prstGeom prst="rect">
-                    <a:avLst/>
-                  </a:prstGeom>
-                  <a:noFill/>
-                </p:spPr>
-                <p:txBody>
-                  <a:bodyPr wrap="square" rtlCol="0">
-                    <a:spAutoFit/>
-                  </a:bodyPr>
-                  <a:lstStyle/>
-                  <a:p>
-                    <a:r>
-                      <a:rPr lang="fr-FR" sz="3600" b="1" dirty="0" smtClean="0"/>
-                      <a:t>Home cooking</a:t>
-                    </a:r>
-                    <a:endParaRPr lang="fr-FR" sz="3600" dirty="0"/>
-                  </a:p>
-                </p:txBody>
-              </p:sp>
-            </p:grpSp>
-            <p:sp>
-              <p:nvSpPr>
-                <p:cNvPr id="116" name="Flèche courbée vers le bas 115"/>
-                <p:cNvSpPr/>
-                <p:nvPr/>
-              </p:nvSpPr>
-              <p:spPr>
-                <a:xfrm rot="10800000">
-                  <a:off x="14774922" y="18801822"/>
-                  <a:ext cx="919475" cy="476285"/>
-                </a:xfrm>
-                <a:prstGeom prst="curvedDownArrow">
-                  <a:avLst/>
-                </a:prstGeom>
-                <a:solidFill>
-                  <a:schemeClr val="bg2">
-                    <a:lumMod val="75000"/>
-                  </a:schemeClr>
-                </a:solidFill>
-                <a:ln>
-                  <a:solidFill>
-                    <a:schemeClr val="tx1"/>
-                  </a:solidFill>
-                </a:ln>
-              </p:spPr>
-              <p:style>
-                <a:lnRef idx="2">
-                  <a:schemeClr val="accent1">
-                    <a:shade val="50000"/>
-                  </a:schemeClr>
-                </a:lnRef>
-                <a:fillRef idx="1">
-                  <a:schemeClr val="accent1"/>
-                </a:fillRef>
-                <a:effectRef idx="0">
-                  <a:schemeClr val="accent1"/>
-                </a:effectRef>
-                <a:fontRef idx="minor">
-                  <a:schemeClr val="lt1"/>
-                </a:fontRef>
-              </p:style>
-              <p:txBody>
-                <a:bodyPr rtlCol="0" anchor="ctr"/>
-                <a:lstStyle/>
-                <a:p>
-                  <a:pPr algn="ctr"/>
-                  <a:endParaRPr lang="fr-FR">
-                    <a:solidFill>
-                      <a:schemeClr val="tx1"/>
-                    </a:solidFill>
-                  </a:endParaRPr>
-                </a:p>
-              </p:txBody>
-            </p:sp>
-            <p:sp>
-              <p:nvSpPr>
-                <p:cNvPr id="117" name="Flèche courbée vers le bas 116"/>
-                <p:cNvSpPr/>
-                <p:nvPr/>
-              </p:nvSpPr>
-              <p:spPr>
-                <a:xfrm rot="10800000">
-                  <a:off x="16742097" y="17782488"/>
-                  <a:ext cx="919475" cy="509079"/>
-                </a:xfrm>
-                <a:prstGeom prst="curvedDownArrow">
-                  <a:avLst/>
-                </a:prstGeom>
-                <a:solidFill>
-                  <a:schemeClr val="bg2">
-                    <a:lumMod val="75000"/>
-                  </a:schemeClr>
-                </a:solidFill>
-                <a:ln>
-                  <a:solidFill>
-                    <a:schemeClr val="tx1"/>
-                  </a:solidFill>
-                </a:ln>
-              </p:spPr>
-              <p:style>
-                <a:lnRef idx="2">
-                  <a:schemeClr val="accent1">
-                    <a:shade val="50000"/>
-                  </a:schemeClr>
-                </a:lnRef>
-                <a:fillRef idx="1">
-                  <a:schemeClr val="accent1"/>
-                </a:fillRef>
-                <a:effectRef idx="0">
-                  <a:schemeClr val="accent1"/>
-                </a:effectRef>
-                <a:fontRef idx="minor">
-                  <a:schemeClr val="lt1"/>
-                </a:fontRef>
-              </p:style>
-              <p:txBody>
-                <a:bodyPr rtlCol="0" anchor="ctr"/>
-                <a:lstStyle/>
-                <a:p>
-                  <a:pPr algn="ctr"/>
-                  <a:endParaRPr lang="fr-FR">
-                    <a:solidFill>
-                      <a:schemeClr val="tx1"/>
-                    </a:solidFill>
-                  </a:endParaRPr>
-                </a:p>
-              </p:txBody>
-            </p:sp>
-          </p:grpSp>
-        </p:grpSp>
-        <p:sp>
-          <p:nvSpPr>
-            <p:cNvPr id="169" name="Rectangle à coins arrondis 168"/>
-            <p:cNvSpPr/>
-            <p:nvPr/>
-          </p:nvSpPr>
-          <p:spPr>
-            <a:xfrm>
-              <a:off x="14774292" y="17782415"/>
-              <a:ext cx="12879988" cy="2532033"/>
-            </a:xfrm>
-            <a:prstGeom prst="roundRect">
-              <a:avLst/>
-            </a:prstGeom>
-            <a:noFill/>
-            <a:ln>
-              <a:solidFill>
-                <a:schemeClr val="accent1">
-                  <a:lumMod val="50000"/>
-                </a:schemeClr>
-              </a:solidFill>
-            </a:ln>
-          </p:spPr>
-          <p:style>
-            <a:lnRef idx="2">
-              <a:schemeClr val="accent1">
-                <a:shade val="50000"/>
-              </a:schemeClr>
-            </a:lnRef>
-            <a:fillRef idx="1">
-              <a:schemeClr val="accent1"/>
-            </a:fillRef>
-            <a:effectRef idx="0">
-              <a:schemeClr val="accent1"/>
-            </a:effectRef>
-            <a:fontRef idx="minor">
-              <a:schemeClr val="lt1"/>
-            </a:fontRef>
-          </p:style>
-          <p:txBody>
-            <a:bodyPr rtlCol="0" anchor="ctr"/>
-            <a:lstStyle/>
-            <a:p>
-              <a:pPr algn="ctr"/>
-              <a:endParaRPr lang="fr-FR"/>
-            </a:p>
-          </p:txBody>
-        </p:sp>
-      </p:grpSp>
-      <p:pic>
-        <p:nvPicPr>
-          <p:cNvPr id="171" name="Image 170"/>
-          <p:cNvPicPr>
-            <a:picLocks noChangeAspect="1"/>
-          </p:cNvPicPr>
-          <p:nvPr/>
-        </p:nvPicPr>
-        <p:blipFill>
-          <a:blip r:embed="rId13" cstate="print">
-            <a:extLst>
-              <a:ext uri="{28A0092B-C50C-407E-A947-70E740481C1C}">
-                <a14:useLocalDpi xmlns:a14="http://schemas.microsoft.com/office/drawing/2010/main" val="0"/>
-              </a:ext>
-            </a:extLst>
-          </a:blip>
-          <a:stretch>
-            <a:fillRect/>
-          </a:stretch>
-        </p:blipFill>
-        <p:spPr>
-          <a:xfrm>
-            <a:off x="19033852" y="18351725"/>
-            <a:ext cx="609705" cy="611497"/>
+            <a:off x="15114338" y="26783293"/>
+            <a:ext cx="13308544" cy="1313961"/>
           </a:xfrm>
           <a:prstGeom prst="rect">
             <a:avLst/>
@@ -7689,4 +8731,265 @@
     </a:ext>
   </a:extLst>
 </a:theme>
+</file>
+
+<file path=ppt/theme/theme2.xml><?xml version="1.0" encoding="utf-8"?>
+<a:theme xmlns:a="http://schemas.openxmlformats.org/drawingml/2006/main" name="Thème Office">
+  <a:themeElements>
+    <a:clrScheme name="Office">
+      <a:dk1>
+        <a:sysClr val="windowText" lastClr="000000"/>
+      </a:dk1>
+      <a:lt1>
+        <a:sysClr val="window" lastClr="FFFFFF"/>
+      </a:lt1>
+      <a:dk2>
+        <a:srgbClr val="44546A"/>
+      </a:dk2>
+      <a:lt2>
+        <a:srgbClr val="E7E6E6"/>
+      </a:lt2>
+      <a:accent1>
+        <a:srgbClr val="5B9BD5"/>
+      </a:accent1>
+      <a:accent2>
+        <a:srgbClr val="ED7D31"/>
+      </a:accent2>
+      <a:accent3>
+        <a:srgbClr val="A5A5A5"/>
+      </a:accent3>
+      <a:accent4>
+        <a:srgbClr val="FFC000"/>
+      </a:accent4>
+      <a:accent5>
+        <a:srgbClr val="4472C4"/>
+      </a:accent5>
+      <a:accent6>
+        <a:srgbClr val="70AD47"/>
+      </a:accent6>
+      <a:hlink>
+        <a:srgbClr val="0563C1"/>
+      </a:hlink>
+      <a:folHlink>
+        <a:srgbClr val="954F72"/>
+      </a:folHlink>
+    </a:clrScheme>
+    <a:fontScheme name="Office">
+      <a:majorFont>
+        <a:latin typeface="Calibri Light" panose="020F0302020204030204"/>
+        <a:ea typeface=""/>
+        <a:cs typeface=""/>
+        <a:font script="Jpan" typeface="游ゴシック Light"/>
+        <a:font script="Hang" typeface="맑은 고딕"/>
+        <a:font script="Hans" typeface="等线 Light"/>
+        <a:font script="Hant" typeface="新細明體"/>
+        <a:font script="Arab" typeface="Times New Roman"/>
+        <a:font script="Hebr" typeface="Times New Roman"/>
+        <a:font script="Thai" typeface="Angsana New"/>
+        <a:font script="Ethi" typeface="Nyala"/>
+        <a:font script="Beng" typeface="Vrinda"/>
+        <a:font script="Gujr" typeface="Shruti"/>
+        <a:font script="Khmr" typeface="MoolBoran"/>
+        <a:font script="Knda" typeface="Tunga"/>
+        <a:font script="Guru" typeface="Raavi"/>
+        <a:font script="Cans" typeface="Euphemia"/>
+        <a:font script="Cher" typeface="Plantagenet Cherokee"/>
+        <a:font script="Yiii" typeface="Microsoft Yi Baiti"/>
+        <a:font script="Tibt" typeface="Microsoft Himalaya"/>
+        <a:font script="Thaa" typeface="MV Boli"/>
+        <a:font script="Deva" typeface="Mangal"/>
+        <a:font script="Telu" typeface="Gautami"/>
+        <a:font script="Taml" typeface="Latha"/>
+        <a:font script="Syrc" typeface="Estrangelo Edessa"/>
+        <a:font script="Orya" typeface="Kalinga"/>
+        <a:font script="Mlym" typeface="Kartika"/>
+        <a:font script="Laoo" typeface="DokChampa"/>
+        <a:font script="Sinh" typeface="Iskoola Pota"/>
+        <a:font script="Mong" typeface="Mongolian Baiti"/>
+        <a:font script="Viet" typeface="Times New Roman"/>
+        <a:font script="Uigh" typeface="Microsoft Uighur"/>
+        <a:font script="Geor" typeface="Sylfaen"/>
+      </a:majorFont>
+      <a:minorFont>
+        <a:latin typeface="Calibri" panose="020F0502020204030204"/>
+        <a:ea typeface=""/>
+        <a:cs typeface=""/>
+        <a:font script="Jpan" typeface="游ゴシック"/>
+        <a:font script="Hang" typeface="맑은 고딕"/>
+        <a:font script="Hans" typeface="等线"/>
+        <a:font script="Hant" typeface="新細明體"/>
+        <a:font script="Arab" typeface="Arial"/>
+        <a:font script="Hebr" typeface="Arial"/>
+        <a:font script="Thai" typeface="Cordia New"/>
+        <a:font script="Ethi" typeface="Nyala"/>
+        <a:font script="Beng" typeface="Vrinda"/>
+        <a:font script="Gujr" typeface="Shruti"/>
+        <a:font script="Khmr" typeface="DaunPenh"/>
+        <a:font script="Knda" typeface="Tunga"/>
+        <a:font script="Guru" typeface="Raavi"/>
+        <a:font script="Cans" typeface="Euphemia"/>
+        <a:font script="Cher" typeface="Plantagenet Cherokee"/>
+        <a:font script="Yiii" typeface="Microsoft Yi Baiti"/>
+        <a:font script="Tibt" typeface="Microsoft Himalaya"/>
+        <a:font script="Thaa" typeface="MV Boli"/>
+        <a:font script="Deva" typeface="Mangal"/>
+        <a:font script="Telu" typeface="Gautami"/>
+        <a:font script="Taml" typeface="Latha"/>
+        <a:font script="Syrc" typeface="Estrangelo Edessa"/>
+        <a:font script="Orya" typeface="Kalinga"/>
+        <a:font script="Mlym" typeface="Kartika"/>
+        <a:font script="Laoo" typeface="DokChampa"/>
+        <a:font script="Sinh" typeface="Iskoola Pota"/>
+        <a:font script="Mong" typeface="Mongolian Baiti"/>
+        <a:font script="Viet" typeface="Arial"/>
+        <a:font script="Uigh" typeface="Microsoft Uighur"/>
+        <a:font script="Geor" typeface="Sylfaen"/>
+      </a:minorFont>
+    </a:fontScheme>
+    <a:fmtScheme name="Office">
+      <a:fillStyleLst>
+        <a:solidFill>
+          <a:schemeClr val="phClr"/>
+        </a:solidFill>
+        <a:gradFill rotWithShape="1">
+          <a:gsLst>
+            <a:gs pos="0">
+              <a:schemeClr val="phClr">
+                <a:lumMod val="110000"/>
+                <a:satMod val="105000"/>
+                <a:tint val="67000"/>
+              </a:schemeClr>
+            </a:gs>
+            <a:gs pos="50000">
+              <a:schemeClr val="phClr">
+                <a:lumMod val="105000"/>
+                <a:satMod val="103000"/>
+                <a:tint val="73000"/>
+              </a:schemeClr>
+            </a:gs>
+            <a:gs pos="100000">
+              <a:schemeClr val="phClr">
+                <a:lumMod val="105000"/>
+                <a:satMod val="109000"/>
+                <a:tint val="81000"/>
+              </a:schemeClr>
+            </a:gs>
+          </a:gsLst>
+          <a:lin ang="5400000" scaled="0"/>
+        </a:gradFill>
+        <a:gradFill rotWithShape="1">
+          <a:gsLst>
+            <a:gs pos="0">
+              <a:schemeClr val="phClr">
+                <a:satMod val="103000"/>
+                <a:lumMod val="102000"/>
+                <a:tint val="94000"/>
+              </a:schemeClr>
+            </a:gs>
+            <a:gs pos="50000">
+              <a:schemeClr val="phClr">
+                <a:satMod val="110000"/>
+                <a:lumMod val="100000"/>
+                <a:shade val="100000"/>
+              </a:schemeClr>
+            </a:gs>
+            <a:gs pos="100000">
+              <a:schemeClr val="phClr">
+                <a:lumMod val="99000"/>
+                <a:satMod val="120000"/>
+                <a:shade val="78000"/>
+              </a:schemeClr>
+            </a:gs>
+          </a:gsLst>
+          <a:lin ang="5400000" scaled="0"/>
+        </a:gradFill>
+      </a:fillStyleLst>
+      <a:lnStyleLst>
+        <a:ln w="6350" cap="flat" cmpd="sng" algn="ctr">
+          <a:solidFill>
+            <a:schemeClr val="phClr"/>
+          </a:solidFill>
+          <a:prstDash val="solid"/>
+          <a:miter lim="800000"/>
+        </a:ln>
+        <a:ln w="12700" cap="flat" cmpd="sng" algn="ctr">
+          <a:solidFill>
+            <a:schemeClr val="phClr"/>
+          </a:solidFill>
+          <a:prstDash val="solid"/>
+          <a:miter lim="800000"/>
+        </a:ln>
+        <a:ln w="19050" cap="flat" cmpd="sng" algn="ctr">
+          <a:solidFill>
+            <a:schemeClr val="phClr"/>
+          </a:solidFill>
+          <a:prstDash val="solid"/>
+          <a:miter lim="800000"/>
+        </a:ln>
+      </a:lnStyleLst>
+      <a:effectStyleLst>
+        <a:effectStyle>
+          <a:effectLst/>
+        </a:effectStyle>
+        <a:effectStyle>
+          <a:effectLst/>
+        </a:effectStyle>
+        <a:effectStyle>
+          <a:effectLst>
+            <a:outerShdw blurRad="57150" dist="19050" dir="5400000" algn="ctr" rotWithShape="0">
+              <a:srgbClr val="000000">
+                <a:alpha val="63000"/>
+              </a:srgbClr>
+            </a:outerShdw>
+          </a:effectLst>
+        </a:effectStyle>
+      </a:effectStyleLst>
+      <a:bgFillStyleLst>
+        <a:solidFill>
+          <a:schemeClr val="phClr"/>
+        </a:solidFill>
+        <a:solidFill>
+          <a:schemeClr val="phClr">
+            <a:tint val="95000"/>
+            <a:satMod val="170000"/>
+          </a:schemeClr>
+        </a:solidFill>
+        <a:gradFill rotWithShape="1">
+          <a:gsLst>
+            <a:gs pos="0">
+              <a:schemeClr val="phClr">
+                <a:tint val="93000"/>
+                <a:satMod val="150000"/>
+                <a:shade val="98000"/>
+                <a:lumMod val="102000"/>
+              </a:schemeClr>
+            </a:gs>
+            <a:gs pos="50000">
+              <a:schemeClr val="phClr">
+                <a:tint val="98000"/>
+                <a:satMod val="130000"/>
+                <a:shade val="90000"/>
+                <a:lumMod val="103000"/>
+              </a:schemeClr>
+            </a:gs>
+            <a:gs pos="100000">
+              <a:schemeClr val="phClr">
+                <a:shade val="63000"/>
+                <a:satMod val="120000"/>
+              </a:schemeClr>
+            </a:gs>
+          </a:gsLst>
+          <a:lin ang="5400000" scaled="0"/>
+        </a:gradFill>
+      </a:bgFillStyleLst>
+    </a:fmtScheme>
+  </a:themeElements>
+  <a:objectDefaults/>
+  <a:extraClrSchemeLst/>
+  <a:extLst>
+    <a:ext uri="{05A4C25C-085E-4340-85A3-A5531E510DB2}">
+      <thm15:themeFamily xmlns:thm15="http://schemas.microsoft.com/office/thememl/2012/main" name="Office Theme" id="{62F939B6-93AF-4DB8-9C6B-D6C7DFDC589F}" vid="{4A3C46E8-61CC-4603-A589-7422A47A8E4A}"/>
+    </a:ext>
+  </a:extLst>
+</a:theme>
 </file>
--- a/docs/Poster_ModAH_sbasak.pptx
+++ b/docs/Poster_ModAH_sbasak.pptx
@@ -197,7 +197,7 @@
           <a:p>
             <a:fld id="{30B2879C-E2E7-41DD-8C48-B2C9A03F15D4}" type="datetimeFigureOut">
               <a:rPr lang="fr-FR" smtClean="0"/>
-              <a:t>31/07/2024</a:t>
+              <a:t>01/08/2024</a:t>
             </a:fld>
             <a:endParaRPr lang="fr-FR"/>
           </a:p>
@@ -596,7 +596,7 @@
           <a:p>
             <a:fld id="{36858CB8-11F8-4AAC-AB86-67A36E1B5295}" type="datetimeFigureOut">
               <a:rPr lang="fr-FR" smtClean="0"/>
-              <a:t>31/07/2024</a:t>
+              <a:t>01/08/2024</a:t>
             </a:fld>
             <a:endParaRPr lang="fr-FR" dirty="0"/>
           </a:p>
@@ -766,7 +766,7 @@
           <a:p>
             <a:fld id="{36858CB8-11F8-4AAC-AB86-67A36E1B5295}" type="datetimeFigureOut">
               <a:rPr lang="fr-FR" smtClean="0"/>
-              <a:t>31/07/2024</a:t>
+              <a:t>01/08/2024</a:t>
             </a:fld>
             <a:endParaRPr lang="fr-FR" dirty="0"/>
           </a:p>
@@ -946,7 +946,7 @@
           <a:p>
             <a:fld id="{36858CB8-11F8-4AAC-AB86-67A36E1B5295}" type="datetimeFigureOut">
               <a:rPr lang="fr-FR" smtClean="0"/>
-              <a:t>31/07/2024</a:t>
+              <a:t>01/08/2024</a:t>
             </a:fld>
             <a:endParaRPr lang="fr-FR" dirty="0"/>
           </a:p>
@@ -1116,7 +1116,7 @@
           <a:p>
             <a:fld id="{36858CB8-11F8-4AAC-AB86-67A36E1B5295}" type="datetimeFigureOut">
               <a:rPr lang="fr-FR" smtClean="0"/>
-              <a:t>31/07/2024</a:t>
+              <a:t>01/08/2024</a:t>
             </a:fld>
             <a:endParaRPr lang="fr-FR" dirty="0"/>
           </a:p>
@@ -1360,7 +1360,7 @@
           <a:p>
             <a:fld id="{36858CB8-11F8-4AAC-AB86-67A36E1B5295}" type="datetimeFigureOut">
               <a:rPr lang="fr-FR" smtClean="0"/>
-              <a:t>31/07/2024</a:t>
+              <a:t>01/08/2024</a:t>
             </a:fld>
             <a:endParaRPr lang="fr-FR" dirty="0"/>
           </a:p>
@@ -1592,7 +1592,7 @@
           <a:p>
             <a:fld id="{36858CB8-11F8-4AAC-AB86-67A36E1B5295}" type="datetimeFigureOut">
               <a:rPr lang="fr-FR" smtClean="0"/>
-              <a:t>31/07/2024</a:t>
+              <a:t>01/08/2024</a:t>
             </a:fld>
             <a:endParaRPr lang="fr-FR" dirty="0"/>
           </a:p>
@@ -1959,7 +1959,7 @@
           <a:p>
             <a:fld id="{36858CB8-11F8-4AAC-AB86-67A36E1B5295}" type="datetimeFigureOut">
               <a:rPr lang="fr-FR" smtClean="0"/>
-              <a:t>31/07/2024</a:t>
+              <a:t>01/08/2024</a:t>
             </a:fld>
             <a:endParaRPr lang="fr-FR" dirty="0"/>
           </a:p>
@@ -2077,7 +2077,7 @@
           <a:p>
             <a:fld id="{36858CB8-11F8-4AAC-AB86-67A36E1B5295}" type="datetimeFigureOut">
               <a:rPr lang="fr-FR" smtClean="0"/>
-              <a:t>31/07/2024</a:t>
+              <a:t>01/08/2024</a:t>
             </a:fld>
             <a:endParaRPr lang="fr-FR" dirty="0"/>
           </a:p>
@@ -2172,7 +2172,7 @@
           <a:p>
             <a:fld id="{36858CB8-11F8-4AAC-AB86-67A36E1B5295}" type="datetimeFigureOut">
               <a:rPr lang="fr-FR" smtClean="0"/>
-              <a:t>31/07/2024</a:t>
+              <a:t>01/08/2024</a:t>
             </a:fld>
             <a:endParaRPr lang="fr-FR" dirty="0"/>
           </a:p>
@@ -2449,7 +2449,7 @@
           <a:p>
             <a:fld id="{36858CB8-11F8-4AAC-AB86-67A36E1B5295}" type="datetimeFigureOut">
               <a:rPr lang="fr-FR" smtClean="0"/>
-              <a:t>31/07/2024</a:t>
+              <a:t>01/08/2024</a:t>
             </a:fld>
             <a:endParaRPr lang="fr-FR" dirty="0"/>
           </a:p>
@@ -2706,7 +2706,7 @@
           <a:p>
             <a:fld id="{36858CB8-11F8-4AAC-AB86-67A36E1B5295}" type="datetimeFigureOut">
               <a:rPr lang="fr-FR" smtClean="0"/>
-              <a:t>31/07/2024</a:t>
+              <a:t>01/08/2024</a:t>
             </a:fld>
             <a:endParaRPr lang="fr-FR" dirty="0"/>
           </a:p>
@@ -2919,7 +2919,7 @@
           <a:p>
             <a:fld id="{36858CB8-11F8-4AAC-AB86-67A36E1B5295}" type="datetimeFigureOut">
               <a:rPr lang="fr-FR" smtClean="0"/>
-              <a:t>31/07/2024</a:t>
+              <a:t>01/08/2024</a:t>
             </a:fld>
             <a:endParaRPr lang="fr-FR" dirty="0"/>
           </a:p>
@@ -3635,13 +3635,8 @@
               </a:r>
               <a:r>
                 <a:rPr lang="fr-FR" sz="3600" dirty="0" smtClean="0"/>
-                <a:t>Assessment with pathways</a:t>
+                <a:t>Assessment with pathways:</a:t>
               </a:r>
-              <a:r>
-                <a:rPr lang="fr-FR" sz="3600" dirty="0" smtClean="0"/>
-                <a:t>:</a:t>
-              </a:r>
-              <a:endParaRPr lang="fr-FR" sz="3600" dirty="0" smtClean="0"/>
             </a:p>
             <a:p>
               <a:pPr marL="571500" indent="-571500">
@@ -4448,7 +4443,7 @@
                 </p:blipFill>
                 <p:spPr>
                   <a:xfrm>
-                    <a:off x="27704205" y="18015956"/>
+                    <a:off x="27683279" y="18172297"/>
                     <a:ext cx="702794" cy="702794"/>
                   </a:xfrm>
                   <a:prstGeom prst="rect">
@@ -4478,7 +4473,7 @@
                 </p:blipFill>
                 <p:spPr>
                   <a:xfrm>
-                    <a:off x="27788127" y="18715509"/>
+                    <a:off x="27767201" y="18871850"/>
                     <a:ext cx="696198" cy="696198"/>
                   </a:xfrm>
                   <a:prstGeom prst="rect">
@@ -4508,7 +4503,7 @@
                 </p:blipFill>
                 <p:spPr>
                   <a:xfrm>
-                    <a:off x="28244378" y="17966535"/>
+                    <a:off x="28223452" y="18122876"/>
                     <a:ext cx="702794" cy="702794"/>
                   </a:xfrm>
                   <a:prstGeom prst="rect">
@@ -4538,7 +4533,7 @@
                 </p:blipFill>
                 <p:spPr>
                   <a:xfrm>
-                    <a:off x="28325757" y="18707321"/>
+                    <a:off x="28304831" y="18863662"/>
                     <a:ext cx="702794" cy="702794"/>
                   </a:xfrm>
                   <a:prstGeom prst="rect">
@@ -4554,9 +4549,9 @@
                 </p:nvGrpSpPr>
                 <p:grpSpPr>
                   <a:xfrm>
-                    <a:off x="12418489" y="17544539"/>
+                    <a:off x="12456286" y="17761103"/>
                     <a:ext cx="2175638" cy="2402424"/>
-                    <a:chOff x="12440652" y="16945950"/>
+                    <a:chOff x="12478449" y="17162514"/>
                     <a:chExt cx="2175638" cy="2402424"/>
                   </a:xfrm>
                 </p:grpSpPr>
@@ -4568,9 +4563,9 @@
                   </p:nvGrpSpPr>
                   <p:grpSpPr>
                     <a:xfrm>
-                      <a:off x="12450262" y="16945950"/>
+                      <a:off x="12488059" y="17162514"/>
                       <a:ext cx="1818173" cy="899220"/>
-                      <a:chOff x="12450262" y="16945950"/>
+                      <a:chOff x="12488059" y="17162514"/>
                       <a:chExt cx="1818173" cy="899220"/>
                     </a:xfrm>
                   </p:grpSpPr>
@@ -4596,7 +4591,7 @@
                     </p:blipFill>
                     <p:spPr>
                       <a:xfrm>
-                        <a:off x="12595657" y="17016612"/>
+                        <a:off x="12633454" y="17233176"/>
                         <a:ext cx="801193" cy="783980"/>
                       </a:xfrm>
                       <a:prstGeom prst="rect">
@@ -4626,7 +4621,7 @@
                     </p:blipFill>
                     <p:spPr>
                       <a:xfrm>
-                        <a:off x="13354583" y="17025109"/>
+                        <a:off x="13392380" y="17241673"/>
                         <a:ext cx="801193" cy="783980"/>
                       </a:xfrm>
                       <a:prstGeom prst="rect">
@@ -4642,7 +4637,7 @@
                     </p:nvSpPr>
                     <p:spPr>
                       <a:xfrm>
-                        <a:off x="12450262" y="16945950"/>
+                        <a:off x="12488059" y="17162514"/>
                         <a:ext cx="1818173" cy="899220"/>
                       </a:xfrm>
                       <a:prstGeom prst="rect">
@@ -4685,9 +4680,9 @@
                   </p:nvGrpSpPr>
                   <p:grpSpPr>
                     <a:xfrm>
-                      <a:off x="12440652" y="18449154"/>
+                      <a:off x="12478449" y="18665718"/>
                       <a:ext cx="1818173" cy="899220"/>
-                      <a:chOff x="12450262" y="18002370"/>
+                      <a:chOff x="12488059" y="18218934"/>
                       <a:chExt cx="1818173" cy="899220"/>
                     </a:xfrm>
                   </p:grpSpPr>
@@ -4713,7 +4708,7 @@
                     </p:blipFill>
                     <p:spPr>
                       <a:xfrm>
-                        <a:off x="12539127" y="18062295"/>
+                        <a:off x="12576924" y="18278859"/>
                         <a:ext cx="857723" cy="839295"/>
                       </a:xfrm>
                       <a:prstGeom prst="rect">
@@ -4743,7 +4738,7 @@
                     </p:blipFill>
                     <p:spPr>
                       <a:xfrm>
-                        <a:off x="13349477" y="18081813"/>
+                        <a:off x="13387274" y="18298377"/>
                         <a:ext cx="801193" cy="783980"/>
                       </a:xfrm>
                       <a:prstGeom prst="rect">
@@ -4759,7 +4754,7 @@
                     </p:nvSpPr>
                     <p:spPr>
                       <a:xfrm>
-                        <a:off x="12450262" y="18002370"/>
+                        <a:off x="12488059" y="18218934"/>
                         <a:ext cx="1818173" cy="899220"/>
                       </a:xfrm>
                       <a:prstGeom prst="rect">
@@ -4802,7 +4797,7 @@
                   </p:nvSpPr>
                   <p:spPr>
                     <a:xfrm>
-                      <a:off x="12983211" y="17811775"/>
+                      <a:off x="13021008" y="18028339"/>
                       <a:ext cx="770727" cy="646331"/>
                     </a:xfrm>
                     <a:prstGeom prst="rect">
@@ -4832,7 +4827,7 @@
                   </p:nvSpPr>
                   <p:spPr>
                     <a:xfrm>
-                      <a:off x="14045440" y="18652277"/>
+                      <a:off x="14083237" y="18868841"/>
                       <a:ext cx="533140" cy="526863"/>
                     </a:xfrm>
                     <a:prstGeom prst="mathPlus">
@@ -4882,7 +4877,7 @@
                   </p:nvSpPr>
                   <p:spPr>
                     <a:xfrm>
-                      <a:off x="14212142" y="17205187"/>
+                      <a:off x="14249939" y="17421751"/>
                       <a:ext cx="404148" cy="406829"/>
                     </a:xfrm>
                     <a:prstGeom prst="mathMinus">
@@ -4931,7 +4926,7 @@
                 </p:nvSpPr>
                 <p:spPr>
                   <a:xfrm>
-                    <a:off x="19553571" y="16769916"/>
+                    <a:off x="19553569" y="16681192"/>
                     <a:ext cx="2325679" cy="646331"/>
                   </a:xfrm>
                   <a:prstGeom prst="rect">
@@ -4961,7 +4956,7 @@
                 </p:nvSpPr>
                 <p:spPr>
                   <a:xfrm>
-                    <a:off x="12757745" y="16708589"/>
+                    <a:off x="12842435" y="16682847"/>
                     <a:ext cx="1281228" cy="646331"/>
                   </a:xfrm>
                   <a:prstGeom prst="rect">
@@ -4991,7 +4986,7 @@
                 </p:nvSpPr>
                 <p:spPr>
                   <a:xfrm>
-                    <a:off x="27462938" y="16798567"/>
+                    <a:off x="27475383" y="16683209"/>
                     <a:ext cx="1537990" cy="646331"/>
                   </a:xfrm>
                   <a:prstGeom prst="rect">
@@ -5890,7 +5885,7 @@
                       </p:nvSpPr>
                       <p:spPr>
                         <a:xfrm>
-                          <a:off x="2469178" y="20087356"/>
+                          <a:off x="2457298" y="20138743"/>
                           <a:ext cx="3230631" cy="646331"/>
                         </a:xfrm>
                         <a:prstGeom prst="rect">
@@ -6709,7 +6704,7 @@
                   </p:nvSpPr>
                   <p:spPr>
                     <a:xfrm>
-                      <a:off x="2370597" y="17783798"/>
+                      <a:off x="2460062" y="17518605"/>
                       <a:ext cx="1528843" cy="365473"/>
                     </a:xfrm>
                     <a:prstGeom prst="rightArrow">
@@ -6759,7 +6754,7 @@
                   </p:nvSpPr>
                   <p:spPr>
                     <a:xfrm>
-                      <a:off x="2003581" y="17085460"/>
+                      <a:off x="2067327" y="16793066"/>
                       <a:ext cx="2329212" cy="646331"/>
                     </a:xfrm>
                     <a:prstGeom prst="rect">
@@ -7146,8 +7141,37 @@
                         <a:schemeClr val="tx1"/>
                       </a:solidFill>
                     </a:rPr>
-                    <a:t>The food-borne model replicates each stage</a:t>
+                    <a:t>The food-borne </a:t>
                   </a:r>
+                  <a:r>
+                    <a:rPr lang="fr-FR" sz="3600" dirty="0" smtClean="0">
+                      <a:solidFill>
+                        <a:schemeClr val="tx1"/>
+                      </a:solidFill>
+                    </a:rPr>
+                    <a:t>module </a:t>
+                  </a:r>
+                  <a:r>
+                    <a:rPr lang="fr-FR" sz="3600" dirty="0">
+                      <a:solidFill>
+                        <a:schemeClr val="tx1"/>
+                      </a:solidFill>
+                    </a:rPr>
+                    <a:t>replicates each </a:t>
+                  </a:r>
+                  <a:r>
+                    <a:rPr lang="fr-FR" sz="3600" dirty="0" smtClean="0">
+                      <a:solidFill>
+                        <a:schemeClr val="tx1"/>
+                      </a:solidFill>
+                    </a:rPr>
+                    <a:t>step</a:t>
+                  </a:r>
+                  <a:endParaRPr lang="fr-FR" sz="3600" dirty="0">
+                    <a:solidFill>
+                      <a:schemeClr val="tx1"/>
+                    </a:solidFill>
+                  </a:endParaRPr>
                 </a:p>
                 <a:p>
                   <a:pPr algn="ctr"/>
@@ -7487,8 +7511,8 @@
           </p:txBody>
         </p:sp>
       </p:grpSp>
-      <mc:AlternateContent xmlns:mc="http://schemas.openxmlformats.org/markup-compatibility/2006">
-        <mc:Choice xmlns:a14="http://schemas.microsoft.com/office/drawing/2010/main" Requires="a14">
+      <mc:AlternateContent xmlns:mc="http://schemas.openxmlformats.org/markup-compatibility/2006" xmlns:a14="http://schemas.microsoft.com/office/drawing/2010/main">
+        <mc:Choice Requires="a14">
           <p:sp>
             <p:nvSpPr>
               <p:cNvPr id="138" name="Rectangle à coins arrondis 137"/>
@@ -7572,7 +7596,7 @@
                 </a:r>
                 <a14:m>
                   <m:oMath xmlns:m="http://schemas.openxmlformats.org/officeDocument/2006/math">
-                    <a:fld id="{017B61B5-FC98-49F4-838D-8F20E9BCEF20}" type="mathplaceholder">
+                    <a:fld id="{723DAD93-1269-4C4D-8526-7226BAC1BC1F}" type="mathplaceholder">
                       <a:rPr lang="fr-FR" sz="3600" i="1">
                         <a:latin typeface="Cambria Math" panose="02040503050406030204" pitchFamily="18" charset="0"/>
                       </a:rPr>
@@ -7680,7 +7704,7 @@
             </p:txBody>
           </p:sp>
         </mc:Choice>
-        <mc:Fallback>
+        <mc:Fallback xmlns="">
           <p:sp>
             <p:nvSpPr>
               <p:cNvPr id="138" name="Rectangle à coins arrondis 137"/>
@@ -7853,7 +7877,23 @@
                   <a:schemeClr val="tx1"/>
                 </a:solidFill>
               </a:rPr>
-              <a:t>nput parameters can be adapted to different EU country framework</a:t>
+              <a:t>nput parameters can be adapted to different </a:t>
+            </a:r>
+            <a:r>
+              <a:rPr lang="fr-FR" sz="3600" dirty="0" smtClean="0">
+                <a:solidFill>
+                  <a:srgbClr val="FF0000"/>
+                </a:solidFill>
+              </a:rPr>
+              <a:t>EU</a:t>
+            </a:r>
+            <a:r>
+              <a:rPr lang="fr-FR" sz="3600" dirty="0" smtClean="0">
+                <a:solidFill>
+                  <a:schemeClr val="tx1"/>
+                </a:solidFill>
+              </a:rPr>
+              <a:t> country framework</a:t>
             </a:r>
             <a:endParaRPr lang="fr-FR" sz="3600" dirty="0" smtClean="0">
               <a:solidFill>

--- a/docs/Poster_ModAH_sbasak.pptx
+++ b/docs/Poster_ModAH_sbasak.pptx
@@ -197,7 +197,7 @@
           <a:p>
             <a:fld id="{30B2879C-E2E7-41DD-8C48-B2C9A03F15D4}" type="datetimeFigureOut">
               <a:rPr lang="fr-FR" smtClean="0"/>
-              <a:t>01/08/2024</a:t>
+              <a:t>02/08/2024</a:t>
             </a:fld>
             <a:endParaRPr lang="fr-FR"/>
           </a:p>
@@ -596,7 +596,7 @@
           <a:p>
             <a:fld id="{36858CB8-11F8-4AAC-AB86-67A36E1B5295}" type="datetimeFigureOut">
               <a:rPr lang="fr-FR" smtClean="0"/>
-              <a:t>01/08/2024</a:t>
+              <a:t>02/08/2024</a:t>
             </a:fld>
             <a:endParaRPr lang="fr-FR" dirty="0"/>
           </a:p>
@@ -766,7 +766,7 @@
           <a:p>
             <a:fld id="{36858CB8-11F8-4AAC-AB86-67A36E1B5295}" type="datetimeFigureOut">
               <a:rPr lang="fr-FR" smtClean="0"/>
-              <a:t>01/08/2024</a:t>
+              <a:t>02/08/2024</a:t>
             </a:fld>
             <a:endParaRPr lang="fr-FR" dirty="0"/>
           </a:p>
@@ -946,7 +946,7 @@
           <a:p>
             <a:fld id="{36858CB8-11F8-4AAC-AB86-67A36E1B5295}" type="datetimeFigureOut">
               <a:rPr lang="fr-FR" smtClean="0"/>
-              <a:t>01/08/2024</a:t>
+              <a:t>02/08/2024</a:t>
             </a:fld>
             <a:endParaRPr lang="fr-FR" dirty="0"/>
           </a:p>
@@ -1116,7 +1116,7 @@
           <a:p>
             <a:fld id="{36858CB8-11F8-4AAC-AB86-67A36E1B5295}" type="datetimeFigureOut">
               <a:rPr lang="fr-FR" smtClean="0"/>
-              <a:t>01/08/2024</a:t>
+              <a:t>02/08/2024</a:t>
             </a:fld>
             <a:endParaRPr lang="fr-FR" dirty="0"/>
           </a:p>
@@ -1360,7 +1360,7 @@
           <a:p>
             <a:fld id="{36858CB8-11F8-4AAC-AB86-67A36E1B5295}" type="datetimeFigureOut">
               <a:rPr lang="fr-FR" smtClean="0"/>
-              <a:t>01/08/2024</a:t>
+              <a:t>02/08/2024</a:t>
             </a:fld>
             <a:endParaRPr lang="fr-FR" dirty="0"/>
           </a:p>
@@ -1592,7 +1592,7 @@
           <a:p>
             <a:fld id="{36858CB8-11F8-4AAC-AB86-67A36E1B5295}" type="datetimeFigureOut">
               <a:rPr lang="fr-FR" smtClean="0"/>
-              <a:t>01/08/2024</a:t>
+              <a:t>02/08/2024</a:t>
             </a:fld>
             <a:endParaRPr lang="fr-FR" dirty="0"/>
           </a:p>
@@ -1959,7 +1959,7 @@
           <a:p>
             <a:fld id="{36858CB8-11F8-4AAC-AB86-67A36E1B5295}" type="datetimeFigureOut">
               <a:rPr lang="fr-FR" smtClean="0"/>
-              <a:t>01/08/2024</a:t>
+              <a:t>02/08/2024</a:t>
             </a:fld>
             <a:endParaRPr lang="fr-FR" dirty="0"/>
           </a:p>
@@ -2077,7 +2077,7 @@
           <a:p>
             <a:fld id="{36858CB8-11F8-4AAC-AB86-67A36E1B5295}" type="datetimeFigureOut">
               <a:rPr lang="fr-FR" smtClean="0"/>
-              <a:t>01/08/2024</a:t>
+              <a:t>02/08/2024</a:t>
             </a:fld>
             <a:endParaRPr lang="fr-FR" dirty="0"/>
           </a:p>
@@ -2172,7 +2172,7 @@
           <a:p>
             <a:fld id="{36858CB8-11F8-4AAC-AB86-67A36E1B5295}" type="datetimeFigureOut">
               <a:rPr lang="fr-FR" smtClean="0"/>
-              <a:t>01/08/2024</a:t>
+              <a:t>02/08/2024</a:t>
             </a:fld>
             <a:endParaRPr lang="fr-FR" dirty="0"/>
           </a:p>
@@ -2449,7 +2449,7 @@
           <a:p>
             <a:fld id="{36858CB8-11F8-4AAC-AB86-67A36E1B5295}" type="datetimeFigureOut">
               <a:rPr lang="fr-FR" smtClean="0"/>
-              <a:t>01/08/2024</a:t>
+              <a:t>02/08/2024</a:t>
             </a:fld>
             <a:endParaRPr lang="fr-FR" dirty="0"/>
           </a:p>
@@ -2706,7 +2706,7 @@
           <a:p>
             <a:fld id="{36858CB8-11F8-4AAC-AB86-67A36E1B5295}" type="datetimeFigureOut">
               <a:rPr lang="fr-FR" smtClean="0"/>
-              <a:t>01/08/2024</a:t>
+              <a:t>02/08/2024</a:t>
             </a:fld>
             <a:endParaRPr lang="fr-FR" dirty="0"/>
           </a:p>
@@ -2919,7 +2919,7 @@
           <a:p>
             <a:fld id="{36858CB8-11F8-4AAC-AB86-67A36E1B5295}" type="datetimeFigureOut">
               <a:rPr lang="fr-FR" smtClean="0"/>
-              <a:t>01/08/2024</a:t>
+              <a:t>02/08/2024</a:t>
             </a:fld>
             <a:endParaRPr lang="fr-FR" dirty="0"/>
           </a:p>
@@ -3414,20 +3414,20 @@
               </a:rPr>
             </a:br>
             <a:r>
-              <a:rPr lang="it-IT" sz="4000" dirty="0">
+              <a:rPr lang="it-IT" sz="6000" u="sng" dirty="0" smtClean="0">
+                <a:solidFill>
+                  <a:schemeClr val="bg1"/>
+                </a:solidFill>
+              </a:rPr>
+              <a:t>Subhasish Basak</a:t>
+            </a:r>
+            <a:r>
+              <a:rPr lang="it-IT" sz="3600" dirty="0">
                 <a:solidFill>
                   <a:schemeClr val="bg1"/>
                 </a:solidFill>
               </a:rPr>
               <a:t>1</a:t>
-            </a:r>
-            <a:r>
-              <a:rPr lang="it-IT" sz="6000" u="sng" dirty="0">
-                <a:solidFill>
-                  <a:schemeClr val="bg1"/>
-                </a:solidFill>
-              </a:rPr>
-              <a:t>Subhasish Basak</a:t>
             </a:r>
             <a:r>
               <a:rPr lang="it-IT" sz="6000" dirty="0">
@@ -3438,7 +3438,15 @@
               <a:t>, </a:t>
             </a:r>
             <a:r>
-              <a:rPr lang="it-IT" sz="4000" dirty="0">
+              <a:rPr lang="it-IT" sz="6000" dirty="0" smtClean="0">
+                <a:solidFill>
+                  <a:schemeClr val="bg1"/>
+                </a:solidFill>
+              </a:rPr>
+              <a:t>Nunzio Sarnino</a:t>
+            </a:r>
+            <a:r>
+              <a:rPr lang="it-IT" sz="3600" dirty="0" smtClean="0">
                 <a:solidFill>
                   <a:schemeClr val="bg1"/>
                 </a:solidFill>
@@ -3446,15 +3454,15 @@
               <a:t>2</a:t>
             </a:r>
             <a:r>
-              <a:rPr lang="it-IT" sz="6000" dirty="0">
+              <a:rPr lang="it-IT" sz="6000" dirty="0" smtClean="0">
                 <a:solidFill>
                   <a:schemeClr val="bg1"/>
                 </a:solidFill>
               </a:rPr>
-              <a:t>Nunzio Sarnino, </a:t>
-            </a:r>
-            <a:r>
-              <a:rPr lang="it-IT" sz="4000" dirty="0">
+              <a:t>, Roswitha Merle</a:t>
+            </a:r>
+            <a:r>
+              <a:rPr lang="it-IT" sz="3600" dirty="0" smtClean="0">
                 <a:solidFill>
                   <a:schemeClr val="bg1"/>
                 </a:solidFill>
@@ -3462,28 +3470,20 @@
               <a:t>2</a:t>
             </a:r>
             <a:r>
-              <a:rPr lang="it-IT" sz="6000" dirty="0">
+              <a:rPr lang="it-IT" sz="6000" dirty="0" smtClean="0">
                 <a:solidFill>
                   <a:schemeClr val="bg1"/>
                 </a:solidFill>
               </a:rPr>
-              <a:t>Roswitha Merle, </a:t>
-            </a:r>
-            <a:r>
-              <a:rPr lang="it-IT" sz="4000" dirty="0">
+              <a:t>, Lucie Collineau</a:t>
+            </a:r>
+            <a:r>
+              <a:rPr lang="it-IT" sz="3600" dirty="0" smtClean="0">
                 <a:solidFill>
                   <a:schemeClr val="bg1"/>
                 </a:solidFill>
               </a:rPr>
               <a:t>1</a:t>
-            </a:r>
-            <a:r>
-              <a:rPr lang="it-IT" sz="6000" dirty="0">
-                <a:solidFill>
-                  <a:schemeClr val="bg1"/>
-                </a:solidFill>
-              </a:rPr>
-              <a:t>Lucie Collineau</a:t>
             </a:r>
             <a:r>
               <a:rPr lang="it-IT" sz="1050" dirty="0">
@@ -3506,15 +3506,15 @@
                   <a:schemeClr val="bg1"/>
                 </a:solidFill>
               </a:rPr>
-              <a:t>1. ANSES – Laboratoire de Lyon 2. </a:t>
-            </a:r>
-            <a:r>
-              <a:rPr lang="fr-FR" sz="4800" dirty="0" err="1">
+              <a:t>1. ANSES – Laboratoire de </a:t>
+            </a:r>
+            <a:r>
+              <a:rPr lang="fr-FR" sz="4800" dirty="0" smtClean="0">
                 <a:solidFill>
                   <a:schemeClr val="bg1"/>
                 </a:solidFill>
               </a:rPr>
-              <a:t>Freie</a:t>
+              <a:t>Lyon, France </a:t>
             </a:r>
             <a:r>
               <a:rPr lang="fr-FR" sz="4800" dirty="0">
@@ -3522,23 +3522,15 @@
                   <a:schemeClr val="bg1"/>
                 </a:solidFill>
               </a:rPr>
-              <a:t> </a:t>
-            </a:r>
-            <a:r>
-              <a:rPr lang="fr-FR" sz="4800" dirty="0" err="1">
+              <a:t>2. Freie Universität </a:t>
+            </a:r>
+            <a:r>
+              <a:rPr lang="fr-FR" sz="4800" dirty="0" smtClean="0">
                 <a:solidFill>
                   <a:schemeClr val="bg1"/>
                 </a:solidFill>
               </a:rPr>
-              <a:t>Universität</a:t>
-            </a:r>
-            <a:r>
-              <a:rPr lang="fr-FR" sz="4800" dirty="0">
-                <a:solidFill>
-                  <a:schemeClr val="bg1"/>
-                </a:solidFill>
-              </a:rPr>
-              <a:t> Berlin </a:t>
+              <a:t>Berlin, Germany </a:t>
             </a:r>
             <a:endParaRPr lang="fr-FR" sz="4800" dirty="0" smtClean="0">
               <a:solidFill>
@@ -3556,7 +3548,7 @@
         </p:nvSpPr>
         <p:spPr>
           <a:xfrm>
-            <a:off x="1252465" y="6626994"/>
+            <a:off x="1098153" y="6499339"/>
             <a:ext cx="9739423" cy="1015663"/>
           </a:xfrm>
           <a:prstGeom prst="rect">
@@ -3578,424 +3570,6 @@
           </a:p>
         </p:txBody>
       </p:sp>
-      <p:grpSp>
-        <p:nvGrpSpPr>
-          <p:cNvPr id="33" name="Groupe 32"/>
-          <p:cNvGrpSpPr/>
-          <p:nvPr/>
-        </p:nvGrpSpPr>
-        <p:grpSpPr>
-          <a:xfrm>
-            <a:off x="19658021" y="8079031"/>
-            <a:ext cx="9405669" cy="5909310"/>
-            <a:chOff x="19897835" y="8079031"/>
-            <a:chExt cx="9405669" cy="5909310"/>
-          </a:xfrm>
-        </p:grpSpPr>
-        <p:sp>
-          <p:nvSpPr>
-            <p:cNvPr id="24" name="ZoneTexte 23"/>
-            <p:cNvSpPr txBox="1"/>
-            <p:nvPr/>
-          </p:nvSpPr>
-          <p:spPr>
-            <a:xfrm>
-              <a:off x="19897835" y="8079031"/>
-              <a:ext cx="9405669" cy="5909310"/>
-            </a:xfrm>
-            <a:prstGeom prst="rect">
-              <a:avLst/>
-            </a:prstGeom>
-            <a:noFill/>
-          </p:spPr>
-          <p:txBody>
-            <a:bodyPr wrap="square" rtlCol="0">
-              <a:spAutoFit/>
-            </a:bodyPr>
-            <a:lstStyle/>
-            <a:p>
-              <a:pPr>
-                <a:lnSpc>
-                  <a:spcPct val="150000"/>
-                </a:lnSpc>
-              </a:pPr>
-              <a:r>
-                <a:rPr lang="fr-FR" sz="3600" b="1" dirty="0" smtClean="0"/>
-                <a:t>WORKFLOW – WP 3</a:t>
-              </a:r>
-            </a:p>
-            <a:p>
-              <a:pPr marL="571500" indent="-571500">
-                <a:buFont typeface="Arial" panose="020B0604020202020204" pitchFamily="34" charset="0"/>
-                <a:buChar char="•"/>
-              </a:pPr>
-              <a:r>
-                <a:rPr lang="fr-FR" sz="3600" dirty="0"/>
-                <a:t>Quantitative Risk </a:t>
-              </a:r>
-              <a:r>
-                <a:rPr lang="fr-FR" sz="3600" dirty="0" smtClean="0"/>
-                <a:t>Assessment with pathways:</a:t>
-              </a:r>
-            </a:p>
-            <a:p>
-              <a:pPr marL="571500" indent="-571500">
-                <a:buFont typeface="Arial" panose="020B0604020202020204" pitchFamily="34" charset="0"/>
-                <a:buChar char="•"/>
-              </a:pPr>
-              <a:endParaRPr lang="fr-FR" sz="3600" dirty="0" smtClean="0"/>
-            </a:p>
-            <a:p>
-              <a:pPr marL="571500" indent="-571500">
-                <a:buFont typeface="Arial" panose="020B0604020202020204" pitchFamily="34" charset="0"/>
-                <a:buChar char="•"/>
-              </a:pPr>
-              <a:endParaRPr lang="fr-FR" sz="3600" dirty="0"/>
-            </a:p>
-            <a:p>
-              <a:pPr marL="571500" indent="-571500">
-                <a:buFont typeface="Arial" panose="020B0604020202020204" pitchFamily="34" charset="0"/>
-                <a:buChar char="•"/>
-              </a:pPr>
-              <a:endParaRPr lang="fr-FR" sz="3600" dirty="0" smtClean="0"/>
-            </a:p>
-            <a:p>
-              <a:endParaRPr lang="fr-FR" sz="3600" dirty="0" smtClean="0"/>
-            </a:p>
-            <a:p>
-              <a:pPr marL="571500" indent="-571500">
-                <a:buFont typeface="Arial" panose="020B0604020202020204" pitchFamily="34" charset="0"/>
-                <a:buChar char="•"/>
-              </a:pPr>
-              <a:endParaRPr lang="fr-FR" sz="3600" dirty="0"/>
-            </a:p>
-            <a:p>
-              <a:pPr marL="571500" indent="-571500">
-                <a:buFont typeface="Arial" panose="020B0604020202020204" pitchFamily="34" charset="0"/>
-                <a:buChar char="•"/>
-              </a:pPr>
-              <a:endParaRPr lang="fr-FR" sz="3600" dirty="0" smtClean="0"/>
-            </a:p>
-            <a:p>
-              <a:pPr marL="571500" indent="-571500">
-                <a:buFont typeface="Arial" panose="020B0604020202020204" pitchFamily="34" charset="0"/>
-                <a:buChar char="•"/>
-              </a:pPr>
-              <a:r>
-                <a:rPr lang="fr-FR" sz="3600" dirty="0" err="1" smtClean="0"/>
-                <a:t>Incorporate</a:t>
-              </a:r>
-              <a:r>
-                <a:rPr lang="fr-FR" sz="3600" dirty="0" smtClean="0"/>
-                <a:t> on-</a:t>
-              </a:r>
-              <a:r>
-                <a:rPr lang="fr-FR" sz="3600" dirty="0" err="1" smtClean="0"/>
-                <a:t>farm</a:t>
-              </a:r>
-              <a:r>
-                <a:rPr lang="fr-FR" sz="3600" dirty="0" smtClean="0"/>
-                <a:t> intervention </a:t>
-              </a:r>
-              <a:r>
-                <a:rPr lang="fr-FR" sz="3600" dirty="0" err="1" smtClean="0"/>
-                <a:t>measures</a:t>
-              </a:r>
-              <a:endParaRPr lang="fr-FR" sz="3600" dirty="0" smtClean="0"/>
-            </a:p>
-            <a:p>
-              <a:pPr marL="571500" indent="-571500" algn="ctr">
-                <a:buFont typeface="Arial" panose="020B0604020202020204" pitchFamily="34" charset="0"/>
-                <a:buChar char="•"/>
-              </a:pPr>
-              <a:endParaRPr lang="fr-FR" sz="3600" dirty="0"/>
-            </a:p>
-          </p:txBody>
-        </p:sp>
-        <p:grpSp>
-          <p:nvGrpSpPr>
-            <p:cNvPr id="29" name="Groupe 28"/>
-            <p:cNvGrpSpPr/>
-            <p:nvPr/>
-          </p:nvGrpSpPr>
-          <p:grpSpPr>
-            <a:xfrm>
-              <a:off x="21358589" y="9667497"/>
-              <a:ext cx="6613452" cy="2872755"/>
-              <a:chOff x="19206492" y="9824303"/>
-              <a:chExt cx="6613452" cy="2872755"/>
-            </a:xfrm>
-          </p:grpSpPr>
-          <p:sp>
-            <p:nvSpPr>
-              <p:cNvPr id="25" name="Rectangle à coins arrondis 24"/>
-              <p:cNvSpPr/>
-              <p:nvPr/>
-            </p:nvSpPr>
-            <p:spPr>
-              <a:xfrm>
-                <a:off x="19206492" y="9824303"/>
-                <a:ext cx="6613451" cy="818255"/>
-              </a:xfrm>
-              <a:prstGeom prst="roundRect">
-                <a:avLst/>
-              </a:prstGeom>
-              <a:solidFill>
-                <a:schemeClr val="accent1">
-                  <a:lumMod val="40000"/>
-                  <a:lumOff val="60000"/>
-                </a:schemeClr>
-              </a:solidFill>
-            </p:spPr>
-            <p:style>
-              <a:lnRef idx="2">
-                <a:schemeClr val="accent1">
-                  <a:shade val="50000"/>
-                </a:schemeClr>
-              </a:lnRef>
-              <a:fillRef idx="1">
-                <a:schemeClr val="accent1"/>
-              </a:fillRef>
-              <a:effectRef idx="0">
-                <a:schemeClr val="accent1"/>
-              </a:effectRef>
-              <a:fontRef idx="minor">
-                <a:schemeClr val="lt1"/>
-              </a:fontRef>
-            </p:style>
-            <p:txBody>
-              <a:bodyPr rtlCol="0" anchor="ctr"/>
-              <a:lstStyle/>
-              <a:p>
-                <a:pPr algn="ctr"/>
-                <a:r>
-                  <a:rPr lang="fr-FR" sz="3600" dirty="0" smtClean="0">
-                    <a:solidFill>
-                      <a:schemeClr val="tx1"/>
-                    </a:solidFill>
-                  </a:rPr>
-                  <a:t>FOOD-BORNE</a:t>
-                </a:r>
-                <a:endParaRPr lang="fr-FR" sz="3600" dirty="0">
-                  <a:solidFill>
-                    <a:schemeClr val="tx1"/>
-                  </a:solidFill>
-                </a:endParaRPr>
-              </a:p>
-            </p:txBody>
-          </p:sp>
-          <p:sp>
-            <p:nvSpPr>
-              <p:cNvPr id="26" name="Rectangle à coins arrondis 25"/>
-              <p:cNvSpPr/>
-              <p:nvPr/>
-            </p:nvSpPr>
-            <p:spPr>
-              <a:xfrm>
-                <a:off x="19206492" y="10831365"/>
-                <a:ext cx="6613451" cy="818255"/>
-              </a:xfrm>
-              <a:prstGeom prst="roundRect">
-                <a:avLst/>
-              </a:prstGeom>
-              <a:solidFill>
-                <a:schemeClr val="accent1">
-                  <a:lumMod val="40000"/>
-                  <a:lumOff val="60000"/>
-                </a:schemeClr>
-              </a:solidFill>
-            </p:spPr>
-            <p:style>
-              <a:lnRef idx="2">
-                <a:schemeClr val="accent1">
-                  <a:shade val="50000"/>
-                </a:schemeClr>
-              </a:lnRef>
-              <a:fillRef idx="1">
-                <a:schemeClr val="accent1"/>
-              </a:fillRef>
-              <a:effectRef idx="0">
-                <a:schemeClr val="accent1"/>
-              </a:effectRef>
-              <a:fontRef idx="minor">
-                <a:schemeClr val="lt1"/>
-              </a:fontRef>
-            </p:style>
-            <p:txBody>
-              <a:bodyPr rtlCol="0" anchor="ctr"/>
-              <a:lstStyle/>
-              <a:p>
-                <a:pPr algn="ctr"/>
-                <a:r>
-                  <a:rPr lang="fr-FR" sz="3600" dirty="0" smtClean="0">
-                    <a:solidFill>
-                      <a:schemeClr val="tx1"/>
-                    </a:solidFill>
-                  </a:rPr>
-                  <a:t>ENVIRONMENTAL</a:t>
-                </a:r>
-                <a:endParaRPr lang="fr-FR" sz="3600" dirty="0">
-                  <a:solidFill>
-                    <a:schemeClr val="tx1"/>
-                  </a:solidFill>
-                </a:endParaRPr>
-              </a:p>
-            </p:txBody>
-          </p:sp>
-          <p:sp>
-            <p:nvSpPr>
-              <p:cNvPr id="27" name="Rectangle à coins arrondis 26"/>
-              <p:cNvSpPr/>
-              <p:nvPr/>
-            </p:nvSpPr>
-            <p:spPr>
-              <a:xfrm>
-                <a:off x="19206493" y="11878803"/>
-                <a:ext cx="6613451" cy="818255"/>
-              </a:xfrm>
-              <a:prstGeom prst="roundRect">
-                <a:avLst/>
-              </a:prstGeom>
-              <a:solidFill>
-                <a:schemeClr val="accent1">
-                  <a:lumMod val="40000"/>
-                  <a:lumOff val="60000"/>
-                </a:schemeClr>
-              </a:solidFill>
-            </p:spPr>
-            <p:style>
-              <a:lnRef idx="2">
-                <a:schemeClr val="accent1">
-                  <a:shade val="50000"/>
-                </a:schemeClr>
-              </a:lnRef>
-              <a:fillRef idx="1">
-                <a:schemeClr val="accent1"/>
-              </a:fillRef>
-              <a:effectRef idx="0">
-                <a:schemeClr val="accent1"/>
-              </a:effectRef>
-              <a:fontRef idx="minor">
-                <a:schemeClr val="lt1"/>
-              </a:fontRef>
-            </p:style>
-            <p:txBody>
-              <a:bodyPr rtlCol="0" anchor="ctr"/>
-              <a:lstStyle/>
-              <a:p>
-                <a:pPr algn="ctr"/>
-                <a:r>
-                  <a:rPr lang="fr-FR" sz="3600" dirty="0" smtClean="0">
-                    <a:solidFill>
-                      <a:schemeClr val="tx1"/>
-                    </a:solidFill>
-                  </a:rPr>
-                  <a:t>OCCUPATIONAL</a:t>
-                </a:r>
-                <a:endParaRPr lang="fr-FR" sz="3600" dirty="0">
-                  <a:solidFill>
-                    <a:schemeClr val="tx1"/>
-                  </a:solidFill>
-                </a:endParaRPr>
-              </a:p>
-            </p:txBody>
-          </p:sp>
-        </p:grpSp>
-      </p:grpSp>
-      <p:sp>
-        <p:nvSpPr>
-          <p:cNvPr id="28" name="Rectangle à coins arrondis 27"/>
-          <p:cNvSpPr/>
-          <p:nvPr/>
-        </p:nvSpPr>
-        <p:spPr>
-          <a:xfrm>
-            <a:off x="19445371" y="8056431"/>
-            <a:ext cx="9718158" cy="5762662"/>
-          </a:xfrm>
-          <a:prstGeom prst="roundRect">
-            <a:avLst>
-              <a:gd name="adj" fmla="val 5309"/>
-            </a:avLst>
-          </a:prstGeom>
-          <a:solidFill>
-            <a:srgbClr val="5B9BD5">
-              <a:alpha val="0"/>
-            </a:srgbClr>
-          </a:solidFill>
-          <a:ln w="38100" cmpd="dbl">
-            <a:solidFill>
-              <a:schemeClr val="accent1">
-                <a:lumMod val="50000"/>
-              </a:schemeClr>
-            </a:solidFill>
-          </a:ln>
-        </p:spPr>
-        <p:style>
-          <a:lnRef idx="2">
-            <a:schemeClr val="accent1">
-              <a:shade val="50000"/>
-            </a:schemeClr>
-          </a:lnRef>
-          <a:fillRef idx="1">
-            <a:schemeClr val="accent1"/>
-          </a:fillRef>
-          <a:effectRef idx="0">
-            <a:schemeClr val="accent1"/>
-          </a:effectRef>
-          <a:fontRef idx="minor">
-            <a:schemeClr val="lt1"/>
-          </a:fontRef>
-        </p:style>
-        <p:txBody>
-          <a:bodyPr rtlCol="0" anchor="ctr"/>
-          <a:lstStyle/>
-          <a:p>
-            <a:pPr algn="ctr"/>
-            <a:endParaRPr lang="fr-FR" dirty="0"/>
-          </a:p>
-        </p:txBody>
-      </p:sp>
-      <p:sp>
-        <p:nvSpPr>
-          <p:cNvPr id="31" name="Flèche droite 30"/>
-          <p:cNvSpPr/>
-          <p:nvPr/>
-        </p:nvSpPr>
-        <p:spPr>
-          <a:xfrm>
-            <a:off x="17615668" y="10443073"/>
-            <a:ext cx="1382232" cy="899597"/>
-          </a:xfrm>
-          <a:prstGeom prst="rightArrow">
-            <a:avLst/>
-          </a:prstGeom>
-        </p:spPr>
-        <p:style>
-          <a:lnRef idx="2">
-            <a:schemeClr val="accent1">
-              <a:shade val="50000"/>
-            </a:schemeClr>
-          </a:lnRef>
-          <a:fillRef idx="1">
-            <a:schemeClr val="accent1"/>
-          </a:fillRef>
-          <a:effectRef idx="0">
-            <a:schemeClr val="accent1"/>
-          </a:effectRef>
-          <a:fontRef idx="minor">
-            <a:schemeClr val="lt1"/>
-          </a:fontRef>
-        </p:style>
-        <p:txBody>
-          <a:bodyPr rtlCol="0" anchor="ctr"/>
-          <a:lstStyle/>
-          <a:p>
-            <a:pPr algn="ctr"/>
-            <a:endParaRPr lang="fr-FR"/>
-          </a:p>
-        </p:txBody>
-      </p:sp>
       <p:sp>
         <p:nvSpPr>
           <p:cNvPr id="32" name="ZoneTexte 31"/>
@@ -4004,7 +3578,7 @@
         </p:nvSpPr>
         <p:spPr>
           <a:xfrm>
-            <a:off x="1252465" y="14160724"/>
+            <a:off x="1101317" y="13958651"/>
             <a:ext cx="28112485" cy="1015663"/>
           </a:xfrm>
           <a:prstGeom prst="rect">
@@ -4054,7 +3628,7 @@
         </p:nvSpPr>
         <p:spPr>
           <a:xfrm>
-            <a:off x="1298528" y="24729387"/>
+            <a:off x="1134308" y="24580337"/>
             <a:ext cx="21204477" cy="1015663"/>
           </a:xfrm>
           <a:prstGeom prst="rect">
@@ -4277,36 +3851,6 @@
       </p:sp>
       <p:pic>
         <p:nvPicPr>
-          <p:cNvPr id="110" name="Image 109"/>
-          <p:cNvPicPr>
-            <a:picLocks noChangeAspect="1"/>
-          </p:cNvPicPr>
-          <p:nvPr/>
-        </p:nvPicPr>
-        <p:blipFill>
-          <a:blip r:embed="rId8" cstate="print">
-            <a:extLst>
-              <a:ext uri="{28A0092B-C50C-407E-A947-70E740481C1C}">
-                <a14:useLocalDpi xmlns:a14="http://schemas.microsoft.com/office/drawing/2010/main" val="0"/>
-              </a:ext>
-            </a:extLst>
-          </a:blip>
-          <a:stretch>
-            <a:fillRect/>
-          </a:stretch>
-        </p:blipFill>
-        <p:spPr>
-          <a:xfrm>
-            <a:off x="27888439" y="9712734"/>
-            <a:ext cx="727780" cy="727780"/>
-          </a:xfrm>
-          <a:prstGeom prst="rect">
-            <a:avLst/>
-          </a:prstGeom>
-        </p:spPr>
-      </p:pic>
-      <p:pic>
-        <p:nvPicPr>
           <p:cNvPr id="112" name="Image 111"/>
           <p:cNvPicPr>
             <a:picLocks noChangeAspect="1"/>
@@ -4327,7 +3871,7 @@
         </p:blipFill>
         <p:spPr>
           <a:xfrm>
-            <a:off x="17169247" y="14235328"/>
+            <a:off x="16991124" y="14212736"/>
             <a:ext cx="727780" cy="727780"/>
           </a:xfrm>
           <a:prstGeom prst="rect">
@@ -4343,10 +3887,10 @@
         </p:nvGrpSpPr>
         <p:grpSpPr>
           <a:xfrm>
-            <a:off x="1238086" y="15493663"/>
-            <a:ext cx="28107527" cy="8938894"/>
+            <a:off x="1094372" y="15398217"/>
+            <a:ext cx="28119430" cy="9000797"/>
             <a:chOff x="1245211" y="15407559"/>
-            <a:chExt cx="28107527" cy="8938894"/>
+            <a:chExt cx="28119430" cy="9000797"/>
           </a:xfrm>
         </p:grpSpPr>
         <p:sp>
@@ -4388,9 +3932,9 @@
           <p:grpSpPr>
             <a:xfrm>
               <a:off x="1245211" y="15407559"/>
-              <a:ext cx="28107527" cy="8938894"/>
+              <a:ext cx="28119430" cy="9000797"/>
               <a:chOff x="1092807" y="16260635"/>
-              <a:chExt cx="28107527" cy="8938894"/>
+              <a:chExt cx="28119430" cy="9000797"/>
             </a:xfrm>
           </p:grpSpPr>
           <p:grpSp>
@@ -5074,8 +4618,8 @@
                   </p:nvSpPr>
                   <p:spPr>
                     <a:xfrm>
-                      <a:off x="12473436" y="20474361"/>
-                      <a:ext cx="16485947" cy="646331"/>
+                      <a:off x="12367850" y="20425437"/>
+                      <a:ext cx="16680720" cy="646331"/>
                     </a:xfrm>
                     <a:prstGeom prst="rect">
                       <a:avLst/>
@@ -5090,75 +4634,79 @@
                     <a:p>
                       <a:r>
                         <a:rPr lang="fr-FR" sz="3600" dirty="0" smtClean="0"/>
-                        <a:t>QRA model </a:t>
+                        <a:t>Simulates within flock </a:t>
                       </a:r>
                       <a:r>
-                        <a:rPr lang="fr-FR" sz="3600" dirty="0" err="1"/>
-                        <a:t>s</a:t>
+                        <a:rPr lang="fr-FR" sz="3600" dirty="0" smtClean="0">
+                          <a:solidFill>
+                            <a:srgbClr val="FF0000"/>
+                          </a:solidFill>
+                        </a:rPr>
+                        <a:t>Prevalence (P</a:t>
                       </a:r>
                       <a:r>
-                        <a:rPr lang="fr-FR" sz="3600" dirty="0" err="1" smtClean="0"/>
-                        <a:t>imulates</a:t>
+                        <a:rPr lang="fr-FR" sz="2400" dirty="0" smtClean="0">
+                          <a:solidFill>
+                            <a:srgbClr val="FF0000"/>
+                          </a:solidFill>
+                        </a:rPr>
+                        <a:t>prev</a:t>
+                      </a:r>
+                      <a:r>
+                        <a:rPr lang="fr-FR" sz="3600" dirty="0" smtClean="0">
+                          <a:solidFill>
+                            <a:srgbClr val="FF0000"/>
+                          </a:solidFill>
+                        </a:rPr>
+                        <a:t>)</a:t>
                       </a:r>
                       <a:r>
                         <a:rPr lang="fr-FR" sz="3600" dirty="0" smtClean="0"/>
                         <a:t> </a:t>
                       </a:r>
                       <a:r>
-                        <a:rPr lang="fr-FR" sz="3600" dirty="0" err="1" smtClean="0"/>
-                        <a:t>flock</a:t>
+                        <a:rPr lang="fr-FR" sz="3600" dirty="0" smtClean="0"/>
+                        <a:t>and </a:t>
                       </a:r>
                       <a:r>
-                        <a:rPr lang="fr-FR" sz="3600" dirty="0" smtClean="0"/>
-                        <a:t> </a:t>
-                      </a:r>
-                      <a:r>
-                        <a:rPr lang="fr-FR" sz="3600" dirty="0" err="1" smtClean="0">
+                        <a:rPr lang="fr-FR" sz="3600" dirty="0" smtClean="0">
                           <a:solidFill>
                             <a:srgbClr val="FF0000"/>
                           </a:solidFill>
                         </a:rPr>
-                        <a:t>Prevalence</a:t>
+                        <a:t>Load (C</a:t>
                       </a:r>
                       <a:r>
-                        <a:rPr lang="fr-FR" sz="3600" dirty="0" smtClean="0"/>
-                        <a:t> and </a:t>
-                      </a:r>
-                      <a:r>
-                        <a:rPr lang="fr-FR" sz="3600" dirty="0" err="1"/>
-                        <a:t>c</a:t>
-                      </a:r>
-                      <a:r>
-                        <a:rPr lang="fr-FR" sz="3600" dirty="0" err="1" smtClean="0"/>
-                        <a:t>arcass</a:t>
-                      </a:r>
-                      <a:r>
-                        <a:rPr lang="fr-FR" sz="3600" dirty="0" smtClean="0"/>
-                        <a:t>/portion </a:t>
-                      </a:r>
-                      <a:r>
-                        <a:rPr lang="fr-FR" sz="3600" dirty="0" err="1" smtClean="0">
+                        <a:rPr lang="fr-FR" sz="2400" dirty="0" smtClean="0">
                           <a:solidFill>
                             <a:srgbClr val="FF0000"/>
                           </a:solidFill>
                         </a:rPr>
-                        <a:t>Load</a:t>
+                        <a:t>load</a:t>
+                      </a:r>
+                      <a:r>
+                        <a:rPr lang="fr-FR" sz="3600" dirty="0" smtClean="0">
+                          <a:solidFill>
+                            <a:srgbClr val="FF0000"/>
+                          </a:solidFill>
+                        </a:rPr>
+                        <a:t>) </a:t>
                       </a:r>
                       <a:r>
                         <a:rPr lang="fr-FR" sz="3600" dirty="0" smtClean="0"/>
-                        <a:t> at the end of </a:t>
+                        <a:t>on</a:t>
                       </a:r>
                       <a:r>
-                        <a:rPr lang="fr-FR" sz="3600" dirty="0" err="1" smtClean="0"/>
-                        <a:t>each</a:t>
+                        <a:rPr lang="fr-FR" sz="3600" dirty="0" smtClean="0">
+                          <a:solidFill>
+                            <a:srgbClr val="FF0000"/>
+                          </a:solidFill>
+                        </a:rPr>
+                        <a:t> </a:t>
                       </a:r>
                       <a:r>
                         <a:rPr lang="fr-FR" sz="3600" dirty="0" smtClean="0"/>
-                        <a:t> </a:t>
-                      </a:r>
-                      <a:r>
-                        <a:rPr lang="fr-FR" sz="3600" dirty="0" err="1" smtClean="0"/>
-                        <a:t>step</a:t>
+                        <a:t>carcass/portion at each stage</a:t>
                       </a:r>
                       <a:endParaRPr lang="fr-FR" sz="3600" dirty="0"/>
                     </a:p>
@@ -5696,9 +5244,9 @@
             <p:grpSpPr>
               <a:xfrm>
                 <a:off x="1092807" y="16260635"/>
-                <a:ext cx="28107527" cy="8938894"/>
+                <a:ext cx="28119430" cy="9000797"/>
                 <a:chOff x="1092807" y="16260635"/>
-                <a:chExt cx="28107527" cy="8938894"/>
+                <a:chExt cx="28119430" cy="9000797"/>
               </a:xfrm>
             </p:grpSpPr>
             <p:grpSp>
@@ -5710,9 +5258,9 @@
               <p:grpSpPr>
                 <a:xfrm>
                   <a:off x="1092807" y="16260635"/>
-                  <a:ext cx="10853316" cy="5879949"/>
+                  <a:ext cx="10886417" cy="5879949"/>
                   <a:chOff x="1092807" y="16260635"/>
-                  <a:chExt cx="10853316" cy="5879949"/>
+                  <a:chExt cx="10886417" cy="5879949"/>
                 </a:xfrm>
               </p:grpSpPr>
               <p:sp>
@@ -5799,8 +5347,8 @@
                 </p:nvSpPr>
                 <p:spPr>
                   <a:xfrm>
-                    <a:off x="10638659" y="19163824"/>
-                    <a:ext cx="1273135" cy="1200329"/>
+                    <a:off x="10443731" y="19163824"/>
+                    <a:ext cx="1535493" cy="1754326"/>
                   </a:xfrm>
                   <a:prstGeom prst="rect">
                     <a:avLst/>
@@ -5813,16 +5361,15 @@
                   </a:bodyPr>
                   <a:lstStyle/>
                   <a:p>
-                    <a:r>
-                      <a:rPr lang="fr-FR" sz="3600" b="1" dirty="0" err="1" smtClean="0"/>
-                      <a:t>Flock</a:t>
-                    </a:r>
+                    <a:pPr algn="ctr"/>
                     <a:r>
                       <a:rPr lang="fr-FR" sz="3600" b="1" dirty="0" smtClean="0"/>
-                      <a:t> </a:t>
+                      <a:t>WithinFlock </a:t>
                     </a:r>
+                    <a:endParaRPr lang="fr-FR" sz="3600" b="1" dirty="0" smtClean="0"/>
                   </a:p>
                   <a:p>
+                    <a:pPr algn="ctr"/>
                     <a:r>
                       <a:rPr lang="fr-FR" sz="3600" b="1" dirty="0" err="1" smtClean="0"/>
                       <a:t>Prev</a:t>
@@ -5844,9 +5391,9 @@
                 <p:grpSpPr>
                   <a:xfrm>
                     <a:off x="1092807" y="16260635"/>
-                    <a:ext cx="9970097" cy="5879949"/>
+                    <a:ext cx="9761646" cy="5879949"/>
                     <a:chOff x="1092807" y="16260635"/>
-                    <a:chExt cx="9970097" cy="5879949"/>
+                    <a:chExt cx="9761646" cy="5879949"/>
                   </a:xfrm>
                 </p:grpSpPr>
                 <p:grpSp>
@@ -5858,9 +5405,9 @@
                   <p:grpSpPr>
                     <a:xfrm>
                       <a:off x="1092807" y="16260635"/>
-                      <a:ext cx="9970097" cy="5879949"/>
+                      <a:ext cx="9761646" cy="5879949"/>
                       <a:chOff x="1051993" y="16360886"/>
-                      <a:chExt cx="9970097" cy="5879949"/>
+                      <a:chExt cx="9761646" cy="5879949"/>
                     </a:xfrm>
                   </p:grpSpPr>
                   <p:grpSp>
@@ -5872,9 +5419,9 @@
                     <p:grpSpPr>
                       <a:xfrm>
                         <a:off x="1086322" y="16360886"/>
-                        <a:ext cx="9935768" cy="5879949"/>
+                        <a:ext cx="9727317" cy="5879949"/>
                         <a:chOff x="1081364" y="17531910"/>
-                        <a:chExt cx="9935768" cy="5879949"/>
+                        <a:chExt cx="9727317" cy="5879949"/>
                       </a:xfrm>
                     </p:grpSpPr>
                     <p:sp>
@@ -5917,9 +5464,9 @@
                       <p:grpSpPr>
                         <a:xfrm>
                           <a:off x="1081364" y="17531910"/>
-                          <a:ext cx="9935768" cy="5879949"/>
+                          <a:ext cx="9727317" cy="5879949"/>
                           <a:chOff x="1081364" y="17531910"/>
-                          <a:chExt cx="9935768" cy="5879949"/>
+                          <a:chExt cx="9727317" cy="5879949"/>
                         </a:xfrm>
                       </p:grpSpPr>
                       <p:sp>
@@ -5988,7 +5535,7 @@
                         </p:blipFill>
                         <p:spPr>
                           <a:xfrm>
-                            <a:off x="4258453" y="18996346"/>
+                            <a:off x="4289358" y="18995756"/>
                             <a:ext cx="801193" cy="783980"/>
                           </a:xfrm>
                           <a:prstGeom prst="rect">
@@ -6018,7 +5565,7 @@
                         </p:blipFill>
                         <p:spPr>
                           <a:xfrm>
-                            <a:off x="4194357" y="17995241"/>
+                            <a:off x="4284626" y="18010010"/>
                             <a:ext cx="801193" cy="783980"/>
                           </a:xfrm>
                           <a:prstGeom prst="rect">
@@ -6458,8 +6005,8 @@
                         </p:nvSpPr>
                         <p:spPr>
                           <a:xfrm>
-                            <a:off x="7786501" y="20681586"/>
-                            <a:ext cx="3230631" cy="1200329"/>
+                            <a:off x="7578050" y="20600788"/>
+                            <a:ext cx="3230631" cy="1754326"/>
                           </a:xfrm>
                           <a:prstGeom prst="rect">
                             <a:avLst/>
@@ -6475,16 +6022,23 @@
                             <a:pPr algn="ctr"/>
                             <a:r>
                               <a:rPr lang="fr-FR" sz="3600" b="1" dirty="0" smtClean="0"/>
-                              <a:t>HGT</a:t>
+                              <a:t>Horizontal </a:t>
                             </a:r>
                           </a:p>
                           <a:p>
                             <a:pPr algn="ctr"/>
                             <a:r>
-                              <a:rPr lang="fr-FR" sz="3600" b="1" dirty="0" err="1" smtClean="0"/>
-                              <a:t>Growth</a:t>
+                              <a:rPr lang="fr-FR" sz="3600" b="1" dirty="0" smtClean="0"/>
+                              <a:t>Gene</a:t>
                             </a:r>
-                            <a:endParaRPr lang="fr-FR" sz="3600" dirty="0"/>
+                          </a:p>
+                          <a:p>
+                            <a:pPr algn="ctr"/>
+                            <a:r>
+                              <a:rPr lang="fr-FR" sz="3600" b="1" dirty="0" smtClean="0"/>
+                              <a:t>Transfer</a:t>
+                            </a:r>
+                            <a:endParaRPr lang="fr-FR" sz="3600" b="1" dirty="0" smtClean="0"/>
                           </a:p>
                         </p:txBody>
                       </p:sp>
@@ -6920,12 +6474,20 @@
                 </a:p>
                 <a:p>
                   <a:r>
+                    <a:rPr lang="fr-FR" sz="3600" dirty="0" smtClean="0">
+                      <a:solidFill>
+                        <a:schemeClr val="tx1"/>
+                      </a:solidFill>
+                    </a:rPr>
+                    <a:t>Horizontal </a:t>
+                  </a:r>
+                  <a:r>
                     <a:rPr lang="fr-FR" sz="3600" dirty="0">
                       <a:solidFill>
                         <a:schemeClr val="tx1"/>
                       </a:solidFill>
                     </a:rPr>
-                    <a:t>Horizontal Gene Transfer </a:t>
+                    <a:t>Gene Transfer </a:t>
                   </a:r>
                   <a:r>
                     <a:rPr lang="fr-FR" sz="3600" dirty="0">
@@ -6995,8 +6557,8 @@
               </p:nvSpPr>
               <p:spPr>
                 <a:xfrm>
-                  <a:off x="12158862" y="22322075"/>
-                  <a:ext cx="9194645" cy="2877454"/>
+                  <a:off x="12015028" y="22364995"/>
+                  <a:ext cx="8312858" cy="2877454"/>
                 </a:xfrm>
                 <a:prstGeom prst="roundRect">
                   <a:avLst>
@@ -7064,8 +6626,29 @@
                         <a:schemeClr val="tx1"/>
                       </a:solidFill>
                     </a:rPr>
-                    <a:t> in production steps</a:t>
+                    <a:t> </a:t>
                   </a:r>
+                  <a:r>
+                    <a:rPr lang="fr-FR" sz="3600" b="1" dirty="0" smtClean="0">
+                      <a:solidFill>
+                        <a:schemeClr val="tx1"/>
+                      </a:solidFill>
+                    </a:rPr>
+                    <a:t>in</a:t>
+                  </a:r>
+                  <a:r>
+                    <a:rPr lang="fr-FR" sz="3600" b="1" dirty="0" smtClean="0">
+                      <a:solidFill>
+                        <a:schemeClr val="tx1"/>
+                      </a:solidFill>
+                    </a:rPr>
+                    <a:t> processing</a:t>
+                  </a:r>
+                  <a:endParaRPr lang="fr-FR" sz="3600" b="1" dirty="0">
+                    <a:solidFill>
+                      <a:schemeClr val="tx1"/>
+                    </a:solidFill>
+                  </a:endParaRPr>
                 </a:p>
                 <a:p>
                   <a:pPr>
@@ -7081,15 +6664,25 @@
                         </a:schemeClr>
                       </a:solidFill>
                     </a:rPr>
-                    <a:t>Collineau et al. (2020) </a:t>
+                    <a:t>Collineau et al. (2020</a:t>
                   </a:r>
                   <a:r>
-                    <a:rPr lang="fr-FR" sz="3600" dirty="0">
+                    <a:rPr lang="fr-FR" sz="3600" dirty="0" smtClean="0">
+                      <a:solidFill>
+                        <a:schemeClr val="accent1">
+                          <a:lumMod val="50000"/>
+                        </a:schemeClr>
+                      </a:solidFill>
+                    </a:rPr>
+                    <a:t>)</a:t>
+                  </a:r>
+                  <a:r>
+                    <a:rPr lang="fr-FR" sz="3600" dirty="0" smtClean="0">
                       <a:solidFill>
                         <a:schemeClr val="tx1"/>
                       </a:solidFill>
                     </a:rPr>
-                    <a:t>adapted to ESBL </a:t>
+                    <a:t> in ESBL </a:t>
                   </a:r>
                   <a:r>
                     <a:rPr lang="fr-FR" sz="3600" i="1" dirty="0">
@@ -7107,6 +6700,19 @@
                     </a:rPr>
                     <a:t> </a:t>
                   </a:r>
+                  <a:r>
+                    <a:rPr lang="fr-FR" sz="3600" dirty="0" smtClean="0">
+                      <a:solidFill>
+                        <a:schemeClr val="tx1"/>
+                      </a:solidFill>
+                    </a:rPr>
+                    <a:t>setup</a:t>
+                  </a:r>
+                  <a:endParaRPr lang="fr-FR" sz="3600" dirty="0">
+                    <a:solidFill>
+                      <a:schemeClr val="tx1"/>
+                    </a:solidFill>
+                  </a:endParaRPr>
                 </a:p>
                 <a:p>
                   <a:r>
@@ -7136,36 +6742,12 @@
                 </a:p>
                 <a:p>
                   <a:r>
-                    <a:rPr lang="fr-FR" sz="3600" dirty="0">
-                      <a:solidFill>
-                        <a:schemeClr val="tx1"/>
-                      </a:solidFill>
-                    </a:rPr>
-                    <a:t>The food-borne </a:t>
-                  </a:r>
-                  <a:r>
                     <a:rPr lang="fr-FR" sz="3600" dirty="0" smtClean="0">
                       <a:solidFill>
                         <a:schemeClr val="tx1"/>
                       </a:solidFill>
                     </a:rPr>
-                    <a:t>module </a:t>
-                  </a:r>
-                  <a:r>
-                    <a:rPr lang="fr-FR" sz="3600" dirty="0">
-                      <a:solidFill>
-                        <a:schemeClr val="tx1"/>
-                      </a:solidFill>
-                    </a:rPr>
-                    <a:t>replicates each </a:t>
-                  </a:r>
-                  <a:r>
-                    <a:rPr lang="fr-FR" sz="3600" dirty="0" smtClean="0">
-                      <a:solidFill>
-                        <a:schemeClr val="tx1"/>
-                      </a:solidFill>
-                    </a:rPr>
-                    <a:t>step</a:t>
+                    <a:t>Simulates the processing of 1 chicken flock</a:t>
                   </a:r>
                   <a:endParaRPr lang="fr-FR" sz="3600" dirty="0">
                     <a:solidFill>
@@ -7187,8 +6769,8 @@
               </p:nvSpPr>
               <p:spPr>
                 <a:xfrm>
-                  <a:off x="21775777" y="22313127"/>
-                  <a:ext cx="7424557" cy="2886402"/>
+                  <a:off x="20506336" y="22375030"/>
+                  <a:ext cx="8705901" cy="2886402"/>
                 </a:xfrm>
                 <a:prstGeom prst="roundRect">
                   <a:avLst>
@@ -7235,30 +6817,56 @@
                     </a:lnSpc>
                   </a:pPr>
                   <a:r>
+                    <a:rPr lang="fr-FR" sz="3600" b="1" dirty="0" smtClean="0">
+                      <a:solidFill>
+                        <a:schemeClr val="tx1"/>
+                      </a:solidFill>
+                    </a:rPr>
+                    <a:t>Flock </a:t>
+                  </a:r>
+                  <a:r>
+                    <a:rPr lang="fr-FR" sz="3600" b="1" dirty="0" smtClean="0">
+                      <a:solidFill>
+                        <a:schemeClr val="tx1"/>
+                      </a:solidFill>
+                    </a:rPr>
+                    <a:t>Risk </a:t>
+                  </a:r>
+                  <a:r>
                     <a:rPr lang="fr-FR" sz="3600" b="1" dirty="0">
                       <a:solidFill>
                         <a:schemeClr val="tx1"/>
                       </a:solidFill>
                     </a:rPr>
-                    <a:t>Risk from 1 chicken portion</a:t>
+                    <a:t>from 1 chicken </a:t>
                   </a:r>
-                  <a:br>
-                    <a:rPr lang="fr-FR" sz="3600" b="1" dirty="0">
+                  <a:r>
+                    <a:rPr lang="fr-FR" sz="3600" b="1" dirty="0" smtClean="0">
                       <a:solidFill>
                         <a:schemeClr val="tx1"/>
                       </a:solidFill>
                     </a:rPr>
-                  </a:br>
+                    <a:t>portion consumed</a:t>
+                  </a:r>
+                </a:p>
+                <a:p>
+                  <a:pPr marL="571500" indent="-571500">
+                    <a:lnSpc>
+                      <a:spcPct val="150000"/>
+                    </a:lnSpc>
+                    <a:buFont typeface="Arial" panose="020B0604020202020204" pitchFamily="34" charset="0"/>
+                    <a:buChar char="•"/>
+                  </a:pPr>
                   <a:r>
-                    <a:rPr lang="fr-FR" sz="3600" dirty="0">
+                    <a:rPr lang="fr-FR" sz="3600" dirty="0" smtClean="0">
                       <a:solidFill>
                         <a:schemeClr val="tx1"/>
                       </a:solidFill>
                     </a:rPr>
-                    <a:t>Probability of ESBL </a:t>
+                    <a:t>Prob. of ESBL </a:t>
                   </a:r>
                   <a:r>
-                    <a:rPr lang="fr-FR" sz="3600" i="1" dirty="0">
+                    <a:rPr lang="fr-FR" sz="3600" i="1" dirty="0" smtClean="0">
                       <a:solidFill>
                         <a:schemeClr val="tx1"/>
                       </a:solidFill>
@@ -7266,35 +6874,140 @@
                     <a:t>E. coli </a:t>
                   </a:r>
                   <a:r>
-                    <a:rPr lang="fr-FR" sz="3600" dirty="0">
+                    <a:rPr lang="fr-FR" sz="3600" dirty="0" smtClean="0">
                       <a:solidFill>
                         <a:srgbClr val="FF0000"/>
                       </a:solidFill>
                     </a:rPr>
-                    <a:t>carriership</a:t>
+                    <a:t>carriage by consumer</a:t>
                   </a:r>
                 </a:p>
                 <a:p>
+                  <a:pPr marL="571500" indent="-571500">
+                    <a:buFont typeface="Arial" panose="020B0604020202020204" pitchFamily="34" charset="0"/>
+                    <a:buChar char="•"/>
+                  </a:pPr>
+                  <a:r>
+                    <a:rPr lang="fr-FR" sz="3600" dirty="0" smtClean="0">
+                      <a:solidFill>
+                        <a:schemeClr val="tx1"/>
+                      </a:solidFill>
+                    </a:rPr>
+                    <a:t>Conditional </a:t>
+                  </a:r>
                   <a:r>
                     <a:rPr lang="fr-FR" sz="3600" dirty="0">
                       <a:solidFill>
                         <a:schemeClr val="tx1"/>
                       </a:solidFill>
                     </a:rPr>
-                    <a:t>Conditional on final Prevalence, Load</a:t>
+                    <a:t>on </a:t>
                   </a:r>
-                </a:p>
-                <a:p>
                   <a:r>
-                    <a:rPr lang="fr-FR" sz="3600" dirty="0">
+                    <a:rPr lang="fr-FR" sz="3600" dirty="0" smtClean="0">
                       <a:solidFill>
                         <a:srgbClr val="FF0000"/>
                       </a:solidFill>
                     </a:rPr>
-                    <a:t>Dose-response</a:t>
+                    <a:t>P</a:t>
+                  </a:r>
+                  <a:r>
+                    <a:rPr lang="fr-FR" sz="2400" dirty="0" smtClean="0">
+                      <a:solidFill>
+                        <a:srgbClr val="FF0000"/>
+                      </a:solidFill>
+                    </a:rPr>
+                    <a:t>prev</a:t>
+                  </a:r>
+                  <a:r>
+                    <a:rPr lang="fr-FR" sz="3600" dirty="0" smtClean="0">
+                      <a:solidFill>
+                        <a:schemeClr val="tx1"/>
+                      </a:solidFill>
+                    </a:rPr>
+                    <a:t>, </a:t>
+                  </a:r>
+                  <a:r>
+                    <a:rPr lang="fr-FR" sz="3600" dirty="0" smtClean="0">
+                      <a:solidFill>
+                        <a:srgbClr val="FF0000"/>
+                      </a:solidFill>
+                    </a:rPr>
+                    <a:t>C</a:t>
+                  </a:r>
+                  <a:r>
+                    <a:rPr lang="fr-FR" sz="2400" dirty="0" smtClean="0">
+                      <a:solidFill>
+                        <a:srgbClr val="FF0000"/>
+                      </a:solidFill>
+                    </a:rPr>
+                    <a:t>load </a:t>
+                  </a:r>
+                  <a:r>
+                    <a:rPr lang="fr-FR" sz="3600" dirty="0" smtClean="0">
+                      <a:solidFill>
+                        <a:schemeClr val="tx1"/>
+                      </a:solidFill>
+                    </a:rPr>
+                    <a:t>after cooking</a:t>
+                  </a:r>
+                  <a:endParaRPr lang="fr-FR" sz="3600" dirty="0">
+                    <a:solidFill>
+                      <a:schemeClr val="tx1"/>
+                    </a:solidFill>
+                  </a:endParaRPr>
+                </a:p>
+                <a:p>
+                  <a:r>
+                    <a:rPr lang="fr-FR" sz="3600" dirty="0" smtClean="0">
+                      <a:solidFill>
+                        <a:schemeClr val="tx1"/>
+                      </a:solidFill>
+                    </a:rPr>
+                    <a:t>P</a:t>
+                  </a:r>
+                  <a:r>
+                    <a:rPr lang="fr-FR" sz="2400" dirty="0" smtClean="0">
+                      <a:solidFill>
+                        <a:schemeClr val="tx1"/>
+                      </a:solidFill>
+                    </a:rPr>
+                    <a:t>DR</a:t>
+                  </a:r>
+                  <a:r>
+                    <a:rPr lang="fr-FR" sz="2400" dirty="0">
+                      <a:solidFill>
+                        <a:schemeClr val="tx1"/>
+                      </a:solidFill>
+                    </a:rPr>
+                    <a:t> </a:t>
                   </a:r>
                   <a:r>
                     <a:rPr lang="fr-FR" sz="3600" dirty="0">
+                      <a:solidFill>
+                        <a:schemeClr val="tx1"/>
+                      </a:solidFill>
+                    </a:rPr>
+                    <a:t>:</a:t>
+                  </a:r>
+                  <a:r>
+                    <a:rPr lang="fr-FR" sz="2400" dirty="0" smtClean="0">
+                      <a:solidFill>
+                        <a:schemeClr val="tx1"/>
+                      </a:solidFill>
+                    </a:rPr>
+                    <a:t> </a:t>
+                  </a:r>
+                  <a:r>
+                    <a:rPr lang="fr-FR" sz="3600" dirty="0" smtClean="0">
+                      <a:solidFill>
+                        <a:srgbClr val="FF0000"/>
+                      </a:solidFill>
+                    </a:rPr>
+                    <a:t>Dose-Response</a:t>
+                  </a:r>
+                  <a:r>
+                    <a:rPr lang="fr-FR" sz="3600" dirty="0" smtClean="0">
                       <a:solidFill>
                         <a:schemeClr val="tx1"/>
                       </a:solidFill>
@@ -7329,7 +7042,7 @@
         </p:nvGrpSpPr>
         <p:grpSpPr>
           <a:xfrm>
-            <a:off x="1272415" y="25970475"/>
+            <a:off x="1171610" y="25933049"/>
             <a:ext cx="12185456" cy="6793308"/>
             <a:chOff x="1129491" y="26032079"/>
             <a:chExt cx="12327709" cy="7002845"/>
@@ -7424,7 +7137,7 @@
         </p:nvGrpSpPr>
         <p:grpSpPr>
           <a:xfrm>
-            <a:off x="1275777" y="33144610"/>
+            <a:off x="1171610" y="33162652"/>
             <a:ext cx="12124004" cy="6842025"/>
             <a:chOff x="1228314" y="33225958"/>
             <a:chExt cx="12124004" cy="6842025"/>
@@ -7511,8 +7224,8 @@
           </p:txBody>
         </p:sp>
       </p:grpSp>
-      <mc:AlternateContent xmlns:mc="http://schemas.openxmlformats.org/markup-compatibility/2006" xmlns:a14="http://schemas.microsoft.com/office/drawing/2010/main">
-        <mc:Choice Requires="a14">
+      <mc:AlternateContent xmlns:mc="http://schemas.openxmlformats.org/markup-compatibility/2006">
+        <mc:Choice xmlns:a14="http://schemas.microsoft.com/office/drawing/2010/main" Requires="a14">
           <p:sp>
             <p:nvSpPr>
               <p:cNvPr id="138" name="Rectangle à coins arrondis 137"/>
@@ -7521,8 +7234,8 @@
             </p:nvSpPr>
             <p:spPr>
               <a:xfrm>
-                <a:off x="14031552" y="25988888"/>
-                <a:ext cx="15333398" cy="3847390"/>
+                <a:off x="13362085" y="25944218"/>
+                <a:ext cx="15960511" cy="3847390"/>
               </a:xfrm>
               <a:prstGeom prst="roundRect">
                 <a:avLst>
@@ -7569,15 +7282,56 @@
                       <a:schemeClr val="tx1"/>
                     </a:solidFill>
                   </a:rPr>
-                  <a:t>Computation of average risk of carriership</a:t>
+                  <a:t>Average risk of </a:t>
                 </a:r>
-              </a:p>
-              <a:p>
-                <a:pPr>
-                  <a:lnSpc>
-                    <a:spcPct val="200000"/>
-                  </a:lnSpc>
-                </a:pPr>
+                <a:r>
+                  <a:rPr lang="fr-FR" sz="3600" dirty="0">
+                    <a:solidFill>
+                      <a:schemeClr val="tx1"/>
+                    </a:solidFill>
+                  </a:rPr>
+                  <a:t>ESBL </a:t>
+                </a:r>
+                <a:r>
+                  <a:rPr lang="fr-FR" sz="3600" i="1" dirty="0">
+                    <a:solidFill>
+                      <a:schemeClr val="tx1"/>
+                    </a:solidFill>
+                  </a:rPr>
+                  <a:t>E. coli</a:t>
+                </a:r>
+                <a:r>
+                  <a:rPr lang="fr-FR" sz="3600" b="1" dirty="0" smtClean="0">
+                    <a:solidFill>
+                      <a:schemeClr val="tx1"/>
+                    </a:solidFill>
+                  </a:rPr>
+                  <a:t> carriage by consumer</a:t>
+                </a:r>
+                <a:r>
+                  <a:rPr lang="fr-FR" sz="3600" b="1" dirty="0" smtClean="0">
+                    <a:solidFill>
+                      <a:schemeClr val="tx1"/>
+                    </a:solidFill>
+                  </a:rPr>
+                  <a:t> </a:t>
+                </a:r>
+                <a:r>
+                  <a:rPr lang="fr-FR" sz="3600" b="1" dirty="0">
+                    <a:solidFill>
+                      <a:schemeClr val="tx1"/>
+                    </a:solidFill>
+                  </a:rPr>
+                  <a:t>from 1 chicken portion </a:t>
+                </a:r>
+                <a:r>
+                  <a:rPr lang="fr-FR" sz="3600" b="1" dirty="0" smtClean="0">
+                    <a:solidFill>
+                      <a:schemeClr val="tx1"/>
+                    </a:solidFill>
+                  </a:rPr>
+                  <a:t>consumed </a:t>
+                </a:r>
                 <a:r>
                   <a:rPr lang="fr-FR" sz="3600" b="1" dirty="0">
                     <a:solidFill>
@@ -7596,7 +7350,7 @@
                 </a:r>
                 <a14:m>
                   <m:oMath xmlns:m="http://schemas.openxmlformats.org/officeDocument/2006/math">
-                    <a:fld id="{723DAD93-1269-4C4D-8526-7226BAC1BC1F}" type="mathplaceholder">
+                    <a:fld id="{A6AC258B-BBF2-40CF-B999-D86047CA68F5}" type="mathplaceholder">
                       <a:rPr lang="fr-FR" sz="3600" i="1">
                         <a:latin typeface="Cambria Math" panose="02040503050406030204" pitchFamily="18" charset="0"/>
                       </a:rPr>
@@ -7647,15 +7401,7 @@
                       <a:schemeClr val="tx1"/>
                     </a:solidFill>
                   </a:rPr>
-                  <a:t>Average risk of ESBL </a:t>
-                </a:r>
-                <a:r>
-                  <a:rPr lang="fr-FR" sz="3600" i="1" dirty="0" smtClean="0">
-                    <a:solidFill>
-                      <a:schemeClr val="tx1"/>
-                    </a:solidFill>
-                  </a:rPr>
-                  <a:t>E. coli </a:t>
+                  <a:t>Average </a:t>
                 </a:r>
                 <a:r>
                   <a:rPr lang="fr-FR" sz="3600" dirty="0" smtClean="0">
@@ -7663,7 +7409,7 @@
                       <a:schemeClr val="tx1"/>
                     </a:solidFill>
                   </a:rPr>
-                  <a:t> carriership </a:t>
+                  <a:t>risk </a:t>
                 </a:r>
                 <a:r>
                   <a:rPr lang="fr-FR" sz="3600" dirty="0">
@@ -7671,7 +7417,25 @@
                       <a:schemeClr val="tx1"/>
                     </a:solidFill>
                   </a:rPr>
-                  <a:t>in a baseline </a:t>
+                  <a:t>in a </a:t>
+                </a:r>
+                <a:r>
+                  <a:rPr lang="fr-FR" sz="3600" dirty="0">
+                    <a:solidFill>
+                      <a:schemeClr val="accent1">
+                        <a:lumMod val="50000"/>
+                      </a:schemeClr>
+                    </a:solidFill>
+                  </a:rPr>
+                  <a:t>baseline</a:t>
+                </a:r>
+                <a:r>
+                  <a:rPr lang="fr-FR" sz="3600" dirty="0">
+                    <a:solidFill>
+                      <a:schemeClr val="tx1"/>
+                    </a:solidFill>
+                  </a:rPr>
+                  <a:t> scenario </a:t>
                 </a:r>
                 <a:r>
                   <a:rPr lang="fr-FR" sz="3600" dirty="0" smtClean="0">
@@ -7679,7 +7443,15 @@
                       <a:schemeClr val="tx1"/>
                     </a:solidFill>
                   </a:rPr>
-                  <a:t>scenario: </a:t>
+                  <a:t>defined by input parameters Ɵ </a:t>
+                </a:r>
+                <a:r>
+                  <a:rPr lang="fr-FR" sz="3600" dirty="0">
+                    <a:solidFill>
+                      <a:schemeClr val="tx1"/>
+                    </a:solidFill>
+                  </a:rPr>
+                  <a:t>: </a:t>
                 </a:r>
                 <a:r>
                   <a:rPr lang="fr-FR" sz="3600" dirty="0" smtClean="0">
@@ -7704,7 +7476,7 @@
             </p:txBody>
           </p:sp>
         </mc:Choice>
-        <mc:Fallback xmlns="">
+        <mc:Fallback>
           <p:sp>
             <p:nvSpPr>
               <p:cNvPr id="138" name="Rectangle à coins arrondis 137"/>
@@ -7715,8 +7487,8 @@
             </p:nvSpPr>
             <p:spPr>
               <a:xfrm>
-                <a:off x="14031552" y="25988888"/>
-                <a:ext cx="15333398" cy="3847390"/>
+                <a:off x="13362085" y="25944218"/>
+                <a:ext cx="15960511" cy="3847390"/>
               </a:xfrm>
               <a:prstGeom prst="roundRect">
                 <a:avLst>
@@ -7726,7 +7498,7 @@
               <a:blipFill>
                 <a:blip r:embed="rId21"/>
                 <a:stretch>
-                  <a:fillRect l="-555"/>
+                  <a:fillRect l="-495" r="-1029"/>
                 </a:stretch>
               </a:blipFill>
               <a:ln w="38100">
@@ -7760,8 +7532,8 @@
         </p:nvSpPr>
         <p:spPr>
           <a:xfrm>
-            <a:off x="13988774" y="37017747"/>
-            <a:ext cx="15333398" cy="2905068"/>
+            <a:off x="13357067" y="37017747"/>
+            <a:ext cx="15965106" cy="2905068"/>
           </a:xfrm>
           <a:prstGeom prst="roundRect">
             <a:avLst>
@@ -7813,7 +7585,23 @@
                   <a:schemeClr val="tx1"/>
                 </a:solidFill>
               </a:rPr>
-              <a:t>Food-borne QRA model perspectives</a:t>
+              <a:t>Food-borne QRA </a:t>
+            </a:r>
+            <a:r>
+              <a:rPr lang="fr-FR" sz="3600" b="1" dirty="0" smtClean="0">
+                <a:solidFill>
+                  <a:schemeClr val="tx1"/>
+                </a:solidFill>
+              </a:rPr>
+              <a:t>module </a:t>
+            </a:r>
+            <a:r>
+              <a:rPr lang="fr-FR" sz="3600" b="1" dirty="0" smtClean="0">
+                <a:solidFill>
+                  <a:schemeClr val="tx1"/>
+                </a:solidFill>
+              </a:rPr>
+              <a:t>perspectives</a:t>
             </a:r>
             <a:endParaRPr lang="fr-FR" sz="3600" b="1" dirty="0">
               <a:solidFill>
@@ -7877,7 +7665,23 @@
                   <a:schemeClr val="tx1"/>
                 </a:solidFill>
               </a:rPr>
-              <a:t>nput parameters can be adapted to different </a:t>
+              <a:t>nput parameters </a:t>
+            </a:r>
+            <a:r>
+              <a:rPr lang="fr-FR" sz="3600" dirty="0">
+                <a:solidFill>
+                  <a:schemeClr val="tx1"/>
+                </a:solidFill>
+              </a:rPr>
+              <a:t>Ɵ can </a:t>
+            </a:r>
+            <a:r>
+              <a:rPr lang="fr-FR" sz="3600" dirty="0" smtClean="0">
+                <a:solidFill>
+                  <a:schemeClr val="tx1"/>
+                </a:solidFill>
+              </a:rPr>
+              <a:t>be adapted to different </a:t>
             </a:r>
             <a:r>
               <a:rPr lang="fr-FR" sz="3600" dirty="0" smtClean="0">
@@ -7893,7 +7697,15 @@
                   <a:schemeClr val="tx1"/>
                 </a:solidFill>
               </a:rPr>
-              <a:t> country framework</a:t>
+              <a:t> </a:t>
+            </a:r>
+            <a:r>
+              <a:rPr lang="fr-FR" sz="3600" dirty="0" smtClean="0">
+                <a:solidFill>
+                  <a:schemeClr val="tx1"/>
+                </a:solidFill>
+              </a:rPr>
+              <a:t>country protocols</a:t>
             </a:r>
             <a:endParaRPr lang="fr-FR" sz="3600" dirty="0" smtClean="0">
               <a:solidFill>
@@ -7935,7 +7747,7 @@
         </p:nvGrpSpPr>
         <p:grpSpPr>
           <a:xfrm>
-            <a:off x="14031552" y="30056373"/>
+            <a:off x="13642236" y="30021311"/>
             <a:ext cx="12601099" cy="6719777"/>
             <a:chOff x="13988365" y="29702382"/>
             <a:chExt cx="12601099" cy="6719777"/>
@@ -8022,420 +7834,929 @@
           </p:txBody>
         </p:sp>
       </p:grpSp>
-      <p:sp>
-        <p:nvSpPr>
-          <p:cNvPr id="60" name="Rectangle à coins arrondis 59"/>
-          <p:cNvSpPr/>
+      <p:grpSp>
+        <p:nvGrpSpPr>
+          <p:cNvPr id="18" name="Groupe 17"/>
+          <p:cNvGrpSpPr/>
           <p:nvPr/>
-        </p:nvSpPr>
-        <p:spPr>
+        </p:nvGrpSpPr>
+        <p:grpSpPr>
           <a:xfrm>
-            <a:off x="1345991" y="8058738"/>
-            <a:ext cx="15555472" cy="5740062"/>
+            <a:off x="1111654" y="7778554"/>
+            <a:ext cx="28051903" cy="6017392"/>
+            <a:chOff x="1111654" y="7778554"/>
+            <a:chExt cx="28051903" cy="6017392"/>
           </a:xfrm>
-          <a:prstGeom prst="roundRect">
-            <a:avLst>
-              <a:gd name="adj" fmla="val 4812"/>
-            </a:avLst>
-          </a:prstGeom>
-          <a:solidFill>
-            <a:schemeClr val="accent1">
-              <a:lumMod val="40000"/>
-              <a:lumOff val="60000"/>
-            </a:schemeClr>
-          </a:solidFill>
-          <a:ln w="38100">
-            <a:solidFill>
-              <a:schemeClr val="accent1">
-                <a:lumMod val="50000"/>
-              </a:schemeClr>
-            </a:solidFill>
-          </a:ln>
-        </p:spPr>
-        <p:style>
-          <a:lnRef idx="2">
-            <a:schemeClr val="accent1">
-              <a:shade val="50000"/>
-            </a:schemeClr>
-          </a:lnRef>
-          <a:fillRef idx="1">
-            <a:schemeClr val="accent1"/>
-          </a:fillRef>
-          <a:effectRef idx="0">
-            <a:schemeClr val="accent1"/>
-          </a:effectRef>
-          <a:fontRef idx="minor">
-            <a:schemeClr val="lt1"/>
-          </a:fontRef>
-        </p:style>
-        <p:txBody>
-          <a:bodyPr rtlCol="0" anchor="ctr"/>
-          <a:lstStyle/>
-          <a:p>
-            <a:pPr>
-              <a:lnSpc>
-                <a:spcPct val="150000"/>
-              </a:lnSpc>
-            </a:pPr>
-            <a:r>
-              <a:rPr lang="fr-FR" sz="3600" b="1" dirty="0">
-                <a:solidFill>
-                  <a:schemeClr val="tx1"/>
-                </a:solidFill>
-              </a:rPr>
-              <a:t>PROJECT ENVIRE</a:t>
-            </a:r>
-          </a:p>
-          <a:p>
-            <a:pPr algn="ctr">
-              <a:lnSpc>
-                <a:spcPct val="150000"/>
-              </a:lnSpc>
-            </a:pPr>
-            <a:r>
-              <a:rPr lang="fr-FR" sz="3600" b="1" dirty="0">
-                <a:solidFill>
-                  <a:schemeClr val="tx1"/>
-                </a:solidFill>
-              </a:rPr>
-              <a:t>CONSORTIUM AND FUNDING</a:t>
-            </a:r>
-            <a:endParaRPr lang="en-US" sz="3600" dirty="0">
+        </p:grpSpPr>
+        <p:pic>
+          <p:nvPicPr>
+            <p:cNvPr id="110" name="Image 109"/>
+            <p:cNvPicPr>
+              <a:picLocks noChangeAspect="1"/>
+            </p:cNvPicPr>
+            <p:nvPr/>
+          </p:nvPicPr>
+          <p:blipFill>
+            <a:blip r:embed="rId8" cstate="print">
+              <a:extLst>
+                <a:ext uri="{28A0092B-C50C-407E-A947-70E740481C1C}">
+                  <a14:useLocalDpi xmlns:a14="http://schemas.microsoft.com/office/drawing/2010/main" val="0"/>
+                </a:ext>
+              </a:extLst>
+            </a:blip>
+            <a:stretch>
+              <a:fillRect/>
+            </a:stretch>
+          </p:blipFill>
+          <p:spPr>
+            <a:xfrm>
+              <a:off x="27968516" y="9476201"/>
+              <a:ext cx="727780" cy="727780"/>
+            </a:xfrm>
+            <a:prstGeom prst="rect">
+              <a:avLst/>
+            </a:prstGeom>
+          </p:spPr>
+        </p:pic>
+        <p:grpSp>
+          <p:nvGrpSpPr>
+            <p:cNvPr id="12" name="Groupe 11"/>
+            <p:cNvGrpSpPr/>
+            <p:nvPr/>
+          </p:nvGrpSpPr>
+          <p:grpSpPr>
+            <a:xfrm>
+              <a:off x="1111654" y="7778554"/>
+              <a:ext cx="28051903" cy="6017392"/>
+              <a:chOff x="1081364" y="7970949"/>
+              <a:chExt cx="28051903" cy="6017392"/>
+            </a:xfrm>
+          </p:grpSpPr>
+          <p:grpSp>
+            <p:nvGrpSpPr>
+              <p:cNvPr id="33" name="Groupe 32"/>
+              <p:cNvGrpSpPr/>
+              <p:nvPr/>
+            </p:nvGrpSpPr>
+            <p:grpSpPr>
+              <a:xfrm>
+                <a:off x="19658021" y="8079031"/>
+                <a:ext cx="9405669" cy="5909310"/>
+                <a:chOff x="19897835" y="8079031"/>
+                <a:chExt cx="9405669" cy="5909310"/>
+              </a:xfrm>
+            </p:grpSpPr>
+            <p:sp>
+              <p:nvSpPr>
+                <p:cNvPr id="24" name="ZoneTexte 23"/>
+                <p:cNvSpPr txBox="1"/>
+                <p:nvPr/>
+              </p:nvSpPr>
+              <p:spPr>
+                <a:xfrm>
+                  <a:off x="19897835" y="8079031"/>
+                  <a:ext cx="9405669" cy="5909310"/>
+                </a:xfrm>
+                <a:prstGeom prst="rect">
+                  <a:avLst/>
+                </a:prstGeom>
+                <a:noFill/>
+              </p:spPr>
+              <p:txBody>
+                <a:bodyPr wrap="square" rtlCol="0">
+                  <a:spAutoFit/>
+                </a:bodyPr>
+                <a:lstStyle/>
+                <a:p>
+                  <a:pPr>
+                    <a:lnSpc>
+                      <a:spcPct val="150000"/>
+                    </a:lnSpc>
+                  </a:pPr>
+                  <a:r>
+                    <a:rPr lang="fr-FR" sz="3600" b="1" dirty="0" smtClean="0"/>
+                    <a:t>WORKFLOW – WP 3</a:t>
+                  </a:r>
+                </a:p>
+                <a:p>
+                  <a:pPr marL="571500" indent="-571500">
+                    <a:buFont typeface="Arial" panose="020B0604020202020204" pitchFamily="34" charset="0"/>
+                    <a:buChar char="•"/>
+                  </a:pPr>
+                  <a:r>
+                    <a:rPr lang="fr-FR" sz="3600" dirty="0"/>
+                    <a:t>Quantitative Risk </a:t>
+                  </a:r>
+                  <a:r>
+                    <a:rPr lang="fr-FR" sz="3600" dirty="0" smtClean="0"/>
+                    <a:t>Assessment with pathways:</a:t>
+                  </a:r>
+                </a:p>
+                <a:p>
+                  <a:pPr marL="571500" indent="-571500">
+                    <a:buFont typeface="Arial" panose="020B0604020202020204" pitchFamily="34" charset="0"/>
+                    <a:buChar char="•"/>
+                  </a:pPr>
+                  <a:endParaRPr lang="fr-FR" sz="3600" dirty="0" smtClean="0"/>
+                </a:p>
+                <a:p>
+                  <a:pPr marL="571500" indent="-571500">
+                    <a:buFont typeface="Arial" panose="020B0604020202020204" pitchFamily="34" charset="0"/>
+                    <a:buChar char="•"/>
+                  </a:pPr>
+                  <a:endParaRPr lang="fr-FR" sz="3600" dirty="0"/>
+                </a:p>
+                <a:p>
+                  <a:pPr marL="571500" indent="-571500">
+                    <a:buFont typeface="Arial" panose="020B0604020202020204" pitchFamily="34" charset="0"/>
+                    <a:buChar char="•"/>
+                  </a:pPr>
+                  <a:endParaRPr lang="fr-FR" sz="3600" dirty="0" smtClean="0"/>
+                </a:p>
+                <a:p>
+                  <a:endParaRPr lang="fr-FR" sz="3600" dirty="0" smtClean="0"/>
+                </a:p>
+                <a:p>
+                  <a:pPr marL="571500" indent="-571500">
+                    <a:buFont typeface="Arial" panose="020B0604020202020204" pitchFamily="34" charset="0"/>
+                    <a:buChar char="•"/>
+                  </a:pPr>
+                  <a:endParaRPr lang="fr-FR" sz="3600" dirty="0"/>
+                </a:p>
+                <a:p>
+                  <a:pPr marL="571500" indent="-571500">
+                    <a:buFont typeface="Arial" panose="020B0604020202020204" pitchFamily="34" charset="0"/>
+                    <a:buChar char="•"/>
+                  </a:pPr>
+                  <a:endParaRPr lang="fr-FR" sz="3600" dirty="0" smtClean="0"/>
+                </a:p>
+                <a:p>
+                  <a:pPr marL="571500" indent="-571500">
+                    <a:buFont typeface="Arial" panose="020B0604020202020204" pitchFamily="34" charset="0"/>
+                    <a:buChar char="•"/>
+                  </a:pPr>
+                  <a:r>
+                    <a:rPr lang="fr-FR" sz="3600" dirty="0" err="1" smtClean="0"/>
+                    <a:t>Incorporate</a:t>
+                  </a:r>
+                  <a:r>
+                    <a:rPr lang="fr-FR" sz="3600" dirty="0" smtClean="0"/>
+                    <a:t> on-</a:t>
+                  </a:r>
+                  <a:r>
+                    <a:rPr lang="fr-FR" sz="3600" dirty="0" err="1" smtClean="0"/>
+                    <a:t>farm</a:t>
+                  </a:r>
+                  <a:r>
+                    <a:rPr lang="fr-FR" sz="3600" dirty="0" smtClean="0"/>
+                    <a:t> intervention </a:t>
+                  </a:r>
+                  <a:r>
+                    <a:rPr lang="fr-FR" sz="3600" dirty="0" err="1" smtClean="0"/>
+                    <a:t>measures</a:t>
+                  </a:r>
+                  <a:endParaRPr lang="fr-FR" sz="3600" dirty="0" smtClean="0"/>
+                </a:p>
+                <a:p>
+                  <a:pPr marL="571500" indent="-571500" algn="ctr">
+                    <a:buFont typeface="Arial" panose="020B0604020202020204" pitchFamily="34" charset="0"/>
+                    <a:buChar char="•"/>
+                  </a:pPr>
+                  <a:endParaRPr lang="fr-FR" sz="3600" dirty="0"/>
+                </a:p>
+              </p:txBody>
+            </p:sp>
+            <p:grpSp>
+              <p:nvGrpSpPr>
+                <p:cNvPr id="29" name="Groupe 28"/>
+                <p:cNvGrpSpPr/>
+                <p:nvPr/>
+              </p:nvGrpSpPr>
+              <p:grpSpPr>
+                <a:xfrm>
+                  <a:off x="21358589" y="9667497"/>
+                  <a:ext cx="6613452" cy="2872755"/>
+                  <a:chOff x="19206492" y="9824303"/>
+                  <a:chExt cx="6613452" cy="2872755"/>
+                </a:xfrm>
+              </p:grpSpPr>
+              <p:sp>
+                <p:nvSpPr>
+                  <p:cNvPr id="25" name="Rectangle à coins arrondis 24"/>
+                  <p:cNvSpPr/>
+                  <p:nvPr/>
+                </p:nvSpPr>
+                <p:spPr>
+                  <a:xfrm>
+                    <a:off x="19206492" y="9824303"/>
+                    <a:ext cx="6613451" cy="818255"/>
+                  </a:xfrm>
+                  <a:prstGeom prst="roundRect">
+                    <a:avLst/>
+                  </a:prstGeom>
+                  <a:solidFill>
+                    <a:schemeClr val="accent1">
+                      <a:lumMod val="40000"/>
+                      <a:lumOff val="60000"/>
+                    </a:schemeClr>
+                  </a:solidFill>
+                </p:spPr>
+                <p:style>
+                  <a:lnRef idx="2">
+                    <a:schemeClr val="accent1">
+                      <a:shade val="50000"/>
+                    </a:schemeClr>
+                  </a:lnRef>
+                  <a:fillRef idx="1">
+                    <a:schemeClr val="accent1"/>
+                  </a:fillRef>
+                  <a:effectRef idx="0">
+                    <a:schemeClr val="accent1"/>
+                  </a:effectRef>
+                  <a:fontRef idx="minor">
+                    <a:schemeClr val="lt1"/>
+                  </a:fontRef>
+                </p:style>
+                <p:txBody>
+                  <a:bodyPr rtlCol="0" anchor="ctr"/>
+                  <a:lstStyle/>
+                  <a:p>
+                    <a:pPr algn="ctr"/>
+                    <a:r>
+                      <a:rPr lang="fr-FR" sz="3600" dirty="0" smtClean="0">
+                        <a:solidFill>
+                          <a:schemeClr val="tx1"/>
+                        </a:solidFill>
+                      </a:rPr>
+                      <a:t>FOOD-BORNE</a:t>
+                    </a:r>
+                    <a:endParaRPr lang="fr-FR" sz="3600" dirty="0">
+                      <a:solidFill>
+                        <a:schemeClr val="tx1"/>
+                      </a:solidFill>
+                    </a:endParaRPr>
+                  </a:p>
+                </p:txBody>
+              </p:sp>
+              <p:sp>
+                <p:nvSpPr>
+                  <p:cNvPr id="26" name="Rectangle à coins arrondis 25"/>
+                  <p:cNvSpPr/>
+                  <p:nvPr/>
+                </p:nvSpPr>
+                <p:spPr>
+                  <a:xfrm>
+                    <a:off x="19206492" y="10831365"/>
+                    <a:ext cx="6613451" cy="818255"/>
+                  </a:xfrm>
+                  <a:prstGeom prst="roundRect">
+                    <a:avLst/>
+                  </a:prstGeom>
+                  <a:solidFill>
+                    <a:schemeClr val="accent1">
+                      <a:lumMod val="40000"/>
+                      <a:lumOff val="60000"/>
+                    </a:schemeClr>
+                  </a:solidFill>
+                </p:spPr>
+                <p:style>
+                  <a:lnRef idx="2">
+                    <a:schemeClr val="accent1">
+                      <a:shade val="50000"/>
+                    </a:schemeClr>
+                  </a:lnRef>
+                  <a:fillRef idx="1">
+                    <a:schemeClr val="accent1"/>
+                  </a:fillRef>
+                  <a:effectRef idx="0">
+                    <a:schemeClr val="accent1"/>
+                  </a:effectRef>
+                  <a:fontRef idx="minor">
+                    <a:schemeClr val="lt1"/>
+                  </a:fontRef>
+                </p:style>
+                <p:txBody>
+                  <a:bodyPr rtlCol="0" anchor="ctr"/>
+                  <a:lstStyle/>
+                  <a:p>
+                    <a:pPr algn="ctr"/>
+                    <a:r>
+                      <a:rPr lang="fr-FR" sz="3600" dirty="0" smtClean="0">
+                        <a:solidFill>
+                          <a:schemeClr val="tx1"/>
+                        </a:solidFill>
+                      </a:rPr>
+                      <a:t>ENVIRONMENTAL</a:t>
+                    </a:r>
+                    <a:endParaRPr lang="fr-FR" sz="3600" dirty="0">
+                      <a:solidFill>
+                        <a:schemeClr val="tx1"/>
+                      </a:solidFill>
+                    </a:endParaRPr>
+                  </a:p>
+                </p:txBody>
+              </p:sp>
+              <p:sp>
+                <p:nvSpPr>
+                  <p:cNvPr id="27" name="Rectangle à coins arrondis 26"/>
+                  <p:cNvSpPr/>
+                  <p:nvPr/>
+                </p:nvSpPr>
+                <p:spPr>
+                  <a:xfrm>
+                    <a:off x="19206493" y="11878803"/>
+                    <a:ext cx="6613451" cy="818255"/>
+                  </a:xfrm>
+                  <a:prstGeom prst="roundRect">
+                    <a:avLst/>
+                  </a:prstGeom>
+                  <a:solidFill>
+                    <a:schemeClr val="accent1">
+                      <a:lumMod val="40000"/>
+                      <a:lumOff val="60000"/>
+                    </a:schemeClr>
+                  </a:solidFill>
+                </p:spPr>
+                <p:style>
+                  <a:lnRef idx="2">
+                    <a:schemeClr val="accent1">
+                      <a:shade val="50000"/>
+                    </a:schemeClr>
+                  </a:lnRef>
+                  <a:fillRef idx="1">
+                    <a:schemeClr val="accent1"/>
+                  </a:fillRef>
+                  <a:effectRef idx="0">
+                    <a:schemeClr val="accent1"/>
+                  </a:effectRef>
+                  <a:fontRef idx="minor">
+                    <a:schemeClr val="lt1"/>
+                  </a:fontRef>
+                </p:style>
+                <p:txBody>
+                  <a:bodyPr rtlCol="0" anchor="ctr"/>
+                  <a:lstStyle/>
+                  <a:p>
+                    <a:pPr algn="ctr"/>
+                    <a:r>
+                      <a:rPr lang="fr-FR" sz="3600" dirty="0" smtClean="0">
+                        <a:solidFill>
+                          <a:schemeClr val="tx1"/>
+                        </a:solidFill>
+                      </a:rPr>
+                      <a:t>OCCUPATIONAL</a:t>
+                    </a:r>
+                    <a:endParaRPr lang="fr-FR" sz="3600" dirty="0">
+                      <a:solidFill>
+                        <a:schemeClr val="tx1"/>
+                      </a:solidFill>
+                    </a:endParaRPr>
+                  </a:p>
+                </p:txBody>
+              </p:sp>
+            </p:grpSp>
+          </p:grpSp>
+          <p:sp>
+            <p:nvSpPr>
+              <p:cNvPr id="28" name="Rectangle à coins arrondis 27"/>
+              <p:cNvSpPr/>
+              <p:nvPr/>
+            </p:nvSpPr>
+            <p:spPr>
+              <a:xfrm>
+                <a:off x="19415109" y="7970949"/>
+                <a:ext cx="9718158" cy="5762662"/>
+              </a:xfrm>
+              <a:prstGeom prst="roundRect">
+                <a:avLst>
+                  <a:gd name="adj" fmla="val 5309"/>
+                </a:avLst>
+              </a:prstGeom>
               <a:solidFill>
-                <a:schemeClr val="tx1"/>
+                <a:srgbClr val="5B9BD5">
+                  <a:alpha val="0"/>
+                </a:srgbClr>
               </a:solidFill>
-            </a:endParaRPr>
-          </a:p>
-          <a:p>
-            <a:pPr marL="571500" indent="-571500">
-              <a:buFont typeface="Arial" panose="020B0604020202020204" pitchFamily="34" charset="0"/>
-              <a:buChar char="•"/>
-            </a:pPr>
-            <a:r>
-              <a:rPr lang="fr-FR" sz="3600" dirty="0">
-                <a:solidFill>
-                  <a:schemeClr val="tx1"/>
-                </a:solidFill>
-              </a:rPr>
-              <a:t>Project duration: 2022-2025</a:t>
-            </a:r>
-          </a:p>
-          <a:p>
-            <a:pPr marL="571500" indent="-571500">
-              <a:buFont typeface="Arial" panose="020B0604020202020204" pitchFamily="34" charset="0"/>
-              <a:buChar char="•"/>
-            </a:pPr>
-            <a:r>
-              <a:rPr lang="en-US" sz="3600" dirty="0">
-                <a:solidFill>
-                  <a:schemeClr val="tx1"/>
-                </a:solidFill>
-              </a:rPr>
-              <a:t>Germany, France, Lithuania, Poland, Tunisia</a:t>
-            </a:r>
-            <a:endParaRPr lang="fr-FR" sz="3600" dirty="0">
-              <a:solidFill>
-                <a:schemeClr val="tx1"/>
-              </a:solidFill>
-            </a:endParaRPr>
-          </a:p>
-          <a:p>
-            <a:pPr marL="571500" indent="-571500">
-              <a:buFont typeface="Arial" panose="020B0604020202020204" pitchFamily="34" charset="0"/>
-              <a:buChar char="•"/>
-            </a:pPr>
-            <a:r>
-              <a:rPr lang="en-US" sz="3600" dirty="0">
-                <a:solidFill>
-                  <a:schemeClr val="tx1"/>
-                </a:solidFill>
-              </a:rPr>
-              <a:t>Funded by the European Transnational Programme - </a:t>
-            </a:r>
-            <a:r>
-              <a:rPr lang="fr-FR" sz="3600" dirty="0">
-                <a:solidFill>
-                  <a:srgbClr val="FF0000"/>
-                </a:solidFill>
-              </a:rPr>
-              <a:t>JPIAMR-ACTION</a:t>
-            </a:r>
-            <a:endParaRPr lang="en-US" sz="3600" dirty="0">
-              <a:solidFill>
-                <a:srgbClr val="FF0000"/>
-              </a:solidFill>
-            </a:endParaRPr>
-          </a:p>
-          <a:p>
-            <a:pPr algn="ctr"/>
-            <a:r>
-              <a:rPr lang="fr-FR" sz="3600" b="1" dirty="0">
-                <a:solidFill>
-                  <a:schemeClr val="tx1"/>
-                </a:solidFill>
-              </a:rPr>
-              <a:t>OBJECTIVES</a:t>
-            </a:r>
-          </a:p>
-          <a:p>
-            <a:pPr marL="571500" indent="-571500">
-              <a:buFont typeface="Arial" panose="020B0604020202020204" pitchFamily="34" charset="0"/>
-              <a:buChar char="•"/>
-            </a:pPr>
-            <a:r>
-              <a:rPr lang="en-US" sz="3600" dirty="0">
-                <a:solidFill>
-                  <a:schemeClr val="tx1"/>
-                </a:solidFill>
-              </a:rPr>
-              <a:t>Reduce antimicrobial-resistant (</a:t>
-            </a:r>
-            <a:r>
-              <a:rPr lang="en-US" sz="3600" dirty="0">
-                <a:solidFill>
-                  <a:srgbClr val="FF0000"/>
-                </a:solidFill>
-              </a:rPr>
-              <a:t>AMR</a:t>
-            </a:r>
-            <a:r>
-              <a:rPr lang="en-US" sz="3600" dirty="0">
-                <a:solidFill>
-                  <a:schemeClr val="tx1"/>
-                </a:solidFill>
-              </a:rPr>
-              <a:t>) bacteria spread from broiler chickens</a:t>
-            </a:r>
-          </a:p>
-          <a:p>
-            <a:pPr marL="571500" indent="-571500">
-              <a:buFont typeface="Arial" panose="020B0604020202020204" pitchFamily="34" charset="0"/>
-              <a:buChar char="•"/>
-            </a:pPr>
-            <a:r>
-              <a:rPr lang="en-US" sz="3600" dirty="0">
-                <a:solidFill>
-                  <a:schemeClr val="tx1"/>
-                </a:solidFill>
-              </a:rPr>
-              <a:t>Investigate the potential of various on-farm </a:t>
-            </a:r>
-            <a:r>
-              <a:rPr lang="en-US" sz="3600" dirty="0">
-                <a:solidFill>
-                  <a:srgbClr val="FF0000"/>
-                </a:solidFill>
-              </a:rPr>
-              <a:t>intervention</a:t>
-            </a:r>
-            <a:r>
-              <a:rPr lang="en-US" sz="3600" dirty="0">
-                <a:solidFill>
-                  <a:schemeClr val="tx1"/>
-                </a:solidFill>
-              </a:rPr>
-              <a:t> measures</a:t>
-            </a:r>
-          </a:p>
-          <a:p>
-            <a:pPr marL="571500" indent="-571500">
-              <a:buFont typeface="Arial" panose="020B0604020202020204" pitchFamily="34" charset="0"/>
-              <a:buChar char="•"/>
-            </a:pPr>
-            <a:r>
-              <a:rPr lang="en-US" sz="3600" dirty="0">
-                <a:solidFill>
-                  <a:schemeClr val="tx1"/>
-                </a:solidFill>
-              </a:rPr>
-              <a:t>Reduce transmission and human exposure to ESBL </a:t>
-            </a:r>
-            <a:r>
-              <a:rPr lang="en-US" sz="3600" i="1" dirty="0">
-                <a:solidFill>
-                  <a:schemeClr val="tx1"/>
-                </a:solidFill>
-              </a:rPr>
-              <a:t>E. Coli</a:t>
-            </a:r>
-            <a:r>
-              <a:rPr lang="en-US" sz="3600" dirty="0">
-                <a:solidFill>
-                  <a:schemeClr val="tx1"/>
-                </a:solidFill>
-              </a:rPr>
-              <a:t> from broiler chicken</a:t>
-            </a:r>
-          </a:p>
-          <a:p>
-            <a:pPr algn="ctr"/>
-            <a:endParaRPr lang="fr-FR" sz="3600" dirty="0">
-              <a:solidFill>
-                <a:schemeClr val="tx1"/>
-              </a:solidFill>
-            </a:endParaRPr>
-          </a:p>
-        </p:txBody>
-      </p:sp>
-      <p:sp>
-        <p:nvSpPr>
-          <p:cNvPr id="63" name="Rectangle 62"/>
-          <p:cNvSpPr/>
-          <p:nvPr/>
-        </p:nvSpPr>
-        <p:spPr>
-          <a:xfrm>
-            <a:off x="26880895" y="30056373"/>
-            <a:ext cx="2639972" cy="3211033"/>
-          </a:xfrm>
-          <a:prstGeom prst="rect">
-            <a:avLst/>
-          </a:prstGeom>
-          <a:noFill/>
-          <a:ln>
-            <a:noFill/>
-          </a:ln>
-        </p:spPr>
-        <p:style>
-          <a:lnRef idx="2">
-            <a:schemeClr val="accent1">
-              <a:shade val="50000"/>
-            </a:schemeClr>
-          </a:lnRef>
-          <a:fillRef idx="1">
-            <a:schemeClr val="accent1"/>
-          </a:fillRef>
-          <a:effectRef idx="0">
-            <a:schemeClr val="accent1"/>
-          </a:effectRef>
-          <a:fontRef idx="minor">
-            <a:schemeClr val="lt1"/>
-          </a:fontRef>
-        </p:style>
-        <p:txBody>
-          <a:bodyPr rtlCol="0" anchor="ctr"/>
-          <a:lstStyle/>
-          <a:p>
-            <a:pPr algn="ctr"/>
-            <a:r>
-              <a:rPr lang="fr-FR" sz="3600" b="1" dirty="0" smtClean="0">
-                <a:solidFill>
-                  <a:srgbClr val="FF0000"/>
-                </a:solidFill>
-              </a:rPr>
-              <a:t>HEAVY TAILED </a:t>
-            </a:r>
-          </a:p>
-          <a:p>
-            <a:pPr algn="ctr"/>
-            <a:r>
-              <a:rPr lang="fr-FR" sz="3600" b="1" dirty="0" smtClean="0">
-                <a:solidFill>
-                  <a:srgbClr val="FF0000"/>
-                </a:solidFill>
-              </a:rPr>
-              <a:t>Distribution</a:t>
-            </a:r>
-            <a:endParaRPr lang="fr-FR" sz="3600" b="1" dirty="0">
-              <a:solidFill>
-                <a:srgbClr val="FF0000"/>
-              </a:solidFill>
-            </a:endParaRPr>
-          </a:p>
-        </p:txBody>
-      </p:sp>
-      <p:sp>
-        <p:nvSpPr>
-          <p:cNvPr id="142" name="Rectangle 141"/>
-          <p:cNvSpPr/>
-          <p:nvPr/>
-        </p:nvSpPr>
-        <p:spPr>
-          <a:xfrm>
-            <a:off x="26675838" y="32957177"/>
-            <a:ext cx="3223572" cy="3211033"/>
-          </a:xfrm>
-          <a:prstGeom prst="rect">
-            <a:avLst/>
-          </a:prstGeom>
-          <a:noFill/>
-          <a:ln>
-            <a:noFill/>
-          </a:ln>
-        </p:spPr>
-        <p:style>
-          <a:lnRef idx="2">
-            <a:schemeClr val="accent1">
-              <a:shade val="50000"/>
-            </a:schemeClr>
-          </a:lnRef>
-          <a:fillRef idx="1">
-            <a:schemeClr val="accent1"/>
-          </a:fillRef>
-          <a:effectRef idx="0">
-            <a:schemeClr val="accent1"/>
-          </a:effectRef>
-          <a:fontRef idx="minor">
-            <a:schemeClr val="lt1"/>
-          </a:fontRef>
-        </p:style>
-        <p:txBody>
-          <a:bodyPr rtlCol="0" anchor="ctr"/>
-          <a:lstStyle/>
-          <a:p>
-            <a:pPr algn="ctr"/>
-            <a:r>
-              <a:rPr lang="fr-FR" sz="3600" dirty="0" smtClean="0">
+              <a:ln w="38100" cmpd="dbl">
                 <a:solidFill>
                   <a:schemeClr val="accent1">
                     <a:lumMod val="50000"/>
                   </a:schemeClr>
                 </a:solidFill>
-              </a:rPr>
-              <a:t>Quantile metrics ?</a:t>
-            </a:r>
-          </a:p>
-          <a:p>
-            <a:pPr algn="ctr"/>
-            <a:r>
-              <a:rPr lang="fr-FR" sz="3600" dirty="0" smtClean="0">
+              </a:ln>
+            </p:spPr>
+            <p:style>
+              <a:lnRef idx="2">
+                <a:schemeClr val="accent1">
+                  <a:shade val="50000"/>
+                </a:schemeClr>
+              </a:lnRef>
+              <a:fillRef idx="1">
+                <a:schemeClr val="accent1"/>
+              </a:fillRef>
+              <a:effectRef idx="0">
+                <a:schemeClr val="accent1"/>
+              </a:effectRef>
+              <a:fontRef idx="minor">
+                <a:schemeClr val="lt1"/>
+              </a:fontRef>
+            </p:style>
+            <p:txBody>
+              <a:bodyPr rtlCol="0" anchor="ctr"/>
+              <a:lstStyle/>
+              <a:p>
+                <a:pPr algn="ctr"/>
+                <a:endParaRPr lang="fr-FR" dirty="0"/>
+              </a:p>
+            </p:txBody>
+          </p:sp>
+          <p:sp>
+            <p:nvSpPr>
+              <p:cNvPr id="31" name="Flèche droite 30"/>
+              <p:cNvSpPr/>
+              <p:nvPr/>
+            </p:nvSpPr>
+            <p:spPr>
+              <a:xfrm>
+                <a:off x="17392529" y="10375389"/>
+                <a:ext cx="1382232" cy="899597"/>
+              </a:xfrm>
+              <a:prstGeom prst="rightArrow">
+                <a:avLst/>
+              </a:prstGeom>
+            </p:spPr>
+            <p:style>
+              <a:lnRef idx="2">
+                <a:schemeClr val="accent1">
+                  <a:shade val="50000"/>
+                </a:schemeClr>
+              </a:lnRef>
+              <a:fillRef idx="1">
+                <a:schemeClr val="accent1"/>
+              </a:fillRef>
+              <a:effectRef idx="0">
+                <a:schemeClr val="accent1"/>
+              </a:effectRef>
+              <a:fontRef idx="minor">
+                <a:schemeClr val="lt1"/>
+              </a:fontRef>
+            </p:style>
+            <p:txBody>
+              <a:bodyPr rtlCol="0" anchor="ctr"/>
+              <a:lstStyle/>
+              <a:p>
+                <a:pPr algn="ctr"/>
+                <a:endParaRPr lang="fr-FR"/>
+              </a:p>
+            </p:txBody>
+          </p:sp>
+          <p:sp>
+            <p:nvSpPr>
+              <p:cNvPr id="60" name="Rectangle à coins arrondis 59"/>
+              <p:cNvSpPr/>
+              <p:nvPr/>
+            </p:nvSpPr>
+            <p:spPr>
+              <a:xfrm>
+                <a:off x="1081364" y="7987081"/>
+                <a:ext cx="15555472" cy="5740062"/>
+              </a:xfrm>
+              <a:prstGeom prst="roundRect">
+                <a:avLst>
+                  <a:gd name="adj" fmla="val 4812"/>
+                </a:avLst>
+              </a:prstGeom>
+              <a:solidFill>
+                <a:schemeClr val="accent1">
+                  <a:lumMod val="40000"/>
+                  <a:lumOff val="60000"/>
+                </a:schemeClr>
+              </a:solidFill>
+              <a:ln w="38100">
                 <a:solidFill>
                   <a:schemeClr val="accent1">
                     <a:lumMod val="50000"/>
                   </a:schemeClr>
                 </a:solidFill>
-              </a:rPr>
-              <a:t/>
-            </a:r>
-            <a:br>
-              <a:rPr lang="fr-FR" sz="3600" dirty="0" smtClean="0">
+              </a:ln>
+            </p:spPr>
+            <p:style>
+              <a:lnRef idx="2">
+                <a:schemeClr val="accent1">
+                  <a:shade val="50000"/>
+                </a:schemeClr>
+              </a:lnRef>
+              <a:fillRef idx="1">
+                <a:schemeClr val="accent1"/>
+              </a:fillRef>
+              <a:effectRef idx="0">
+                <a:schemeClr val="accent1"/>
+              </a:effectRef>
+              <a:fontRef idx="minor">
+                <a:schemeClr val="lt1"/>
+              </a:fontRef>
+            </p:style>
+            <p:txBody>
+              <a:bodyPr rtlCol="0" anchor="ctr"/>
+              <a:lstStyle/>
+              <a:p>
+                <a:pPr>
+                  <a:lnSpc>
+                    <a:spcPct val="150000"/>
+                  </a:lnSpc>
+                </a:pPr>
+                <a:r>
+                  <a:rPr lang="fr-FR" sz="3600" b="1" dirty="0">
+                    <a:solidFill>
+                      <a:schemeClr val="tx1"/>
+                    </a:solidFill>
+                  </a:rPr>
+                  <a:t>PROJECT ENVIRE</a:t>
+                </a:r>
+              </a:p>
+              <a:p>
+                <a:pPr algn="ctr">
+                  <a:lnSpc>
+                    <a:spcPct val="150000"/>
+                  </a:lnSpc>
+                </a:pPr>
+                <a:r>
+                  <a:rPr lang="fr-FR" sz="3600" b="1" dirty="0">
+                    <a:solidFill>
+                      <a:schemeClr val="tx1"/>
+                    </a:solidFill>
+                  </a:rPr>
+                  <a:t>CONSORTIUM AND FUNDING</a:t>
+                </a:r>
+                <a:endParaRPr lang="en-US" sz="3600" dirty="0">
+                  <a:solidFill>
+                    <a:schemeClr val="tx1"/>
+                  </a:solidFill>
+                </a:endParaRPr>
+              </a:p>
+              <a:p>
+                <a:pPr marL="571500" indent="-571500">
+                  <a:buFont typeface="Arial" panose="020B0604020202020204" pitchFamily="34" charset="0"/>
+                  <a:buChar char="•"/>
+                </a:pPr>
+                <a:r>
+                  <a:rPr lang="fr-FR" sz="3600" dirty="0">
+                    <a:solidFill>
+                      <a:schemeClr val="tx1"/>
+                    </a:solidFill>
+                  </a:rPr>
+                  <a:t>Project duration: 2022-2025</a:t>
+                </a:r>
+              </a:p>
+              <a:p>
+                <a:pPr marL="571500" indent="-571500">
+                  <a:buFont typeface="Arial" panose="020B0604020202020204" pitchFamily="34" charset="0"/>
+                  <a:buChar char="•"/>
+                </a:pPr>
+                <a:r>
+                  <a:rPr lang="en-US" sz="3600" dirty="0">
+                    <a:solidFill>
+                      <a:schemeClr val="tx1"/>
+                    </a:solidFill>
+                  </a:rPr>
+                  <a:t>Germany, France, Lithuania, Poland, Tunisia</a:t>
+                </a:r>
+                <a:endParaRPr lang="fr-FR" sz="3600" dirty="0">
+                  <a:solidFill>
+                    <a:schemeClr val="tx1"/>
+                  </a:solidFill>
+                </a:endParaRPr>
+              </a:p>
+              <a:p>
+                <a:pPr marL="571500" indent="-571500">
+                  <a:buFont typeface="Arial" panose="020B0604020202020204" pitchFamily="34" charset="0"/>
+                  <a:buChar char="•"/>
+                </a:pPr>
+                <a:r>
+                  <a:rPr lang="en-US" sz="3600" dirty="0">
+                    <a:solidFill>
+                      <a:schemeClr val="tx1"/>
+                    </a:solidFill>
+                  </a:rPr>
+                  <a:t>Funded by the European Transnational Programme - </a:t>
+                </a:r>
+                <a:r>
+                  <a:rPr lang="fr-FR" sz="3600" dirty="0">
+                    <a:solidFill>
+                      <a:srgbClr val="FF0000"/>
+                    </a:solidFill>
+                  </a:rPr>
+                  <a:t>JPIAMR-ACTION</a:t>
+                </a:r>
+                <a:endParaRPr lang="en-US" sz="3600" dirty="0">
+                  <a:solidFill>
+                    <a:srgbClr val="FF0000"/>
+                  </a:solidFill>
+                </a:endParaRPr>
+              </a:p>
+              <a:p>
+                <a:pPr algn="ctr"/>
+                <a:r>
+                  <a:rPr lang="fr-FR" sz="3600" b="1" dirty="0">
+                    <a:solidFill>
+                      <a:schemeClr val="tx1"/>
+                    </a:solidFill>
+                  </a:rPr>
+                  <a:t>OBJECTIVES</a:t>
+                </a:r>
+              </a:p>
+              <a:p>
+                <a:pPr marL="571500" indent="-571500">
+                  <a:buFont typeface="Arial" panose="020B0604020202020204" pitchFamily="34" charset="0"/>
+                  <a:buChar char="•"/>
+                </a:pPr>
+                <a:r>
+                  <a:rPr lang="en-US" sz="3600" dirty="0">
+                    <a:solidFill>
+                      <a:schemeClr val="tx1"/>
+                    </a:solidFill>
+                  </a:rPr>
+                  <a:t>Reduce antimicrobial-resistant (</a:t>
+                </a:r>
+                <a:r>
+                  <a:rPr lang="en-US" sz="3600" dirty="0">
+                    <a:solidFill>
+                      <a:srgbClr val="FF0000"/>
+                    </a:solidFill>
+                  </a:rPr>
+                  <a:t>AMR</a:t>
+                </a:r>
+                <a:r>
+                  <a:rPr lang="en-US" sz="3600" dirty="0">
+                    <a:solidFill>
+                      <a:schemeClr val="tx1"/>
+                    </a:solidFill>
+                  </a:rPr>
+                  <a:t>) bacteria spread from broiler chickens</a:t>
+                </a:r>
+              </a:p>
+              <a:p>
+                <a:pPr marL="571500" indent="-571500">
+                  <a:buFont typeface="Arial" panose="020B0604020202020204" pitchFamily="34" charset="0"/>
+                  <a:buChar char="•"/>
+                </a:pPr>
+                <a:r>
+                  <a:rPr lang="en-US" sz="3600" dirty="0">
+                    <a:solidFill>
+                      <a:schemeClr val="tx1"/>
+                    </a:solidFill>
+                  </a:rPr>
+                  <a:t>Investigate the potential of various on-farm </a:t>
+                </a:r>
+                <a:r>
+                  <a:rPr lang="en-US" sz="3600" dirty="0">
+                    <a:solidFill>
+                      <a:srgbClr val="FF0000"/>
+                    </a:solidFill>
+                  </a:rPr>
+                  <a:t>intervention</a:t>
+                </a:r>
+                <a:r>
+                  <a:rPr lang="en-US" sz="3600" dirty="0">
+                    <a:solidFill>
+                      <a:schemeClr val="tx1"/>
+                    </a:solidFill>
+                  </a:rPr>
+                  <a:t> measures</a:t>
+                </a:r>
+              </a:p>
+              <a:p>
+                <a:pPr marL="571500" indent="-571500">
+                  <a:buFont typeface="Arial" panose="020B0604020202020204" pitchFamily="34" charset="0"/>
+                  <a:buChar char="•"/>
+                </a:pPr>
+                <a:r>
+                  <a:rPr lang="en-US" sz="3600" dirty="0">
+                    <a:solidFill>
+                      <a:schemeClr val="tx1"/>
+                    </a:solidFill>
+                  </a:rPr>
+                  <a:t>Reduce transmission and human exposure to ESBL </a:t>
+                </a:r>
+                <a:r>
+                  <a:rPr lang="en-US" sz="3600" i="1" dirty="0">
+                    <a:solidFill>
+                      <a:schemeClr val="tx1"/>
+                    </a:solidFill>
+                  </a:rPr>
+                  <a:t>E. </a:t>
+                </a:r>
+                <a:r>
+                  <a:rPr lang="en-US" sz="3600" i="1" dirty="0" smtClean="0">
+                    <a:solidFill>
+                      <a:schemeClr val="tx1"/>
+                    </a:solidFill>
+                  </a:rPr>
+                  <a:t>coli</a:t>
+                </a:r>
+                <a:r>
+                  <a:rPr lang="en-US" sz="3600" dirty="0" smtClean="0">
+                    <a:solidFill>
+                      <a:schemeClr val="tx1"/>
+                    </a:solidFill>
+                  </a:rPr>
+                  <a:t> </a:t>
+                </a:r>
+                <a:r>
+                  <a:rPr lang="en-US" sz="3600" dirty="0">
+                    <a:solidFill>
+                      <a:schemeClr val="tx1"/>
+                    </a:solidFill>
+                  </a:rPr>
+                  <a:t>from broiler chicken</a:t>
+                </a:r>
+              </a:p>
+              <a:p>
+                <a:pPr algn="ctr"/>
+                <a:endParaRPr lang="fr-FR" sz="3600" dirty="0">
+                  <a:solidFill>
+                    <a:schemeClr val="tx1"/>
+                  </a:solidFill>
+                </a:endParaRPr>
+              </a:p>
+            </p:txBody>
+          </p:sp>
+        </p:grpSp>
+      </p:grpSp>
+      <p:grpSp>
+        <p:nvGrpSpPr>
+          <p:cNvPr id="20" name="Groupe 19"/>
+          <p:cNvGrpSpPr/>
+          <p:nvPr/>
+        </p:nvGrpSpPr>
+        <p:grpSpPr>
+          <a:xfrm>
+            <a:off x="26424455" y="30193469"/>
+            <a:ext cx="3223572" cy="5988867"/>
+            <a:chOff x="26156980" y="30200608"/>
+            <a:chExt cx="3223572" cy="5988867"/>
+          </a:xfrm>
+        </p:grpSpPr>
+        <p:sp>
+          <p:nvSpPr>
+            <p:cNvPr id="63" name="Rectangle 62"/>
+            <p:cNvSpPr/>
+            <p:nvPr/>
+          </p:nvSpPr>
+          <p:spPr>
+            <a:xfrm>
+              <a:off x="26448780" y="30200608"/>
+              <a:ext cx="2639972" cy="3211033"/>
+            </a:xfrm>
+            <a:prstGeom prst="rect">
+              <a:avLst/>
+            </a:prstGeom>
+            <a:noFill/>
+            <a:ln>
+              <a:noFill/>
+            </a:ln>
+          </p:spPr>
+          <p:style>
+            <a:lnRef idx="2">
+              <a:schemeClr val="accent1">
+                <a:shade val="50000"/>
+              </a:schemeClr>
+            </a:lnRef>
+            <a:fillRef idx="1">
+              <a:schemeClr val="accent1"/>
+            </a:fillRef>
+            <a:effectRef idx="0">
+              <a:schemeClr val="accent1"/>
+            </a:effectRef>
+            <a:fontRef idx="minor">
+              <a:schemeClr val="lt1"/>
+            </a:fontRef>
+          </p:style>
+          <p:txBody>
+            <a:bodyPr rtlCol="0" anchor="ctr"/>
+            <a:lstStyle/>
+            <a:p>
+              <a:pPr algn="ctr"/>
+              <a:r>
+                <a:rPr lang="fr-FR" sz="3600" b="1" dirty="0" smtClean="0">
+                  <a:solidFill>
+                    <a:srgbClr val="FF0000"/>
+                  </a:solidFill>
+                </a:rPr>
+                <a:t>HEAVY TAILED </a:t>
+              </a:r>
+            </a:p>
+            <a:p>
+              <a:pPr algn="ctr"/>
+              <a:r>
+                <a:rPr lang="fr-FR" sz="3600" b="1" dirty="0" smtClean="0">
+                  <a:solidFill>
+                    <a:srgbClr val="FF0000"/>
+                  </a:solidFill>
+                </a:rPr>
+                <a:t>Distribution</a:t>
+              </a:r>
+              <a:endParaRPr lang="fr-FR" sz="3600" b="1" dirty="0">
+                <a:solidFill>
+                  <a:srgbClr val="FF0000"/>
+                </a:solidFill>
+              </a:endParaRPr>
+            </a:p>
+          </p:txBody>
+        </p:sp>
+        <p:sp>
+          <p:nvSpPr>
+            <p:cNvPr id="142" name="Rectangle 141"/>
+            <p:cNvSpPr/>
+            <p:nvPr/>
+          </p:nvSpPr>
+          <p:spPr>
+            <a:xfrm>
+              <a:off x="26156980" y="32978442"/>
+              <a:ext cx="3223572" cy="3211033"/>
+            </a:xfrm>
+            <a:prstGeom prst="rect">
+              <a:avLst/>
+            </a:prstGeom>
+            <a:noFill/>
+            <a:ln>
+              <a:noFill/>
+            </a:ln>
+          </p:spPr>
+          <p:style>
+            <a:lnRef idx="2">
+              <a:schemeClr val="accent1">
+                <a:shade val="50000"/>
+              </a:schemeClr>
+            </a:lnRef>
+            <a:fillRef idx="1">
+              <a:schemeClr val="accent1"/>
+            </a:fillRef>
+            <a:effectRef idx="0">
+              <a:schemeClr val="accent1"/>
+            </a:effectRef>
+            <a:fontRef idx="minor">
+              <a:schemeClr val="lt1"/>
+            </a:fontRef>
+          </p:style>
+          <p:txBody>
+            <a:bodyPr rtlCol="0" anchor="ctr"/>
+            <a:lstStyle/>
+            <a:p>
+              <a:pPr algn="ctr"/>
+              <a:r>
+                <a:rPr lang="fr-FR" sz="3600" dirty="0" smtClean="0">
+                  <a:solidFill>
+                    <a:schemeClr val="accent1">
+                      <a:lumMod val="50000"/>
+                    </a:schemeClr>
+                  </a:solidFill>
+                </a:rPr>
+                <a:t>Quantile metrics ?</a:t>
+              </a:r>
+            </a:p>
+            <a:p>
+              <a:pPr algn="ctr"/>
+              <a:r>
+                <a:rPr lang="fr-FR" sz="3600" dirty="0" smtClean="0">
+                  <a:solidFill>
+                    <a:schemeClr val="accent1">
+                      <a:lumMod val="50000"/>
+                    </a:schemeClr>
+                  </a:solidFill>
+                </a:rPr>
+                <a:t/>
+              </a:r>
+              <a:br>
+                <a:rPr lang="fr-FR" sz="3600" dirty="0" smtClean="0">
+                  <a:solidFill>
+                    <a:schemeClr val="accent1">
+                      <a:lumMod val="50000"/>
+                    </a:schemeClr>
+                  </a:solidFill>
+                </a:rPr>
+              </a:br>
+              <a:r>
+                <a:rPr lang="fr-FR" sz="3600" dirty="0" smtClean="0">
+                  <a:solidFill>
+                    <a:schemeClr val="accent1">
+                      <a:lumMod val="50000"/>
+                    </a:schemeClr>
+                  </a:solidFill>
+                </a:rPr>
+                <a:t>Difficult to interpret ?</a:t>
+              </a:r>
+              <a:endParaRPr lang="fr-FR" sz="3600" dirty="0">
                 <a:solidFill>
                   <a:schemeClr val="accent1">
                     <a:lumMod val="50000"/>
                   </a:schemeClr>
                 </a:solidFill>
-              </a:rPr>
-            </a:br>
-            <a:r>
-              <a:rPr lang="fr-FR" sz="3600" dirty="0" smtClean="0">
-                <a:solidFill>
-                  <a:schemeClr val="accent1">
-                    <a:lumMod val="50000"/>
-                  </a:schemeClr>
-                </a:solidFill>
-              </a:rPr>
-              <a:t>Difficult to interpret ?</a:t>
-            </a:r>
-            <a:endParaRPr lang="fr-FR" sz="3600" dirty="0">
-              <a:solidFill>
-                <a:schemeClr val="accent1">
-                  <a:lumMod val="50000"/>
-                </a:schemeClr>
-              </a:solidFill>
-            </a:endParaRPr>
-          </a:p>
-        </p:txBody>
-      </p:sp>
+              </a:endParaRPr>
+            </a:p>
+          </p:txBody>
+        </p:sp>
+      </p:grpSp>
       <p:sp>
         <p:nvSpPr>
           <p:cNvPr id="65" name="ZoneTexte 64"/>
@@ -8464,7 +8785,7 @@
       </p:sp>
       <p:pic>
         <p:nvPicPr>
-          <p:cNvPr id="67" name="Image 66"/>
+          <p:cNvPr id="6" name="Image 5"/>
           <p:cNvPicPr>
             <a:picLocks noChangeAspect="1"/>
           </p:cNvPicPr>
@@ -8484,8 +8805,8 @@
         </p:blipFill>
         <p:spPr>
           <a:xfrm>
-            <a:off x="15114338" y="26783293"/>
-            <a:ext cx="13308544" cy="1313961"/>
+            <a:off x="15726781" y="26826949"/>
+            <a:ext cx="12332195" cy="1371839"/>
           </a:xfrm>
           <a:prstGeom prst="rect">
             <a:avLst/>

--- a/docs/Poster_ModAH_sbasak.pptx
+++ b/docs/Poster_ModAH_sbasak.pptx
@@ -197,7 +197,7 @@
           <a:p>
             <a:fld id="{30B2879C-E2E7-41DD-8C48-B2C9A03F15D4}" type="datetimeFigureOut">
               <a:rPr lang="fr-FR" smtClean="0"/>
-              <a:t>02/08/2024</a:t>
+              <a:t>29/08/2024</a:t>
             </a:fld>
             <a:endParaRPr lang="fr-FR"/>
           </a:p>
@@ -596,7 +596,7 @@
           <a:p>
             <a:fld id="{36858CB8-11F8-4AAC-AB86-67A36E1B5295}" type="datetimeFigureOut">
               <a:rPr lang="fr-FR" smtClean="0"/>
-              <a:t>02/08/2024</a:t>
+              <a:t>29/08/2024</a:t>
             </a:fld>
             <a:endParaRPr lang="fr-FR" dirty="0"/>
           </a:p>
@@ -766,7 +766,7 @@
           <a:p>
             <a:fld id="{36858CB8-11F8-4AAC-AB86-67A36E1B5295}" type="datetimeFigureOut">
               <a:rPr lang="fr-FR" smtClean="0"/>
-              <a:t>02/08/2024</a:t>
+              <a:t>29/08/2024</a:t>
             </a:fld>
             <a:endParaRPr lang="fr-FR" dirty="0"/>
           </a:p>
@@ -946,7 +946,7 @@
           <a:p>
             <a:fld id="{36858CB8-11F8-4AAC-AB86-67A36E1B5295}" type="datetimeFigureOut">
               <a:rPr lang="fr-FR" smtClean="0"/>
-              <a:t>02/08/2024</a:t>
+              <a:t>29/08/2024</a:t>
             </a:fld>
             <a:endParaRPr lang="fr-FR" dirty="0"/>
           </a:p>
@@ -1116,7 +1116,7 @@
           <a:p>
             <a:fld id="{36858CB8-11F8-4AAC-AB86-67A36E1B5295}" type="datetimeFigureOut">
               <a:rPr lang="fr-FR" smtClean="0"/>
-              <a:t>02/08/2024</a:t>
+              <a:t>29/08/2024</a:t>
             </a:fld>
             <a:endParaRPr lang="fr-FR" dirty="0"/>
           </a:p>
@@ -1360,7 +1360,7 @@
           <a:p>
             <a:fld id="{36858CB8-11F8-4AAC-AB86-67A36E1B5295}" type="datetimeFigureOut">
               <a:rPr lang="fr-FR" smtClean="0"/>
-              <a:t>02/08/2024</a:t>
+              <a:t>29/08/2024</a:t>
             </a:fld>
             <a:endParaRPr lang="fr-FR" dirty="0"/>
           </a:p>
@@ -1592,7 +1592,7 @@
           <a:p>
             <a:fld id="{36858CB8-11F8-4AAC-AB86-67A36E1B5295}" type="datetimeFigureOut">
               <a:rPr lang="fr-FR" smtClean="0"/>
-              <a:t>02/08/2024</a:t>
+              <a:t>29/08/2024</a:t>
             </a:fld>
             <a:endParaRPr lang="fr-FR" dirty="0"/>
           </a:p>
@@ -1959,7 +1959,7 @@
           <a:p>
             <a:fld id="{36858CB8-11F8-4AAC-AB86-67A36E1B5295}" type="datetimeFigureOut">
               <a:rPr lang="fr-FR" smtClean="0"/>
-              <a:t>02/08/2024</a:t>
+              <a:t>29/08/2024</a:t>
             </a:fld>
             <a:endParaRPr lang="fr-FR" dirty="0"/>
           </a:p>
@@ -2077,7 +2077,7 @@
           <a:p>
             <a:fld id="{36858CB8-11F8-4AAC-AB86-67A36E1B5295}" type="datetimeFigureOut">
               <a:rPr lang="fr-FR" smtClean="0"/>
-              <a:t>02/08/2024</a:t>
+              <a:t>29/08/2024</a:t>
             </a:fld>
             <a:endParaRPr lang="fr-FR" dirty="0"/>
           </a:p>
@@ -2172,7 +2172,7 @@
           <a:p>
             <a:fld id="{36858CB8-11F8-4AAC-AB86-67A36E1B5295}" type="datetimeFigureOut">
               <a:rPr lang="fr-FR" smtClean="0"/>
-              <a:t>02/08/2024</a:t>
+              <a:t>29/08/2024</a:t>
             </a:fld>
             <a:endParaRPr lang="fr-FR" dirty="0"/>
           </a:p>
@@ -2449,7 +2449,7 @@
           <a:p>
             <a:fld id="{36858CB8-11F8-4AAC-AB86-67A36E1B5295}" type="datetimeFigureOut">
               <a:rPr lang="fr-FR" smtClean="0"/>
-              <a:t>02/08/2024</a:t>
+              <a:t>29/08/2024</a:t>
             </a:fld>
             <a:endParaRPr lang="fr-FR" dirty="0"/>
           </a:p>
@@ -2706,7 +2706,7 @@
           <a:p>
             <a:fld id="{36858CB8-11F8-4AAC-AB86-67A36E1B5295}" type="datetimeFigureOut">
               <a:rPr lang="fr-FR" smtClean="0"/>
-              <a:t>02/08/2024</a:t>
+              <a:t>29/08/2024</a:t>
             </a:fld>
             <a:endParaRPr lang="fr-FR" dirty="0"/>
           </a:p>
@@ -2919,7 +2919,7 @@
           <a:p>
             <a:fld id="{36858CB8-11F8-4AAC-AB86-67A36E1B5295}" type="datetimeFigureOut">
               <a:rPr lang="fr-FR" smtClean="0"/>
-              <a:t>02/08/2024</a:t>
+              <a:t>29/08/2024</a:t>
             </a:fld>
             <a:endParaRPr lang="fr-FR" dirty="0"/>
           </a:p>
@@ -3532,11 +3532,6 @@
               </a:rPr>
               <a:t>Berlin, Germany </a:t>
             </a:r>
-            <a:endParaRPr lang="fr-FR" sz="4800" dirty="0" smtClean="0">
-              <a:solidFill>
-                <a:schemeClr val="bg1"/>
-              </a:solidFill>
-            </a:endParaRPr>
           </a:p>
         </p:txBody>
       </p:sp>
@@ -4662,11 +4657,7 @@
                       </a:r>
                       <a:r>
                         <a:rPr lang="fr-FR" sz="3600" dirty="0" smtClean="0"/>
-                        <a:t> </a:t>
-                      </a:r>
-                      <a:r>
-                        <a:rPr lang="fr-FR" sz="3600" dirty="0" smtClean="0"/>
-                        <a:t>and </a:t>
+                        <a:t> and </a:t>
                       </a:r>
                       <a:r>
                         <a:rPr lang="fr-FR" sz="3600" dirty="0" smtClean="0">
@@ -5366,7 +5357,6 @@
                       <a:rPr lang="fr-FR" sz="3600" b="1" dirty="0" smtClean="0"/>
                       <a:t>WithinFlock </a:t>
                     </a:r>
-                    <a:endParaRPr lang="fr-FR" sz="3600" b="1" dirty="0" smtClean="0"/>
                   </a:p>
                   <a:p>
                     <a:pPr algn="ctr"/>
@@ -6038,7 +6028,6 @@
                               <a:rPr lang="fr-FR" sz="3600" b="1" dirty="0" smtClean="0"/>
                               <a:t>Transfer</a:t>
                             </a:r>
-                            <a:endParaRPr lang="fr-FR" sz="3600" b="1" dirty="0" smtClean="0"/>
                           </a:p>
                         </p:txBody>
                       </p:sp>
@@ -6634,15 +6623,7 @@
                         <a:schemeClr val="tx1"/>
                       </a:solidFill>
                     </a:rPr>
-                    <a:t>in</a:t>
-                  </a:r>
-                  <a:r>
-                    <a:rPr lang="fr-FR" sz="3600" b="1" dirty="0" smtClean="0">
-                      <a:solidFill>
-                        <a:schemeClr val="tx1"/>
-                      </a:solidFill>
-                    </a:rPr>
-                    <a:t> processing</a:t>
+                    <a:t>in processing</a:t>
                   </a:r>
                   <a:endParaRPr lang="fr-FR" sz="3600" b="1" dirty="0">
                     <a:solidFill>
@@ -6822,15 +6803,7 @@
                         <a:schemeClr val="tx1"/>
                       </a:solidFill>
                     </a:rPr>
-                    <a:t>Flock </a:t>
-                  </a:r>
-                  <a:r>
-                    <a:rPr lang="fr-FR" sz="3600" b="1" dirty="0" smtClean="0">
-                      <a:solidFill>
-                        <a:schemeClr val="tx1"/>
-                      </a:solidFill>
-                    </a:rPr>
-                    <a:t>Risk </a:t>
+                    <a:t>Flock Risk </a:t>
                   </a:r>
                   <a:r>
                     <a:rPr lang="fr-FR" sz="3600" b="1" dirty="0">
@@ -7306,15 +7279,7 @@
                       <a:schemeClr val="tx1"/>
                     </a:solidFill>
                   </a:rPr>
-                  <a:t> carriage by consumer</a:t>
-                </a:r>
-                <a:r>
-                  <a:rPr lang="fr-FR" sz="3600" b="1" dirty="0" smtClean="0">
-                    <a:solidFill>
-                      <a:schemeClr val="tx1"/>
-                    </a:solidFill>
-                  </a:rPr>
-                  <a:t> </a:t>
+                  <a:t> carriage by consumer </a:t>
                 </a:r>
                 <a:r>
                   <a:rPr lang="fr-FR" sz="3600" b="1" dirty="0">
@@ -7350,7 +7315,7 @@
                 </a:r>
                 <a14:m>
                   <m:oMath xmlns:m="http://schemas.openxmlformats.org/officeDocument/2006/math">
-                    <a:fld id="{A6AC258B-BBF2-40CF-B999-D86047CA68F5}" type="mathplaceholder">
+                    <a:fld id="{2A909327-20DC-4699-A0AB-12C018C666F9}" type="mathplaceholder">
                       <a:rPr lang="fr-FR" sz="3600" i="1">
                         <a:latin typeface="Cambria Math" panose="02040503050406030204" pitchFamily="18" charset="0"/>
                       </a:rPr>
@@ -7401,15 +7366,7 @@
                       <a:schemeClr val="tx1"/>
                     </a:solidFill>
                   </a:rPr>
-                  <a:t>Average </a:t>
-                </a:r>
-                <a:r>
-                  <a:rPr lang="fr-FR" sz="3600" dirty="0" smtClean="0">
-                    <a:solidFill>
-                      <a:schemeClr val="tx1"/>
-                    </a:solidFill>
-                  </a:rPr>
-                  <a:t>risk </a:t>
+                  <a:t>Average risk </a:t>
                 </a:r>
                 <a:r>
                   <a:rPr lang="fr-FR" sz="3600" dirty="0">
@@ -7446,7 +7403,7 @@
                   <a:t>defined by input parameters Ɵ </a:t>
                 </a:r>
                 <a:r>
-                  <a:rPr lang="fr-FR" sz="3600" dirty="0">
+                  <a:rPr lang="fr-FR" sz="3600">
                     <a:solidFill>
                       <a:schemeClr val="tx1"/>
                     </a:solidFill>
@@ -7454,12 +7411,12 @@
                   <a:t>: </a:t>
                 </a:r>
                 <a:r>
-                  <a:rPr lang="fr-FR" sz="3600" dirty="0" smtClean="0">
+                  <a:rPr lang="fr-FR" sz="3600" smtClean="0">
                     <a:solidFill>
                       <a:srgbClr val="FF0000"/>
                     </a:solidFill>
                   </a:rPr>
-                  <a:t>1.4e-5</a:t>
+                  <a:t>1.4e-4</a:t>
                 </a:r>
                 <a:endParaRPr lang="fr-FR" sz="3600" dirty="0" smtClean="0">
                   <a:solidFill>
@@ -7585,23 +7542,7 @@
                   <a:schemeClr val="tx1"/>
                 </a:solidFill>
               </a:rPr>
-              <a:t>Food-borne QRA </a:t>
-            </a:r>
-            <a:r>
-              <a:rPr lang="fr-FR" sz="3600" b="1" dirty="0" smtClean="0">
-                <a:solidFill>
-                  <a:schemeClr val="tx1"/>
-                </a:solidFill>
-              </a:rPr>
-              <a:t>module </a:t>
-            </a:r>
-            <a:r>
-              <a:rPr lang="fr-FR" sz="3600" b="1" dirty="0" smtClean="0">
-                <a:solidFill>
-                  <a:schemeClr val="tx1"/>
-                </a:solidFill>
-              </a:rPr>
-              <a:t>perspectives</a:t>
+              <a:t>Food-borne QRA module perspectives</a:t>
             </a:r>
             <a:endParaRPr lang="fr-FR" sz="3600" b="1" dirty="0">
               <a:solidFill>
@@ -7697,15 +7638,7 @@
                   <a:schemeClr val="tx1"/>
                 </a:solidFill>
               </a:rPr>
-              <a:t> </a:t>
-            </a:r>
-            <a:r>
-              <a:rPr lang="fr-FR" sz="3600" dirty="0" smtClean="0">
-                <a:solidFill>
-                  <a:schemeClr val="tx1"/>
-                </a:solidFill>
-              </a:rPr>
-              <a:t>country protocols</a:t>
+              <a:t> country protocols</a:t>
             </a:r>
             <a:endParaRPr lang="fr-FR" sz="3600" dirty="0" smtClean="0">
               <a:solidFill>
